--- a/Slides/2020-Even-DAA-L24-Greedy-Algo-SSSP-Dijkstra.pptx
+++ b/Slides/2020-Even-DAA-L24-Greedy-Algo-SSSP-Dijkstra.pptx
@@ -25,6 +25,7 @@
     <p:sldId id="270" r:id="rId22"/>
     <p:sldId id="271" r:id="rId23"/>
     <p:sldId id="272" r:id="rId24"/>
+    <p:sldId id="273" r:id="rId25"/>
   </p:sldIdLst>
   <p:sldSz cx="10160000" cy="7620000"/>
   <p:notesSz cx="6858000" cy="9144000"/>
@@ -2446,7 +2447,7 @@
       </p:grpSpPr>
       <p:sp>
         <p:nvSpPr>
-          <p:cNvPr id="190" name="Analysis: Dijkstra’s Algorithm…"/>
+          <p:cNvPr id="190" name="Algorithm: Dijkstra’s Algorithm…"/>
           <p:cNvSpPr txBox="1"/>
           <p:nvPr>
             <p:ph type="title"/>
@@ -2463,14 +2464,14 @@
           <a:p>
             <a:pPr/>
             <a:r>
-              <a:t> Analysis: Dijkstra’s Algorithm…</a:t>
+              <a:t> Algorithm: Dijkstra’s Algorithm…</a:t>
             </a:r>
           </a:p>
         </p:txBody>
       </p:sp>
       <p:sp>
         <p:nvSpPr>
-          <p:cNvPr id="191" name="Implementation using Adjacency matrix…"/>
+          <p:cNvPr id="191" name="Algo Dijkstra(G,s)……"/>
           <p:cNvSpPr txBox="1"/>
           <p:nvPr>
             <p:ph type="body" idx="1"/>
@@ -2479,7 +2480,7 @@
         <p:spPr>
           <a:xfrm>
             <a:off x="666288" y="938113"/>
-            <a:ext cx="9055611" cy="5855755"/>
+            <a:ext cx="9437676" cy="5959163"/>
           </a:xfrm>
           <a:prstGeom prst="rect">
             <a:avLst/>
@@ -2489,21 +2490,390 @@
           <a:bodyPr/>
           <a:lstStyle/>
           <a:p>
-            <a:pPr/>
-            <a:r>
-              <a:t>Implementation using Adjacency matrix</a:t>
-            </a:r>
-          </a:p>
-          <a:p>
-            <a:pPr lvl="1"/>
-            <a:r>
-              <a:t>Priority Q using unsorted array</a:t>
-            </a:r>
-          </a:p>
-          <a:p>
-            <a:pPr lvl="1"/>
-            <a:r>
-              <a:t>Outer for loop (</a:t>
+            <a:pPr marL="0" indent="0">
+              <a:spcBef>
+                <a:spcPts val="200"/>
+              </a:spcBef>
+              <a:buSzTx/>
+              <a:buNone/>
+              <a:defRPr sz="2800">
+                <a:latin typeface="Courier New"/>
+                <a:ea typeface="Courier New"/>
+                <a:cs typeface="Courier New"/>
+                <a:sym typeface="Courier New"/>
+              </a:defRPr>
+            </a:pPr>
+            <a:r>
+              <a:t>Algo Dijkstra(G,s)…</a:t>
+            </a:r>
+          </a:p>
+          <a:p>
+            <a:pPr lvl="2" marL="0" indent="457200">
+              <a:spcBef>
+                <a:spcPts val="200"/>
+              </a:spcBef>
+              <a:buSzTx/>
+              <a:buNone/>
+              <a:defRPr>
+                <a:latin typeface="Courier New"/>
+                <a:ea typeface="Courier New"/>
+                <a:cs typeface="Courier New"/>
+                <a:sym typeface="Courier New"/>
+              </a:defRPr>
+            </a:pPr>
+            <a:r>
+              <a:rPr>
+                <a:latin typeface="Gill Sans MT"/>
+                <a:ea typeface="Gill Sans MT"/>
+                <a:cs typeface="Gill Sans MT"/>
+                <a:sym typeface="Gill Sans MT"/>
+              </a:rPr>
+              <a:t>for </a:t>
+            </a:r>
+            <a:r>
+              <a:t>i=0</a:t>
+            </a:r>
+            <a:r>
+              <a:rPr>
+                <a:latin typeface="Gill Sans MT"/>
+                <a:ea typeface="Gill Sans MT"/>
+                <a:cs typeface="Gill Sans MT"/>
+                <a:sym typeface="Gill Sans MT"/>
+              </a:rPr>
+              <a:t> to </a:t>
+            </a:r>
+            <a:r>
+              <a:t>|V|-1</a:t>
+            </a:r>
+            <a:r>
+              <a:rPr>
+                <a:latin typeface="Gill Sans MT"/>
+                <a:ea typeface="Gill Sans MT"/>
+                <a:cs typeface="Gill Sans MT"/>
+                <a:sym typeface="Gill Sans MT"/>
+              </a:rPr>
+              <a:t> do</a:t>
+            </a:r>
+            <a:endParaRPr>
+              <a:latin typeface="Gill Sans MT"/>
+              <a:ea typeface="Gill Sans MT"/>
+              <a:cs typeface="Gill Sans MT"/>
+              <a:sym typeface="Gill Sans MT"/>
+            </a:endParaRPr>
+          </a:p>
+          <a:p>
+            <a:pPr lvl="4" marL="0" indent="914400">
+              <a:spcBef>
+                <a:spcPts val="200"/>
+              </a:spcBef>
+              <a:buSzTx/>
+              <a:buNone/>
+              <a:defRPr>
+                <a:latin typeface="Courier New"/>
+                <a:ea typeface="Courier New"/>
+                <a:cs typeface="Courier New"/>
+                <a:sym typeface="Courier New"/>
+              </a:defRPr>
+            </a:pPr>
+            <a:r>
+              <a:t>u</a:t>
+            </a:r>
+            <a:r>
+              <a:rPr>
+                <a:latin typeface="Gill Sans MT"/>
+                <a:ea typeface="Gill Sans MT"/>
+                <a:cs typeface="Gill Sans MT"/>
+                <a:sym typeface="Gill Sans MT"/>
+              </a:rPr>
+              <a:t> = DeleteMin(</a:t>
+            </a:r>
+            <a:r>
+              <a:t>Q</a:t>
+            </a:r>
+            <a:r>
+              <a:rPr>
+                <a:latin typeface="Gill Sans MT"/>
+                <a:ea typeface="Gill Sans MT"/>
+                <a:cs typeface="Gill Sans MT"/>
+                <a:sym typeface="Gill Sans MT"/>
+              </a:rPr>
+              <a:t>)  //time implememtation based</a:t>
+            </a:r>
+            <a:endParaRPr>
+              <a:latin typeface="Gill Sans MT"/>
+              <a:ea typeface="Gill Sans MT"/>
+              <a:cs typeface="Gill Sans MT"/>
+              <a:sym typeface="Gill Sans MT"/>
+            </a:endParaRPr>
+          </a:p>
+          <a:p>
+            <a:pPr lvl="4" marL="0" indent="914400">
+              <a:spcBef>
+                <a:spcPts val="200"/>
+              </a:spcBef>
+              <a:buSzTx/>
+              <a:buNone/>
+              <a:defRPr>
+                <a:latin typeface="Courier New"/>
+                <a:ea typeface="Courier New"/>
+                <a:cs typeface="Courier New"/>
+                <a:sym typeface="Courier New"/>
+              </a:defRPr>
+            </a:pPr>
+            <a:r>
+              <a:t>V</a:t>
+            </a:r>
+            <a:r>
+              <a:rPr baseline="-5999"/>
+              <a:t>T</a:t>
+            </a:r>
+            <a:r>
+              <a:t>= V</a:t>
+            </a:r>
+            <a:r>
+              <a:rPr baseline="-5999"/>
+              <a:t>T </a:t>
+            </a:r>
+            <a:r>
+              <a:t>U{u}</a:t>
+            </a:r>
+          </a:p>
+          <a:p>
+            <a:pPr lvl="4" marL="0" indent="914400">
+              <a:spcBef>
+                <a:spcPts val="200"/>
+              </a:spcBef>
+              <a:buSzTx/>
+              <a:buNone/>
+              <a:defRPr>
+                <a:latin typeface="Courier New"/>
+                <a:ea typeface="Courier New"/>
+                <a:cs typeface="Courier New"/>
+                <a:sym typeface="Courier New"/>
+              </a:defRPr>
+            </a:pPr>
+            <a:r>
+              <a:rPr>
+                <a:latin typeface="Gill Sans MT"/>
+                <a:ea typeface="Gill Sans MT"/>
+                <a:cs typeface="Gill Sans MT"/>
+                <a:sym typeface="Gill Sans MT"/>
+              </a:rPr>
+              <a:t>for every vertex </a:t>
+            </a:r>
+            <a:r>
+              <a:t>w∈V-V</a:t>
+            </a:r>
+            <a:r>
+              <a:rPr baseline="-5999"/>
+              <a:t>T</a:t>
+            </a:r>
+            <a:r>
+              <a:rPr>
+                <a:latin typeface="Gill Sans MT"/>
+                <a:ea typeface="Gill Sans MT"/>
+                <a:cs typeface="Gill Sans MT"/>
+                <a:sym typeface="Gill Sans MT"/>
+              </a:rPr>
+              <a:t> adjacent to </a:t>
+            </a:r>
+            <a:r>
+              <a:t>w</a:t>
+            </a:r>
+            <a:r>
+              <a:rPr>
+                <a:latin typeface="Gill Sans MT"/>
+                <a:ea typeface="Gill Sans MT"/>
+                <a:cs typeface="Gill Sans MT"/>
+                <a:sym typeface="Gill Sans MT"/>
+              </a:rPr>
+              <a:t>, do</a:t>
+            </a:r>
+            <a:endParaRPr>
+              <a:latin typeface="Gill Sans MT"/>
+              <a:ea typeface="Gill Sans MT"/>
+              <a:cs typeface="Gill Sans MT"/>
+              <a:sym typeface="Gill Sans MT"/>
+            </a:endParaRPr>
+          </a:p>
+          <a:p>
+            <a:pPr lvl="6" marL="0" indent="1371600">
+              <a:spcBef>
+                <a:spcPts val="200"/>
+              </a:spcBef>
+              <a:buSzTx/>
+              <a:buNone/>
+              <a:defRPr sz="2800">
+                <a:latin typeface="Courier New"/>
+                <a:ea typeface="Courier New"/>
+                <a:cs typeface="Courier New"/>
+                <a:sym typeface="Courier New"/>
+              </a:defRPr>
+            </a:pPr>
+            <a:r>
+              <a:rPr>
+                <a:latin typeface="Gill Sans MT"/>
+                <a:ea typeface="Gill Sans MT"/>
+                <a:cs typeface="Gill Sans MT"/>
+                <a:sym typeface="Gill Sans MT"/>
+              </a:rPr>
+              <a:t>if </a:t>
+            </a:r>
+            <a:r>
+              <a:t>d</a:t>
+            </a:r>
+            <a:r>
+              <a:rPr baseline="-5999"/>
+              <a:t>u</a:t>
+            </a:r>
+            <a:r>
+              <a:t>+weight(u,w)&lt; d</a:t>
+            </a:r>
+            <a:r>
+              <a:rPr baseline="-5999"/>
+              <a:t>w</a:t>
+            </a:r>
+            <a:r>
+              <a:rPr>
+                <a:latin typeface="Gill Sans MT"/>
+                <a:ea typeface="Gill Sans MT"/>
+                <a:cs typeface="Gill Sans MT"/>
+                <a:sym typeface="Gill Sans MT"/>
+              </a:rPr>
+              <a:t>, then</a:t>
+            </a:r>
+            <a:endParaRPr>
+              <a:latin typeface="Gill Sans MT"/>
+              <a:ea typeface="Gill Sans MT"/>
+              <a:cs typeface="Gill Sans MT"/>
+              <a:sym typeface="Gill Sans MT"/>
+            </a:endParaRPr>
+          </a:p>
+          <a:p>
+            <a:pPr lvl="8" marL="0" indent="1828800">
+              <a:spcBef>
+                <a:spcPts val="200"/>
+              </a:spcBef>
+              <a:buSzTx/>
+              <a:buNone/>
+              <a:defRPr sz="2800">
+                <a:latin typeface="Courier New"/>
+                <a:ea typeface="Courier New"/>
+                <a:cs typeface="Courier New"/>
+                <a:sym typeface="Courier New"/>
+              </a:defRPr>
+            </a:pPr>
+            <a:r>
+              <a:t>d</a:t>
+            </a:r>
+            <a:r>
+              <a:rPr baseline="-5999"/>
+              <a:t>w</a:t>
+            </a:r>
+            <a:r>
+              <a:t>←d</a:t>
+            </a:r>
+            <a:r>
+              <a:rPr baseline="-5999"/>
+              <a:t>u</a:t>
+            </a:r>
+            <a:r>
+              <a:t>+weight(u,w)</a:t>
+            </a:r>
+          </a:p>
+          <a:p>
+            <a:pPr lvl="8" marL="0" indent="1828800">
+              <a:spcBef>
+                <a:spcPts val="200"/>
+              </a:spcBef>
+              <a:buSzTx/>
+              <a:buNone/>
+              <a:defRPr sz="2800">
+                <a:latin typeface="Courier New"/>
+                <a:ea typeface="Courier New"/>
+                <a:cs typeface="Courier New"/>
+                <a:sym typeface="Courier New"/>
+              </a:defRPr>
+            </a:pPr>
+            <a:r>
+              <a:t>p</a:t>
+            </a:r>
+            <a:r>
+              <a:rPr baseline="-5999"/>
+              <a:t>w</a:t>
+            </a:r>
+            <a:r>
+              <a:t>←u</a:t>
+            </a:r>
+          </a:p>
+          <a:p>
+            <a:pPr lvl="8" marL="0" indent="1828800">
+              <a:spcBef>
+                <a:spcPts val="200"/>
+              </a:spcBef>
+              <a:buSzTx/>
+              <a:buNone/>
+              <a:defRPr sz="2800">
+                <a:latin typeface="Courier New"/>
+                <a:ea typeface="Courier New"/>
+                <a:cs typeface="Courier New"/>
+                <a:sym typeface="Courier New"/>
+              </a:defRPr>
+            </a:pPr>
+            <a:r>
+              <a:t>Decrease(Q,w,d</a:t>
+            </a:r>
+            <a:r>
+              <a:rPr baseline="-5999"/>
+              <a:t>w</a:t>
+            </a:r>
+            <a:r>
+              <a:t>)</a:t>
+            </a:r>
+            <a:r>
+              <a:rPr>
+                <a:latin typeface="Gill Sans MT"/>
+                <a:ea typeface="Gill Sans MT"/>
+                <a:cs typeface="Gill Sans MT"/>
+                <a:sym typeface="Gill Sans MT"/>
+              </a:rPr>
+              <a:t>//time implementation based</a:t>
+            </a:r>
+          </a:p>
+          <a:p>
+            <a:pPr lvl="6" marL="0" indent="1371600">
+              <a:spcBef>
+                <a:spcPts val="200"/>
+              </a:spcBef>
+              <a:buSzTx/>
+              <a:buNone/>
+              <a:defRPr sz="2800">
+                <a:latin typeface="Gill Sans MT"/>
+                <a:ea typeface="Gill Sans MT"/>
+                <a:cs typeface="Gill Sans MT"/>
+                <a:sym typeface="Gill Sans MT"/>
+              </a:defRPr>
+            </a:pPr>
+            <a:r>
+              <a:t>fi</a:t>
+            </a:r>
+          </a:p>
+          <a:p>
+            <a:pPr lvl="4" marL="0" indent="914400">
+              <a:spcBef>
+                <a:spcPts val="200"/>
+              </a:spcBef>
+              <a:buSzTx/>
+              <a:buNone/>
+              <a:defRPr>
+                <a:latin typeface="Gill Sans MT"/>
+                <a:ea typeface="Gill Sans MT"/>
+                <a:cs typeface="Gill Sans MT"/>
+                <a:sym typeface="Gill Sans MT"/>
+              </a:defRPr>
+            </a:pPr>
+            <a:r>
+              <a:t>end //for </a:t>
             </a:r>
             <a:r>
               <a:rPr>
@@ -2512,10 +2882,40 @@
                 <a:cs typeface="Courier New"/>
                 <a:sym typeface="Courier New"/>
               </a:rPr>
-              <a:t>i=0 to |V|-1</a:t>
-            </a:r>
-            <a:r>
-              <a:t>) : </a:t>
+              <a:t>w∈V-V</a:t>
+            </a:r>
+            <a:r>
+              <a:rPr baseline="-5999">
+                <a:latin typeface="Courier New"/>
+                <a:ea typeface="Courier New"/>
+                <a:cs typeface="Courier New"/>
+                <a:sym typeface="Courier New"/>
+              </a:rPr>
+              <a:t>T</a:t>
+            </a:r>
+            <a:endParaRPr baseline="-5999">
+              <a:latin typeface="Courier New"/>
+              <a:ea typeface="Courier New"/>
+              <a:cs typeface="Courier New"/>
+              <a:sym typeface="Courier New"/>
+            </a:endParaRPr>
+          </a:p>
+          <a:p>
+            <a:pPr lvl="2" marL="0" indent="457200">
+              <a:spcBef>
+                <a:spcPts val="200"/>
+              </a:spcBef>
+              <a:buSzTx/>
+              <a:buNone/>
+              <a:defRPr>
+                <a:latin typeface="Gill Sans MT"/>
+                <a:ea typeface="Gill Sans MT"/>
+                <a:cs typeface="Gill Sans MT"/>
+                <a:sym typeface="Gill Sans MT"/>
+              </a:defRPr>
+            </a:pPr>
+            <a:r>
+              <a:t>end //for </a:t>
             </a:r>
             <a:r>
               <a:rPr>
@@ -2524,160 +2924,25 @@
                 <a:cs typeface="Courier New"/>
                 <a:sym typeface="Courier New"/>
               </a:rPr>
-              <a:t>O(|V|)</a:t>
-            </a:r>
-            <a:r>
-              <a:t> times</a:t>
-            </a:r>
-          </a:p>
-          <a:p>
-            <a:pPr lvl="1"/>
-            <a:r>
-              <a:t>DeleteMin takes </a:t>
-            </a:r>
-            <a:r>
-              <a:rPr>
-                <a:latin typeface="Courier New"/>
-                <a:ea typeface="Courier New"/>
-                <a:cs typeface="Courier New"/>
-                <a:sym typeface="Courier New"/>
-              </a:rPr>
-              <a:t>O(|V|)</a:t>
-            </a:r>
-            <a:r>
-              <a:t> times</a:t>
-            </a:r>
-          </a:p>
-          <a:p>
-            <a:pPr lvl="2"/>
-            <a:r>
-              <a:t>Total time for all vertices: </a:t>
-            </a:r>
-            <a:r>
-              <a:rPr>
-                <a:latin typeface="Courier New"/>
-                <a:ea typeface="Courier New"/>
-                <a:cs typeface="Courier New"/>
-                <a:sym typeface="Courier New"/>
-              </a:rPr>
-              <a:t>O(|V|</a:t>
-            </a:r>
-            <a:r>
-              <a:rPr baseline="31999">
-                <a:latin typeface="Courier New"/>
-                <a:ea typeface="Courier New"/>
-                <a:cs typeface="Courier New"/>
-                <a:sym typeface="Courier New"/>
-              </a:rPr>
-              <a:t>2</a:t>
-            </a:r>
-            <a:r>
-              <a:rPr>
-                <a:latin typeface="Courier New"/>
-                <a:ea typeface="Courier New"/>
-                <a:cs typeface="Courier New"/>
-                <a:sym typeface="Courier New"/>
-              </a:rPr>
-              <a:t>)</a:t>
-            </a:r>
-          </a:p>
-          <a:p>
-            <a:pPr lvl="1"/>
-            <a:r>
-              <a:t>Decrease(</a:t>
-            </a:r>
-            <a:r>
-              <a:rPr>
-                <a:latin typeface="Courier New"/>
-                <a:ea typeface="Courier New"/>
-                <a:cs typeface="Courier New"/>
-                <a:sym typeface="Courier New"/>
-              </a:rPr>
-              <a:t>Q,w,d</a:t>
-            </a:r>
-            <a:r>
-              <a:rPr baseline="-5999">
-                <a:latin typeface="Courier New"/>
-                <a:ea typeface="Courier New"/>
-                <a:cs typeface="Courier New"/>
-                <a:sym typeface="Courier New"/>
-              </a:rPr>
-              <a:t>w</a:t>
-            </a:r>
-            <a:r>
-              <a:t>) takes </a:t>
-            </a:r>
-            <a:r>
-              <a:rPr>
-                <a:latin typeface="Courier New"/>
-                <a:ea typeface="Courier New"/>
-                <a:cs typeface="Courier New"/>
-                <a:sym typeface="Courier New"/>
-              </a:rPr>
-              <a:t>O(1)</a:t>
-            </a:r>
-            <a:r>
-              <a:t> time</a:t>
-            </a:r>
-          </a:p>
-          <a:p>
-            <a:pPr lvl="2"/>
-            <a:r>
-              <a:t>Total time for all vertices: </a:t>
-            </a:r>
-            <a:r>
-              <a:rPr>
-                <a:latin typeface="Courier New"/>
-                <a:ea typeface="Courier New"/>
-                <a:cs typeface="Courier New"/>
-                <a:sym typeface="Courier New"/>
-              </a:rPr>
-              <a:t>O(|E|)</a:t>
-            </a:r>
-            <a:endParaRPr>
-              <a:latin typeface="Courier New"/>
-              <a:ea typeface="Courier New"/>
-              <a:cs typeface="Courier New"/>
-              <a:sym typeface="Courier New"/>
-            </a:endParaRPr>
-          </a:p>
-          <a:p>
-            <a:pPr lvl="1"/>
-            <a:r>
-              <a:rPr>
+              <a:t>i=0</a:t>
+            </a:r>
+          </a:p>
+          <a:p>
+            <a:pPr marL="0" indent="0">
+              <a:spcBef>
+                <a:spcPts val="200"/>
+              </a:spcBef>
+              <a:buSzTx/>
+              <a:buNone/>
+              <a:defRPr>
                 <a:latin typeface="Gill Sans MT"/>
                 <a:ea typeface="Gill Sans MT"/>
                 <a:cs typeface="Gill Sans MT"/>
                 <a:sym typeface="Gill Sans MT"/>
-              </a:rPr>
-              <a:t>Time Complexity: </a:t>
-            </a:r>
-            <a:r>
-              <a:rPr>
-                <a:latin typeface="Courier New"/>
-                <a:ea typeface="Courier New"/>
-                <a:cs typeface="Courier New"/>
-                <a:sym typeface="Courier New"/>
-              </a:rPr>
-              <a:t>O(|V|</a:t>
-            </a:r>
-            <a:r>
-              <a:rPr baseline="31999">
-                <a:latin typeface="Courier New"/>
-                <a:ea typeface="Courier New"/>
-                <a:cs typeface="Courier New"/>
-                <a:sym typeface="Courier New"/>
-              </a:rPr>
-              <a:t>2</a:t>
-            </a:r>
-            <a:r>
-              <a:rPr>
-                <a:latin typeface="Courier New"/>
-                <a:ea typeface="Courier New"/>
-                <a:cs typeface="Courier New"/>
-                <a:sym typeface="Courier New"/>
-              </a:rPr>
-              <a:t>)</a:t>
+              </a:defRPr>
+            </a:pPr>
+            <a:r>
+              <a:t>end //algo</a:t>
             </a:r>
           </a:p>
         </p:txBody>
@@ -2972,23 +3237,14 @@
                             </p:childTnLst>
                           </p:cTn>
                         </p:par>
-                      </p:childTnLst>
-                    </p:cTn>
-                  </p:par>
-                  <p:par>
-                    <p:cTn id="17" fill="hold">
-                      <p:stCondLst>
-                        <p:cond delay="indefinite"/>
-                      </p:stCondLst>
-                      <p:childTnLst>
                         <p:par>
-                          <p:cTn id="18" fill="hold">
+                          <p:cTn id="17" fill="hold">
                             <p:stCondLst>
                               <p:cond delay="0"/>
                             </p:stCondLst>
                             <p:childTnLst>
                               <p:par>
-                                <p:cTn id="19" presetClass="entr" nodeType="clickEffect" presetSubtype="0" presetID="1" grpId="1" fill="hold">
+                                <p:cTn id="18" presetClass="entr" nodeType="afterEffect" presetSubtype="0" presetID="1" grpId="1" fill="hold">
                                   <p:stCondLst>
                                     <p:cond delay="0"/>
                                   </p:stCondLst>
@@ -2998,7 +3254,7 @@
                                   <p:childTnLst>
                                     <p:set>
                                       <p:cBhvr>
-                                        <p:cTn id="20" fill="hold"/>
+                                        <p:cTn id="19" fill="hold"/>
                                         <p:tgtEl>
                                           <p:spTgt spid="191">
                                             <p:txEl>
@@ -3024,19 +3280,19 @@
                     </p:cTn>
                   </p:par>
                   <p:par>
-                    <p:cTn id="21" fill="hold">
+                    <p:cTn id="20" fill="hold">
                       <p:stCondLst>
                         <p:cond delay="indefinite"/>
                       </p:stCondLst>
                       <p:childTnLst>
                         <p:par>
-                          <p:cTn id="22" fill="hold">
+                          <p:cTn id="21" fill="hold">
                             <p:stCondLst>
                               <p:cond delay="0"/>
                             </p:stCondLst>
                             <p:childTnLst>
                               <p:par>
-                                <p:cTn id="23" presetClass="entr" nodeType="clickEffect" presetSubtype="0" presetID="1" grpId="1" fill="hold">
+                                <p:cTn id="22" presetClass="entr" nodeType="clickEffect" presetSubtype="0" presetID="1" grpId="1" fill="hold">
                                   <p:stCondLst>
                                     <p:cond delay="0"/>
                                   </p:stCondLst>
@@ -3046,7 +3302,7 @@
                                   <p:childTnLst>
                                     <p:set>
                                       <p:cBhvr>
-                                        <p:cTn id="24" fill="hold"/>
+                                        <p:cTn id="23" fill="hold"/>
                                         <p:tgtEl>
                                           <p:spTgt spid="191">
                                             <p:txEl>
@@ -3072,19 +3328,19 @@
                     </p:cTn>
                   </p:par>
                   <p:par>
-                    <p:cTn id="25" fill="hold">
+                    <p:cTn id="24" fill="hold">
                       <p:stCondLst>
                         <p:cond delay="indefinite"/>
                       </p:stCondLst>
                       <p:childTnLst>
                         <p:par>
-                          <p:cTn id="26" fill="hold">
+                          <p:cTn id="25" fill="hold">
                             <p:stCondLst>
                               <p:cond delay="0"/>
                             </p:stCondLst>
                             <p:childTnLst>
                               <p:par>
-                                <p:cTn id="27" presetClass="entr" nodeType="clickEffect" presetSubtype="0" presetID="1" grpId="1" fill="hold">
+                                <p:cTn id="26" presetClass="entr" nodeType="clickEffect" presetSubtype="0" presetID="1" grpId="1" fill="hold">
                                   <p:stCondLst>
                                     <p:cond delay="0"/>
                                   </p:stCondLst>
@@ -3094,7 +3350,7 @@
                                   <p:childTnLst>
                                     <p:set>
                                       <p:cBhvr>
-                                        <p:cTn id="28" fill="hold"/>
+                                        <p:cTn id="27" fill="hold"/>
                                         <p:tgtEl>
                                           <p:spTgt spid="191">
                                             <p:txEl>
@@ -3120,19 +3376,19 @@
                     </p:cTn>
                   </p:par>
                   <p:par>
-                    <p:cTn id="29" fill="hold">
+                    <p:cTn id="28" fill="hold">
                       <p:stCondLst>
                         <p:cond delay="indefinite"/>
                       </p:stCondLst>
                       <p:childTnLst>
                         <p:par>
-                          <p:cTn id="30" fill="hold">
+                          <p:cTn id="29" fill="hold">
                             <p:stCondLst>
                               <p:cond delay="0"/>
                             </p:stCondLst>
                             <p:childTnLst>
                               <p:par>
-                                <p:cTn id="31" presetClass="entr" nodeType="clickEffect" presetSubtype="0" presetID="1" grpId="1" fill="hold">
+                                <p:cTn id="30" presetClass="entr" nodeType="clickEffect" presetSubtype="0" presetID="1" grpId="1" fill="hold">
                                   <p:stCondLst>
                                     <p:cond delay="0"/>
                                   </p:stCondLst>
@@ -3142,7 +3398,7 @@
                                   <p:childTnLst>
                                     <p:set>
                                       <p:cBhvr>
-                                        <p:cTn id="32" fill="hold"/>
+                                        <p:cTn id="31" fill="hold"/>
                                         <p:tgtEl>
                                           <p:spTgt spid="191">
                                             <p:txEl>
@@ -3164,23 +3420,14 @@
                             </p:childTnLst>
                           </p:cTn>
                         </p:par>
-                      </p:childTnLst>
-                    </p:cTn>
-                  </p:par>
-                  <p:par>
-                    <p:cTn id="33" fill="hold">
-                      <p:stCondLst>
-                        <p:cond delay="indefinite"/>
-                      </p:stCondLst>
-                      <p:childTnLst>
                         <p:par>
-                          <p:cTn id="34" fill="hold">
+                          <p:cTn id="32" fill="hold">
                             <p:stCondLst>
                               <p:cond delay="0"/>
                             </p:stCondLst>
                             <p:childTnLst>
                               <p:par>
-                                <p:cTn id="35" presetClass="entr" nodeType="clickEffect" presetSubtype="0" presetID="1" grpId="1" fill="hold">
+                                <p:cTn id="33" presetClass="entr" nodeType="afterEffect" presetSubtype="0" presetID="1" grpId="1" fill="hold">
                                   <p:stCondLst>
                                     <p:cond delay="0"/>
                                   </p:stCondLst>
@@ -3190,11 +3437,215 @@
                                   <p:childTnLst>
                                     <p:set>
                                       <p:cBhvr>
-                                        <p:cTn id="36" fill="hold"/>
+                                        <p:cTn id="34" fill="hold"/>
                                         <p:tgtEl>
                                           <p:spTgt spid="191">
                                             <p:txEl>
                                               <p:pRg st="7" end="7"/>
+                                            </p:txEl>
+                                          </p:spTgt>
+                                        </p:tgtEl>
+                                        <p:attrNameLst>
+                                          <p:attrName>style.visibility</p:attrName>
+                                        </p:attrNameLst>
+                                      </p:cBhvr>
+                                      <p:to>
+                                        <p:strVal val="visible"/>
+                                      </p:to>
+                                    </p:set>
+                                  </p:childTnLst>
+                                </p:cTn>
+                              </p:par>
+                            </p:childTnLst>
+                          </p:cTn>
+                        </p:par>
+                        <p:par>
+                          <p:cTn id="35" fill="hold">
+                            <p:stCondLst>
+                              <p:cond delay="0"/>
+                            </p:stCondLst>
+                            <p:childTnLst>
+                              <p:par>
+                                <p:cTn id="36" presetClass="entr" nodeType="afterEffect" presetSubtype="0" presetID="1" grpId="1" fill="hold">
+                                  <p:stCondLst>
+                                    <p:cond delay="0"/>
+                                  </p:stCondLst>
+                                  <p:iterate type="el" backwards="0">
+                                    <p:tmAbs val="0"/>
+                                  </p:iterate>
+                                  <p:childTnLst>
+                                    <p:set>
+                                      <p:cBhvr>
+                                        <p:cTn id="37" fill="hold"/>
+                                        <p:tgtEl>
+                                          <p:spTgt spid="191">
+                                            <p:txEl>
+                                              <p:pRg st="8" end="8"/>
+                                            </p:txEl>
+                                          </p:spTgt>
+                                        </p:tgtEl>
+                                        <p:attrNameLst>
+                                          <p:attrName>style.visibility</p:attrName>
+                                        </p:attrNameLst>
+                                      </p:cBhvr>
+                                      <p:to>
+                                        <p:strVal val="visible"/>
+                                      </p:to>
+                                    </p:set>
+                                  </p:childTnLst>
+                                </p:cTn>
+                              </p:par>
+                            </p:childTnLst>
+                          </p:cTn>
+                        </p:par>
+                        <p:par>
+                          <p:cTn id="38" fill="hold">
+                            <p:stCondLst>
+                              <p:cond delay="0"/>
+                            </p:stCondLst>
+                            <p:childTnLst>
+                              <p:par>
+                                <p:cTn id="39" presetClass="entr" nodeType="afterEffect" presetSubtype="0" presetID="1" grpId="1" fill="hold">
+                                  <p:stCondLst>
+                                    <p:cond delay="0"/>
+                                  </p:stCondLst>
+                                  <p:iterate type="el" backwards="0">
+                                    <p:tmAbs val="0"/>
+                                  </p:iterate>
+                                  <p:childTnLst>
+                                    <p:set>
+                                      <p:cBhvr>
+                                        <p:cTn id="40" fill="hold"/>
+                                        <p:tgtEl>
+                                          <p:spTgt spid="191">
+                                            <p:txEl>
+                                              <p:pRg st="9" end="9"/>
+                                            </p:txEl>
+                                          </p:spTgt>
+                                        </p:tgtEl>
+                                        <p:attrNameLst>
+                                          <p:attrName>style.visibility</p:attrName>
+                                        </p:attrNameLst>
+                                      </p:cBhvr>
+                                      <p:to>
+                                        <p:strVal val="visible"/>
+                                      </p:to>
+                                    </p:set>
+                                  </p:childTnLst>
+                                </p:cTn>
+                              </p:par>
+                            </p:childTnLst>
+                          </p:cTn>
+                        </p:par>
+                      </p:childTnLst>
+                    </p:cTn>
+                  </p:par>
+                  <p:par>
+                    <p:cTn id="41" fill="hold">
+                      <p:stCondLst>
+                        <p:cond delay="indefinite"/>
+                      </p:stCondLst>
+                      <p:childTnLst>
+                        <p:par>
+                          <p:cTn id="42" fill="hold">
+                            <p:stCondLst>
+                              <p:cond delay="0"/>
+                            </p:stCondLst>
+                            <p:childTnLst>
+                              <p:par>
+                                <p:cTn id="43" presetClass="entr" nodeType="clickEffect" presetSubtype="0" presetID="1" grpId="1" fill="hold">
+                                  <p:stCondLst>
+                                    <p:cond delay="0"/>
+                                  </p:stCondLst>
+                                  <p:iterate type="el" backwards="0">
+                                    <p:tmAbs val="0"/>
+                                  </p:iterate>
+                                  <p:childTnLst>
+                                    <p:set>
+                                      <p:cBhvr>
+                                        <p:cTn id="44" fill="hold"/>
+                                        <p:tgtEl>
+                                          <p:spTgt spid="191">
+                                            <p:txEl>
+                                              <p:pRg st="10" end="10"/>
+                                            </p:txEl>
+                                          </p:spTgt>
+                                        </p:tgtEl>
+                                        <p:attrNameLst>
+                                          <p:attrName>style.visibility</p:attrName>
+                                        </p:attrNameLst>
+                                      </p:cBhvr>
+                                      <p:to>
+                                        <p:strVal val="visible"/>
+                                      </p:to>
+                                    </p:set>
+                                  </p:childTnLst>
+                                </p:cTn>
+                              </p:par>
+                            </p:childTnLst>
+                          </p:cTn>
+                        </p:par>
+                        <p:par>
+                          <p:cTn id="45" fill="hold">
+                            <p:stCondLst>
+                              <p:cond delay="0"/>
+                            </p:stCondLst>
+                            <p:childTnLst>
+                              <p:par>
+                                <p:cTn id="46" presetClass="entr" nodeType="afterEffect" presetSubtype="0" presetID="1" grpId="1" fill="hold">
+                                  <p:stCondLst>
+                                    <p:cond delay="0"/>
+                                  </p:stCondLst>
+                                  <p:iterate type="el" backwards="0">
+                                    <p:tmAbs val="0"/>
+                                  </p:iterate>
+                                  <p:childTnLst>
+                                    <p:set>
+                                      <p:cBhvr>
+                                        <p:cTn id="47" fill="hold"/>
+                                        <p:tgtEl>
+                                          <p:spTgt spid="191">
+                                            <p:txEl>
+                                              <p:pRg st="11" end="11"/>
+                                            </p:txEl>
+                                          </p:spTgt>
+                                        </p:tgtEl>
+                                        <p:attrNameLst>
+                                          <p:attrName>style.visibility</p:attrName>
+                                        </p:attrNameLst>
+                                      </p:cBhvr>
+                                      <p:to>
+                                        <p:strVal val="visible"/>
+                                      </p:to>
+                                    </p:set>
+                                  </p:childTnLst>
+                                </p:cTn>
+                              </p:par>
+                            </p:childTnLst>
+                          </p:cTn>
+                        </p:par>
+                        <p:par>
+                          <p:cTn id="48" fill="hold">
+                            <p:stCondLst>
+                              <p:cond delay="0"/>
+                            </p:stCondLst>
+                            <p:childTnLst>
+                              <p:par>
+                                <p:cTn id="49" presetClass="entr" nodeType="afterEffect" presetSubtype="0" presetID="1" grpId="1" fill="hold">
+                                  <p:stCondLst>
+                                    <p:cond delay="0"/>
+                                  </p:stCondLst>
+                                  <p:iterate type="el" backwards="0">
+                                    <p:tmAbs val="0"/>
+                                  </p:iterate>
+                                  <p:childTnLst>
+                                    <p:set>
+                                      <p:cBhvr>
+                                        <p:cTn id="50" fill="hold"/>
+                                        <p:tgtEl>
+                                          <p:spTgt spid="191">
+                                            <p:txEl>
+                                              <p:pRg st="12" end="12"/>
                                             </p:txEl>
                                           </p:spTgt>
                                         </p:tgtEl>
@@ -3262,7 +3713,7 @@
       </p:grpSpPr>
       <p:sp>
         <p:nvSpPr>
-          <p:cNvPr id="196" name="Analysis: Dijkstra’s Algorithm"/>
+          <p:cNvPr id="196" name="Analysis: Dijkstra’s Algorithm…"/>
           <p:cNvSpPr txBox="1"/>
           <p:nvPr>
             <p:ph type="title"/>
@@ -3279,14 +3730,14 @@
           <a:p>
             <a:pPr/>
             <a:r>
-              <a:t> Analysis: Dijkstra’s Algorithm</a:t>
+              <a:t> Analysis: Dijkstra’s Algorithm…</a:t>
             </a:r>
           </a:p>
         </p:txBody>
       </p:sp>
       <p:sp>
         <p:nvSpPr>
-          <p:cNvPr id="197" name="Implementation using Adjacency List…"/>
+          <p:cNvPr id="197" name="Implementation using Adjacency matrix…"/>
           <p:cNvSpPr txBox="1"/>
           <p:nvPr>
             <p:ph type="body" idx="1"/>
@@ -3307,13 +3758,13 @@
           <a:p>
             <a:pPr/>
             <a:r>
-              <a:t>Implementation using Adjacency List</a:t>
+              <a:t>Implementation using Adjacency matrix</a:t>
             </a:r>
           </a:p>
           <a:p>
             <a:pPr lvl="1"/>
             <a:r>
-              <a:t>Priority Q using Heap</a:t>
+              <a:t>Priority Q using unsorted array</a:t>
             </a:r>
           </a:p>
           <a:p>
@@ -3358,7 +3809,7 @@
                 <a:cs typeface="Courier New"/>
                 <a:sym typeface="Courier New"/>
               </a:rPr>
-              <a:t>O(lg|V|)</a:t>
+              <a:t>O(|V|)</a:t>
             </a:r>
             <a:r>
               <a:t> times</a:t>
@@ -3376,7 +3827,25 @@
                 <a:cs typeface="Courier New"/>
                 <a:sym typeface="Courier New"/>
               </a:rPr>
-              <a:t>O(|V|lg|V|)</a:t>
+              <a:t>O(|V|</a:t>
+            </a:r>
+            <a:r>
+              <a:rPr baseline="31999">
+                <a:latin typeface="Courier New"/>
+                <a:ea typeface="Courier New"/>
+                <a:cs typeface="Courier New"/>
+                <a:sym typeface="Courier New"/>
+              </a:rPr>
+              <a:t>2</a:t>
+            </a:r>
+            <a:r>
+              <a:rPr>
+                <a:latin typeface="Courier New"/>
+                <a:ea typeface="Courier New"/>
+                <a:cs typeface="Courier New"/>
+                <a:sym typeface="Courier New"/>
+              </a:rPr>
+              <a:t>)</a:t>
             </a:r>
           </a:p>
           <a:p>
@@ -3412,7 +3881,7 @@
                 <a:cs typeface="Courier New"/>
                 <a:sym typeface="Courier New"/>
               </a:rPr>
-              <a:t>O(lg|V|)</a:t>
+              <a:t>O(1)</a:t>
             </a:r>
             <a:r>
               <a:t> time</a:t>
@@ -3430,7 +3899,7 @@
                 <a:cs typeface="Courier New"/>
                 <a:sym typeface="Courier New"/>
               </a:rPr>
-              <a:t>O(|E|lg|V|)</a:t>
+              <a:t>O(|E|)</a:t>
             </a:r>
             <a:endParaRPr>
               <a:latin typeface="Courier New"/>
@@ -3457,7 +3926,25 @@
                 <a:cs typeface="Courier New"/>
                 <a:sym typeface="Courier New"/>
               </a:rPr>
-              <a:t>O(|E|lg|V|)</a:t>
+              <a:t>O(|V|</a:t>
+            </a:r>
+            <a:r>
+              <a:rPr baseline="31999">
+                <a:latin typeface="Courier New"/>
+                <a:ea typeface="Courier New"/>
+                <a:cs typeface="Courier New"/>
+                <a:sym typeface="Courier New"/>
+              </a:rPr>
+              <a:t>2</a:t>
+            </a:r>
+            <a:r>
+              <a:rPr>
+                <a:latin typeface="Courier New"/>
+                <a:ea typeface="Courier New"/>
+                <a:cs typeface="Courier New"/>
+                <a:sym typeface="Courier New"/>
+              </a:rPr>
+              <a:t>)</a:t>
             </a:r>
           </a:p>
         </p:txBody>
@@ -4042,7 +4529,7 @@
       </p:grpSpPr>
       <p:sp>
         <p:nvSpPr>
-          <p:cNvPr id="202" name="Questions"/>
+          <p:cNvPr id="202" name="Analysis: Dijkstra’s Algorithm"/>
           <p:cNvSpPr txBox="1"/>
           <p:nvPr>
             <p:ph type="title"/>
@@ -4059,20 +4546,24 @@
           <a:p>
             <a:pPr/>
             <a:r>
-              <a:t>Questions</a:t>
+              <a:t> Analysis: Dijkstra’s Algorithm</a:t>
             </a:r>
           </a:p>
         </p:txBody>
       </p:sp>
       <p:sp>
         <p:nvSpPr>
-          <p:cNvPr id="203" name="Q1: what adjustments if any need to be made in Dijkstra’s algorithm to solve the single-source shortest-paths problem for directed weighted graphs.…"/>
+          <p:cNvPr id="203" name="Implementation using Adjacency List…"/>
           <p:cNvSpPr txBox="1"/>
           <p:nvPr>
             <p:ph type="body" idx="1"/>
           </p:nvPr>
         </p:nvSpPr>
         <p:spPr>
+          <a:xfrm>
+            <a:off x="666288" y="938113"/>
+            <a:ext cx="9055611" cy="5855755"/>
+          </a:xfrm>
           <a:prstGeom prst="rect">
             <a:avLst/>
           </a:prstGeom>
@@ -4081,42 +4572,159 @@
           <a:bodyPr/>
           <a:lstStyle/>
           <a:p>
-            <a:pPr>
-              <a:defRPr sz="3000"/>
-            </a:pPr>
-            <a:r>
-              <a:t>Q</a:t>
+            <a:pPr/>
+            <a:r>
+              <a:t>Implementation using Adjacency List</a:t>
+            </a:r>
+          </a:p>
+          <a:p>
+            <a:pPr lvl="1"/>
+            <a:r>
+              <a:t>Priority Q using Heap</a:t>
+            </a:r>
+          </a:p>
+          <a:p>
+            <a:pPr lvl="1"/>
+            <a:r>
+              <a:t>Outer for loop (</a:t>
             </a:r>
             <a:r>
               <a:rPr>
-                <a:latin typeface="Arial"/>
-                <a:ea typeface="Arial"/>
-                <a:cs typeface="Arial"/>
-                <a:sym typeface="Arial"/>
+                <a:latin typeface="Courier New"/>
+                <a:ea typeface="Courier New"/>
+                <a:cs typeface="Courier New"/>
+                <a:sym typeface="Courier New"/>
               </a:rPr>
-              <a:t>1</a:t>
-            </a:r>
-            <a:r>
-              <a:t>: what adjustments if any need to be made in Dijkstra’s algorithm to solve the single-source shortest-paths problem for directed weighted graphs. </a:t>
-            </a:r>
-          </a:p>
-          <a:p>
-            <a:pPr>
-              <a:defRPr sz="3000"/>
-            </a:pPr>
-            <a:r>
-              <a:t>Ans:</a:t>
-            </a:r>
-          </a:p>
-          <a:p>
-            <a:pPr lvl="1" marL="738187" indent="-342900">
-              <a:spcBef>
-                <a:spcPts val="700"/>
-              </a:spcBef>
-              <a:buChar char="•"/>
-            </a:pPr>
-            <a:r>
-              <a:t>Do we need any changes? Just follow the directed edges.</a:t>
+              <a:t>i=0 to |V|-1</a:t>
+            </a:r>
+            <a:r>
+              <a:t>) : </a:t>
+            </a:r>
+            <a:r>
+              <a:rPr>
+                <a:latin typeface="Courier New"/>
+                <a:ea typeface="Courier New"/>
+                <a:cs typeface="Courier New"/>
+                <a:sym typeface="Courier New"/>
+              </a:rPr>
+              <a:t>O(|V|)</a:t>
+            </a:r>
+            <a:r>
+              <a:t> times</a:t>
+            </a:r>
+          </a:p>
+          <a:p>
+            <a:pPr lvl="1"/>
+            <a:r>
+              <a:t>DeleteMin takes </a:t>
+            </a:r>
+            <a:r>
+              <a:rPr>
+                <a:latin typeface="Courier New"/>
+                <a:ea typeface="Courier New"/>
+                <a:cs typeface="Courier New"/>
+                <a:sym typeface="Courier New"/>
+              </a:rPr>
+              <a:t>O(lg|V|)</a:t>
+            </a:r>
+            <a:r>
+              <a:t> times</a:t>
+            </a:r>
+          </a:p>
+          <a:p>
+            <a:pPr lvl="2"/>
+            <a:r>
+              <a:t>Total time for all vertices: </a:t>
+            </a:r>
+            <a:r>
+              <a:rPr>
+                <a:latin typeface="Courier New"/>
+                <a:ea typeface="Courier New"/>
+                <a:cs typeface="Courier New"/>
+                <a:sym typeface="Courier New"/>
+              </a:rPr>
+              <a:t>O(|V|lg|V|)</a:t>
+            </a:r>
+          </a:p>
+          <a:p>
+            <a:pPr lvl="1"/>
+            <a:r>
+              <a:t>Decrease(</a:t>
+            </a:r>
+            <a:r>
+              <a:rPr>
+                <a:latin typeface="Courier New"/>
+                <a:ea typeface="Courier New"/>
+                <a:cs typeface="Courier New"/>
+                <a:sym typeface="Courier New"/>
+              </a:rPr>
+              <a:t>Q,w,d</a:t>
+            </a:r>
+            <a:r>
+              <a:rPr baseline="-5999">
+                <a:latin typeface="Courier New"/>
+                <a:ea typeface="Courier New"/>
+                <a:cs typeface="Courier New"/>
+                <a:sym typeface="Courier New"/>
+              </a:rPr>
+              <a:t>w</a:t>
+            </a:r>
+            <a:r>
+              <a:t>) takes </a:t>
+            </a:r>
+            <a:r>
+              <a:rPr>
+                <a:latin typeface="Courier New"/>
+                <a:ea typeface="Courier New"/>
+                <a:cs typeface="Courier New"/>
+                <a:sym typeface="Courier New"/>
+              </a:rPr>
+              <a:t>O(lg|V|)</a:t>
+            </a:r>
+            <a:r>
+              <a:t> time</a:t>
+            </a:r>
+          </a:p>
+          <a:p>
+            <a:pPr lvl="2"/>
+            <a:r>
+              <a:t>Total time for all vertices: </a:t>
+            </a:r>
+            <a:r>
+              <a:rPr>
+                <a:latin typeface="Courier New"/>
+                <a:ea typeface="Courier New"/>
+                <a:cs typeface="Courier New"/>
+                <a:sym typeface="Courier New"/>
+              </a:rPr>
+              <a:t>O(|E|lg|V|)</a:t>
+            </a:r>
+            <a:endParaRPr>
+              <a:latin typeface="Courier New"/>
+              <a:ea typeface="Courier New"/>
+              <a:cs typeface="Courier New"/>
+              <a:sym typeface="Courier New"/>
+            </a:endParaRPr>
+          </a:p>
+          <a:p>
+            <a:pPr lvl="1"/>
+            <a:r>
+              <a:rPr>
+                <a:latin typeface="Gill Sans MT"/>
+                <a:ea typeface="Gill Sans MT"/>
+                <a:cs typeface="Gill Sans MT"/>
+                <a:sym typeface="Gill Sans MT"/>
+              </a:rPr>
+              <a:t>Time Complexity: </a:t>
+            </a:r>
+            <a:r>
+              <a:rPr>
+                <a:latin typeface="Courier New"/>
+                <a:ea typeface="Courier New"/>
+                <a:cs typeface="Courier New"/>
+                <a:sym typeface="Courier New"/>
+              </a:rPr>
+              <a:t>O(|E|lg|V|)</a:t>
             </a:r>
           </a:p>
         </p:txBody>
@@ -4414,6 +5022,246 @@
                       </p:childTnLst>
                     </p:cTn>
                   </p:par>
+                  <p:par>
+                    <p:cTn id="17" fill="hold">
+                      <p:stCondLst>
+                        <p:cond delay="indefinite"/>
+                      </p:stCondLst>
+                      <p:childTnLst>
+                        <p:par>
+                          <p:cTn id="18" fill="hold">
+                            <p:stCondLst>
+                              <p:cond delay="0"/>
+                            </p:stCondLst>
+                            <p:childTnLst>
+                              <p:par>
+                                <p:cTn id="19" presetClass="entr" nodeType="clickEffect" presetSubtype="0" presetID="1" grpId="1" fill="hold">
+                                  <p:stCondLst>
+                                    <p:cond delay="0"/>
+                                  </p:stCondLst>
+                                  <p:iterate type="el" backwards="0">
+                                    <p:tmAbs val="0"/>
+                                  </p:iterate>
+                                  <p:childTnLst>
+                                    <p:set>
+                                      <p:cBhvr>
+                                        <p:cTn id="20" fill="hold"/>
+                                        <p:tgtEl>
+                                          <p:spTgt spid="203">
+                                            <p:txEl>
+                                              <p:pRg st="3" end="3"/>
+                                            </p:txEl>
+                                          </p:spTgt>
+                                        </p:tgtEl>
+                                        <p:attrNameLst>
+                                          <p:attrName>style.visibility</p:attrName>
+                                        </p:attrNameLst>
+                                      </p:cBhvr>
+                                      <p:to>
+                                        <p:strVal val="visible"/>
+                                      </p:to>
+                                    </p:set>
+                                  </p:childTnLst>
+                                </p:cTn>
+                              </p:par>
+                            </p:childTnLst>
+                          </p:cTn>
+                        </p:par>
+                      </p:childTnLst>
+                    </p:cTn>
+                  </p:par>
+                  <p:par>
+                    <p:cTn id="21" fill="hold">
+                      <p:stCondLst>
+                        <p:cond delay="indefinite"/>
+                      </p:stCondLst>
+                      <p:childTnLst>
+                        <p:par>
+                          <p:cTn id="22" fill="hold">
+                            <p:stCondLst>
+                              <p:cond delay="0"/>
+                            </p:stCondLst>
+                            <p:childTnLst>
+                              <p:par>
+                                <p:cTn id="23" presetClass="entr" nodeType="clickEffect" presetSubtype="0" presetID="1" grpId="1" fill="hold">
+                                  <p:stCondLst>
+                                    <p:cond delay="0"/>
+                                  </p:stCondLst>
+                                  <p:iterate type="el" backwards="0">
+                                    <p:tmAbs val="0"/>
+                                  </p:iterate>
+                                  <p:childTnLst>
+                                    <p:set>
+                                      <p:cBhvr>
+                                        <p:cTn id="24" fill="hold"/>
+                                        <p:tgtEl>
+                                          <p:spTgt spid="203">
+                                            <p:txEl>
+                                              <p:pRg st="4" end="4"/>
+                                            </p:txEl>
+                                          </p:spTgt>
+                                        </p:tgtEl>
+                                        <p:attrNameLst>
+                                          <p:attrName>style.visibility</p:attrName>
+                                        </p:attrNameLst>
+                                      </p:cBhvr>
+                                      <p:to>
+                                        <p:strVal val="visible"/>
+                                      </p:to>
+                                    </p:set>
+                                  </p:childTnLst>
+                                </p:cTn>
+                              </p:par>
+                            </p:childTnLst>
+                          </p:cTn>
+                        </p:par>
+                      </p:childTnLst>
+                    </p:cTn>
+                  </p:par>
+                  <p:par>
+                    <p:cTn id="25" fill="hold">
+                      <p:stCondLst>
+                        <p:cond delay="indefinite"/>
+                      </p:stCondLst>
+                      <p:childTnLst>
+                        <p:par>
+                          <p:cTn id="26" fill="hold">
+                            <p:stCondLst>
+                              <p:cond delay="0"/>
+                            </p:stCondLst>
+                            <p:childTnLst>
+                              <p:par>
+                                <p:cTn id="27" presetClass="entr" nodeType="clickEffect" presetSubtype="0" presetID="1" grpId="1" fill="hold">
+                                  <p:stCondLst>
+                                    <p:cond delay="0"/>
+                                  </p:stCondLst>
+                                  <p:iterate type="el" backwards="0">
+                                    <p:tmAbs val="0"/>
+                                  </p:iterate>
+                                  <p:childTnLst>
+                                    <p:set>
+                                      <p:cBhvr>
+                                        <p:cTn id="28" fill="hold"/>
+                                        <p:tgtEl>
+                                          <p:spTgt spid="203">
+                                            <p:txEl>
+                                              <p:pRg st="5" end="5"/>
+                                            </p:txEl>
+                                          </p:spTgt>
+                                        </p:tgtEl>
+                                        <p:attrNameLst>
+                                          <p:attrName>style.visibility</p:attrName>
+                                        </p:attrNameLst>
+                                      </p:cBhvr>
+                                      <p:to>
+                                        <p:strVal val="visible"/>
+                                      </p:to>
+                                    </p:set>
+                                  </p:childTnLst>
+                                </p:cTn>
+                              </p:par>
+                            </p:childTnLst>
+                          </p:cTn>
+                        </p:par>
+                      </p:childTnLst>
+                    </p:cTn>
+                  </p:par>
+                  <p:par>
+                    <p:cTn id="29" fill="hold">
+                      <p:stCondLst>
+                        <p:cond delay="indefinite"/>
+                      </p:stCondLst>
+                      <p:childTnLst>
+                        <p:par>
+                          <p:cTn id="30" fill="hold">
+                            <p:stCondLst>
+                              <p:cond delay="0"/>
+                            </p:stCondLst>
+                            <p:childTnLst>
+                              <p:par>
+                                <p:cTn id="31" presetClass="entr" nodeType="clickEffect" presetSubtype="0" presetID="1" grpId="1" fill="hold">
+                                  <p:stCondLst>
+                                    <p:cond delay="0"/>
+                                  </p:stCondLst>
+                                  <p:iterate type="el" backwards="0">
+                                    <p:tmAbs val="0"/>
+                                  </p:iterate>
+                                  <p:childTnLst>
+                                    <p:set>
+                                      <p:cBhvr>
+                                        <p:cTn id="32" fill="hold"/>
+                                        <p:tgtEl>
+                                          <p:spTgt spid="203">
+                                            <p:txEl>
+                                              <p:pRg st="6" end="6"/>
+                                            </p:txEl>
+                                          </p:spTgt>
+                                        </p:tgtEl>
+                                        <p:attrNameLst>
+                                          <p:attrName>style.visibility</p:attrName>
+                                        </p:attrNameLst>
+                                      </p:cBhvr>
+                                      <p:to>
+                                        <p:strVal val="visible"/>
+                                      </p:to>
+                                    </p:set>
+                                  </p:childTnLst>
+                                </p:cTn>
+                              </p:par>
+                            </p:childTnLst>
+                          </p:cTn>
+                        </p:par>
+                      </p:childTnLst>
+                    </p:cTn>
+                  </p:par>
+                  <p:par>
+                    <p:cTn id="33" fill="hold">
+                      <p:stCondLst>
+                        <p:cond delay="indefinite"/>
+                      </p:stCondLst>
+                      <p:childTnLst>
+                        <p:par>
+                          <p:cTn id="34" fill="hold">
+                            <p:stCondLst>
+                              <p:cond delay="0"/>
+                            </p:stCondLst>
+                            <p:childTnLst>
+                              <p:par>
+                                <p:cTn id="35" presetClass="entr" nodeType="clickEffect" presetSubtype="0" presetID="1" grpId="1" fill="hold">
+                                  <p:stCondLst>
+                                    <p:cond delay="0"/>
+                                  </p:stCondLst>
+                                  <p:iterate type="el" backwards="0">
+                                    <p:tmAbs val="0"/>
+                                  </p:iterate>
+                                  <p:childTnLst>
+                                    <p:set>
+                                      <p:cBhvr>
+                                        <p:cTn id="36" fill="hold"/>
+                                        <p:tgtEl>
+                                          <p:spTgt spid="203">
+                                            <p:txEl>
+                                              <p:pRg st="7" end="7"/>
+                                            </p:txEl>
+                                          </p:spTgt>
+                                        </p:tgtEl>
+                                        <p:attrNameLst>
+                                          <p:attrName>style.visibility</p:attrName>
+                                        </p:attrNameLst>
+                                      </p:cBhvr>
+                                      <p:to>
+                                        <p:strVal val="visible"/>
+                                      </p:to>
+                                    </p:set>
+                                  </p:childTnLst>
+                                </p:cTn>
+                              </p:par>
+                            </p:childTnLst>
+                          </p:cTn>
+                        </p:par>
+                      </p:childTnLst>
+                    </p:cTn>
+                  </p:par>
                 </p:childTnLst>
               </p:cTn>
               <p:prevCondLst>
@@ -4485,7 +5333,7 @@
       </p:sp>
       <p:sp>
         <p:nvSpPr>
-          <p:cNvPr id="209" name="Q2: Find a shortest path between two given vertices of a weighted graph or digraph. (This variation is called the single-pair shortest-path problem.)…"/>
+          <p:cNvPr id="209" name="Q1: what adjustments if any need to be made in Dijkstra’s algorithm to solve the single-source shortest-paths problem for directed weighted graphs.…"/>
           <p:cNvSpPr txBox="1"/>
           <p:nvPr>
             <p:ph type="body" idx="1"/>
@@ -4504,25 +5352,38 @@
               <a:defRPr sz="3000"/>
             </a:pPr>
             <a:r>
-              <a:t>Q2: Find a shortest path between two given vertices of a weighted graph or digraph. (This variation is called the single-pair shortest-path problem.) </a:t>
-            </a:r>
-          </a:p>
-          <a:p>
-            <a:pPr/>
+              <a:t>Q</a:t>
+            </a:r>
+            <a:r>
+              <a:rPr>
+                <a:latin typeface="Arial"/>
+                <a:ea typeface="Arial"/>
+                <a:cs typeface="Arial"/>
+                <a:sym typeface="Arial"/>
+              </a:rPr>
+              <a:t>1</a:t>
+            </a:r>
+            <a:r>
+              <a:t>: what adjustments if any need to be made in Dijkstra’s algorithm to solve the single-source shortest-paths problem for directed weighted graphs. </a:t>
+            </a:r>
+          </a:p>
+          <a:p>
+            <a:pPr>
+              <a:defRPr sz="3000"/>
+            </a:pPr>
             <a:r>
               <a:t>Ans:</a:t>
             </a:r>
           </a:p>
           <a:p>
-            <a:pPr lvl="1"/>
-            <a:r>
-              <a:t>Start from one vertex as source</a:t>
-            </a:r>
-          </a:p>
-          <a:p>
-            <a:pPr lvl="1"/>
-            <a:r>
-              <a:t>Iterate the for loop till you find 2nd vertex.</a:t>
+            <a:pPr lvl="1" marL="738187" indent="-342900">
+              <a:spcBef>
+                <a:spcPts val="700"/>
+              </a:spcBef>
+              <a:buChar char="•"/>
+            </a:pPr>
+            <a:r>
+              <a:t>Do we need any changes? Just follow the directed edges.</a:t>
             </a:r>
           </a:p>
         </p:txBody>
@@ -4820,54 +5681,6 @@
                       </p:childTnLst>
                     </p:cTn>
                   </p:par>
-                  <p:par>
-                    <p:cTn id="17" fill="hold">
-                      <p:stCondLst>
-                        <p:cond delay="indefinite"/>
-                      </p:stCondLst>
-                      <p:childTnLst>
-                        <p:par>
-                          <p:cTn id="18" fill="hold">
-                            <p:stCondLst>
-                              <p:cond delay="0"/>
-                            </p:stCondLst>
-                            <p:childTnLst>
-                              <p:par>
-                                <p:cTn id="19" presetClass="entr" nodeType="clickEffect" presetSubtype="0" presetID="1" grpId="1" fill="hold">
-                                  <p:stCondLst>
-                                    <p:cond delay="0"/>
-                                  </p:stCondLst>
-                                  <p:iterate type="el" backwards="0">
-                                    <p:tmAbs val="0"/>
-                                  </p:iterate>
-                                  <p:childTnLst>
-                                    <p:set>
-                                      <p:cBhvr>
-                                        <p:cTn id="20" fill="hold"/>
-                                        <p:tgtEl>
-                                          <p:spTgt spid="209">
-                                            <p:txEl>
-                                              <p:pRg st="3" end="3"/>
-                                            </p:txEl>
-                                          </p:spTgt>
-                                        </p:tgtEl>
-                                        <p:attrNameLst>
-                                          <p:attrName>style.visibility</p:attrName>
-                                        </p:attrNameLst>
-                                      </p:cBhvr>
-                                      <p:to>
-                                        <p:strVal val="visible"/>
-                                      </p:to>
-                                    </p:set>
-                                  </p:childTnLst>
-                                </p:cTn>
-                              </p:par>
-                            </p:childTnLst>
-                          </p:cTn>
-                        </p:par>
-                      </p:childTnLst>
-                    </p:cTn>
-                  </p:par>
                 </p:childTnLst>
               </p:cTn>
               <p:prevCondLst>
@@ -4939,17 +5752,13 @@
       </p:sp>
       <p:sp>
         <p:nvSpPr>
-          <p:cNvPr id="215" name="Q3: Find the shortest paths to a given vertex from each other vertex of a weighted graph. (This variation is called the single destination shortest-paths problem.)…"/>
+          <p:cNvPr id="215" name="Q2: Find a shortest path between two given vertices of a weighted graph or digraph. (This variation is called the single-pair shortest-path problem.)…"/>
           <p:cNvSpPr txBox="1"/>
           <p:nvPr>
             <p:ph type="body" idx="1"/>
           </p:nvPr>
         </p:nvSpPr>
         <p:spPr>
-          <a:xfrm>
-            <a:off x="666288" y="938113"/>
-            <a:ext cx="9264377" cy="5891610"/>
-          </a:xfrm>
           <a:prstGeom prst="rect">
             <a:avLst/>
           </a:prstGeom>
@@ -4958,107 +5767,29 @@
           <a:bodyPr/>
           <a:lstStyle/>
           <a:p>
+            <a:pPr>
+              <a:defRPr sz="3000"/>
+            </a:pPr>
+            <a:r>
+              <a:t>Q2: Find a shortest path between two given vertices of a weighted graph or digraph. (This variation is called the single-pair shortest-path problem.) </a:t>
+            </a:r>
+          </a:p>
+          <a:p>
             <a:pPr/>
             <a:r>
-              <a:t>Q3: </a:t>
-            </a:r>
-            <a:r>
-              <a:rPr sz="3000"/>
-              <a:t>Find the shortest paths to a given vertex from each other vertex of a weighted graph. (This variation is called the single destination shortest-paths problem.)</a:t>
-            </a:r>
-            <a:endParaRPr sz="3000"/>
-          </a:p>
-          <a:p>
-            <a:pPr marL="350440" indent="-310753">
-              <a:defRPr sz="2900"/>
-            </a:pPr>
-            <a:r>
-              <a:t>Ans: Undirected graph</a:t>
-            </a:r>
-          </a:p>
-          <a:p>
-            <a:pPr lvl="1" marL="671512" indent="-276225">
-              <a:spcBef>
-                <a:spcPts val="700"/>
-              </a:spcBef>
-              <a:defRPr sz="2900"/>
-            </a:pPr>
-            <a:r>
-              <a:t>Start from the destination vertex as source</a:t>
-            </a:r>
-          </a:p>
-          <a:p>
-            <a:pPr lvl="1" marL="671512" indent="-276225">
-              <a:spcBef>
-                <a:spcPts val="700"/>
-              </a:spcBef>
-              <a:defRPr sz="2900"/>
-            </a:pPr>
-            <a:r>
-              <a:t>Find the shortest path from this to all other vertices</a:t>
-            </a:r>
-          </a:p>
-          <a:p>
-            <a:pPr lvl="1" marL="671512" indent="-276225">
-              <a:spcBef>
-                <a:spcPts val="700"/>
-              </a:spcBef>
-              <a:defRPr sz="2900"/>
-            </a:pPr>
-            <a:r>
-              <a:t>Reverse the path</a:t>
-            </a:r>
-          </a:p>
-          <a:p>
-            <a:pPr marL="350440" indent="-310753">
-              <a:defRPr sz="2900"/>
-            </a:pPr>
-            <a:r>
-              <a:t>Ans: directed graph</a:t>
-            </a:r>
-          </a:p>
-          <a:p>
-            <a:pPr lvl="1" marL="671512" indent="-276225">
-              <a:spcBef>
-                <a:spcPts val="700"/>
-              </a:spcBef>
-              <a:defRPr sz="2900"/>
-            </a:pPr>
-            <a:r>
-              <a:t>Reverse the direction of all edges.</a:t>
-            </a:r>
-          </a:p>
-          <a:p>
-            <a:pPr lvl="1" marL="671512" indent="-276225">
-              <a:spcBef>
-                <a:spcPts val="700"/>
-              </a:spcBef>
-              <a:defRPr sz="2900"/>
-            </a:pPr>
-            <a:r>
-              <a:t>Start from the destination vertex as source</a:t>
-            </a:r>
-          </a:p>
-          <a:p>
-            <a:pPr lvl="1" marL="671512" indent="-276225">
-              <a:spcBef>
-                <a:spcPts val="700"/>
-              </a:spcBef>
-              <a:defRPr sz="2900"/>
-            </a:pPr>
-            <a:r>
-              <a:t>Find the shortest path from this src to all other vertices</a:t>
-            </a:r>
-          </a:p>
-          <a:p>
-            <a:pPr lvl="1" marL="671512" indent="-276225">
-              <a:spcBef>
-                <a:spcPts val="700"/>
-              </a:spcBef>
-              <a:defRPr sz="2900"/>
-            </a:pPr>
-            <a:r>
-              <a:t>Reverse the path</a:t>
+              <a:t>Ans:</a:t>
+            </a:r>
+          </a:p>
+          <a:p>
+            <a:pPr lvl="1"/>
+            <a:r>
+              <a:t>Start from one vertex as source</a:t>
+            </a:r>
+          </a:p>
+          <a:p>
+            <a:pPr lvl="1"/>
+            <a:r>
+              <a:t>Iterate the for loop till you find 2nd vertex.</a:t>
             </a:r>
           </a:p>
         </p:txBody>
@@ -5404,294 +6135,6 @@
                       </p:childTnLst>
                     </p:cTn>
                   </p:par>
-                  <p:par>
-                    <p:cTn id="21" fill="hold">
-                      <p:stCondLst>
-                        <p:cond delay="indefinite"/>
-                      </p:stCondLst>
-                      <p:childTnLst>
-                        <p:par>
-                          <p:cTn id="22" fill="hold">
-                            <p:stCondLst>
-                              <p:cond delay="0"/>
-                            </p:stCondLst>
-                            <p:childTnLst>
-                              <p:par>
-                                <p:cTn id="23" presetClass="entr" nodeType="clickEffect" presetSubtype="0" presetID="1" grpId="1" fill="hold">
-                                  <p:stCondLst>
-                                    <p:cond delay="0"/>
-                                  </p:stCondLst>
-                                  <p:iterate type="el" backwards="0">
-                                    <p:tmAbs val="0"/>
-                                  </p:iterate>
-                                  <p:childTnLst>
-                                    <p:set>
-                                      <p:cBhvr>
-                                        <p:cTn id="24" fill="hold"/>
-                                        <p:tgtEl>
-                                          <p:spTgt spid="215">
-                                            <p:txEl>
-                                              <p:pRg st="4" end="4"/>
-                                            </p:txEl>
-                                          </p:spTgt>
-                                        </p:tgtEl>
-                                        <p:attrNameLst>
-                                          <p:attrName>style.visibility</p:attrName>
-                                        </p:attrNameLst>
-                                      </p:cBhvr>
-                                      <p:to>
-                                        <p:strVal val="visible"/>
-                                      </p:to>
-                                    </p:set>
-                                  </p:childTnLst>
-                                </p:cTn>
-                              </p:par>
-                            </p:childTnLst>
-                          </p:cTn>
-                        </p:par>
-                      </p:childTnLst>
-                    </p:cTn>
-                  </p:par>
-                  <p:par>
-                    <p:cTn id="25" fill="hold">
-                      <p:stCondLst>
-                        <p:cond delay="indefinite"/>
-                      </p:stCondLst>
-                      <p:childTnLst>
-                        <p:par>
-                          <p:cTn id="26" fill="hold">
-                            <p:stCondLst>
-                              <p:cond delay="0"/>
-                            </p:stCondLst>
-                            <p:childTnLst>
-                              <p:par>
-                                <p:cTn id="27" presetClass="entr" nodeType="clickEffect" presetSubtype="0" presetID="1" grpId="1" fill="hold">
-                                  <p:stCondLst>
-                                    <p:cond delay="0"/>
-                                  </p:stCondLst>
-                                  <p:iterate type="el" backwards="0">
-                                    <p:tmAbs val="0"/>
-                                  </p:iterate>
-                                  <p:childTnLst>
-                                    <p:set>
-                                      <p:cBhvr>
-                                        <p:cTn id="28" fill="hold"/>
-                                        <p:tgtEl>
-                                          <p:spTgt spid="215">
-                                            <p:txEl>
-                                              <p:pRg st="5" end="5"/>
-                                            </p:txEl>
-                                          </p:spTgt>
-                                        </p:tgtEl>
-                                        <p:attrNameLst>
-                                          <p:attrName>style.visibility</p:attrName>
-                                        </p:attrNameLst>
-                                      </p:cBhvr>
-                                      <p:to>
-                                        <p:strVal val="visible"/>
-                                      </p:to>
-                                    </p:set>
-                                  </p:childTnLst>
-                                </p:cTn>
-                              </p:par>
-                            </p:childTnLst>
-                          </p:cTn>
-                        </p:par>
-                      </p:childTnLst>
-                    </p:cTn>
-                  </p:par>
-                  <p:par>
-                    <p:cTn id="29" fill="hold">
-                      <p:stCondLst>
-                        <p:cond delay="indefinite"/>
-                      </p:stCondLst>
-                      <p:childTnLst>
-                        <p:par>
-                          <p:cTn id="30" fill="hold">
-                            <p:stCondLst>
-                              <p:cond delay="0"/>
-                            </p:stCondLst>
-                            <p:childTnLst>
-                              <p:par>
-                                <p:cTn id="31" presetClass="entr" nodeType="clickEffect" presetSubtype="0" presetID="1" grpId="1" fill="hold">
-                                  <p:stCondLst>
-                                    <p:cond delay="0"/>
-                                  </p:stCondLst>
-                                  <p:iterate type="el" backwards="0">
-                                    <p:tmAbs val="0"/>
-                                  </p:iterate>
-                                  <p:childTnLst>
-                                    <p:set>
-                                      <p:cBhvr>
-                                        <p:cTn id="32" fill="hold"/>
-                                        <p:tgtEl>
-                                          <p:spTgt spid="215">
-                                            <p:txEl>
-                                              <p:pRg st="6" end="6"/>
-                                            </p:txEl>
-                                          </p:spTgt>
-                                        </p:tgtEl>
-                                        <p:attrNameLst>
-                                          <p:attrName>style.visibility</p:attrName>
-                                        </p:attrNameLst>
-                                      </p:cBhvr>
-                                      <p:to>
-                                        <p:strVal val="visible"/>
-                                      </p:to>
-                                    </p:set>
-                                  </p:childTnLst>
-                                </p:cTn>
-                              </p:par>
-                            </p:childTnLst>
-                          </p:cTn>
-                        </p:par>
-                      </p:childTnLst>
-                    </p:cTn>
-                  </p:par>
-                  <p:par>
-                    <p:cTn id="33" fill="hold">
-                      <p:stCondLst>
-                        <p:cond delay="indefinite"/>
-                      </p:stCondLst>
-                      <p:childTnLst>
-                        <p:par>
-                          <p:cTn id="34" fill="hold">
-                            <p:stCondLst>
-                              <p:cond delay="0"/>
-                            </p:stCondLst>
-                            <p:childTnLst>
-                              <p:par>
-                                <p:cTn id="35" presetClass="entr" nodeType="clickEffect" presetSubtype="0" presetID="1" grpId="1" fill="hold">
-                                  <p:stCondLst>
-                                    <p:cond delay="0"/>
-                                  </p:stCondLst>
-                                  <p:iterate type="el" backwards="0">
-                                    <p:tmAbs val="0"/>
-                                  </p:iterate>
-                                  <p:childTnLst>
-                                    <p:set>
-                                      <p:cBhvr>
-                                        <p:cTn id="36" fill="hold"/>
-                                        <p:tgtEl>
-                                          <p:spTgt spid="215">
-                                            <p:txEl>
-                                              <p:pRg st="7" end="7"/>
-                                            </p:txEl>
-                                          </p:spTgt>
-                                        </p:tgtEl>
-                                        <p:attrNameLst>
-                                          <p:attrName>style.visibility</p:attrName>
-                                        </p:attrNameLst>
-                                      </p:cBhvr>
-                                      <p:to>
-                                        <p:strVal val="visible"/>
-                                      </p:to>
-                                    </p:set>
-                                  </p:childTnLst>
-                                </p:cTn>
-                              </p:par>
-                            </p:childTnLst>
-                          </p:cTn>
-                        </p:par>
-                      </p:childTnLst>
-                    </p:cTn>
-                  </p:par>
-                  <p:par>
-                    <p:cTn id="37" fill="hold">
-                      <p:stCondLst>
-                        <p:cond delay="indefinite"/>
-                      </p:stCondLst>
-                      <p:childTnLst>
-                        <p:par>
-                          <p:cTn id="38" fill="hold">
-                            <p:stCondLst>
-                              <p:cond delay="0"/>
-                            </p:stCondLst>
-                            <p:childTnLst>
-                              <p:par>
-                                <p:cTn id="39" presetClass="entr" nodeType="clickEffect" presetSubtype="0" presetID="1" grpId="1" fill="hold">
-                                  <p:stCondLst>
-                                    <p:cond delay="0"/>
-                                  </p:stCondLst>
-                                  <p:iterate type="el" backwards="0">
-                                    <p:tmAbs val="0"/>
-                                  </p:iterate>
-                                  <p:childTnLst>
-                                    <p:set>
-                                      <p:cBhvr>
-                                        <p:cTn id="40" fill="hold"/>
-                                        <p:tgtEl>
-                                          <p:spTgt spid="215">
-                                            <p:txEl>
-                                              <p:pRg st="8" end="8"/>
-                                            </p:txEl>
-                                          </p:spTgt>
-                                        </p:tgtEl>
-                                        <p:attrNameLst>
-                                          <p:attrName>style.visibility</p:attrName>
-                                        </p:attrNameLst>
-                                      </p:cBhvr>
-                                      <p:to>
-                                        <p:strVal val="visible"/>
-                                      </p:to>
-                                    </p:set>
-                                  </p:childTnLst>
-                                </p:cTn>
-                              </p:par>
-                            </p:childTnLst>
-                          </p:cTn>
-                        </p:par>
-                      </p:childTnLst>
-                    </p:cTn>
-                  </p:par>
-                  <p:par>
-                    <p:cTn id="41" fill="hold">
-                      <p:stCondLst>
-                        <p:cond delay="indefinite"/>
-                      </p:stCondLst>
-                      <p:childTnLst>
-                        <p:par>
-                          <p:cTn id="42" fill="hold">
-                            <p:stCondLst>
-                              <p:cond delay="0"/>
-                            </p:stCondLst>
-                            <p:childTnLst>
-                              <p:par>
-                                <p:cTn id="43" presetClass="entr" nodeType="clickEffect" presetSubtype="0" presetID="1" grpId="1" fill="hold">
-                                  <p:stCondLst>
-                                    <p:cond delay="0"/>
-                                  </p:stCondLst>
-                                  <p:iterate type="el" backwards="0">
-                                    <p:tmAbs val="0"/>
-                                  </p:iterate>
-                                  <p:childTnLst>
-                                    <p:set>
-                                      <p:cBhvr>
-                                        <p:cTn id="44" fill="hold"/>
-                                        <p:tgtEl>
-                                          <p:spTgt spid="215">
-                                            <p:txEl>
-                                              <p:pRg st="9" end="9"/>
-                                            </p:txEl>
-                                          </p:spTgt>
-                                        </p:tgtEl>
-                                        <p:attrNameLst>
-                                          <p:attrName>style.visibility</p:attrName>
-                                        </p:attrNameLst>
-                                      </p:cBhvr>
-                                      <p:to>
-                                        <p:strVal val="visible"/>
-                                      </p:to>
-                                    </p:set>
-                                  </p:childTnLst>
-                                </p:cTn>
-                              </p:par>
-                            </p:childTnLst>
-                          </p:cTn>
-                        </p:par>
-                      </p:childTnLst>
-                    </p:cTn>
-                  </p:par>
                 </p:childTnLst>
               </p:cTn>
               <p:prevCondLst>
@@ -5763,13 +6206,17 @@
       </p:sp>
       <p:sp>
         <p:nvSpPr>
-          <p:cNvPr id="221" name="Q4: Solve the single-source shortest-path problem in a graph with non-negative numbers assigned to its vertices (and the length of a path defined as the sum of the vertex numbers on the path).…"/>
+          <p:cNvPr id="221" name="Q3: Find the shortest paths to a given vertex from each other vertex of a weighted graph. (This variation is called the single destination shortest-paths problem.)…"/>
           <p:cNvSpPr txBox="1"/>
           <p:nvPr>
             <p:ph type="body" idx="1"/>
           </p:nvPr>
         </p:nvSpPr>
         <p:spPr>
+          <a:xfrm>
+            <a:off x="666288" y="938113"/>
+            <a:ext cx="9264377" cy="5891610"/>
+          </a:xfrm>
           <a:prstGeom prst="rect">
             <a:avLst/>
           </a:prstGeom>
@@ -5778,26 +6225,107 @@
           <a:bodyPr/>
           <a:lstStyle/>
           <a:p>
-            <a:pPr marL="350440" indent="-310753"/>
-            <a:r>
-              <a:rPr sz="2900"/>
-              <a:t>Q4: Solve the single-source shortest-path problem in a graph with non-negative numbers assigned to its vertices (and the length of a path defined as the sum of the vertex numbers on the path).</a:t>
-            </a:r>
-            <a:endParaRPr sz="2900"/>
-          </a:p>
-          <a:p>
-            <a:pPr marL="350440" indent="-310753"/>
-            <a:r>
-              <a:rPr sz="2900"/>
-              <a:t>Hint: </a:t>
-            </a:r>
-            <a:endParaRPr sz="2900"/>
-          </a:p>
-          <a:p>
-            <a:pPr lvl="1" marL="671512" indent="-276225"/>
-            <a:r>
-              <a:rPr sz="2900"/>
-              <a:t>The weight of the edge is sum of non-negative numbers assigned to vertices of the corresponding edge.</a:t>
+            <a:pPr/>
+            <a:r>
+              <a:t>Q3: </a:t>
+            </a:r>
+            <a:r>
+              <a:rPr sz="3000"/>
+              <a:t>Find the shortest paths to a given vertex from each other vertex of a weighted graph. (This variation is called the single destination shortest-paths problem.)</a:t>
+            </a:r>
+            <a:endParaRPr sz="3000"/>
+          </a:p>
+          <a:p>
+            <a:pPr marL="350440" indent="-310753">
+              <a:defRPr sz="2900"/>
+            </a:pPr>
+            <a:r>
+              <a:t>Ans: Undirected graph</a:t>
+            </a:r>
+          </a:p>
+          <a:p>
+            <a:pPr lvl="1" marL="671512" indent="-276225">
+              <a:spcBef>
+                <a:spcPts val="700"/>
+              </a:spcBef>
+              <a:defRPr sz="2900"/>
+            </a:pPr>
+            <a:r>
+              <a:t>Start from the destination vertex as source</a:t>
+            </a:r>
+          </a:p>
+          <a:p>
+            <a:pPr lvl="1" marL="671512" indent="-276225">
+              <a:spcBef>
+                <a:spcPts val="700"/>
+              </a:spcBef>
+              <a:defRPr sz="2900"/>
+            </a:pPr>
+            <a:r>
+              <a:t>Find the shortest path from this to all other vertices</a:t>
+            </a:r>
+          </a:p>
+          <a:p>
+            <a:pPr lvl="1" marL="671512" indent="-276225">
+              <a:spcBef>
+                <a:spcPts val="700"/>
+              </a:spcBef>
+              <a:defRPr sz="2900"/>
+            </a:pPr>
+            <a:r>
+              <a:t>Reverse the path</a:t>
+            </a:r>
+          </a:p>
+          <a:p>
+            <a:pPr marL="350440" indent="-310753">
+              <a:defRPr sz="2900"/>
+            </a:pPr>
+            <a:r>
+              <a:t>Ans: directed graph</a:t>
+            </a:r>
+          </a:p>
+          <a:p>
+            <a:pPr lvl="1" marL="671512" indent="-276225">
+              <a:spcBef>
+                <a:spcPts val="700"/>
+              </a:spcBef>
+              <a:defRPr sz="2900"/>
+            </a:pPr>
+            <a:r>
+              <a:t>Reverse the direction of all edges.</a:t>
+            </a:r>
+          </a:p>
+          <a:p>
+            <a:pPr lvl="1" marL="671512" indent="-276225">
+              <a:spcBef>
+                <a:spcPts val="700"/>
+              </a:spcBef>
+              <a:defRPr sz="2900"/>
+            </a:pPr>
+            <a:r>
+              <a:t>Start from the destination vertex as source</a:t>
+            </a:r>
+          </a:p>
+          <a:p>
+            <a:pPr lvl="1" marL="671512" indent="-276225">
+              <a:spcBef>
+                <a:spcPts val="700"/>
+              </a:spcBef>
+              <a:defRPr sz="2900"/>
+            </a:pPr>
+            <a:r>
+              <a:t>Find the shortest path from this src to all other vertices</a:t>
+            </a:r>
+          </a:p>
+          <a:p>
+            <a:pPr lvl="1" marL="671512" indent="-276225">
+              <a:spcBef>
+                <a:spcPts val="700"/>
+              </a:spcBef>
+              <a:defRPr sz="2900"/>
+            </a:pPr>
+            <a:r>
+              <a:t>Reverse the path</a:t>
             </a:r>
           </a:p>
         </p:txBody>
@@ -6095,6 +6623,342 @@
                       </p:childTnLst>
                     </p:cTn>
                   </p:par>
+                  <p:par>
+                    <p:cTn id="17" fill="hold">
+                      <p:stCondLst>
+                        <p:cond delay="indefinite"/>
+                      </p:stCondLst>
+                      <p:childTnLst>
+                        <p:par>
+                          <p:cTn id="18" fill="hold">
+                            <p:stCondLst>
+                              <p:cond delay="0"/>
+                            </p:stCondLst>
+                            <p:childTnLst>
+                              <p:par>
+                                <p:cTn id="19" presetClass="entr" nodeType="clickEffect" presetSubtype="0" presetID="1" grpId="1" fill="hold">
+                                  <p:stCondLst>
+                                    <p:cond delay="0"/>
+                                  </p:stCondLst>
+                                  <p:iterate type="el" backwards="0">
+                                    <p:tmAbs val="0"/>
+                                  </p:iterate>
+                                  <p:childTnLst>
+                                    <p:set>
+                                      <p:cBhvr>
+                                        <p:cTn id="20" fill="hold"/>
+                                        <p:tgtEl>
+                                          <p:spTgt spid="221">
+                                            <p:txEl>
+                                              <p:pRg st="3" end="3"/>
+                                            </p:txEl>
+                                          </p:spTgt>
+                                        </p:tgtEl>
+                                        <p:attrNameLst>
+                                          <p:attrName>style.visibility</p:attrName>
+                                        </p:attrNameLst>
+                                      </p:cBhvr>
+                                      <p:to>
+                                        <p:strVal val="visible"/>
+                                      </p:to>
+                                    </p:set>
+                                  </p:childTnLst>
+                                </p:cTn>
+                              </p:par>
+                            </p:childTnLst>
+                          </p:cTn>
+                        </p:par>
+                      </p:childTnLst>
+                    </p:cTn>
+                  </p:par>
+                  <p:par>
+                    <p:cTn id="21" fill="hold">
+                      <p:stCondLst>
+                        <p:cond delay="indefinite"/>
+                      </p:stCondLst>
+                      <p:childTnLst>
+                        <p:par>
+                          <p:cTn id="22" fill="hold">
+                            <p:stCondLst>
+                              <p:cond delay="0"/>
+                            </p:stCondLst>
+                            <p:childTnLst>
+                              <p:par>
+                                <p:cTn id="23" presetClass="entr" nodeType="clickEffect" presetSubtype="0" presetID="1" grpId="1" fill="hold">
+                                  <p:stCondLst>
+                                    <p:cond delay="0"/>
+                                  </p:stCondLst>
+                                  <p:iterate type="el" backwards="0">
+                                    <p:tmAbs val="0"/>
+                                  </p:iterate>
+                                  <p:childTnLst>
+                                    <p:set>
+                                      <p:cBhvr>
+                                        <p:cTn id="24" fill="hold"/>
+                                        <p:tgtEl>
+                                          <p:spTgt spid="221">
+                                            <p:txEl>
+                                              <p:pRg st="4" end="4"/>
+                                            </p:txEl>
+                                          </p:spTgt>
+                                        </p:tgtEl>
+                                        <p:attrNameLst>
+                                          <p:attrName>style.visibility</p:attrName>
+                                        </p:attrNameLst>
+                                      </p:cBhvr>
+                                      <p:to>
+                                        <p:strVal val="visible"/>
+                                      </p:to>
+                                    </p:set>
+                                  </p:childTnLst>
+                                </p:cTn>
+                              </p:par>
+                            </p:childTnLst>
+                          </p:cTn>
+                        </p:par>
+                      </p:childTnLst>
+                    </p:cTn>
+                  </p:par>
+                  <p:par>
+                    <p:cTn id="25" fill="hold">
+                      <p:stCondLst>
+                        <p:cond delay="indefinite"/>
+                      </p:stCondLst>
+                      <p:childTnLst>
+                        <p:par>
+                          <p:cTn id="26" fill="hold">
+                            <p:stCondLst>
+                              <p:cond delay="0"/>
+                            </p:stCondLst>
+                            <p:childTnLst>
+                              <p:par>
+                                <p:cTn id="27" presetClass="entr" nodeType="clickEffect" presetSubtype="0" presetID="1" grpId="1" fill="hold">
+                                  <p:stCondLst>
+                                    <p:cond delay="0"/>
+                                  </p:stCondLst>
+                                  <p:iterate type="el" backwards="0">
+                                    <p:tmAbs val="0"/>
+                                  </p:iterate>
+                                  <p:childTnLst>
+                                    <p:set>
+                                      <p:cBhvr>
+                                        <p:cTn id="28" fill="hold"/>
+                                        <p:tgtEl>
+                                          <p:spTgt spid="221">
+                                            <p:txEl>
+                                              <p:pRg st="5" end="5"/>
+                                            </p:txEl>
+                                          </p:spTgt>
+                                        </p:tgtEl>
+                                        <p:attrNameLst>
+                                          <p:attrName>style.visibility</p:attrName>
+                                        </p:attrNameLst>
+                                      </p:cBhvr>
+                                      <p:to>
+                                        <p:strVal val="visible"/>
+                                      </p:to>
+                                    </p:set>
+                                  </p:childTnLst>
+                                </p:cTn>
+                              </p:par>
+                            </p:childTnLst>
+                          </p:cTn>
+                        </p:par>
+                      </p:childTnLst>
+                    </p:cTn>
+                  </p:par>
+                  <p:par>
+                    <p:cTn id="29" fill="hold">
+                      <p:stCondLst>
+                        <p:cond delay="indefinite"/>
+                      </p:stCondLst>
+                      <p:childTnLst>
+                        <p:par>
+                          <p:cTn id="30" fill="hold">
+                            <p:stCondLst>
+                              <p:cond delay="0"/>
+                            </p:stCondLst>
+                            <p:childTnLst>
+                              <p:par>
+                                <p:cTn id="31" presetClass="entr" nodeType="clickEffect" presetSubtype="0" presetID="1" grpId="1" fill="hold">
+                                  <p:stCondLst>
+                                    <p:cond delay="0"/>
+                                  </p:stCondLst>
+                                  <p:iterate type="el" backwards="0">
+                                    <p:tmAbs val="0"/>
+                                  </p:iterate>
+                                  <p:childTnLst>
+                                    <p:set>
+                                      <p:cBhvr>
+                                        <p:cTn id="32" fill="hold"/>
+                                        <p:tgtEl>
+                                          <p:spTgt spid="221">
+                                            <p:txEl>
+                                              <p:pRg st="6" end="6"/>
+                                            </p:txEl>
+                                          </p:spTgt>
+                                        </p:tgtEl>
+                                        <p:attrNameLst>
+                                          <p:attrName>style.visibility</p:attrName>
+                                        </p:attrNameLst>
+                                      </p:cBhvr>
+                                      <p:to>
+                                        <p:strVal val="visible"/>
+                                      </p:to>
+                                    </p:set>
+                                  </p:childTnLst>
+                                </p:cTn>
+                              </p:par>
+                            </p:childTnLst>
+                          </p:cTn>
+                        </p:par>
+                      </p:childTnLst>
+                    </p:cTn>
+                  </p:par>
+                  <p:par>
+                    <p:cTn id="33" fill="hold">
+                      <p:stCondLst>
+                        <p:cond delay="indefinite"/>
+                      </p:stCondLst>
+                      <p:childTnLst>
+                        <p:par>
+                          <p:cTn id="34" fill="hold">
+                            <p:stCondLst>
+                              <p:cond delay="0"/>
+                            </p:stCondLst>
+                            <p:childTnLst>
+                              <p:par>
+                                <p:cTn id="35" presetClass="entr" nodeType="clickEffect" presetSubtype="0" presetID="1" grpId="1" fill="hold">
+                                  <p:stCondLst>
+                                    <p:cond delay="0"/>
+                                  </p:stCondLst>
+                                  <p:iterate type="el" backwards="0">
+                                    <p:tmAbs val="0"/>
+                                  </p:iterate>
+                                  <p:childTnLst>
+                                    <p:set>
+                                      <p:cBhvr>
+                                        <p:cTn id="36" fill="hold"/>
+                                        <p:tgtEl>
+                                          <p:spTgt spid="221">
+                                            <p:txEl>
+                                              <p:pRg st="7" end="7"/>
+                                            </p:txEl>
+                                          </p:spTgt>
+                                        </p:tgtEl>
+                                        <p:attrNameLst>
+                                          <p:attrName>style.visibility</p:attrName>
+                                        </p:attrNameLst>
+                                      </p:cBhvr>
+                                      <p:to>
+                                        <p:strVal val="visible"/>
+                                      </p:to>
+                                    </p:set>
+                                  </p:childTnLst>
+                                </p:cTn>
+                              </p:par>
+                            </p:childTnLst>
+                          </p:cTn>
+                        </p:par>
+                      </p:childTnLst>
+                    </p:cTn>
+                  </p:par>
+                  <p:par>
+                    <p:cTn id="37" fill="hold">
+                      <p:stCondLst>
+                        <p:cond delay="indefinite"/>
+                      </p:stCondLst>
+                      <p:childTnLst>
+                        <p:par>
+                          <p:cTn id="38" fill="hold">
+                            <p:stCondLst>
+                              <p:cond delay="0"/>
+                            </p:stCondLst>
+                            <p:childTnLst>
+                              <p:par>
+                                <p:cTn id="39" presetClass="entr" nodeType="clickEffect" presetSubtype="0" presetID="1" grpId="1" fill="hold">
+                                  <p:stCondLst>
+                                    <p:cond delay="0"/>
+                                  </p:stCondLst>
+                                  <p:iterate type="el" backwards="0">
+                                    <p:tmAbs val="0"/>
+                                  </p:iterate>
+                                  <p:childTnLst>
+                                    <p:set>
+                                      <p:cBhvr>
+                                        <p:cTn id="40" fill="hold"/>
+                                        <p:tgtEl>
+                                          <p:spTgt spid="221">
+                                            <p:txEl>
+                                              <p:pRg st="8" end="8"/>
+                                            </p:txEl>
+                                          </p:spTgt>
+                                        </p:tgtEl>
+                                        <p:attrNameLst>
+                                          <p:attrName>style.visibility</p:attrName>
+                                        </p:attrNameLst>
+                                      </p:cBhvr>
+                                      <p:to>
+                                        <p:strVal val="visible"/>
+                                      </p:to>
+                                    </p:set>
+                                  </p:childTnLst>
+                                </p:cTn>
+                              </p:par>
+                            </p:childTnLst>
+                          </p:cTn>
+                        </p:par>
+                      </p:childTnLst>
+                    </p:cTn>
+                  </p:par>
+                  <p:par>
+                    <p:cTn id="41" fill="hold">
+                      <p:stCondLst>
+                        <p:cond delay="indefinite"/>
+                      </p:stCondLst>
+                      <p:childTnLst>
+                        <p:par>
+                          <p:cTn id="42" fill="hold">
+                            <p:stCondLst>
+                              <p:cond delay="0"/>
+                            </p:stCondLst>
+                            <p:childTnLst>
+                              <p:par>
+                                <p:cTn id="43" presetClass="entr" nodeType="clickEffect" presetSubtype="0" presetID="1" grpId="1" fill="hold">
+                                  <p:stCondLst>
+                                    <p:cond delay="0"/>
+                                  </p:stCondLst>
+                                  <p:iterate type="el" backwards="0">
+                                    <p:tmAbs val="0"/>
+                                  </p:iterate>
+                                  <p:childTnLst>
+                                    <p:set>
+                                      <p:cBhvr>
+                                        <p:cTn id="44" fill="hold"/>
+                                        <p:tgtEl>
+                                          <p:spTgt spid="221">
+                                            <p:txEl>
+                                              <p:pRg st="9" end="9"/>
+                                            </p:txEl>
+                                          </p:spTgt>
+                                        </p:tgtEl>
+                                        <p:attrNameLst>
+                                          <p:attrName>style.visibility</p:attrName>
+                                        </p:attrNameLst>
+                                      </p:cBhvr>
+                                      <p:to>
+                                        <p:strVal val="visible"/>
+                                      </p:to>
+                                    </p:set>
+                                  </p:childTnLst>
+                                </p:cTn>
+                              </p:par>
+                            </p:childTnLst>
+                          </p:cTn>
+                        </p:par>
+                      </p:childTnLst>
+                    </p:cTn>
+                  </p:par>
                 </p:childTnLst>
               </p:cTn>
               <p:prevCondLst>
@@ -6142,7 +7006,7 @@
       </p:grpSpPr>
       <p:sp>
         <p:nvSpPr>
-          <p:cNvPr id="226" name="Dijkstra vs Prim Algo"/>
+          <p:cNvPr id="226" name="Questions"/>
           <p:cNvSpPr txBox="1"/>
           <p:nvPr>
             <p:ph type="title"/>
@@ -6159,24 +7023,20 @@
           <a:p>
             <a:pPr/>
             <a:r>
-              <a:t>Dijkstra vs Prim Algo</a:t>
+              <a:t>Questions</a:t>
             </a:r>
           </a:p>
         </p:txBody>
       </p:sp>
       <p:sp>
         <p:nvSpPr>
-          <p:cNvPr id="227" name="Do both gave same tree? Consider the example"/>
+          <p:cNvPr id="227" name="Q4: Solve the single-source shortest-path problem in a graph with non-negative numbers assigned to its vertices (and the length of a path defined as the sum of the vertex numbers on the path).…"/>
           <p:cNvSpPr txBox="1"/>
           <p:nvPr>
-            <p:ph type="body" sz="quarter" idx="1"/>
+            <p:ph type="body" idx="1"/>
           </p:nvPr>
         </p:nvSpPr>
         <p:spPr>
-          <a:xfrm>
-            <a:off x="666288" y="938113"/>
-            <a:ext cx="9055611" cy="617135"/>
-          </a:xfrm>
           <a:prstGeom prst="rect">
             <a:avLst/>
           </a:prstGeom>
@@ -6185,9 +7045,26 @@
           <a:bodyPr/>
           <a:lstStyle/>
           <a:p>
-            <a:pPr/>
-            <a:r>
-              <a:t>Do both gave same tree? Consider the example</a:t>
+            <a:pPr marL="350440" indent="-310753"/>
+            <a:r>
+              <a:rPr sz="2900"/>
+              <a:t>Q4: Solve the single-source shortest-path problem in a graph with non-negative numbers assigned to its vertices (and the length of a path defined as the sum of the vertex numbers on the path).</a:t>
+            </a:r>
+            <a:endParaRPr sz="2900"/>
+          </a:p>
+          <a:p>
+            <a:pPr marL="350440" indent="-310753"/>
+            <a:r>
+              <a:rPr sz="2900"/>
+              <a:t>Hint: </a:t>
+            </a:r>
+            <a:endParaRPr sz="2900"/>
+          </a:p>
+          <a:p>
+            <a:pPr lvl="1" marL="671512" indent="-276225"/>
+            <a:r>
+              <a:rPr sz="2900"/>
+              <a:t>The weight of the edge is sum of non-negative numbers assigned to vertices of the corresponding edge.</a:t>
             </a:r>
           </a:p>
         </p:txBody>
@@ -6299,9 +7176,399 @@
           </a:p>
         </p:txBody>
       </p:sp>
+    </p:spTree>
+  </p:cSld>
+  <p:clrMapOvr>
+    <a:masterClrMapping/>
+  </p:clrMapOvr>
+  <p:transition xmlns:p14="http://schemas.microsoft.com/office/powerpoint/2010/main" spd="med" advClick="1"/>
+  <p:timing>
+    <p:tnLst>
+      <p:par>
+        <p:cTn id="1" nodeType="tmRoot" restart="never" dur="indefinite" fill="hold">
+          <p:childTnLst>
+            <p:seq concurrent="1" prevAc="none" nextAc="seek">
+              <p:cTn id="2" nodeType="mainSeq" dur="indefinite" fill="hold">
+                <p:childTnLst>
+                  <p:par>
+                    <p:cTn id="3" fill="hold">
+                      <p:stCondLst>
+                        <p:cond delay="indefinite"/>
+                      </p:stCondLst>
+                      <p:childTnLst>
+                        <p:par>
+                          <p:cTn id="4" fill="hold">
+                            <p:stCondLst>
+                              <p:cond delay="0"/>
+                            </p:stCondLst>
+                            <p:childTnLst>
+                              <p:par>
+                                <p:cTn id="5" presetClass="entr" nodeType="clickEffect" presetSubtype="0" presetID="1" grpId="1" fill="hold">
+                                  <p:stCondLst>
+                                    <p:cond delay="0"/>
+                                  </p:stCondLst>
+                                  <p:iterate type="el" backwards="0">
+                                    <p:tmAbs val="0"/>
+                                  </p:iterate>
+                                  <p:childTnLst>
+                                    <p:set>
+                                      <p:cBhvr>
+                                        <p:cTn id="6" fill="hold"/>
+                                        <p:tgtEl>
+                                          <p:spTgt spid="227">
+                                            <p:bg/>
+                                          </p:spTgt>
+                                        </p:tgtEl>
+                                        <p:attrNameLst>
+                                          <p:attrName>style.visibility</p:attrName>
+                                        </p:attrNameLst>
+                                      </p:cBhvr>
+                                      <p:to>
+                                        <p:strVal val="visible"/>
+                                      </p:to>
+                                    </p:set>
+                                  </p:childTnLst>
+                                </p:cTn>
+                              </p:par>
+                              <p:par>
+                                <p:cTn id="7" presetClass="entr" nodeType="withEffect" presetSubtype="0" presetID="1" grpId="1" fill="hold">
+                                  <p:stCondLst>
+                                    <p:cond delay="0"/>
+                                  </p:stCondLst>
+                                  <p:iterate type="el" backwards="0">
+                                    <p:tmAbs val="0"/>
+                                  </p:iterate>
+                                  <p:childTnLst>
+                                    <p:set>
+                                      <p:cBhvr>
+                                        <p:cTn id="8" fill="hold"/>
+                                        <p:tgtEl>
+                                          <p:spTgt spid="227">
+                                            <p:txEl>
+                                              <p:pRg st="0" end="0"/>
+                                            </p:txEl>
+                                          </p:spTgt>
+                                        </p:tgtEl>
+                                        <p:attrNameLst>
+                                          <p:attrName>style.visibility</p:attrName>
+                                        </p:attrNameLst>
+                                      </p:cBhvr>
+                                      <p:to>
+                                        <p:strVal val="visible"/>
+                                      </p:to>
+                                    </p:set>
+                                  </p:childTnLst>
+                                </p:cTn>
+                              </p:par>
+                            </p:childTnLst>
+                          </p:cTn>
+                        </p:par>
+                      </p:childTnLst>
+                    </p:cTn>
+                  </p:par>
+                  <p:par>
+                    <p:cTn id="9" fill="hold">
+                      <p:stCondLst>
+                        <p:cond delay="indefinite"/>
+                      </p:stCondLst>
+                      <p:childTnLst>
+                        <p:par>
+                          <p:cTn id="10" fill="hold">
+                            <p:stCondLst>
+                              <p:cond delay="0"/>
+                            </p:stCondLst>
+                            <p:childTnLst>
+                              <p:par>
+                                <p:cTn id="11" presetClass="entr" nodeType="clickEffect" presetSubtype="0" presetID="1" grpId="1" fill="hold">
+                                  <p:stCondLst>
+                                    <p:cond delay="0"/>
+                                  </p:stCondLst>
+                                  <p:iterate type="el" backwards="0">
+                                    <p:tmAbs val="0"/>
+                                  </p:iterate>
+                                  <p:childTnLst>
+                                    <p:set>
+                                      <p:cBhvr>
+                                        <p:cTn id="12" fill="hold"/>
+                                        <p:tgtEl>
+                                          <p:spTgt spid="227">
+                                            <p:txEl>
+                                              <p:pRg st="1" end="1"/>
+                                            </p:txEl>
+                                          </p:spTgt>
+                                        </p:tgtEl>
+                                        <p:attrNameLst>
+                                          <p:attrName>style.visibility</p:attrName>
+                                        </p:attrNameLst>
+                                      </p:cBhvr>
+                                      <p:to>
+                                        <p:strVal val="visible"/>
+                                      </p:to>
+                                    </p:set>
+                                  </p:childTnLst>
+                                </p:cTn>
+                              </p:par>
+                            </p:childTnLst>
+                          </p:cTn>
+                        </p:par>
+                      </p:childTnLst>
+                    </p:cTn>
+                  </p:par>
+                  <p:par>
+                    <p:cTn id="13" fill="hold">
+                      <p:stCondLst>
+                        <p:cond delay="indefinite"/>
+                      </p:stCondLst>
+                      <p:childTnLst>
+                        <p:par>
+                          <p:cTn id="14" fill="hold">
+                            <p:stCondLst>
+                              <p:cond delay="0"/>
+                            </p:stCondLst>
+                            <p:childTnLst>
+                              <p:par>
+                                <p:cTn id="15" presetClass="entr" nodeType="clickEffect" presetSubtype="0" presetID="1" grpId="1" fill="hold">
+                                  <p:stCondLst>
+                                    <p:cond delay="0"/>
+                                  </p:stCondLst>
+                                  <p:iterate type="el" backwards="0">
+                                    <p:tmAbs val="0"/>
+                                  </p:iterate>
+                                  <p:childTnLst>
+                                    <p:set>
+                                      <p:cBhvr>
+                                        <p:cTn id="16" fill="hold"/>
+                                        <p:tgtEl>
+                                          <p:spTgt spid="227">
+                                            <p:txEl>
+                                              <p:pRg st="2" end="2"/>
+                                            </p:txEl>
+                                          </p:spTgt>
+                                        </p:tgtEl>
+                                        <p:attrNameLst>
+                                          <p:attrName>style.visibility</p:attrName>
+                                        </p:attrNameLst>
+                                      </p:cBhvr>
+                                      <p:to>
+                                        <p:strVal val="visible"/>
+                                      </p:to>
+                                    </p:set>
+                                  </p:childTnLst>
+                                </p:cTn>
+                              </p:par>
+                            </p:childTnLst>
+                          </p:cTn>
+                        </p:par>
+                      </p:childTnLst>
+                    </p:cTn>
+                  </p:par>
+                </p:childTnLst>
+              </p:cTn>
+              <p:prevCondLst>
+                <p:cond evt="onPrev">
+                  <p:tgtEl>
+                    <p:sldTgt/>
+                  </p:tgtEl>
+                </p:cond>
+              </p:prevCondLst>
+              <p:nextCondLst>
+                <p:cond evt="onNext">
+                  <p:tgtEl>
+                    <p:sldTgt/>
+                  </p:tgtEl>
+                </p:cond>
+              </p:nextCondLst>
+            </p:seq>
+          </p:childTnLst>
+        </p:cTn>
+      </p:par>
+    </p:tnLst>
+    <p:bldLst>
+      <p:bldP build="p" bldLvl="5" animBg="1" rev="0" advAuto="0" spid="227" grpId="1"/>
+    </p:bldLst>
+  </p:timing>
+</p:sld>
+</file>
+
+<file path=ppt/slides/slide17.xml><?xml version="1.0" encoding="utf-8"?>
+<p:sld xmlns:a="http://schemas.openxmlformats.org/drawingml/2006/main" xmlns:r="http://schemas.openxmlformats.org/officeDocument/2006/relationships" xmlns:p="http://schemas.openxmlformats.org/presentationml/2006/main" xmlns:m="http://schemas.openxmlformats.org/officeDocument/2006/math" xmlns:a14="http://schemas.microsoft.com/office/drawing/2010/main" showMasterSp="1" showMasterPhAnim="1">
+  <p:cSld>
+    <p:spTree>
+      <p:nvGrpSpPr>
+        <p:cNvPr id="1" name=""/>
+        <p:cNvGrpSpPr/>
+        <p:nvPr/>
+      </p:nvGrpSpPr>
+      <p:grpSpPr>
+        <a:xfrm>
+          <a:off x="0" y="0"/>
+          <a:ext cx="0" cy="0"/>
+          <a:chOff x="0" y="0"/>
+          <a:chExt cx="0" cy="0"/>
+        </a:xfrm>
+      </p:grpSpPr>
+      <p:sp>
+        <p:nvSpPr>
+          <p:cNvPr id="232" name="Dijkstra vs Prim Algo"/>
+          <p:cNvSpPr txBox="1"/>
+          <p:nvPr>
+            <p:ph type="title"/>
+          </p:nvPr>
+        </p:nvSpPr>
+        <p:spPr>
+          <a:prstGeom prst="rect">
+            <a:avLst/>
+          </a:prstGeom>
+        </p:spPr>
+        <p:txBody>
+          <a:bodyPr/>
+          <a:lstStyle/>
+          <a:p>
+            <a:pPr/>
+            <a:r>
+              <a:t>Dijkstra vs Prim Algo</a:t>
+            </a:r>
+          </a:p>
+        </p:txBody>
+      </p:sp>
+      <p:sp>
+        <p:nvSpPr>
+          <p:cNvPr id="233" name="Do both gave same tree? Consider the example"/>
+          <p:cNvSpPr txBox="1"/>
+          <p:nvPr>
+            <p:ph type="body" sz="quarter" idx="1"/>
+          </p:nvPr>
+        </p:nvSpPr>
+        <p:spPr>
+          <a:xfrm>
+            <a:off x="666288" y="938113"/>
+            <a:ext cx="9055611" cy="617135"/>
+          </a:xfrm>
+          <a:prstGeom prst="rect">
+            <a:avLst/>
+          </a:prstGeom>
+        </p:spPr>
+        <p:txBody>
+          <a:bodyPr/>
+          <a:lstStyle/>
+          <a:p>
+            <a:pPr/>
+            <a:r>
+              <a:t>Do both gave same tree? Consider the example</a:t>
+            </a:r>
+          </a:p>
+        </p:txBody>
+      </p:sp>
+      <p:sp>
+        <p:nvSpPr>
+          <p:cNvPr id="234" name="Slide Number"/>
+          <p:cNvSpPr txBox="1"/>
+          <p:nvPr>
+            <p:ph type="sldNum" sz="quarter" idx="2"/>
+          </p:nvPr>
+        </p:nvSpPr>
+        <p:spPr>
+          <a:prstGeom prst="rect">
+            <a:avLst/>
+          </a:prstGeom>
+          <a:extLst>
+            <a:ext uri="{C572A759-6A51-4108-AA02-DFA0A04FC94B}">
+              <ma14:wrappingTextBoxFlag xmlns:ma14="http://schemas.microsoft.com/office/mac/drawingml/2011/main" val="1"/>
+            </a:ext>
+          </a:extLst>
+        </p:spPr>
+        <p:txBody>
+          <a:bodyPr/>
+          <a:lstStyle/>
+          <a:p>
+            <a:pPr/>
+            <a:fld id="{86CB4B4D-7CA3-9044-876B-883B54F8677D}" type="slidenum"/>
+          </a:p>
+        </p:txBody>
+      </p:sp>
+      <p:sp>
+        <p:nvSpPr>
+          <p:cNvPr id="235" name="DAA/Greedy Algorithms"/>
+          <p:cNvSpPr txBox="1"/>
+          <p:nvPr/>
+        </p:nvSpPr>
+        <p:spPr>
+          <a:xfrm>
+            <a:off x="423212" y="6963885"/>
+            <a:ext cx="3244911" cy="431552"/>
+          </a:xfrm>
+          <a:prstGeom prst="rect">
+            <a:avLst/>
+          </a:prstGeom>
+          <a:ln w="12700">
+            <a:miter lim="400000"/>
+          </a:ln>
+          <a:extLst>
+            <a:ext uri="{C572A759-6A51-4108-AA02-DFA0A04FC94B}">
+              <ma14:wrappingTextBoxFlag xmlns:ma14="http://schemas.microsoft.com/office/mac/drawingml/2011/main" val="1"/>
+            </a:ext>
+          </a:extLst>
+        </p:spPr>
+        <p:txBody>
+          <a:bodyPr wrap="none" lIns="50800" tIns="50800" rIns="50800" bIns="50800" anchor="ctr">
+            <a:spAutoFit/>
+          </a:bodyPr>
+          <a:lstStyle>
+            <a:lvl1pPr>
+              <a:defRPr sz="2400"/>
+            </a:lvl1pPr>
+          </a:lstStyle>
+          <a:p>
+            <a:pPr/>
+            <a:r>
+              <a:t>DAA/Greedy Algorithms</a:t>
+            </a:r>
+          </a:p>
+        </p:txBody>
+      </p:sp>
+      <p:sp>
+        <p:nvSpPr>
+          <p:cNvPr id="236" name="RPR/"/>
+          <p:cNvSpPr txBox="1"/>
+          <p:nvPr/>
+        </p:nvSpPr>
+        <p:spPr>
+          <a:xfrm>
+            <a:off x="7535212" y="6988206"/>
+            <a:ext cx="705605" cy="382910"/>
+          </a:xfrm>
+          <a:prstGeom prst="rect">
+            <a:avLst/>
+          </a:prstGeom>
+          <a:ln w="12700">
+            <a:miter lim="400000"/>
+          </a:ln>
+          <a:extLst>
+            <a:ext uri="{C572A759-6A51-4108-AA02-DFA0A04FC94B}">
+              <ma14:wrappingTextBoxFlag xmlns:ma14="http://schemas.microsoft.com/office/mac/drawingml/2011/main" val="1"/>
+            </a:ext>
+          </a:extLst>
+        </p:spPr>
+        <p:txBody>
+          <a:bodyPr wrap="none" lIns="50800" tIns="50800" rIns="50800" bIns="50800" anchor="ctr">
+            <a:spAutoFit/>
+          </a:bodyPr>
+          <a:lstStyle>
+            <a:lvl1pPr>
+              <a:defRPr sz="2000"/>
+            </a:lvl1pPr>
+          </a:lstStyle>
+          <a:p>
+            <a:pPr/>
+            <a:r>
+              <a:t>RPR/</a:t>
+            </a:r>
+          </a:p>
+        </p:txBody>
+      </p:sp>
       <p:grpSp>
         <p:nvGrpSpPr>
-          <p:cNvPr id="263" name="Group"/>
+          <p:cNvPr id="269" name="Group"/>
           <p:cNvGrpSpPr/>
           <p:nvPr/>
         </p:nvGrpSpPr>
@@ -6315,7 +7582,7 @@
         </p:grpSpPr>
         <p:sp>
           <p:nvSpPr>
-            <p:cNvPr id="231" name="a"/>
+            <p:cNvPr id="237" name="a"/>
             <p:cNvSpPr/>
             <p:nvPr/>
           </p:nvSpPr>
@@ -6366,7 +7633,7 @@
         </p:sp>
         <p:sp>
           <p:nvSpPr>
-            <p:cNvPr id="232" name="d"/>
+            <p:cNvPr id="238" name="d"/>
             <p:cNvSpPr/>
             <p:nvPr/>
           </p:nvSpPr>
@@ -6417,7 +7684,7 @@
         </p:sp>
         <p:sp>
           <p:nvSpPr>
-            <p:cNvPr id="233" name="e"/>
+            <p:cNvPr id="239" name="e"/>
             <p:cNvSpPr/>
             <p:nvPr/>
           </p:nvSpPr>
@@ -6468,7 +7735,7 @@
         </p:sp>
         <p:sp>
           <p:nvSpPr>
-            <p:cNvPr id="234" name="b"/>
+            <p:cNvPr id="240" name="b"/>
             <p:cNvSpPr/>
             <p:nvPr/>
           </p:nvSpPr>
@@ -6519,7 +7786,7 @@
         </p:sp>
         <p:sp>
           <p:nvSpPr>
-            <p:cNvPr id="235" name="f"/>
+            <p:cNvPr id="241" name="f"/>
             <p:cNvSpPr/>
             <p:nvPr/>
           </p:nvSpPr>
@@ -6570,7 +7837,7 @@
         </p:sp>
         <p:sp>
           <p:nvSpPr>
-            <p:cNvPr id="236" name="c"/>
+            <p:cNvPr id="242" name="c"/>
             <p:cNvSpPr/>
             <p:nvPr/>
           </p:nvSpPr>
@@ -6621,7 +7888,7 @@
         </p:sp>
         <p:sp>
           <p:nvSpPr>
-            <p:cNvPr id="237" name="Line"/>
+            <p:cNvPr id="243" name="Line"/>
             <p:cNvSpPr/>
             <p:nvPr/>
           </p:nvSpPr>
@@ -6655,7 +7922,7 @@
         </p:sp>
         <p:sp>
           <p:nvSpPr>
-            <p:cNvPr id="238" name="Line"/>
+            <p:cNvPr id="244" name="Line"/>
             <p:cNvSpPr/>
             <p:nvPr/>
           </p:nvSpPr>
@@ -6689,7 +7956,7 @@
         </p:sp>
         <p:sp>
           <p:nvSpPr>
-            <p:cNvPr id="239" name="Line"/>
+            <p:cNvPr id="245" name="Line"/>
             <p:cNvSpPr/>
             <p:nvPr/>
           </p:nvSpPr>
@@ -6723,7 +7990,7 @@
         </p:sp>
         <p:sp>
           <p:nvSpPr>
-            <p:cNvPr id="240" name="Line"/>
+            <p:cNvPr id="246" name="Line"/>
             <p:cNvSpPr/>
             <p:nvPr/>
           </p:nvSpPr>
@@ -6757,7 +8024,7 @@
         </p:sp>
         <p:sp>
           <p:nvSpPr>
-            <p:cNvPr id="241" name="Line"/>
+            <p:cNvPr id="247" name="Line"/>
             <p:cNvSpPr/>
             <p:nvPr/>
           </p:nvSpPr>
@@ -6791,7 +8058,7 @@
         </p:sp>
         <p:sp>
           <p:nvSpPr>
-            <p:cNvPr id="242" name="Line"/>
+            <p:cNvPr id="248" name="Line"/>
             <p:cNvSpPr/>
             <p:nvPr/>
           </p:nvSpPr>
@@ -6825,7 +8092,7 @@
         </p:sp>
         <p:sp>
           <p:nvSpPr>
-            <p:cNvPr id="243" name="Line"/>
+            <p:cNvPr id="249" name="Line"/>
             <p:cNvSpPr/>
             <p:nvPr/>
           </p:nvSpPr>
@@ -6859,7 +8126,7 @@
         </p:sp>
         <p:sp>
           <p:nvSpPr>
-            <p:cNvPr id="244" name="Line"/>
+            <p:cNvPr id="250" name="Line"/>
             <p:cNvSpPr/>
             <p:nvPr/>
           </p:nvSpPr>
@@ -6893,7 +8160,7 @@
         </p:sp>
         <p:sp>
           <p:nvSpPr>
-            <p:cNvPr id="245" name="Line"/>
+            <p:cNvPr id="251" name="Line"/>
             <p:cNvSpPr/>
             <p:nvPr/>
           </p:nvSpPr>
@@ -6927,7 +8194,7 @@
         </p:sp>
         <p:sp>
           <p:nvSpPr>
-            <p:cNvPr id="246" name="Line"/>
+            <p:cNvPr id="252" name="Line"/>
             <p:cNvSpPr/>
             <p:nvPr/>
           </p:nvSpPr>
@@ -6961,7 +8228,7 @@
         </p:sp>
         <p:sp>
           <p:nvSpPr>
-            <p:cNvPr id="247" name="2"/>
+            <p:cNvPr id="253" name="2"/>
             <p:cNvSpPr txBox="1"/>
             <p:nvPr/>
           </p:nvSpPr>
@@ -7009,7 +8276,7 @@
         </p:sp>
         <p:sp>
           <p:nvSpPr>
-            <p:cNvPr id="248" name="6"/>
+            <p:cNvPr id="254" name="6"/>
             <p:cNvSpPr txBox="1"/>
             <p:nvPr/>
           </p:nvSpPr>
@@ -7057,7 +8324,7 @@
         </p:sp>
         <p:sp>
           <p:nvSpPr>
-            <p:cNvPr id="249" name="3"/>
+            <p:cNvPr id="255" name="3"/>
             <p:cNvSpPr txBox="1"/>
             <p:nvPr/>
           </p:nvSpPr>
@@ -7105,7 +8372,7 @@
         </p:sp>
         <p:sp>
           <p:nvSpPr>
-            <p:cNvPr id="250" name="5"/>
+            <p:cNvPr id="256" name="5"/>
             <p:cNvSpPr txBox="1"/>
             <p:nvPr/>
           </p:nvSpPr>
@@ -7153,7 +8420,7 @@
         </p:sp>
         <p:sp>
           <p:nvSpPr>
-            <p:cNvPr id="251" name="1"/>
+            <p:cNvPr id="257" name="1"/>
             <p:cNvSpPr txBox="1"/>
             <p:nvPr/>
           </p:nvSpPr>
@@ -7201,7 +8468,7 @@
         </p:sp>
         <p:sp>
           <p:nvSpPr>
-            <p:cNvPr id="252" name="4"/>
+            <p:cNvPr id="258" name="4"/>
             <p:cNvSpPr txBox="1"/>
             <p:nvPr/>
           </p:nvSpPr>
@@ -7249,7 +8516,7 @@
         </p:sp>
         <p:sp>
           <p:nvSpPr>
-            <p:cNvPr id="253" name="4"/>
+            <p:cNvPr id="259" name="4"/>
             <p:cNvSpPr txBox="1"/>
             <p:nvPr/>
           </p:nvSpPr>
@@ -7297,7 +8564,7 @@
         </p:sp>
         <p:sp>
           <p:nvSpPr>
-            <p:cNvPr id="254" name="5"/>
+            <p:cNvPr id="260" name="5"/>
             <p:cNvSpPr txBox="1"/>
             <p:nvPr/>
           </p:nvSpPr>
@@ -7345,7 +8612,7 @@
         </p:sp>
         <p:sp>
           <p:nvSpPr>
-            <p:cNvPr id="255" name="6"/>
+            <p:cNvPr id="261" name="6"/>
             <p:cNvSpPr txBox="1"/>
             <p:nvPr/>
           </p:nvSpPr>
@@ -7393,7 +8660,7 @@
         </p:sp>
         <p:sp>
           <p:nvSpPr>
-            <p:cNvPr id="256" name="8"/>
+            <p:cNvPr id="262" name="8"/>
             <p:cNvSpPr txBox="1"/>
             <p:nvPr/>
           </p:nvSpPr>
@@ -7441,7 +8708,7 @@
         </p:sp>
         <p:sp>
           <p:nvSpPr>
-            <p:cNvPr id="257" name="a"/>
+            <p:cNvPr id="263" name="a"/>
             <p:cNvSpPr/>
             <p:nvPr/>
           </p:nvSpPr>
@@ -7492,7 +8759,7 @@
         </p:sp>
         <p:sp>
           <p:nvSpPr>
-            <p:cNvPr id="258" name="b"/>
+            <p:cNvPr id="264" name="b"/>
             <p:cNvSpPr/>
             <p:nvPr/>
           </p:nvSpPr>
@@ -7543,7 +8810,7 @@
         </p:sp>
         <p:sp>
           <p:nvSpPr>
-            <p:cNvPr id="259" name="c"/>
+            <p:cNvPr id="265" name="c"/>
             <p:cNvSpPr/>
             <p:nvPr/>
           </p:nvSpPr>
@@ -7594,7 +8861,7 @@
         </p:sp>
         <p:sp>
           <p:nvSpPr>
-            <p:cNvPr id="260" name="d"/>
+            <p:cNvPr id="266" name="d"/>
             <p:cNvSpPr/>
             <p:nvPr/>
           </p:nvSpPr>
@@ -7645,7 +8912,7 @@
         </p:sp>
         <p:sp>
           <p:nvSpPr>
-            <p:cNvPr id="261" name="e"/>
+            <p:cNvPr id="267" name="e"/>
             <p:cNvSpPr/>
             <p:nvPr/>
           </p:nvSpPr>
@@ -7696,7 +8963,7 @@
         </p:sp>
         <p:sp>
           <p:nvSpPr>
-            <p:cNvPr id="262" name="f"/>
+            <p:cNvPr id="268" name="f"/>
             <p:cNvSpPr/>
             <p:nvPr/>
           </p:nvSpPr>
@@ -7748,7 +9015,7 @@
       </p:grpSp>
       <p:grpSp>
         <p:nvGrpSpPr>
-          <p:cNvPr id="297" name="Group"/>
+          <p:cNvPr id="303" name="Group"/>
           <p:cNvGrpSpPr/>
           <p:nvPr/>
         </p:nvGrpSpPr>
@@ -7762,7 +9029,7 @@
         </p:grpSpPr>
         <p:sp>
           <p:nvSpPr>
-            <p:cNvPr id="264" name="d"/>
+            <p:cNvPr id="270" name="d"/>
             <p:cNvSpPr/>
             <p:nvPr/>
           </p:nvSpPr>
@@ -7813,7 +9080,7 @@
         </p:sp>
         <p:grpSp>
           <p:nvGrpSpPr>
-            <p:cNvPr id="296" name="Group"/>
+            <p:cNvPr id="302" name="Group"/>
             <p:cNvGrpSpPr/>
             <p:nvPr/>
           </p:nvGrpSpPr>
@@ -7827,7 +9094,7 @@
           </p:grpSpPr>
           <p:sp>
             <p:nvSpPr>
-              <p:cNvPr id="265" name="a"/>
+              <p:cNvPr id="271" name="a"/>
               <p:cNvSpPr/>
               <p:nvPr/>
             </p:nvSpPr>
@@ -7878,7 +9145,7 @@
           </p:sp>
           <p:sp>
             <p:nvSpPr>
-              <p:cNvPr id="266" name="e"/>
+              <p:cNvPr id="272" name="e"/>
               <p:cNvSpPr/>
               <p:nvPr/>
             </p:nvSpPr>
@@ -7929,7 +9196,7 @@
           </p:sp>
           <p:sp>
             <p:nvSpPr>
-              <p:cNvPr id="267" name="b"/>
+              <p:cNvPr id="273" name="b"/>
               <p:cNvSpPr/>
               <p:nvPr/>
             </p:nvSpPr>
@@ -7980,7 +9247,7 @@
           </p:sp>
           <p:sp>
             <p:nvSpPr>
-              <p:cNvPr id="268" name="f"/>
+              <p:cNvPr id="274" name="f"/>
               <p:cNvSpPr/>
               <p:nvPr/>
             </p:nvSpPr>
@@ -8031,7 +9298,7 @@
           </p:sp>
           <p:sp>
             <p:nvSpPr>
-              <p:cNvPr id="269" name="c"/>
+              <p:cNvPr id="275" name="c"/>
               <p:cNvSpPr/>
               <p:nvPr/>
             </p:nvSpPr>
@@ -8082,7 +9349,7 @@
           </p:sp>
           <p:sp>
             <p:nvSpPr>
-              <p:cNvPr id="270" name="Line"/>
+              <p:cNvPr id="276" name="Line"/>
               <p:cNvSpPr/>
               <p:nvPr/>
             </p:nvSpPr>
@@ -8116,7 +9383,7 @@
           </p:sp>
           <p:sp>
             <p:nvSpPr>
-              <p:cNvPr id="271" name="Line"/>
+              <p:cNvPr id="277" name="Line"/>
               <p:cNvSpPr/>
               <p:nvPr/>
             </p:nvSpPr>
@@ -8152,7 +9419,7 @@
           </p:sp>
           <p:sp>
             <p:nvSpPr>
-              <p:cNvPr id="272" name="Line"/>
+              <p:cNvPr id="278" name="Line"/>
               <p:cNvSpPr/>
               <p:nvPr/>
             </p:nvSpPr>
@@ -8188,7 +9455,7 @@
           </p:sp>
           <p:sp>
             <p:nvSpPr>
-              <p:cNvPr id="273" name="Line"/>
+              <p:cNvPr id="279" name="Line"/>
               <p:cNvSpPr/>
               <p:nvPr/>
             </p:nvSpPr>
@@ -8224,7 +9491,7 @@
           </p:sp>
           <p:sp>
             <p:nvSpPr>
-              <p:cNvPr id="274" name="Line"/>
+              <p:cNvPr id="280" name="Line"/>
               <p:cNvSpPr/>
               <p:nvPr/>
             </p:nvSpPr>
@@ -8258,7 +9525,7 @@
           </p:sp>
           <p:sp>
             <p:nvSpPr>
-              <p:cNvPr id="275" name="Line"/>
+              <p:cNvPr id="281" name="Line"/>
               <p:cNvSpPr/>
               <p:nvPr/>
             </p:nvSpPr>
@@ -8294,7 +9561,7 @@
           </p:sp>
           <p:sp>
             <p:nvSpPr>
-              <p:cNvPr id="276" name="Line"/>
+              <p:cNvPr id="282" name="Line"/>
               <p:cNvSpPr/>
               <p:nvPr/>
             </p:nvSpPr>
@@ -8328,7 +9595,7 @@
           </p:sp>
           <p:sp>
             <p:nvSpPr>
-              <p:cNvPr id="277" name="Line"/>
+              <p:cNvPr id="283" name="Line"/>
               <p:cNvSpPr/>
               <p:nvPr/>
             </p:nvSpPr>
@@ -8364,7 +9631,7 @@
           </p:sp>
           <p:sp>
             <p:nvSpPr>
-              <p:cNvPr id="278" name="Line"/>
+              <p:cNvPr id="284" name="Line"/>
               <p:cNvSpPr/>
               <p:nvPr/>
             </p:nvSpPr>
@@ -8398,7 +9665,7 @@
           </p:sp>
           <p:sp>
             <p:nvSpPr>
-              <p:cNvPr id="279" name="Line"/>
+              <p:cNvPr id="285" name="Line"/>
               <p:cNvSpPr/>
               <p:nvPr/>
             </p:nvSpPr>
@@ -8432,7 +9699,7 @@
           </p:sp>
           <p:sp>
             <p:nvSpPr>
-              <p:cNvPr id="280" name="2"/>
+              <p:cNvPr id="286" name="2"/>
               <p:cNvSpPr txBox="1"/>
               <p:nvPr/>
             </p:nvSpPr>
@@ -8480,7 +9747,7 @@
           </p:sp>
           <p:sp>
             <p:nvSpPr>
-              <p:cNvPr id="281" name="6"/>
+              <p:cNvPr id="287" name="6"/>
               <p:cNvSpPr txBox="1"/>
               <p:nvPr/>
             </p:nvSpPr>
@@ -8531,7 +9798,7 @@
           </p:sp>
           <p:sp>
             <p:nvSpPr>
-              <p:cNvPr id="282" name="3"/>
+              <p:cNvPr id="288" name="3"/>
               <p:cNvSpPr txBox="1"/>
               <p:nvPr/>
             </p:nvSpPr>
@@ -8579,7 +9846,7 @@
           </p:sp>
           <p:sp>
             <p:nvSpPr>
-              <p:cNvPr id="283" name="5"/>
+              <p:cNvPr id="289" name="5"/>
               <p:cNvSpPr txBox="1"/>
               <p:nvPr/>
             </p:nvSpPr>
@@ -8630,7 +9897,7 @@
           </p:sp>
           <p:sp>
             <p:nvSpPr>
-              <p:cNvPr id="284" name="1"/>
+              <p:cNvPr id="290" name="1"/>
               <p:cNvSpPr txBox="1"/>
               <p:nvPr/>
             </p:nvSpPr>
@@ -8678,7 +9945,7 @@
           </p:sp>
           <p:sp>
             <p:nvSpPr>
-              <p:cNvPr id="285" name="4"/>
+              <p:cNvPr id="291" name="4"/>
               <p:cNvSpPr txBox="1"/>
               <p:nvPr/>
             </p:nvSpPr>
@@ -8726,7 +9993,7 @@
           </p:sp>
           <p:sp>
             <p:nvSpPr>
-              <p:cNvPr id="286" name="4"/>
+              <p:cNvPr id="292" name="4"/>
               <p:cNvSpPr txBox="1"/>
               <p:nvPr/>
             </p:nvSpPr>
@@ -8777,7 +10044,7 @@
           </p:sp>
           <p:sp>
             <p:nvSpPr>
-              <p:cNvPr id="287" name="5"/>
+              <p:cNvPr id="293" name="5"/>
               <p:cNvSpPr txBox="1"/>
               <p:nvPr/>
             </p:nvSpPr>
@@ -8825,7 +10092,7 @@
           </p:sp>
           <p:sp>
             <p:nvSpPr>
-              <p:cNvPr id="288" name="6"/>
+              <p:cNvPr id="294" name="6"/>
               <p:cNvSpPr txBox="1"/>
               <p:nvPr/>
             </p:nvSpPr>
@@ -8876,7 +10143,7 @@
           </p:sp>
           <p:sp>
             <p:nvSpPr>
-              <p:cNvPr id="289" name="8"/>
+              <p:cNvPr id="295" name="8"/>
               <p:cNvSpPr txBox="1"/>
               <p:nvPr/>
             </p:nvSpPr>
@@ -8927,7 +10194,7 @@
           </p:sp>
           <p:sp>
             <p:nvSpPr>
-              <p:cNvPr id="290" name="a"/>
+              <p:cNvPr id="296" name="a"/>
               <p:cNvSpPr/>
               <p:nvPr/>
             </p:nvSpPr>
@@ -8978,7 +10245,7 @@
           </p:sp>
           <p:sp>
             <p:nvSpPr>
-              <p:cNvPr id="291" name="b"/>
+              <p:cNvPr id="297" name="b"/>
               <p:cNvSpPr/>
               <p:nvPr/>
             </p:nvSpPr>
@@ -9029,7 +10296,7 @@
           </p:sp>
           <p:sp>
             <p:nvSpPr>
-              <p:cNvPr id="292" name="c"/>
+              <p:cNvPr id="298" name="c"/>
               <p:cNvSpPr/>
               <p:nvPr/>
             </p:nvSpPr>
@@ -9080,7 +10347,7 @@
           </p:sp>
           <p:sp>
             <p:nvSpPr>
-              <p:cNvPr id="293" name="d"/>
+              <p:cNvPr id="299" name="d"/>
               <p:cNvSpPr/>
               <p:nvPr/>
             </p:nvSpPr>
@@ -9131,7 +10398,7 @@
           </p:sp>
           <p:sp>
             <p:nvSpPr>
-              <p:cNvPr id="294" name="e"/>
+              <p:cNvPr id="300" name="e"/>
               <p:cNvSpPr/>
               <p:nvPr/>
             </p:nvSpPr>
@@ -9182,7 +10449,7 @@
           </p:sp>
           <p:sp>
             <p:nvSpPr>
-              <p:cNvPr id="295" name="f"/>
+              <p:cNvPr id="301" name="f"/>
               <p:cNvSpPr/>
               <p:nvPr/>
             </p:nvSpPr>
@@ -9235,7 +10502,7 @@
       </p:grpSp>
       <p:grpSp>
         <p:nvGrpSpPr>
-          <p:cNvPr id="329" name="Group"/>
+          <p:cNvPr id="335" name="Group"/>
           <p:cNvGrpSpPr/>
           <p:nvPr/>
         </p:nvGrpSpPr>
@@ -9249,7 +10516,7 @@
         </p:grpSpPr>
         <p:sp>
           <p:nvSpPr>
-            <p:cNvPr id="298" name="d"/>
+            <p:cNvPr id="304" name="d"/>
             <p:cNvSpPr/>
             <p:nvPr/>
           </p:nvSpPr>
@@ -9300,7 +10567,7 @@
         </p:sp>
         <p:sp>
           <p:nvSpPr>
-            <p:cNvPr id="299" name="e"/>
+            <p:cNvPr id="305" name="e"/>
             <p:cNvSpPr/>
             <p:nvPr/>
           </p:nvSpPr>
@@ -9351,7 +10618,7 @@
         </p:sp>
         <p:sp>
           <p:nvSpPr>
-            <p:cNvPr id="300" name="b"/>
+            <p:cNvPr id="306" name="b"/>
             <p:cNvSpPr/>
             <p:nvPr/>
           </p:nvSpPr>
@@ -9402,7 +10669,7 @@
         </p:sp>
         <p:sp>
           <p:nvSpPr>
-            <p:cNvPr id="301" name="f"/>
+            <p:cNvPr id="307" name="f"/>
             <p:cNvSpPr/>
             <p:nvPr/>
           </p:nvSpPr>
@@ -9453,7 +10720,7 @@
         </p:sp>
         <p:sp>
           <p:nvSpPr>
-            <p:cNvPr id="302" name="c"/>
+            <p:cNvPr id="308" name="c"/>
             <p:cNvSpPr/>
             <p:nvPr/>
           </p:nvSpPr>
@@ -9504,7 +10771,7 @@
         </p:sp>
         <p:sp>
           <p:nvSpPr>
-            <p:cNvPr id="303" name="Line"/>
+            <p:cNvPr id="309" name="Line"/>
             <p:cNvSpPr/>
             <p:nvPr/>
           </p:nvSpPr>
@@ -9538,7 +10805,7 @@
         </p:sp>
         <p:sp>
           <p:nvSpPr>
-            <p:cNvPr id="304" name="Line"/>
+            <p:cNvPr id="310" name="Line"/>
             <p:cNvSpPr/>
             <p:nvPr/>
           </p:nvSpPr>
@@ -9574,7 +10841,7 @@
         </p:sp>
         <p:sp>
           <p:nvSpPr>
-            <p:cNvPr id="305" name="Line"/>
+            <p:cNvPr id="311" name="Line"/>
             <p:cNvSpPr/>
             <p:nvPr/>
           </p:nvSpPr>
@@ -9610,7 +10877,7 @@
         </p:sp>
         <p:sp>
           <p:nvSpPr>
-            <p:cNvPr id="306" name="Line"/>
+            <p:cNvPr id="312" name="Line"/>
             <p:cNvSpPr/>
             <p:nvPr/>
           </p:nvSpPr>
@@ -9644,7 +10911,7 @@
         </p:sp>
         <p:sp>
           <p:nvSpPr>
-            <p:cNvPr id="307" name="Line"/>
+            <p:cNvPr id="313" name="Line"/>
             <p:cNvSpPr/>
             <p:nvPr/>
           </p:nvSpPr>
@@ -9680,7 +10947,7 @@
         </p:sp>
         <p:sp>
           <p:nvSpPr>
-            <p:cNvPr id="308" name="Line"/>
+            <p:cNvPr id="314" name="Line"/>
             <p:cNvSpPr/>
             <p:nvPr/>
           </p:nvSpPr>
@@ -9716,7 +10983,7 @@
         </p:sp>
         <p:sp>
           <p:nvSpPr>
-            <p:cNvPr id="309" name="Line"/>
+            <p:cNvPr id="315" name="Line"/>
             <p:cNvSpPr/>
             <p:nvPr/>
           </p:nvSpPr>
@@ -9750,7 +11017,7 @@
         </p:sp>
         <p:sp>
           <p:nvSpPr>
-            <p:cNvPr id="310" name="Line"/>
+            <p:cNvPr id="316" name="Line"/>
             <p:cNvSpPr/>
             <p:nvPr/>
           </p:nvSpPr>
@@ -9784,7 +11051,7 @@
         </p:sp>
         <p:sp>
           <p:nvSpPr>
-            <p:cNvPr id="311" name="Line"/>
+            <p:cNvPr id="317" name="Line"/>
             <p:cNvSpPr/>
             <p:nvPr/>
           </p:nvSpPr>
@@ -9818,7 +11085,7 @@
         </p:sp>
         <p:sp>
           <p:nvSpPr>
-            <p:cNvPr id="312" name="Line"/>
+            <p:cNvPr id="318" name="Line"/>
             <p:cNvSpPr/>
             <p:nvPr/>
           </p:nvSpPr>
@@ -9854,7 +11121,7 @@
         </p:sp>
         <p:sp>
           <p:nvSpPr>
-            <p:cNvPr id="313" name="2"/>
+            <p:cNvPr id="319" name="2"/>
             <p:cNvSpPr txBox="1"/>
             <p:nvPr/>
           </p:nvSpPr>
@@ -9905,7 +11172,7 @@
         </p:sp>
         <p:sp>
           <p:nvSpPr>
-            <p:cNvPr id="314" name="6"/>
+            <p:cNvPr id="320" name="6"/>
             <p:cNvSpPr txBox="1"/>
             <p:nvPr/>
           </p:nvSpPr>
@@ -9953,7 +11220,7 @@
         </p:sp>
         <p:sp>
           <p:nvSpPr>
-            <p:cNvPr id="315" name="3"/>
+            <p:cNvPr id="321" name="3"/>
             <p:cNvSpPr txBox="1"/>
             <p:nvPr/>
           </p:nvSpPr>
@@ -10001,7 +11268,7 @@
         </p:sp>
         <p:sp>
           <p:nvSpPr>
-            <p:cNvPr id="316" name="5"/>
+            <p:cNvPr id="322" name="5"/>
             <p:cNvSpPr txBox="1"/>
             <p:nvPr/>
           </p:nvSpPr>
@@ -10049,7 +11316,7 @@
         </p:sp>
         <p:sp>
           <p:nvSpPr>
-            <p:cNvPr id="317" name="1"/>
+            <p:cNvPr id="323" name="1"/>
             <p:cNvSpPr txBox="1"/>
             <p:nvPr/>
           </p:nvSpPr>
@@ -10097,7 +11364,7 @@
         </p:sp>
         <p:sp>
           <p:nvSpPr>
-            <p:cNvPr id="318" name="4"/>
+            <p:cNvPr id="324" name="4"/>
             <p:cNvSpPr txBox="1"/>
             <p:nvPr/>
           </p:nvSpPr>
@@ -10148,7 +11415,7 @@
         </p:sp>
         <p:sp>
           <p:nvSpPr>
-            <p:cNvPr id="319" name="4"/>
+            <p:cNvPr id="325" name="4"/>
             <p:cNvSpPr txBox="1"/>
             <p:nvPr/>
           </p:nvSpPr>
@@ -10199,7 +11466,7 @@
         </p:sp>
         <p:sp>
           <p:nvSpPr>
-            <p:cNvPr id="320" name="5"/>
+            <p:cNvPr id="326" name="5"/>
             <p:cNvSpPr txBox="1"/>
             <p:nvPr/>
           </p:nvSpPr>
@@ -10247,7 +11514,7 @@
         </p:sp>
         <p:sp>
           <p:nvSpPr>
-            <p:cNvPr id="321" name="6"/>
+            <p:cNvPr id="327" name="6"/>
             <p:cNvSpPr txBox="1"/>
             <p:nvPr/>
           </p:nvSpPr>
@@ -10298,7 +11565,7 @@
         </p:sp>
         <p:sp>
           <p:nvSpPr>
-            <p:cNvPr id="322" name="8"/>
+            <p:cNvPr id="328" name="8"/>
             <p:cNvSpPr txBox="1"/>
             <p:nvPr/>
           </p:nvSpPr>
@@ -10349,7 +11616,7 @@
         </p:sp>
         <p:sp>
           <p:nvSpPr>
-            <p:cNvPr id="323" name="a"/>
+            <p:cNvPr id="329" name="a"/>
             <p:cNvSpPr/>
             <p:nvPr/>
           </p:nvSpPr>
@@ -10400,7 +11667,7 @@
         </p:sp>
         <p:sp>
           <p:nvSpPr>
-            <p:cNvPr id="324" name="b"/>
+            <p:cNvPr id="330" name="b"/>
             <p:cNvSpPr/>
             <p:nvPr/>
           </p:nvSpPr>
@@ -10451,7 +11718,7 @@
         </p:sp>
         <p:sp>
           <p:nvSpPr>
-            <p:cNvPr id="325" name="c"/>
+            <p:cNvPr id="331" name="c"/>
             <p:cNvSpPr/>
             <p:nvPr/>
           </p:nvSpPr>
@@ -10502,7 +11769,7 @@
         </p:sp>
         <p:sp>
           <p:nvSpPr>
-            <p:cNvPr id="326" name="d"/>
+            <p:cNvPr id="332" name="d"/>
             <p:cNvSpPr/>
             <p:nvPr/>
           </p:nvSpPr>
@@ -10553,7 +11820,7 @@
         </p:sp>
         <p:sp>
           <p:nvSpPr>
-            <p:cNvPr id="327" name="e"/>
+            <p:cNvPr id="333" name="e"/>
             <p:cNvSpPr/>
             <p:nvPr/>
           </p:nvSpPr>
@@ -10604,7 +11871,7 @@
         </p:sp>
         <p:sp>
           <p:nvSpPr>
-            <p:cNvPr id="328" name="f"/>
+            <p:cNvPr id="334" name="f"/>
             <p:cNvSpPr/>
             <p:nvPr/>
           </p:nvSpPr>
@@ -10656,7 +11923,7 @@
       </p:grpSp>
       <p:sp>
         <p:nvSpPr>
-          <p:cNvPr id="330" name="Prim’s algo"/>
+          <p:cNvPr id="336" name="Prim’s algo"/>
           <p:cNvSpPr txBox="1"/>
           <p:nvPr/>
         </p:nvSpPr>
@@ -10705,7 +11972,7 @@
       </p:sp>
       <p:sp>
         <p:nvSpPr>
-          <p:cNvPr id="331" name="Dijkstra algo"/>
+          <p:cNvPr id="337" name="Dijkstra algo"/>
           <p:cNvSpPr txBox="1"/>
           <p:nvPr/>
         </p:nvSpPr>
@@ -10754,7 +12021,7 @@
       </p:sp>
       <p:sp>
         <p:nvSpPr>
-          <p:cNvPr id="332" name="cost=15, sum distance=38"/>
+          <p:cNvPr id="338" name="cost=15, sum distance=38"/>
           <p:cNvSpPr txBox="1"/>
           <p:nvPr/>
         </p:nvSpPr>
@@ -10810,7 +12077,7 @@
       </p:sp>
       <p:sp>
         <p:nvSpPr>
-          <p:cNvPr id="333" name="cost=20, sum distance=28"/>
+          <p:cNvPr id="339" name="cost=20, sum distance=28"/>
           <p:cNvSpPr txBox="1"/>
           <p:nvPr/>
         </p:nvSpPr>
@@ -10903,7 +12170,7 @@
                                       <p:cBhvr>
                                         <p:cTn id="6" fill="hold"/>
                                         <p:tgtEl>
-                                          <p:spTgt spid="227"/>
+                                          <p:spTgt spid="233"/>
                                         </p:tgtEl>
                                         <p:attrNameLst>
                                           <p:attrName>style.visibility</p:attrName>
@@ -10947,7 +12214,7 @@
                                       <p:cBhvr>
                                         <p:cTn id="10" fill="hold"/>
                                         <p:tgtEl>
-                                          <p:spTgt spid="263"/>
+                                          <p:spTgt spid="269"/>
                                         </p:tgtEl>
                                         <p:attrNameLst>
                                           <p:attrName>style.visibility</p:attrName>
@@ -10991,7 +12258,7 @@
                                       <p:cBhvr>
                                         <p:cTn id="14" fill="hold"/>
                                         <p:tgtEl>
-                                          <p:spTgt spid="330"/>
+                                          <p:spTgt spid="336"/>
                                         </p:tgtEl>
                                         <p:attrNameLst>
                                           <p:attrName>style.visibility</p:attrName>
@@ -11035,7 +12302,7 @@
                                       <p:cBhvr>
                                         <p:cTn id="18" fill="hold"/>
                                         <p:tgtEl>
-                                          <p:spTgt spid="297"/>
+                                          <p:spTgt spid="303"/>
                                         </p:tgtEl>
                                         <p:attrNameLst>
                                           <p:attrName>style.visibility</p:attrName>
@@ -11079,7 +12346,7 @@
                                       <p:cBhvr>
                                         <p:cTn id="22" fill="hold"/>
                                         <p:tgtEl>
-                                          <p:spTgt spid="331"/>
+                                          <p:spTgt spid="337"/>
                                         </p:tgtEl>
                                         <p:attrNameLst>
                                           <p:attrName>style.visibility</p:attrName>
@@ -11123,7 +12390,7 @@
                                       <p:cBhvr>
                                         <p:cTn id="26" fill="hold"/>
                                         <p:tgtEl>
-                                          <p:spTgt spid="329"/>
+                                          <p:spTgt spid="335"/>
                                         </p:tgtEl>
                                         <p:attrNameLst>
                                           <p:attrName>style.visibility</p:attrName>
@@ -11167,7 +12434,7 @@
                                       <p:cBhvr>
                                         <p:cTn id="30" fill="hold"/>
                                         <p:tgtEl>
-                                          <p:spTgt spid="332"/>
+                                          <p:spTgt spid="338"/>
                                         </p:tgtEl>
                                         <p:attrNameLst>
                                           <p:attrName>style.visibility</p:attrName>
@@ -11211,7 +12478,7 @@
                                       <p:cBhvr>
                                         <p:cTn id="34" fill="hold"/>
                                         <p:tgtEl>
-                                          <p:spTgt spid="333"/>
+                                          <p:spTgt spid="339"/>
                                         </p:tgtEl>
                                         <p:attrNameLst>
                                           <p:attrName>style.visibility</p:attrName>
@@ -11252,20 +12519,20 @@
       </p:par>
     </p:tnLst>
     <p:bldLst>
-      <p:bldP build="whole" bldLvl="1" animBg="1" rev="0" advAuto="0" spid="330" grpId="3"/>
-      <p:bldP build="whole" bldLvl="1" animBg="1" rev="0" advAuto="0" spid="263" grpId="2"/>
-      <p:bldP build="whole" bldLvl="1" animBg="1" rev="0" advAuto="0" spid="297" grpId="4"/>
-      <p:bldP build="whole" bldLvl="1" animBg="1" rev="0" advAuto="0" spid="227" grpId="1"/>
-      <p:bldP build="whole" bldLvl="1" animBg="1" rev="0" advAuto="0" spid="331" grpId="5"/>
-      <p:bldP build="whole" bldLvl="1" animBg="1" rev="0" advAuto="0" spid="329" grpId="6"/>
-      <p:bldP build="whole" bldLvl="1" animBg="1" rev="0" advAuto="0" spid="332" grpId="7"/>
-      <p:bldP build="whole" bldLvl="1" animBg="1" rev="0" advAuto="0" spid="333" grpId="8"/>
+      <p:bldP build="whole" bldLvl="1" animBg="1" rev="0" advAuto="0" spid="269" grpId="2"/>
+      <p:bldP build="whole" bldLvl="1" animBg="1" rev="0" advAuto="0" spid="339" grpId="8"/>
+      <p:bldP build="whole" bldLvl="1" animBg="1" rev="0" advAuto="0" spid="233" grpId="1"/>
+      <p:bldP build="whole" bldLvl="1" animBg="1" rev="0" advAuto="0" spid="336" grpId="3"/>
+      <p:bldP build="whole" bldLvl="1" animBg="1" rev="0" advAuto="0" spid="303" grpId="4"/>
+      <p:bldP build="whole" bldLvl="1" animBg="1" rev="0" advAuto="0" spid="335" grpId="6"/>
+      <p:bldP build="whole" bldLvl="1" animBg="1" rev="0" advAuto="0" spid="337" grpId="5"/>
+      <p:bldP build="whole" bldLvl="1" animBg="1" rev="0" advAuto="0" spid="338" grpId="7"/>
     </p:bldLst>
   </p:timing>
 </p:sld>
 </file>
 
-<file path=ppt/slides/slide17.xml><?xml version="1.0" encoding="utf-8"?>
+<file path=ppt/slides/slide18.xml><?xml version="1.0" encoding="utf-8"?>
 <p:sld xmlns:a="http://schemas.openxmlformats.org/drawingml/2006/main" xmlns:r="http://schemas.openxmlformats.org/officeDocument/2006/relationships" xmlns:p="http://schemas.openxmlformats.org/presentationml/2006/main" xmlns:m="http://schemas.openxmlformats.org/officeDocument/2006/math" xmlns:a14="http://schemas.microsoft.com/office/drawing/2010/main" showMasterSp="1" showMasterPhAnim="1">
   <p:cSld>
     <p:spTree>
@@ -11284,7 +12551,7 @@
       </p:grpSpPr>
       <p:sp>
         <p:nvSpPr>
-          <p:cNvPr id="335" name="Summary"/>
+          <p:cNvPr id="341" name="Summary"/>
           <p:cNvSpPr txBox="1"/>
           <p:nvPr>
             <p:ph type="title"/>
@@ -11308,7 +12575,7 @@
       </p:sp>
       <p:sp>
         <p:nvSpPr>
-          <p:cNvPr id="336" name="Dijkstra’s algorithm…"/>
+          <p:cNvPr id="342" name="Dijkstra’s algorithm…"/>
           <p:cNvSpPr txBox="1"/>
           <p:nvPr>
             <p:ph type="body" idx="1"/>
@@ -11380,7 +12647,7 @@
       </p:sp>
       <p:sp>
         <p:nvSpPr>
-          <p:cNvPr id="337" name="Slide Number"/>
+          <p:cNvPr id="343" name="Slide Number"/>
           <p:cNvSpPr txBox="1"/>
           <p:nvPr>
             <p:ph type="sldNum" sz="quarter" idx="2"/>
@@ -11407,7 +12674,7 @@
       </p:sp>
       <p:sp>
         <p:nvSpPr>
-          <p:cNvPr id="338" name="DAA/Greedy Algorithms"/>
+          <p:cNvPr id="344" name="DAA/Greedy Algorithms"/>
           <p:cNvSpPr txBox="1"/>
           <p:nvPr/>
         </p:nvSpPr>
@@ -11447,7 +12714,7 @@
       </p:sp>
       <p:sp>
         <p:nvSpPr>
-          <p:cNvPr id="339" name="RPR/"/>
+          <p:cNvPr id="345" name="RPR/"/>
           <p:cNvSpPr txBox="1"/>
           <p:nvPr/>
         </p:nvSpPr>
@@ -11626,6 +12893,19 @@
                 <a:hlinkClick r:id="rId2" invalidUrl="" action="" tgtFrame="" tooltip="" history="1" highlightClick="0" endSnd="0"/>
               </a:rPr>
               <a:t>https://onlinecourses.nptel.ac.in/noc20_cs27/unit?unit=29&amp;lesson=30</a:t>
+            </a:r>
+          </a:p>
+          <a:p>
+            <a:pPr lvl="1">
+              <a:defRPr>
+                <a:latin typeface="Arial"/>
+                <a:ea typeface="Arial"/>
+                <a:cs typeface="Arial"/>
+                <a:sym typeface="Arial"/>
+              </a:defRPr>
+            </a:pPr>
+            <a:r>
+              <a:t>https://onlinecourses.nptel.ac.in/noc20_cs27/unit?unit=29&amp;lesson=31</a:t>
             </a:r>
           </a:p>
         </p:txBody>
@@ -12282,7 +13562,7 @@
       </p:grpSpPr>
       <p:sp>
         <p:nvSpPr>
-          <p:cNvPr id="59" name="Single Source Shortest Path"/>
+          <p:cNvPr id="59" name="DFS and BFS Traversal"/>
           <p:cNvSpPr txBox="1"/>
           <p:nvPr>
             <p:ph type="title"/>
@@ -12299,14 +13579,14 @@
           <a:p>
             <a:pPr/>
             <a:r>
-              <a:t>Single Source Shortest Path</a:t>
+              <a:t>DFS and BFS Traversal</a:t>
             </a:r>
           </a:p>
         </p:txBody>
       </p:sp>
       <p:sp>
         <p:nvSpPr>
-          <p:cNvPr id="60" name="Goal: Given a weighted connected (directed) graph G, find shortest paths from source vertex s to each of the other vertices…"/>
+          <p:cNvPr id="60" name="Both DFS and BFS perform graph traversal…"/>
           <p:cNvSpPr txBox="1"/>
           <p:nvPr>
             <p:ph type="body" idx="1"/>
@@ -12321,10 +13601,34 @@
           <a:bodyPr/>
           <a:lstStyle/>
           <a:p>
+            <a:pPr/>
+            <a:r>
+              <a:t>Both DFS and BFS perform graph traversal</a:t>
+            </a:r>
+          </a:p>
+          <a:p>
+            <a:pPr/>
+            <a:r>
+              <a:t>Both take linear time in terms of size of graph when using adjacency lists i.e. </a:t>
+            </a:r>
+            <a:r>
+              <a:rPr>
+                <a:latin typeface="Courier New"/>
+                <a:ea typeface="Courier New"/>
+                <a:cs typeface="Courier New"/>
+                <a:sym typeface="Courier New"/>
+              </a:rPr>
+              <a:t>O(|E|)</a:t>
+            </a:r>
+            <a:endParaRPr>
+              <a:latin typeface="Courier New"/>
+              <a:ea typeface="Courier New"/>
+              <a:cs typeface="Courier New"/>
+              <a:sym typeface="Courier New"/>
+            </a:endParaRPr>
+          </a:p>
+          <a:p>
             <a:pPr>
-              <a:spcBef>
-                <a:spcPts val="400"/>
-              </a:spcBef>
               <a:defRPr>
                 <a:latin typeface="Gill Sans MT"/>
                 <a:ea typeface="Gill Sans MT"/>
@@ -12333,31 +13637,12 @@
               </a:defRPr>
             </a:pPr>
             <a:r>
-              <a:t>Goal: Given a weighted connected (directed) graph G, find shortest paths from source vertex </a:t>
-            </a:r>
-            <a:r>
-              <a:rPr i="1">
-                <a:latin typeface="Courier New"/>
-                <a:ea typeface="Courier New"/>
-                <a:cs typeface="Courier New"/>
-                <a:sym typeface="Courier New"/>
-              </a:rPr>
-              <a:t>s</a:t>
-            </a:r>
-            <a:r>
-              <a:rPr i="1"/>
-              <a:t> </a:t>
-            </a:r>
-            <a:r>
-              <a:t>to each of the other vertices</a:t>
+              <a:t>We can find path by keeping parent information</a:t>
             </a:r>
           </a:p>
           <a:p>
             <a:pPr>
-              <a:spcBef>
-                <a:spcPts val="400"/>
-              </a:spcBef>
-              <a:defRPr sz="3100">
+              <a:defRPr>
                 <a:latin typeface="Gill Sans MT"/>
                 <a:ea typeface="Gill Sans MT"/>
                 <a:cs typeface="Gill Sans MT"/>
@@ -12365,15 +13650,15 @@
               </a:defRPr>
             </a:pPr>
             <a:r>
-              <a:t>Dijkstra’s algorithm</a:t>
+              <a:t>BFS computes shortest path in terms of number of edges i.e. all edges has have same cost</a:t>
             </a:r>
           </a:p>
           <a:p>
             <a:pPr lvl="1" marL="700087" indent="-304800">
               <a:spcBef>
-                <a:spcPts val="400"/>
+                <a:spcPts val="700"/>
               </a:spcBef>
-              <a:defRPr sz="2900">
+              <a:defRPr sz="3200">
                 <a:latin typeface="Gill Sans MT"/>
                 <a:ea typeface="Gill Sans MT"/>
                 <a:cs typeface="Gill Sans MT"/>
@@ -12381,15 +13666,12 @@
               </a:defRPr>
             </a:pPr>
             <a:r>
-              <a:t>Approach similar to Prim’s algorithm for MST</a:t>
-            </a:r>
-          </a:p>
-          <a:p>
-            <a:pPr lvl="1" marL="700087" indent="-304800">
-              <a:spcBef>
-                <a:spcPts val="400"/>
-              </a:spcBef>
-              <a:defRPr sz="2900">
+              <a:t>Does not work when edges have different costs</a:t>
+            </a:r>
+          </a:p>
+          <a:p>
+            <a:pPr>
+              <a:defRPr>
                 <a:latin typeface="Gill Sans MT"/>
                 <a:ea typeface="Gill Sans MT"/>
                 <a:cs typeface="Gill Sans MT"/>
@@ -12397,15 +13679,15 @@
               </a:defRPr>
             </a:pPr>
             <a:r>
-              <a:t>Computes numerical labels differently</a:t>
+              <a:t>In DFS, vertex numbering (previsit(), postvisit()) reveals interesting information about graph</a:t>
             </a:r>
           </a:p>
           <a:p>
             <a:pPr lvl="1" marL="700087" indent="-304800">
               <a:spcBef>
-                <a:spcPts val="400"/>
+                <a:spcPts val="700"/>
               </a:spcBef>
-              <a:defRPr sz="2900">
+              <a:defRPr sz="3200">
                 <a:latin typeface="Gill Sans MT"/>
                 <a:ea typeface="Gill Sans MT"/>
                 <a:cs typeface="Gill Sans MT"/>
@@ -12413,15 +13695,15 @@
               </a:defRPr>
             </a:pPr>
             <a:r>
-              <a:t>Among vertices not in the tree, </a:t>
-            </a:r>
-          </a:p>
-          <a:p>
-            <a:pPr lvl="2" marL="1113744" indent="-261257">
+              <a:t>e.g. backedges, forward edges, cross edges</a:t>
+            </a:r>
+          </a:p>
+          <a:p>
+            <a:pPr lvl="1" marL="700087" indent="-304800">
               <a:spcBef>
-                <a:spcPts val="400"/>
+                <a:spcPts val="700"/>
               </a:spcBef>
-              <a:defRPr sz="2900">
+              <a:defRPr sz="3200">
                 <a:latin typeface="Gill Sans MT"/>
                 <a:ea typeface="Gill Sans MT"/>
                 <a:cs typeface="Gill Sans MT"/>
@@ -12429,181 +13711,7 @@
               </a:defRPr>
             </a:pPr>
             <a:r>
-              <a:t>Find the vertex </a:t>
-            </a:r>
-            <a:r>
-              <a:rPr>
-                <a:latin typeface="Courier New"/>
-                <a:ea typeface="Courier New"/>
-                <a:cs typeface="Courier New"/>
-                <a:sym typeface="Courier New"/>
-              </a:rPr>
-              <a:t>v</a:t>
-            </a:r>
-            <a:r>
-              <a:t> with the smallest sum</a:t>
-            </a:r>
-          </a:p>
-          <a:p>
-            <a:pPr lvl="5" marL="0" indent="1143000">
-              <a:spcBef>
-                <a:spcPts val="400"/>
-              </a:spcBef>
-              <a:buSzTx/>
-              <a:buNone/>
-              <a:defRPr sz="2900">
-                <a:latin typeface="Gill Sans MT"/>
-                <a:ea typeface="Gill Sans MT"/>
-                <a:cs typeface="Gill Sans MT"/>
-                <a:sym typeface="Gill Sans MT"/>
-              </a:defRPr>
-            </a:pPr>
-            <a:r>
-              <a:rPr>
-                <a:latin typeface="Courier New"/>
-                <a:ea typeface="Courier New"/>
-                <a:cs typeface="Courier New"/>
-                <a:sym typeface="Courier New"/>
-              </a:rPr>
-              <a:t>d</a:t>
-            </a:r>
-            <a:r>
-              <a:rPr baseline="-5999">
-                <a:latin typeface="Courier New"/>
-                <a:ea typeface="Courier New"/>
-                <a:cs typeface="Courier New"/>
-                <a:sym typeface="Courier New"/>
-              </a:rPr>
-              <a:t>v</a:t>
-            </a:r>
-            <a:r>
-              <a:rPr>
-                <a:latin typeface="Courier New"/>
-                <a:ea typeface="Courier New"/>
-                <a:cs typeface="Courier New"/>
-                <a:sym typeface="Courier New"/>
-              </a:rPr>
-              <a:t>+w(u,v)</a:t>
-            </a:r>
-            <a:r>
-              <a:t>, where</a:t>
-            </a:r>
-          </a:p>
-          <a:p>
-            <a:pPr lvl="1">
-              <a:spcBef>
-                <a:spcPts val="400"/>
-              </a:spcBef>
-              <a:buChar char="•"/>
-              <a:defRPr sz="2900">
-                <a:latin typeface="Gill Sans MT"/>
-                <a:ea typeface="Gill Sans MT"/>
-                <a:cs typeface="Gill Sans MT"/>
-                <a:sym typeface="Gill Sans MT"/>
-              </a:defRPr>
-            </a:pPr>
-            <a:r>
-              <a:rPr>
-                <a:latin typeface="Courier New"/>
-                <a:ea typeface="Courier New"/>
-                <a:cs typeface="Courier New"/>
-                <a:sym typeface="Courier New"/>
-              </a:rPr>
-              <a:t>u∈V</a:t>
-            </a:r>
-            <a:r>
-              <a:t> whose shortest path found in previous iteration</a:t>
-            </a:r>
-          </a:p>
-          <a:p>
-            <a:pPr lvl="1">
-              <a:spcBef>
-                <a:spcPts val="400"/>
-              </a:spcBef>
-              <a:buChar char="•"/>
-              <a:defRPr sz="2900">
-                <a:latin typeface="Gill Sans MT"/>
-                <a:ea typeface="Gill Sans MT"/>
-                <a:cs typeface="Gill Sans MT"/>
-                <a:sym typeface="Gill Sans MT"/>
-              </a:defRPr>
-            </a:pPr>
-            <a:r>
-              <a:rPr>
-                <a:latin typeface="Courier New"/>
-                <a:ea typeface="Courier New"/>
-                <a:cs typeface="Courier New"/>
-                <a:sym typeface="Courier New"/>
-              </a:rPr>
-              <a:t>d</a:t>
-            </a:r>
-            <a:r>
-              <a:rPr baseline="-5999">
-                <a:latin typeface="Courier New"/>
-                <a:ea typeface="Courier New"/>
-                <a:cs typeface="Courier New"/>
-                <a:sym typeface="Courier New"/>
-              </a:rPr>
-              <a:t>v</a:t>
-            </a:r>
-            <a:r>
-              <a:t> is the length of shortest path from </a:t>
-            </a:r>
-            <a:r>
-              <a:rPr>
-                <a:latin typeface="Courier New"/>
-                <a:ea typeface="Courier New"/>
-                <a:cs typeface="Courier New"/>
-                <a:sym typeface="Courier New"/>
-              </a:rPr>
-              <a:t>s</a:t>
-            </a:r>
-            <a:r>
-              <a:t> to </a:t>
-            </a:r>
-            <a:r>
-              <a:rPr>
-                <a:latin typeface="Courier New"/>
-                <a:ea typeface="Courier New"/>
-                <a:cs typeface="Courier New"/>
-                <a:sym typeface="Courier New"/>
-              </a:rPr>
-              <a:t>v</a:t>
-            </a:r>
-          </a:p>
-          <a:p>
-            <a:pPr lvl="1">
-              <a:spcBef>
-                <a:spcPts val="400"/>
-              </a:spcBef>
-              <a:buChar char="•"/>
-              <a:defRPr sz="2900">
-                <a:latin typeface="Gill Sans MT"/>
-                <a:ea typeface="Gill Sans MT"/>
-                <a:cs typeface="Gill Sans MT"/>
-                <a:sym typeface="Gill Sans MT"/>
-              </a:defRPr>
-            </a:pPr>
-            <a:r>
-              <a:rPr>
-                <a:latin typeface="Courier New"/>
-                <a:ea typeface="Courier New"/>
-                <a:cs typeface="Courier New"/>
-                <a:sym typeface="Courier New"/>
-              </a:rPr>
-              <a:t>w(u,v)</a:t>
-            </a:r>
-            <a:r>
-              <a:t> is the weight of edge </a:t>
-            </a:r>
-            <a:r>
-              <a:rPr>
-                <a:latin typeface="Courier New"/>
-                <a:ea typeface="Courier New"/>
-                <a:cs typeface="Courier New"/>
-                <a:sym typeface="Courier New"/>
-              </a:rPr>
-              <a:t>u→v</a:t>
+              <a:t>it does not find shortest path though</a:t>
             </a:r>
           </a:p>
         </p:txBody>
@@ -12678,6 +13786,483 @@
       <p:sp>
         <p:nvSpPr>
           <p:cNvPr id="63" name="RPR/"/>
+          <p:cNvSpPr txBox="1"/>
+          <p:nvPr/>
+        </p:nvSpPr>
+        <p:spPr>
+          <a:xfrm>
+            <a:off x="7535212" y="6988206"/>
+            <a:ext cx="705605" cy="382910"/>
+          </a:xfrm>
+          <a:prstGeom prst="rect">
+            <a:avLst/>
+          </a:prstGeom>
+          <a:ln w="12700">
+            <a:miter lim="400000"/>
+          </a:ln>
+          <a:extLst>
+            <a:ext uri="{C572A759-6A51-4108-AA02-DFA0A04FC94B}">
+              <ma14:wrappingTextBoxFlag xmlns:ma14="http://schemas.microsoft.com/office/mac/drawingml/2011/main" val="1"/>
+            </a:ext>
+          </a:extLst>
+        </p:spPr>
+        <p:txBody>
+          <a:bodyPr wrap="none" lIns="50800" tIns="50800" rIns="50800" bIns="50800" anchor="ctr">
+            <a:spAutoFit/>
+          </a:bodyPr>
+          <a:lstStyle>
+            <a:lvl1pPr>
+              <a:defRPr sz="2000"/>
+            </a:lvl1pPr>
+          </a:lstStyle>
+          <a:p>
+            <a:pPr/>
+            <a:r>
+              <a:t>RPR/</a:t>
+            </a:r>
+          </a:p>
+        </p:txBody>
+      </p:sp>
+    </p:spTree>
+  </p:cSld>
+  <p:clrMapOvr>
+    <a:masterClrMapping/>
+  </p:clrMapOvr>
+  <p:transition xmlns:p14="http://schemas.microsoft.com/office/powerpoint/2010/main" spd="med" advClick="1"/>
+</p:sld>
+</file>
+
+<file path=ppt/slides/slide5.xml><?xml version="1.0" encoding="utf-8"?>
+<p:sld xmlns:a="http://schemas.openxmlformats.org/drawingml/2006/main" xmlns:r="http://schemas.openxmlformats.org/officeDocument/2006/relationships" xmlns:p="http://schemas.openxmlformats.org/presentationml/2006/main" xmlns:m="http://schemas.openxmlformats.org/officeDocument/2006/math" xmlns:a14="http://schemas.microsoft.com/office/drawing/2010/main" showMasterSp="1" showMasterPhAnim="1">
+  <p:cSld>
+    <p:spTree>
+      <p:nvGrpSpPr>
+        <p:cNvPr id="1" name=""/>
+        <p:cNvGrpSpPr/>
+        <p:nvPr/>
+      </p:nvGrpSpPr>
+      <p:grpSpPr>
+        <a:xfrm>
+          <a:off x="0" y="0"/>
+          <a:ext cx="0" cy="0"/>
+          <a:chOff x="0" y="0"/>
+          <a:chExt cx="0" cy="0"/>
+        </a:xfrm>
+      </p:grpSpPr>
+      <p:sp>
+        <p:nvSpPr>
+          <p:cNvPr id="65" name="Single Source Shortest Path"/>
+          <p:cNvSpPr txBox="1"/>
+          <p:nvPr>
+            <p:ph type="title"/>
+          </p:nvPr>
+        </p:nvSpPr>
+        <p:spPr>
+          <a:prstGeom prst="rect">
+            <a:avLst/>
+          </a:prstGeom>
+        </p:spPr>
+        <p:txBody>
+          <a:bodyPr/>
+          <a:lstStyle/>
+          <a:p>
+            <a:pPr/>
+            <a:r>
+              <a:t>Single Source Shortest Path</a:t>
+            </a:r>
+          </a:p>
+        </p:txBody>
+      </p:sp>
+      <p:sp>
+        <p:nvSpPr>
+          <p:cNvPr id="66" name="Goal: Given a weighted connected (directed) graph G, find shortest paths from source vertex s to each of the other vertices…"/>
+          <p:cNvSpPr txBox="1"/>
+          <p:nvPr>
+            <p:ph type="body" idx="1"/>
+          </p:nvPr>
+        </p:nvSpPr>
+        <p:spPr>
+          <a:prstGeom prst="rect">
+            <a:avLst/>
+          </a:prstGeom>
+        </p:spPr>
+        <p:txBody>
+          <a:bodyPr/>
+          <a:lstStyle/>
+          <a:p>
+            <a:pPr>
+              <a:spcBef>
+                <a:spcPts val="400"/>
+              </a:spcBef>
+              <a:defRPr>
+                <a:latin typeface="Gill Sans MT"/>
+                <a:ea typeface="Gill Sans MT"/>
+                <a:cs typeface="Gill Sans MT"/>
+                <a:sym typeface="Gill Sans MT"/>
+              </a:defRPr>
+            </a:pPr>
+            <a:r>
+              <a:t>Goal: Given a weighted connected (directed) graph G, find shortest paths from source vertex </a:t>
+            </a:r>
+            <a:r>
+              <a:rPr i="1">
+                <a:latin typeface="Courier New"/>
+                <a:ea typeface="Courier New"/>
+                <a:cs typeface="Courier New"/>
+                <a:sym typeface="Courier New"/>
+              </a:rPr>
+              <a:t>s</a:t>
+            </a:r>
+            <a:r>
+              <a:rPr i="1"/>
+              <a:t> </a:t>
+            </a:r>
+            <a:r>
+              <a:t>to each of the other vertices</a:t>
+            </a:r>
+          </a:p>
+          <a:p>
+            <a:pPr lvl="1" marL="700087" indent="-304800">
+              <a:spcBef>
+                <a:spcPts val="400"/>
+              </a:spcBef>
+              <a:defRPr sz="3200">
+                <a:latin typeface="Gill Sans MT"/>
+                <a:ea typeface="Gill Sans MT"/>
+                <a:cs typeface="Gill Sans MT"/>
+                <a:sym typeface="Gill Sans MT"/>
+              </a:defRPr>
+            </a:pPr>
+            <a:r>
+              <a:t>Path cost: sum of cost each edge on the path</a:t>
+            </a:r>
+          </a:p>
+          <a:p>
+            <a:pPr>
+              <a:spcBef>
+                <a:spcPts val="400"/>
+              </a:spcBef>
+              <a:defRPr sz="3100">
+                <a:latin typeface="Gill Sans MT"/>
+                <a:ea typeface="Gill Sans MT"/>
+                <a:cs typeface="Gill Sans MT"/>
+                <a:sym typeface="Gill Sans MT"/>
+              </a:defRPr>
+            </a:pPr>
+            <a:r>
+              <a:t>Dijkstra’s algorithm</a:t>
+            </a:r>
+          </a:p>
+          <a:p>
+            <a:pPr lvl="1" marL="700087" indent="-304800">
+              <a:spcBef>
+                <a:spcPts val="400"/>
+              </a:spcBef>
+              <a:defRPr sz="2900">
+                <a:latin typeface="Gill Sans MT"/>
+                <a:ea typeface="Gill Sans MT"/>
+                <a:cs typeface="Gill Sans MT"/>
+                <a:sym typeface="Gill Sans MT"/>
+              </a:defRPr>
+            </a:pPr>
+            <a:r>
+              <a:t>Approach similar to Prim’s algorithm for MST</a:t>
+            </a:r>
+          </a:p>
+          <a:p>
+            <a:pPr lvl="1" marL="700087" indent="-304800">
+              <a:spcBef>
+                <a:spcPts val="400"/>
+              </a:spcBef>
+              <a:defRPr sz="2900">
+                <a:latin typeface="Gill Sans MT"/>
+                <a:ea typeface="Gill Sans MT"/>
+                <a:cs typeface="Gill Sans MT"/>
+                <a:sym typeface="Gill Sans MT"/>
+              </a:defRPr>
+            </a:pPr>
+            <a:r>
+              <a:t>Computes numerical labels differently</a:t>
+            </a:r>
+          </a:p>
+          <a:p>
+            <a:pPr lvl="1" marL="700087" indent="-304800">
+              <a:spcBef>
+                <a:spcPts val="400"/>
+              </a:spcBef>
+              <a:defRPr sz="2900">
+                <a:latin typeface="Gill Sans MT"/>
+                <a:ea typeface="Gill Sans MT"/>
+                <a:cs typeface="Gill Sans MT"/>
+                <a:sym typeface="Gill Sans MT"/>
+              </a:defRPr>
+            </a:pPr>
+            <a:r>
+              <a:t>Among vertices not in the tree, </a:t>
+            </a:r>
+          </a:p>
+          <a:p>
+            <a:pPr lvl="2" marL="1113744" indent="-261257">
+              <a:spcBef>
+                <a:spcPts val="400"/>
+              </a:spcBef>
+              <a:defRPr sz="2900">
+                <a:latin typeface="Gill Sans MT"/>
+                <a:ea typeface="Gill Sans MT"/>
+                <a:cs typeface="Gill Sans MT"/>
+                <a:sym typeface="Gill Sans MT"/>
+              </a:defRPr>
+            </a:pPr>
+            <a:r>
+              <a:t>Find the vertex </a:t>
+            </a:r>
+            <a:r>
+              <a:rPr>
+                <a:latin typeface="Courier New"/>
+                <a:ea typeface="Courier New"/>
+                <a:cs typeface="Courier New"/>
+                <a:sym typeface="Courier New"/>
+              </a:rPr>
+              <a:t>v</a:t>
+            </a:r>
+            <a:r>
+              <a:t> with the smallest sum</a:t>
+            </a:r>
+          </a:p>
+          <a:p>
+            <a:pPr lvl="5" marL="0" indent="1143000">
+              <a:spcBef>
+                <a:spcPts val="400"/>
+              </a:spcBef>
+              <a:buSzTx/>
+              <a:buNone/>
+              <a:defRPr sz="2900">
+                <a:latin typeface="Gill Sans MT"/>
+                <a:ea typeface="Gill Sans MT"/>
+                <a:cs typeface="Gill Sans MT"/>
+                <a:sym typeface="Gill Sans MT"/>
+              </a:defRPr>
+            </a:pPr>
+            <a:r>
+              <a:rPr>
+                <a:latin typeface="Courier New"/>
+                <a:ea typeface="Courier New"/>
+                <a:cs typeface="Courier New"/>
+                <a:sym typeface="Courier New"/>
+              </a:rPr>
+              <a:t>d</a:t>
+            </a:r>
+            <a:r>
+              <a:rPr baseline="-5999">
+                <a:latin typeface="Courier New"/>
+                <a:ea typeface="Courier New"/>
+                <a:cs typeface="Courier New"/>
+                <a:sym typeface="Courier New"/>
+              </a:rPr>
+              <a:t>v</a:t>
+            </a:r>
+            <a:r>
+              <a:rPr>
+                <a:latin typeface="Courier New"/>
+                <a:ea typeface="Courier New"/>
+                <a:cs typeface="Courier New"/>
+                <a:sym typeface="Courier New"/>
+              </a:rPr>
+              <a:t>+w(u,v)</a:t>
+            </a:r>
+            <a:r>
+              <a:t>, where</a:t>
+            </a:r>
+          </a:p>
+          <a:p>
+            <a:pPr lvl="1">
+              <a:spcBef>
+                <a:spcPts val="400"/>
+              </a:spcBef>
+              <a:buChar char="•"/>
+              <a:defRPr sz="2900">
+                <a:latin typeface="Gill Sans MT"/>
+                <a:ea typeface="Gill Sans MT"/>
+                <a:cs typeface="Gill Sans MT"/>
+                <a:sym typeface="Gill Sans MT"/>
+              </a:defRPr>
+            </a:pPr>
+            <a:r>
+              <a:rPr>
+                <a:latin typeface="Courier New"/>
+                <a:ea typeface="Courier New"/>
+                <a:cs typeface="Courier New"/>
+                <a:sym typeface="Courier New"/>
+              </a:rPr>
+              <a:t>u∈V</a:t>
+            </a:r>
+            <a:r>
+              <a:t> whose shortest path found in previous iteration</a:t>
+            </a:r>
+          </a:p>
+          <a:p>
+            <a:pPr lvl="1">
+              <a:spcBef>
+                <a:spcPts val="400"/>
+              </a:spcBef>
+              <a:buChar char="•"/>
+              <a:defRPr sz="2900">
+                <a:latin typeface="Gill Sans MT"/>
+                <a:ea typeface="Gill Sans MT"/>
+                <a:cs typeface="Gill Sans MT"/>
+                <a:sym typeface="Gill Sans MT"/>
+              </a:defRPr>
+            </a:pPr>
+            <a:r>
+              <a:rPr>
+                <a:latin typeface="Courier New"/>
+                <a:ea typeface="Courier New"/>
+                <a:cs typeface="Courier New"/>
+                <a:sym typeface="Courier New"/>
+              </a:rPr>
+              <a:t>d</a:t>
+            </a:r>
+            <a:r>
+              <a:rPr baseline="-5999">
+                <a:latin typeface="Courier New"/>
+                <a:ea typeface="Courier New"/>
+                <a:cs typeface="Courier New"/>
+                <a:sym typeface="Courier New"/>
+              </a:rPr>
+              <a:t>v</a:t>
+            </a:r>
+            <a:r>
+              <a:t> is the length of shortest path from </a:t>
+            </a:r>
+            <a:r>
+              <a:rPr>
+                <a:latin typeface="Courier New"/>
+                <a:ea typeface="Courier New"/>
+                <a:cs typeface="Courier New"/>
+                <a:sym typeface="Courier New"/>
+              </a:rPr>
+              <a:t>s</a:t>
+            </a:r>
+            <a:r>
+              <a:t> to </a:t>
+            </a:r>
+            <a:r>
+              <a:rPr>
+                <a:latin typeface="Courier New"/>
+                <a:ea typeface="Courier New"/>
+                <a:cs typeface="Courier New"/>
+                <a:sym typeface="Courier New"/>
+              </a:rPr>
+              <a:t>v</a:t>
+            </a:r>
+          </a:p>
+          <a:p>
+            <a:pPr lvl="1">
+              <a:spcBef>
+                <a:spcPts val="400"/>
+              </a:spcBef>
+              <a:buChar char="•"/>
+              <a:defRPr sz="2900">
+                <a:latin typeface="Gill Sans MT"/>
+                <a:ea typeface="Gill Sans MT"/>
+                <a:cs typeface="Gill Sans MT"/>
+                <a:sym typeface="Gill Sans MT"/>
+              </a:defRPr>
+            </a:pPr>
+            <a:r>
+              <a:rPr>
+                <a:latin typeface="Courier New"/>
+                <a:ea typeface="Courier New"/>
+                <a:cs typeface="Courier New"/>
+                <a:sym typeface="Courier New"/>
+              </a:rPr>
+              <a:t>w(u,v)</a:t>
+            </a:r>
+            <a:r>
+              <a:t> is the weight of edge </a:t>
+            </a:r>
+            <a:r>
+              <a:rPr>
+                <a:latin typeface="Courier New"/>
+                <a:ea typeface="Courier New"/>
+                <a:cs typeface="Courier New"/>
+                <a:sym typeface="Courier New"/>
+              </a:rPr>
+              <a:t>u→v</a:t>
+            </a:r>
+          </a:p>
+        </p:txBody>
+      </p:sp>
+      <p:sp>
+        <p:nvSpPr>
+          <p:cNvPr id="67" name="Slide Number"/>
+          <p:cNvSpPr txBox="1"/>
+          <p:nvPr>
+            <p:ph type="sldNum" sz="quarter" idx="2"/>
+          </p:nvPr>
+        </p:nvSpPr>
+        <p:spPr>
+          <a:prstGeom prst="rect">
+            <a:avLst/>
+          </a:prstGeom>
+          <a:extLst>
+            <a:ext uri="{C572A759-6A51-4108-AA02-DFA0A04FC94B}">
+              <ma14:wrappingTextBoxFlag xmlns:ma14="http://schemas.microsoft.com/office/mac/drawingml/2011/main" val="1"/>
+            </a:ext>
+          </a:extLst>
+        </p:spPr>
+        <p:txBody>
+          <a:bodyPr/>
+          <a:lstStyle/>
+          <a:p>
+            <a:pPr/>
+            <a:fld id="{86CB4B4D-7CA3-9044-876B-883B54F8677D}" type="slidenum"/>
+          </a:p>
+        </p:txBody>
+      </p:sp>
+      <p:sp>
+        <p:nvSpPr>
+          <p:cNvPr id="68" name="DAA/Greedy Algorithms"/>
+          <p:cNvSpPr txBox="1"/>
+          <p:nvPr/>
+        </p:nvSpPr>
+        <p:spPr>
+          <a:xfrm>
+            <a:off x="423212" y="6963885"/>
+            <a:ext cx="3244911" cy="431552"/>
+          </a:xfrm>
+          <a:prstGeom prst="rect">
+            <a:avLst/>
+          </a:prstGeom>
+          <a:ln w="12700">
+            <a:miter lim="400000"/>
+          </a:ln>
+          <a:extLst>
+            <a:ext uri="{C572A759-6A51-4108-AA02-DFA0A04FC94B}">
+              <ma14:wrappingTextBoxFlag xmlns:ma14="http://schemas.microsoft.com/office/mac/drawingml/2011/main" val="1"/>
+            </a:ext>
+          </a:extLst>
+        </p:spPr>
+        <p:txBody>
+          <a:bodyPr wrap="none" lIns="50800" tIns="50800" rIns="50800" bIns="50800" anchor="ctr">
+            <a:spAutoFit/>
+          </a:bodyPr>
+          <a:lstStyle>
+            <a:lvl1pPr>
+              <a:defRPr sz="2400"/>
+            </a:lvl1pPr>
+          </a:lstStyle>
+          <a:p>
+            <a:pPr/>
+            <a:r>
+              <a:t>DAA/Greedy Algorithms</a:t>
+            </a:r>
+          </a:p>
+        </p:txBody>
+      </p:sp>
+      <p:sp>
+        <p:nvSpPr>
+          <p:cNvPr id="69" name="RPR/"/>
           <p:cNvSpPr txBox="1"/>
           <p:nvPr/>
         </p:nvSpPr>
@@ -12754,7 +14339,7 @@
                                       <p:cBhvr>
                                         <p:cTn id="6" fill="hold"/>
                                         <p:tgtEl>
-                                          <p:spTgt spid="60">
+                                          <p:spTgt spid="66">
                                             <p:bg/>
                                           </p:spTgt>
                                         </p:tgtEl>
@@ -12782,7 +14367,7 @@
                                       <p:cBhvr>
                                         <p:cTn id="8" fill="hold"/>
                                         <p:tgtEl>
-                                          <p:spTgt spid="60">
+                                          <p:spTgt spid="66">
                                             <p:txEl>
                                               <p:pRg st="0" end="0"/>
                                             </p:txEl>
@@ -12830,7 +14415,7 @@
                                       <p:cBhvr>
                                         <p:cTn id="12" fill="hold"/>
                                         <p:tgtEl>
-                                          <p:spTgt spid="60">
+                                          <p:spTgt spid="66">
                                             <p:txEl>
                                               <p:pRg st="1" end="1"/>
                                             </p:txEl>
@@ -12878,7 +14463,7 @@
                                       <p:cBhvr>
                                         <p:cTn id="16" fill="hold"/>
                                         <p:tgtEl>
-                                          <p:spTgt spid="60">
+                                          <p:spTgt spid="66">
                                             <p:txEl>
                                               <p:pRg st="2" end="2"/>
                                             </p:txEl>
@@ -12926,7 +14511,7 @@
                                       <p:cBhvr>
                                         <p:cTn id="20" fill="hold"/>
                                         <p:tgtEl>
-                                          <p:spTgt spid="60">
+                                          <p:spTgt spid="66">
                                             <p:txEl>
                                               <p:pRg st="3" end="3"/>
                                             </p:txEl>
@@ -12974,7 +14559,7 @@
                                       <p:cBhvr>
                                         <p:cTn id="24" fill="hold"/>
                                         <p:tgtEl>
-                                          <p:spTgt spid="60">
+                                          <p:spTgt spid="66">
                                             <p:txEl>
                                               <p:pRg st="4" end="4"/>
                                             </p:txEl>
@@ -13022,7 +14607,7 @@
                                       <p:cBhvr>
                                         <p:cTn id="28" fill="hold"/>
                                         <p:tgtEl>
-                                          <p:spTgt spid="60">
+                                          <p:spTgt spid="66">
                                             <p:txEl>
                                               <p:pRg st="5" end="5"/>
                                             </p:txEl>
@@ -13070,7 +14655,7 @@
                                       <p:cBhvr>
                                         <p:cTn id="32" fill="hold"/>
                                         <p:tgtEl>
-                                          <p:spTgt spid="60">
+                                          <p:spTgt spid="66">
                                             <p:txEl>
                                               <p:pRg st="6" end="6"/>
                                             </p:txEl>
@@ -13118,7 +14703,7 @@
                                       <p:cBhvr>
                                         <p:cTn id="36" fill="hold"/>
                                         <p:tgtEl>
-                                          <p:spTgt spid="60">
+                                          <p:spTgt spid="66">
                                             <p:txEl>
                                               <p:pRg st="7" end="7"/>
                                             </p:txEl>
@@ -13166,7 +14751,7 @@
                                       <p:cBhvr>
                                         <p:cTn id="40" fill="hold"/>
                                         <p:tgtEl>
-                                          <p:spTgt spid="60">
+                                          <p:spTgt spid="66">
                                             <p:txEl>
                                               <p:pRg st="8" end="8"/>
                                             </p:txEl>
@@ -13214,9 +14799,57 @@
                                       <p:cBhvr>
                                         <p:cTn id="44" fill="hold"/>
                                         <p:tgtEl>
-                                          <p:spTgt spid="60">
+                                          <p:spTgt spid="66">
                                             <p:txEl>
                                               <p:pRg st="9" end="9"/>
+                                            </p:txEl>
+                                          </p:spTgt>
+                                        </p:tgtEl>
+                                        <p:attrNameLst>
+                                          <p:attrName>style.visibility</p:attrName>
+                                        </p:attrNameLst>
+                                      </p:cBhvr>
+                                      <p:to>
+                                        <p:strVal val="visible"/>
+                                      </p:to>
+                                    </p:set>
+                                  </p:childTnLst>
+                                </p:cTn>
+                              </p:par>
+                            </p:childTnLst>
+                          </p:cTn>
+                        </p:par>
+                      </p:childTnLst>
+                    </p:cTn>
+                  </p:par>
+                  <p:par>
+                    <p:cTn id="45" fill="hold">
+                      <p:stCondLst>
+                        <p:cond delay="indefinite"/>
+                      </p:stCondLst>
+                      <p:childTnLst>
+                        <p:par>
+                          <p:cTn id="46" fill="hold">
+                            <p:stCondLst>
+                              <p:cond delay="0"/>
+                            </p:stCondLst>
+                            <p:childTnLst>
+                              <p:par>
+                                <p:cTn id="47" presetClass="entr" nodeType="clickEffect" presetSubtype="0" presetID="1" grpId="1" fill="hold">
+                                  <p:stCondLst>
+                                    <p:cond delay="0"/>
+                                  </p:stCondLst>
+                                  <p:iterate type="el" backwards="0">
+                                    <p:tmAbs val="0"/>
+                                  </p:iterate>
+                                  <p:childTnLst>
+                                    <p:set>
+                                      <p:cBhvr>
+                                        <p:cTn id="48" fill="hold"/>
+                                        <p:tgtEl>
+                                          <p:spTgt spid="66">
+                                            <p:txEl>
+                                              <p:pRg st="10" end="10"/>
                                             </p:txEl>
                                           </p:spTgt>
                                         </p:tgtEl>
@@ -13259,13 +14892,13 @@
       </p:par>
     </p:tnLst>
     <p:bldLst>
-      <p:bldP build="p" bldLvl="5" animBg="1" rev="0" advAuto="0" spid="60" grpId="1"/>
+      <p:bldP build="p" bldLvl="5" animBg="1" rev="0" advAuto="0" spid="66" grpId="1"/>
     </p:bldLst>
   </p:timing>
 </p:sld>
 </file>
 
-<file path=ppt/slides/slide5.xml><?xml version="1.0" encoding="utf-8"?>
+<file path=ppt/slides/slide6.xml><?xml version="1.0" encoding="utf-8"?>
 <p:sld xmlns:a="http://schemas.openxmlformats.org/drawingml/2006/main" xmlns:r="http://schemas.openxmlformats.org/officeDocument/2006/relationships" xmlns:p="http://schemas.openxmlformats.org/presentationml/2006/main" xmlns:m="http://schemas.openxmlformats.org/officeDocument/2006/math" xmlns:a14="http://schemas.microsoft.com/office/drawing/2010/main" showMasterSp="1" showMasterPhAnim="1">
   <p:cSld>
     <p:spTree>
@@ -13284,7 +14917,7 @@
       </p:grpSpPr>
       <p:sp>
         <p:nvSpPr>
-          <p:cNvPr id="65" name="Example:  Dijkstra’s Algorithm"/>
+          <p:cNvPr id="71" name="Example:  Dijkstra’s Algorithm"/>
           <p:cNvSpPr txBox="1"/>
           <p:nvPr>
             <p:ph type="title"/>
@@ -13308,7 +14941,7 @@
       </p:sp>
       <p:sp>
         <p:nvSpPr>
-          <p:cNvPr id="66" name="Slide Number"/>
+          <p:cNvPr id="72" name="Slide Number"/>
           <p:cNvSpPr txBox="1"/>
           <p:nvPr>
             <p:ph type="sldNum" sz="quarter" idx="2"/>
@@ -13335,7 +14968,7 @@
       </p:sp>
       <p:sp>
         <p:nvSpPr>
-          <p:cNvPr id="67" name="DAA/Greedy Algorithms"/>
+          <p:cNvPr id="73" name="DAA/Greedy Algorithms"/>
           <p:cNvSpPr txBox="1"/>
           <p:nvPr/>
         </p:nvSpPr>
@@ -13375,7 +15008,7 @@
       </p:sp>
       <p:sp>
         <p:nvSpPr>
-          <p:cNvPr id="68" name="RPR/"/>
+          <p:cNvPr id="74" name="RPR/"/>
           <p:cNvSpPr txBox="1"/>
           <p:nvPr/>
         </p:nvSpPr>
@@ -13415,7 +15048,7 @@
       </p:sp>
       <p:sp>
         <p:nvSpPr>
-          <p:cNvPr id="69" name="Q: Construct an SSSP using Dijkstra’s algo…"/>
+          <p:cNvPr id="75" name="Q: Construct an SSSP using Dijkstra’s algo…"/>
           <p:cNvSpPr txBox="1"/>
           <p:nvPr/>
         </p:nvSpPr>
@@ -13494,7 +15127,7 @@
       </p:sp>
       <p:grpSp>
         <p:nvGrpSpPr>
-          <p:cNvPr id="102" name="Group"/>
+          <p:cNvPr id="108" name="Group"/>
           <p:cNvGrpSpPr/>
           <p:nvPr/>
         </p:nvGrpSpPr>
@@ -13508,7 +15141,7 @@
         </p:grpSpPr>
         <p:sp>
           <p:nvSpPr>
-            <p:cNvPr id="70" name="a"/>
+            <p:cNvPr id="76" name="a"/>
             <p:cNvSpPr/>
             <p:nvPr/>
           </p:nvSpPr>
@@ -13559,7 +15192,7 @@
         </p:sp>
         <p:sp>
           <p:nvSpPr>
-            <p:cNvPr id="71" name="d"/>
+            <p:cNvPr id="77" name="d"/>
             <p:cNvSpPr/>
             <p:nvPr/>
           </p:nvSpPr>
@@ -13610,7 +15243,7 @@
         </p:sp>
         <p:sp>
           <p:nvSpPr>
-            <p:cNvPr id="72" name="e"/>
+            <p:cNvPr id="78" name="e"/>
             <p:cNvSpPr/>
             <p:nvPr/>
           </p:nvSpPr>
@@ -13661,7 +15294,7 @@
         </p:sp>
         <p:sp>
           <p:nvSpPr>
-            <p:cNvPr id="73" name="b"/>
+            <p:cNvPr id="79" name="b"/>
             <p:cNvSpPr/>
             <p:nvPr/>
           </p:nvSpPr>
@@ -13712,7 +15345,7 @@
         </p:sp>
         <p:sp>
           <p:nvSpPr>
-            <p:cNvPr id="74" name="f"/>
+            <p:cNvPr id="80" name="f"/>
             <p:cNvSpPr/>
             <p:nvPr/>
           </p:nvSpPr>
@@ -13763,7 +15396,7 @@
         </p:sp>
         <p:sp>
           <p:nvSpPr>
-            <p:cNvPr id="75" name="c"/>
+            <p:cNvPr id="81" name="c"/>
             <p:cNvSpPr/>
             <p:nvPr/>
           </p:nvSpPr>
@@ -13814,7 +15447,7 @@
         </p:sp>
         <p:sp>
           <p:nvSpPr>
-            <p:cNvPr id="76" name="Line"/>
+            <p:cNvPr id="82" name="Line"/>
             <p:cNvSpPr/>
             <p:nvPr/>
           </p:nvSpPr>
@@ -13848,7 +15481,7 @@
         </p:sp>
         <p:sp>
           <p:nvSpPr>
-            <p:cNvPr id="77" name="Line"/>
+            <p:cNvPr id="83" name="Line"/>
             <p:cNvSpPr/>
             <p:nvPr/>
           </p:nvSpPr>
@@ -13882,7 +15515,7 @@
         </p:sp>
         <p:sp>
           <p:nvSpPr>
-            <p:cNvPr id="78" name="Line"/>
+            <p:cNvPr id="84" name="Line"/>
             <p:cNvSpPr/>
             <p:nvPr/>
           </p:nvSpPr>
@@ -13916,7 +15549,7 @@
         </p:sp>
         <p:sp>
           <p:nvSpPr>
-            <p:cNvPr id="79" name="Line"/>
+            <p:cNvPr id="85" name="Line"/>
             <p:cNvSpPr/>
             <p:nvPr/>
           </p:nvSpPr>
@@ -13950,7 +15583,7 @@
         </p:sp>
         <p:sp>
           <p:nvSpPr>
-            <p:cNvPr id="80" name="Line"/>
+            <p:cNvPr id="86" name="Line"/>
             <p:cNvSpPr/>
             <p:nvPr/>
           </p:nvSpPr>
@@ -13984,7 +15617,7 @@
         </p:sp>
         <p:sp>
           <p:nvSpPr>
-            <p:cNvPr id="81" name="Line"/>
+            <p:cNvPr id="87" name="Line"/>
             <p:cNvSpPr/>
             <p:nvPr/>
           </p:nvSpPr>
@@ -14018,7 +15651,7 @@
         </p:sp>
         <p:sp>
           <p:nvSpPr>
-            <p:cNvPr id="82" name="Line"/>
+            <p:cNvPr id="88" name="Line"/>
             <p:cNvSpPr/>
             <p:nvPr/>
           </p:nvSpPr>
@@ -14052,7 +15685,7 @@
         </p:sp>
         <p:sp>
           <p:nvSpPr>
-            <p:cNvPr id="83" name="Line"/>
+            <p:cNvPr id="89" name="Line"/>
             <p:cNvSpPr/>
             <p:nvPr/>
           </p:nvSpPr>
@@ -14086,7 +15719,7 @@
         </p:sp>
         <p:sp>
           <p:nvSpPr>
-            <p:cNvPr id="84" name="Line"/>
+            <p:cNvPr id="90" name="Line"/>
             <p:cNvSpPr/>
             <p:nvPr/>
           </p:nvSpPr>
@@ -14120,7 +15753,7 @@
         </p:sp>
         <p:sp>
           <p:nvSpPr>
-            <p:cNvPr id="85" name="Line"/>
+            <p:cNvPr id="91" name="Line"/>
             <p:cNvSpPr/>
             <p:nvPr/>
           </p:nvSpPr>
@@ -14154,7 +15787,7 @@
         </p:sp>
         <p:sp>
           <p:nvSpPr>
-            <p:cNvPr id="86" name="2"/>
+            <p:cNvPr id="92" name="2"/>
             <p:cNvSpPr txBox="1"/>
             <p:nvPr/>
           </p:nvSpPr>
@@ -14202,7 +15835,7 @@
         </p:sp>
         <p:sp>
           <p:nvSpPr>
-            <p:cNvPr id="87" name="6"/>
+            <p:cNvPr id="93" name="6"/>
             <p:cNvSpPr txBox="1"/>
             <p:nvPr/>
           </p:nvSpPr>
@@ -14250,7 +15883,7 @@
         </p:sp>
         <p:sp>
           <p:nvSpPr>
-            <p:cNvPr id="88" name="3"/>
+            <p:cNvPr id="94" name="3"/>
             <p:cNvSpPr txBox="1"/>
             <p:nvPr/>
           </p:nvSpPr>
@@ -14298,7 +15931,7 @@
         </p:sp>
         <p:sp>
           <p:nvSpPr>
-            <p:cNvPr id="89" name="5"/>
+            <p:cNvPr id="95" name="5"/>
             <p:cNvSpPr txBox="1"/>
             <p:nvPr/>
           </p:nvSpPr>
@@ -14346,7 +15979,7 @@
         </p:sp>
         <p:sp>
           <p:nvSpPr>
-            <p:cNvPr id="90" name="1"/>
+            <p:cNvPr id="96" name="1"/>
             <p:cNvSpPr txBox="1"/>
             <p:nvPr/>
           </p:nvSpPr>
@@ -14394,7 +16027,7 @@
         </p:sp>
         <p:sp>
           <p:nvSpPr>
-            <p:cNvPr id="91" name="4"/>
+            <p:cNvPr id="97" name="4"/>
             <p:cNvSpPr txBox="1"/>
             <p:nvPr/>
           </p:nvSpPr>
@@ -14442,7 +16075,7 @@
         </p:sp>
         <p:sp>
           <p:nvSpPr>
-            <p:cNvPr id="92" name="4"/>
+            <p:cNvPr id="98" name="4"/>
             <p:cNvSpPr txBox="1"/>
             <p:nvPr/>
           </p:nvSpPr>
@@ -14490,7 +16123,7 @@
         </p:sp>
         <p:sp>
           <p:nvSpPr>
-            <p:cNvPr id="93" name="5"/>
+            <p:cNvPr id="99" name="5"/>
             <p:cNvSpPr txBox="1"/>
             <p:nvPr/>
           </p:nvSpPr>
@@ -14538,7 +16171,7 @@
         </p:sp>
         <p:sp>
           <p:nvSpPr>
-            <p:cNvPr id="94" name="6"/>
+            <p:cNvPr id="100" name="6"/>
             <p:cNvSpPr txBox="1"/>
             <p:nvPr/>
           </p:nvSpPr>
@@ -14586,7 +16219,7 @@
         </p:sp>
         <p:sp>
           <p:nvSpPr>
-            <p:cNvPr id="95" name="8"/>
+            <p:cNvPr id="101" name="8"/>
             <p:cNvSpPr txBox="1"/>
             <p:nvPr/>
           </p:nvSpPr>
@@ -14634,7 +16267,7 @@
         </p:sp>
         <p:sp>
           <p:nvSpPr>
-            <p:cNvPr id="96" name="a"/>
+            <p:cNvPr id="102" name="a"/>
             <p:cNvSpPr/>
             <p:nvPr/>
           </p:nvSpPr>
@@ -14685,7 +16318,7 @@
         </p:sp>
         <p:sp>
           <p:nvSpPr>
-            <p:cNvPr id="97" name="b"/>
+            <p:cNvPr id="103" name="b"/>
             <p:cNvSpPr/>
             <p:nvPr/>
           </p:nvSpPr>
@@ -14736,7 +16369,7 @@
         </p:sp>
         <p:sp>
           <p:nvSpPr>
-            <p:cNvPr id="98" name="c"/>
+            <p:cNvPr id="104" name="c"/>
             <p:cNvSpPr/>
             <p:nvPr/>
           </p:nvSpPr>
@@ -14787,7 +16420,7 @@
         </p:sp>
         <p:sp>
           <p:nvSpPr>
-            <p:cNvPr id="99" name="d"/>
+            <p:cNvPr id="105" name="d"/>
             <p:cNvSpPr/>
             <p:nvPr/>
           </p:nvSpPr>
@@ -14838,7 +16471,7 @@
         </p:sp>
         <p:sp>
           <p:nvSpPr>
-            <p:cNvPr id="100" name="e"/>
+            <p:cNvPr id="106" name="e"/>
             <p:cNvSpPr/>
             <p:nvPr/>
           </p:nvSpPr>
@@ -14889,7 +16522,7 @@
         </p:sp>
         <p:sp>
           <p:nvSpPr>
-            <p:cNvPr id="101" name="f"/>
+            <p:cNvPr id="107" name="f"/>
             <p:cNvSpPr/>
             <p:nvPr/>
           </p:nvSpPr>
@@ -14978,7 +16611,7 @@
                                       <p:cBhvr>
                                         <p:cTn id="6" fill="hold"/>
                                         <p:tgtEl>
-                                          <p:spTgt spid="69">
+                                          <p:spTgt spid="75">
                                             <p:bg/>
                                           </p:spTgt>
                                         </p:tgtEl>
@@ -15006,7 +16639,7 @@
                                       <p:cBhvr>
                                         <p:cTn id="8" fill="hold"/>
                                         <p:tgtEl>
-                                          <p:spTgt spid="69">
+                                          <p:spTgt spid="75">
                                             <p:txEl>
                                               <p:pRg st="0" end="0"/>
                                             </p:txEl>
@@ -15054,7 +16687,7 @@
                                       <p:cBhvr>
                                         <p:cTn id="12" fill="hold"/>
                                         <p:tgtEl>
-                                          <p:spTgt spid="69">
+                                          <p:spTgt spid="75">
                                             <p:txEl>
                                               <p:pRg st="1" end="1"/>
                                             </p:txEl>
@@ -15099,13 +16732,13 @@
       </p:par>
     </p:tnLst>
     <p:bldLst>
-      <p:bldP build="p" bldLvl="5" animBg="1" rev="0" advAuto="0" spid="69" grpId="1"/>
+      <p:bldP build="p" bldLvl="5" animBg="1" rev="0" advAuto="0" spid="75" grpId="1"/>
     </p:bldLst>
   </p:timing>
 </p:sld>
 </file>
 
-<file path=ppt/slides/slide6.xml><?xml version="1.0" encoding="utf-8"?>
+<file path=ppt/slides/slide7.xml><?xml version="1.0" encoding="utf-8"?>
 <p:sld xmlns:a="http://schemas.openxmlformats.org/drawingml/2006/main" xmlns:r="http://schemas.openxmlformats.org/officeDocument/2006/relationships" xmlns:p="http://schemas.openxmlformats.org/presentationml/2006/main" xmlns:m="http://schemas.openxmlformats.org/officeDocument/2006/math" xmlns:a14="http://schemas.microsoft.com/office/drawing/2010/main" showMasterSp="1" showMasterPhAnim="1">
   <p:cSld>
     <p:spTree>
@@ -15124,7 +16757,7 @@
       </p:grpSpPr>
       <p:sp>
         <p:nvSpPr>
-          <p:cNvPr id="104" name="Example:  Dijkstra’s Algorithm"/>
+          <p:cNvPr id="110" name="Example:  Dijkstra’s Algorithm"/>
           <p:cNvSpPr txBox="1"/>
           <p:nvPr>
             <p:ph type="title"/>
@@ -15148,7 +16781,7 @@
       </p:sp>
       <p:sp>
         <p:nvSpPr>
-          <p:cNvPr id="105" name="Slide Number"/>
+          <p:cNvPr id="111" name="Slide Number"/>
           <p:cNvSpPr txBox="1"/>
           <p:nvPr>
             <p:ph type="sldNum" sz="quarter" idx="2"/>
@@ -15175,7 +16808,7 @@
       </p:sp>
       <p:sp>
         <p:nvSpPr>
-          <p:cNvPr id="106" name="DAA/Greedy Algorithms"/>
+          <p:cNvPr id="112" name="DAA/Greedy Algorithms"/>
           <p:cNvSpPr txBox="1"/>
           <p:nvPr/>
         </p:nvSpPr>
@@ -15215,7 +16848,7 @@
       </p:sp>
       <p:sp>
         <p:nvSpPr>
-          <p:cNvPr id="107" name="RPR/"/>
+          <p:cNvPr id="113" name="RPR/"/>
           <p:cNvSpPr txBox="1"/>
           <p:nvPr/>
         </p:nvSpPr>
@@ -15255,7 +16888,7 @@
       </p:sp>
       <p:sp>
         <p:nvSpPr>
-          <p:cNvPr id="108" name="a"/>
+          <p:cNvPr id="114" name="a"/>
           <p:cNvSpPr/>
           <p:nvPr/>
         </p:nvSpPr>
@@ -15300,7 +16933,7 @@
       </p:sp>
       <p:sp>
         <p:nvSpPr>
-          <p:cNvPr id="109" name="d"/>
+          <p:cNvPr id="115" name="d"/>
           <p:cNvSpPr/>
           <p:nvPr/>
         </p:nvSpPr>
@@ -15345,7 +16978,7 @@
       </p:sp>
       <p:sp>
         <p:nvSpPr>
-          <p:cNvPr id="110" name="e"/>
+          <p:cNvPr id="116" name="e"/>
           <p:cNvSpPr/>
           <p:nvPr/>
         </p:nvSpPr>
@@ -15390,7 +17023,7 @@
       </p:sp>
       <p:sp>
         <p:nvSpPr>
-          <p:cNvPr id="111" name="b"/>
+          <p:cNvPr id="117" name="b"/>
           <p:cNvSpPr/>
           <p:nvPr/>
         </p:nvSpPr>
@@ -15435,7 +17068,7 @@
       </p:sp>
       <p:sp>
         <p:nvSpPr>
-          <p:cNvPr id="112" name="f"/>
+          <p:cNvPr id="118" name="f"/>
           <p:cNvSpPr/>
           <p:nvPr/>
         </p:nvSpPr>
@@ -15480,7 +17113,7 @@
       </p:sp>
       <p:sp>
         <p:nvSpPr>
-          <p:cNvPr id="113" name="c"/>
+          <p:cNvPr id="119" name="c"/>
           <p:cNvSpPr/>
           <p:nvPr/>
         </p:nvSpPr>
@@ -15525,7 +17158,7 @@
       </p:sp>
       <p:sp>
         <p:nvSpPr>
-          <p:cNvPr id="114" name="Line"/>
+          <p:cNvPr id="120" name="Line"/>
           <p:cNvSpPr/>
           <p:nvPr/>
         </p:nvSpPr>
@@ -15553,7 +17186,7 @@
       </p:sp>
       <p:sp>
         <p:nvSpPr>
-          <p:cNvPr id="115" name="Line"/>
+          <p:cNvPr id="121" name="Line"/>
           <p:cNvSpPr/>
           <p:nvPr/>
         </p:nvSpPr>
@@ -15581,7 +17214,7 @@
       </p:sp>
       <p:sp>
         <p:nvSpPr>
-          <p:cNvPr id="116" name="Line"/>
+          <p:cNvPr id="122" name="Line"/>
           <p:cNvSpPr/>
           <p:nvPr/>
         </p:nvSpPr>
@@ -15609,7 +17242,7 @@
       </p:sp>
       <p:sp>
         <p:nvSpPr>
-          <p:cNvPr id="117" name="Line"/>
+          <p:cNvPr id="123" name="Line"/>
           <p:cNvSpPr/>
           <p:nvPr/>
         </p:nvSpPr>
@@ -15637,7 +17270,7 @@
       </p:sp>
       <p:sp>
         <p:nvSpPr>
-          <p:cNvPr id="118" name="Line"/>
+          <p:cNvPr id="124" name="Line"/>
           <p:cNvSpPr/>
           <p:nvPr/>
         </p:nvSpPr>
@@ -15665,7 +17298,7 @@
       </p:sp>
       <p:sp>
         <p:nvSpPr>
-          <p:cNvPr id="119" name="Line"/>
+          <p:cNvPr id="125" name="Line"/>
           <p:cNvSpPr/>
           <p:nvPr/>
         </p:nvSpPr>
@@ -15693,7 +17326,7 @@
       </p:sp>
       <p:sp>
         <p:nvSpPr>
-          <p:cNvPr id="120" name="Line"/>
+          <p:cNvPr id="126" name="Line"/>
           <p:cNvSpPr/>
           <p:nvPr/>
         </p:nvSpPr>
@@ -15721,7 +17354,7 @@
       </p:sp>
       <p:sp>
         <p:nvSpPr>
-          <p:cNvPr id="121" name="Line"/>
+          <p:cNvPr id="127" name="Line"/>
           <p:cNvSpPr/>
           <p:nvPr/>
         </p:nvSpPr>
@@ -15749,7 +17382,7 @@
       </p:sp>
       <p:sp>
         <p:nvSpPr>
-          <p:cNvPr id="122" name="Line"/>
+          <p:cNvPr id="128" name="Line"/>
           <p:cNvSpPr/>
           <p:nvPr/>
         </p:nvSpPr>
@@ -15777,7 +17410,7 @@
       </p:sp>
       <p:sp>
         <p:nvSpPr>
-          <p:cNvPr id="123" name="Line"/>
+          <p:cNvPr id="129" name="Line"/>
           <p:cNvSpPr/>
           <p:nvPr/>
         </p:nvSpPr>
@@ -15805,7 +17438,7 @@
       </p:sp>
       <p:sp>
         <p:nvSpPr>
-          <p:cNvPr id="124" name="2"/>
+          <p:cNvPr id="130" name="2"/>
           <p:cNvSpPr txBox="1"/>
           <p:nvPr/>
         </p:nvSpPr>
@@ -15848,7 +17481,7 @@
       </p:sp>
       <p:sp>
         <p:nvSpPr>
-          <p:cNvPr id="125" name="6"/>
+          <p:cNvPr id="131" name="6"/>
           <p:cNvSpPr txBox="1"/>
           <p:nvPr/>
         </p:nvSpPr>
@@ -15891,7 +17524,7 @@
       </p:sp>
       <p:sp>
         <p:nvSpPr>
-          <p:cNvPr id="126" name="3"/>
+          <p:cNvPr id="132" name="3"/>
           <p:cNvSpPr txBox="1"/>
           <p:nvPr/>
         </p:nvSpPr>
@@ -15934,7 +17567,7 @@
       </p:sp>
       <p:sp>
         <p:nvSpPr>
-          <p:cNvPr id="127" name="5"/>
+          <p:cNvPr id="133" name="5"/>
           <p:cNvSpPr txBox="1"/>
           <p:nvPr/>
         </p:nvSpPr>
@@ -15977,7 +17610,7 @@
       </p:sp>
       <p:sp>
         <p:nvSpPr>
-          <p:cNvPr id="128" name="1"/>
+          <p:cNvPr id="134" name="1"/>
           <p:cNvSpPr txBox="1"/>
           <p:nvPr/>
         </p:nvSpPr>
@@ -16020,7 +17653,7 @@
       </p:sp>
       <p:sp>
         <p:nvSpPr>
-          <p:cNvPr id="129" name="4"/>
+          <p:cNvPr id="135" name="4"/>
           <p:cNvSpPr txBox="1"/>
           <p:nvPr/>
         </p:nvSpPr>
@@ -16063,7 +17696,7 @@
       </p:sp>
       <p:sp>
         <p:nvSpPr>
-          <p:cNvPr id="130" name="4"/>
+          <p:cNvPr id="136" name="4"/>
           <p:cNvSpPr txBox="1"/>
           <p:nvPr/>
         </p:nvSpPr>
@@ -16106,7 +17739,7 @@
       </p:sp>
       <p:sp>
         <p:nvSpPr>
-          <p:cNvPr id="131" name="5"/>
+          <p:cNvPr id="137" name="5"/>
           <p:cNvSpPr txBox="1"/>
           <p:nvPr/>
         </p:nvSpPr>
@@ -16149,7 +17782,7 @@
       </p:sp>
       <p:sp>
         <p:nvSpPr>
-          <p:cNvPr id="132" name="6"/>
+          <p:cNvPr id="138" name="6"/>
           <p:cNvSpPr txBox="1"/>
           <p:nvPr/>
         </p:nvSpPr>
@@ -16192,7 +17825,7 @@
       </p:sp>
       <p:sp>
         <p:nvSpPr>
-          <p:cNvPr id="133" name="8"/>
+          <p:cNvPr id="139" name="8"/>
           <p:cNvSpPr txBox="1"/>
           <p:nvPr/>
         </p:nvSpPr>
@@ -16235,7 +17868,7 @@
       </p:sp>
       <p:sp>
         <p:nvSpPr>
-          <p:cNvPr id="134" name="a"/>
+          <p:cNvPr id="140" name="a"/>
           <p:cNvSpPr/>
           <p:nvPr/>
         </p:nvSpPr>
@@ -16283,7 +17916,7 @@
       </p:sp>
       <p:sp>
         <p:nvSpPr>
-          <p:cNvPr id="135" name="db=∞"/>
+          <p:cNvPr id="141" name="db=∞"/>
           <p:cNvSpPr txBox="1"/>
           <p:nvPr/>
         </p:nvSpPr>
@@ -16354,7 +17987,7 @@
       </p:sp>
       <p:sp>
         <p:nvSpPr>
-          <p:cNvPr id="136" name="da=0"/>
+          <p:cNvPr id="142" name="da=0"/>
           <p:cNvSpPr txBox="1"/>
           <p:nvPr/>
         </p:nvSpPr>
@@ -16429,7 +18062,7 @@
       </p:sp>
       <p:sp>
         <p:nvSpPr>
-          <p:cNvPr id="137" name="dc=∞"/>
+          <p:cNvPr id="143" name="dc=∞"/>
           <p:cNvSpPr txBox="1"/>
           <p:nvPr/>
         </p:nvSpPr>
@@ -16500,7 +18133,7 @@
       </p:sp>
       <p:sp>
         <p:nvSpPr>
-          <p:cNvPr id="138" name="df=∞"/>
+          <p:cNvPr id="144" name="df=∞"/>
           <p:cNvSpPr txBox="1"/>
           <p:nvPr/>
         </p:nvSpPr>
@@ -16571,7 +18204,7 @@
       </p:sp>
       <p:sp>
         <p:nvSpPr>
-          <p:cNvPr id="139" name="de=∞"/>
+          <p:cNvPr id="145" name="de=∞"/>
           <p:cNvSpPr txBox="1"/>
           <p:nvPr/>
         </p:nvSpPr>
@@ -16642,7 +18275,7 @@
       </p:sp>
       <p:sp>
         <p:nvSpPr>
-          <p:cNvPr id="140" name="dd=∞"/>
+          <p:cNvPr id="146" name="dd=∞"/>
           <p:cNvSpPr txBox="1"/>
           <p:nvPr/>
         </p:nvSpPr>
@@ -16713,7 +18346,7 @@
       </p:sp>
       <p:sp>
         <p:nvSpPr>
-          <p:cNvPr id="141" name="b"/>
+          <p:cNvPr id="147" name="b"/>
           <p:cNvSpPr/>
           <p:nvPr/>
         </p:nvSpPr>
@@ -16761,7 +18394,7 @@
       </p:sp>
       <p:sp>
         <p:nvSpPr>
-          <p:cNvPr id="142" name="a,db=3"/>
+          <p:cNvPr id="148" name="a,db=3"/>
           <p:cNvSpPr txBox="1"/>
           <p:nvPr/>
         </p:nvSpPr>
@@ -16837,7 +18470,7 @@
       </p:sp>
       <p:sp>
         <p:nvSpPr>
-          <p:cNvPr id="143" name="c"/>
+          <p:cNvPr id="149" name="c"/>
           <p:cNvSpPr/>
           <p:nvPr/>
         </p:nvSpPr>
@@ -16885,7 +18518,7 @@
       </p:sp>
       <p:sp>
         <p:nvSpPr>
-          <p:cNvPr id="144" name="f"/>
+          <p:cNvPr id="150" name="f"/>
           <p:cNvSpPr/>
           <p:nvPr/>
         </p:nvSpPr>
@@ -16933,7 +18566,7 @@
       </p:sp>
       <p:sp>
         <p:nvSpPr>
-          <p:cNvPr id="145" name="b,dc=4"/>
+          <p:cNvPr id="151" name="b,dc=4"/>
           <p:cNvSpPr txBox="1"/>
           <p:nvPr/>
         </p:nvSpPr>
@@ -17009,7 +18642,7 @@
       </p:sp>
       <p:sp>
         <p:nvSpPr>
-          <p:cNvPr id="146" name="d"/>
+          <p:cNvPr id="152" name="d"/>
           <p:cNvSpPr/>
           <p:nvPr/>
         </p:nvSpPr>
@@ -17057,7 +18690,7 @@
       </p:sp>
       <p:sp>
         <p:nvSpPr>
-          <p:cNvPr id="147" name="a,df=5"/>
+          <p:cNvPr id="153" name="a,df=5"/>
           <p:cNvSpPr txBox="1"/>
           <p:nvPr/>
         </p:nvSpPr>
@@ -17133,7 +18766,7 @@
       </p:sp>
       <p:sp>
         <p:nvSpPr>
-          <p:cNvPr id="148" name="e"/>
+          <p:cNvPr id="154" name="e"/>
           <p:cNvSpPr/>
           <p:nvPr/>
         </p:nvSpPr>
@@ -17181,7 +18814,7 @@
       </p:sp>
       <p:sp>
         <p:nvSpPr>
-          <p:cNvPr id="149" name="a,de=6"/>
+          <p:cNvPr id="155" name="a,de=6"/>
           <p:cNvSpPr txBox="1"/>
           <p:nvPr/>
         </p:nvSpPr>
@@ -17257,7 +18890,7 @@
       </p:sp>
       <p:sp>
         <p:nvSpPr>
-          <p:cNvPr id="150" name="c,dd=10"/>
+          <p:cNvPr id="156" name="c,dd=10"/>
           <p:cNvSpPr txBox="1"/>
           <p:nvPr/>
         </p:nvSpPr>
@@ -17333,7 +18966,7 @@
       </p:sp>
       <p:sp>
         <p:nvSpPr>
-          <p:cNvPr id="151" name="Line"/>
+          <p:cNvPr id="157" name="Line"/>
           <p:cNvSpPr/>
           <p:nvPr/>
         </p:nvSpPr>
@@ -17365,7 +18998,7 @@
       </p:sp>
       <p:sp>
         <p:nvSpPr>
-          <p:cNvPr id="152" name="Line"/>
+          <p:cNvPr id="158" name="Line"/>
           <p:cNvSpPr/>
           <p:nvPr/>
         </p:nvSpPr>
@@ -17397,7 +19030,7 @@
       </p:sp>
       <p:sp>
         <p:nvSpPr>
-          <p:cNvPr id="153" name="Line"/>
+          <p:cNvPr id="159" name="Line"/>
           <p:cNvSpPr/>
           <p:nvPr/>
         </p:nvSpPr>
@@ -17429,7 +19062,7 @@
       </p:sp>
       <p:sp>
         <p:nvSpPr>
-          <p:cNvPr id="154" name="Line"/>
+          <p:cNvPr id="160" name="Line"/>
           <p:cNvSpPr/>
           <p:nvPr/>
         </p:nvSpPr>
@@ -17461,7 +19094,7 @@
       </p:sp>
       <p:sp>
         <p:nvSpPr>
-          <p:cNvPr id="155" name="Line"/>
+          <p:cNvPr id="161" name="Line"/>
           <p:cNvSpPr/>
           <p:nvPr/>
         </p:nvSpPr>
@@ -17527,7 +19160,7 @@
                                       <p:cBhvr>
                                         <p:cTn id="6" dur="1000" fill="hold"/>
                                         <p:tgtEl>
-                                          <p:spTgt spid="108"/>
+                                          <p:spTgt spid="114"/>
                                         </p:tgtEl>
                                         <p:attrNameLst>
                                           <p:attrName>style.visibility</p:attrName>
@@ -17580,7 +19213,7 @@
                                       <p:cBhvr>
                                         <p:cTn id="10" fill="hold"/>
                                         <p:tgtEl>
-                                          <p:spTgt spid="134"/>
+                                          <p:spTgt spid="140"/>
                                         </p:tgtEl>
                                         <p:attrNameLst>
                                           <p:attrName>style.visibility</p:attrName>
@@ -17624,7 +19257,7 @@
                                       <p:cBhvr>
                                         <p:cTn id="14" fill="hold"/>
                                         <p:tgtEl>
-                                          <p:spTgt spid="136"/>
+                                          <p:spTgt spid="142"/>
                                         </p:tgtEl>
                                         <p:attrNameLst>
                                           <p:attrName>style.visibility</p:attrName>
@@ -17668,7 +19301,7 @@
                                       <p:cBhvr>
                                         <p:cTn id="18" fill="hold"/>
                                         <p:tgtEl>
-                                          <p:spTgt spid="135"/>
+                                          <p:spTgt spid="141"/>
                                         </p:tgtEl>
                                         <p:attrNameLst>
                                           <p:attrName>style.visibility</p:attrName>
@@ -17703,7 +19336,7 @@
                                       <p:cBhvr>
                                         <p:cTn id="21" fill="hold"/>
                                         <p:tgtEl>
-                                          <p:spTgt spid="137"/>
+                                          <p:spTgt spid="143"/>
                                         </p:tgtEl>
                                         <p:attrNameLst>
                                           <p:attrName>style.visibility</p:attrName>
@@ -17738,7 +19371,7 @@
                                       <p:cBhvr>
                                         <p:cTn id="24" fill="hold"/>
                                         <p:tgtEl>
-                                          <p:spTgt spid="140"/>
+                                          <p:spTgt spid="146"/>
                                         </p:tgtEl>
                                         <p:attrNameLst>
                                           <p:attrName>style.visibility</p:attrName>
@@ -17773,7 +19406,7 @@
                                       <p:cBhvr>
                                         <p:cTn id="27" fill="hold"/>
                                         <p:tgtEl>
-                                          <p:spTgt spid="139"/>
+                                          <p:spTgt spid="145"/>
                                         </p:tgtEl>
                                         <p:attrNameLst>
                                           <p:attrName>style.visibility</p:attrName>
@@ -17808,7 +19441,7 @@
                                       <p:cBhvr>
                                         <p:cTn id="30" fill="hold"/>
                                         <p:tgtEl>
-                                          <p:spTgt spid="138"/>
+                                          <p:spTgt spid="144"/>
                                         </p:tgtEl>
                                         <p:attrNameLst>
                                           <p:attrName>style.visibility</p:attrName>
@@ -17849,7 +19482,7 @@
                                       <p:cBhvr>
                                         <p:cTn id="34" dur="1000" fill="hold"/>
                                         <p:tgtEl>
-                                          <p:spTgt spid="111"/>
+                                          <p:spTgt spid="117"/>
                                         </p:tgtEl>
                                         <p:attrNameLst>
                                           <p:attrName>style.visibility</p:attrName>
@@ -17902,7 +19535,7 @@
                                       <p:cBhvr>
                                         <p:cTn id="38" dur="1000" fill="hold"/>
                                         <p:tgtEl>
-                                          <p:spTgt spid="135"/>
+                                          <p:spTgt spid="141"/>
                                         </p:tgtEl>
                                         <p:attrNameLst>
                                           <p:attrName>ppt_x</p:attrName>
@@ -17925,7 +19558,7 @@
                                       <p:cBhvr>
                                         <p:cTn id="39" dur="1000" fill="hold"/>
                                         <p:tgtEl>
-                                          <p:spTgt spid="135"/>
+                                          <p:spTgt spid="141"/>
                                         </p:tgtEl>
                                         <p:attrNameLst>
                                           <p:attrName>ppt_y</p:attrName>
@@ -17952,7 +19585,7 @@
                                           </p:stCondLst>
                                         </p:cTn>
                                         <p:tgtEl>
-                                          <p:spTgt spid="135"/>
+                                          <p:spTgt spid="141"/>
                                         </p:tgtEl>
                                         <p:attrNameLst>
                                           <p:attrName>style.visibility</p:attrName>
@@ -17996,7 +19629,7 @@
                                       <p:cBhvr>
                                         <p:cTn id="44" fill="hold"/>
                                         <p:tgtEl>
-                                          <p:spTgt spid="142"/>
+                                          <p:spTgt spid="148"/>
                                         </p:tgtEl>
                                         <p:attrNameLst>
                                           <p:attrName>style.visibility</p:attrName>
@@ -18037,7 +19670,7 @@
                                       <p:cBhvr>
                                         <p:cTn id="48" dur="1000" fill="hold"/>
                                         <p:tgtEl>
-                                          <p:spTgt spid="112"/>
+                                          <p:spTgt spid="118"/>
                                         </p:tgtEl>
                                         <p:attrNameLst>
                                           <p:attrName>style.visibility</p:attrName>
@@ -18090,7 +19723,7 @@
                                       <p:cBhvr>
                                         <p:cTn id="52" dur="1000" fill="hold"/>
                                         <p:tgtEl>
-                                          <p:spTgt spid="138"/>
+                                          <p:spTgt spid="144"/>
                                         </p:tgtEl>
                                         <p:attrNameLst>
                                           <p:attrName>ppt_x</p:attrName>
@@ -18113,7 +19746,7 @@
                                       <p:cBhvr>
                                         <p:cTn id="53" dur="1000" fill="hold"/>
                                         <p:tgtEl>
-                                          <p:spTgt spid="138"/>
+                                          <p:spTgt spid="144"/>
                                         </p:tgtEl>
                                         <p:attrNameLst>
                                           <p:attrName>ppt_y</p:attrName>
@@ -18140,7 +19773,7 @@
                                           </p:stCondLst>
                                         </p:cTn>
                                         <p:tgtEl>
-                                          <p:spTgt spid="138"/>
+                                          <p:spTgt spid="144"/>
                                         </p:tgtEl>
                                         <p:attrNameLst>
                                           <p:attrName>style.visibility</p:attrName>
@@ -18184,7 +19817,7 @@
                                       <p:cBhvr>
                                         <p:cTn id="58" fill="hold"/>
                                         <p:tgtEl>
-                                          <p:spTgt spid="147"/>
+                                          <p:spTgt spid="153"/>
                                         </p:tgtEl>
                                         <p:attrNameLst>
                                           <p:attrName>style.visibility</p:attrName>
@@ -18225,7 +19858,7 @@
                                       <p:cBhvr>
                                         <p:cTn id="62" dur="1000" fill="hold"/>
                                         <p:tgtEl>
-                                          <p:spTgt spid="110"/>
+                                          <p:spTgt spid="116"/>
                                         </p:tgtEl>
                                         <p:attrNameLst>
                                           <p:attrName>style.visibility</p:attrName>
@@ -18278,7 +19911,7 @@
                                       <p:cBhvr>
                                         <p:cTn id="66" dur="1000" fill="hold"/>
                                         <p:tgtEl>
-                                          <p:spTgt spid="139"/>
+                                          <p:spTgt spid="145"/>
                                         </p:tgtEl>
                                         <p:attrNameLst>
                                           <p:attrName>ppt_x</p:attrName>
@@ -18301,7 +19934,7 @@
                                       <p:cBhvr>
                                         <p:cTn id="67" dur="1000" fill="hold"/>
                                         <p:tgtEl>
-                                          <p:spTgt spid="139"/>
+                                          <p:spTgt spid="145"/>
                                         </p:tgtEl>
                                         <p:attrNameLst>
                                           <p:attrName>ppt_y</p:attrName>
@@ -18328,7 +19961,7 @@
                                           </p:stCondLst>
                                         </p:cTn>
                                         <p:tgtEl>
-                                          <p:spTgt spid="139"/>
+                                          <p:spTgt spid="145"/>
                                         </p:tgtEl>
                                         <p:attrNameLst>
                                           <p:attrName>style.visibility</p:attrName>
@@ -18372,7 +20005,7 @@
                                       <p:cBhvr>
                                         <p:cTn id="72" fill="hold"/>
                                         <p:tgtEl>
-                                          <p:spTgt spid="149"/>
+                                          <p:spTgt spid="155"/>
                                         </p:tgtEl>
                                         <p:attrNameLst>
                                           <p:attrName>style.visibility</p:attrName>
@@ -18416,7 +20049,7 @@
                                       <p:cBhvr>
                                         <p:cTn id="76" fill="hold"/>
                                         <p:tgtEl>
-                                          <p:spTgt spid="141"/>
+                                          <p:spTgt spid="147"/>
                                         </p:tgtEl>
                                         <p:attrNameLst>
                                           <p:attrName>style.visibility</p:attrName>
@@ -18460,7 +20093,7 @@
                                       <p:cBhvr>
                                         <p:cTn id="80" fill="hold"/>
                                         <p:tgtEl>
-                                          <p:spTgt spid="151"/>
+                                          <p:spTgt spid="157"/>
                                         </p:tgtEl>
                                         <p:attrNameLst>
                                           <p:attrName>style.visibility</p:attrName>
@@ -18501,7 +20134,7 @@
                                       <p:cBhvr>
                                         <p:cTn id="84" dur="1000" fill="hold"/>
                                         <p:tgtEl>
-                                          <p:spTgt spid="113"/>
+                                          <p:spTgt spid="119"/>
                                         </p:tgtEl>
                                         <p:attrNameLst>
                                           <p:attrName>style.visibility</p:attrName>
@@ -18554,7 +20187,7 @@
                                       <p:cBhvr>
                                         <p:cTn id="88" dur="1000" fill="hold"/>
                                         <p:tgtEl>
-                                          <p:spTgt spid="137"/>
+                                          <p:spTgt spid="143"/>
                                         </p:tgtEl>
                                         <p:attrNameLst>
                                           <p:attrName>ppt_x</p:attrName>
@@ -18577,7 +20210,7 @@
                                       <p:cBhvr>
                                         <p:cTn id="89" dur="1000" fill="hold"/>
                                         <p:tgtEl>
-                                          <p:spTgt spid="137"/>
+                                          <p:spTgt spid="143"/>
                                         </p:tgtEl>
                                         <p:attrNameLst>
                                           <p:attrName>ppt_y</p:attrName>
@@ -18604,7 +20237,7 @@
                                           </p:stCondLst>
                                         </p:cTn>
                                         <p:tgtEl>
-                                          <p:spTgt spid="137"/>
+                                          <p:spTgt spid="143"/>
                                         </p:tgtEl>
                                         <p:attrNameLst>
                                           <p:attrName>style.visibility</p:attrName>
@@ -18648,7 +20281,7 @@
                                       <p:cBhvr>
                                         <p:cTn id="94" fill="hold"/>
                                         <p:tgtEl>
-                                          <p:spTgt spid="145"/>
+                                          <p:spTgt spid="151"/>
                                         </p:tgtEl>
                                         <p:attrNameLst>
                                           <p:attrName>style.visibility</p:attrName>
@@ -18689,7 +20322,7 @@
                                       <p:cBhvr>
                                         <p:cTn id="98" dur="1000" fill="hold"/>
                                         <p:tgtEl>
-                                          <p:spTgt spid="112"/>
+                                          <p:spTgt spid="118"/>
                                         </p:tgtEl>
                                         <p:attrNameLst>
                                           <p:attrName>style.visibility</p:attrName>
@@ -18739,7 +20372,7 @@
                                       <p:cBhvr>
                                         <p:cTn id="102" dur="1000" fill="hold"/>
                                         <p:tgtEl>
-                                          <p:spTgt spid="147"/>
+                                          <p:spTgt spid="153"/>
                                         </p:tgtEl>
                                         <p:attrNameLst>
                                           <p:attrName>style.visibility</p:attrName>
@@ -18789,7 +20422,7 @@
                                       <p:cBhvr>
                                         <p:cTn id="106" dur="1000" fill="hold"/>
                                         <p:tgtEl>
-                                          <p:spTgt spid="110"/>
+                                          <p:spTgt spid="116"/>
                                         </p:tgtEl>
                                         <p:attrNameLst>
                                           <p:attrName>style.visibility</p:attrName>
@@ -18839,7 +20472,7 @@
                                       <p:cBhvr>
                                         <p:cTn id="110" dur="1000" fill="hold"/>
                                         <p:tgtEl>
-                                          <p:spTgt spid="149"/>
+                                          <p:spTgt spid="155"/>
                                         </p:tgtEl>
                                         <p:attrNameLst>
                                           <p:attrName>style.visibility</p:attrName>
@@ -18892,7 +20525,7 @@
                                       <p:cBhvr>
                                         <p:cTn id="114" fill="hold"/>
                                         <p:tgtEl>
-                                          <p:spTgt spid="143"/>
+                                          <p:spTgt spid="149"/>
                                         </p:tgtEl>
                                         <p:attrNameLst>
                                           <p:attrName>style.visibility</p:attrName>
@@ -18936,7 +20569,7 @@
                                       <p:cBhvr>
                                         <p:cTn id="118" fill="hold"/>
                                         <p:tgtEl>
-                                          <p:spTgt spid="152"/>
+                                          <p:spTgt spid="158"/>
                                         </p:tgtEl>
                                         <p:attrNameLst>
                                           <p:attrName>style.visibility</p:attrName>
@@ -18977,7 +20610,7 @@
                                       <p:cBhvr>
                                         <p:cTn id="122" dur="1000" fill="hold"/>
                                         <p:tgtEl>
-                                          <p:spTgt spid="109"/>
+                                          <p:spTgt spid="115"/>
                                         </p:tgtEl>
                                         <p:attrNameLst>
                                           <p:attrName>style.visibility</p:attrName>
@@ -19030,7 +20663,7 @@
                                       <p:cBhvr>
                                         <p:cTn id="126" dur="1000" fill="hold"/>
                                         <p:tgtEl>
-                                          <p:spTgt spid="140"/>
+                                          <p:spTgt spid="146"/>
                                         </p:tgtEl>
                                         <p:attrNameLst>
                                           <p:attrName>ppt_x</p:attrName>
@@ -19053,7 +20686,7 @@
                                       <p:cBhvr>
                                         <p:cTn id="127" dur="1000" fill="hold"/>
                                         <p:tgtEl>
-                                          <p:spTgt spid="140"/>
+                                          <p:spTgt spid="146"/>
                                         </p:tgtEl>
                                         <p:attrNameLst>
                                           <p:attrName>ppt_y</p:attrName>
@@ -19080,7 +20713,7 @@
                                           </p:stCondLst>
                                         </p:cTn>
                                         <p:tgtEl>
-                                          <p:spTgt spid="140"/>
+                                          <p:spTgt spid="146"/>
                                         </p:tgtEl>
                                         <p:attrNameLst>
                                           <p:attrName>style.visibility</p:attrName>
@@ -19124,7 +20757,7 @@
                                       <p:cBhvr>
                                         <p:cTn id="132" fill="hold"/>
                                         <p:tgtEl>
-                                          <p:spTgt spid="150"/>
+                                          <p:spTgt spid="156"/>
                                         </p:tgtEl>
                                         <p:attrNameLst>
                                           <p:attrName>style.visibility</p:attrName>
@@ -19165,7 +20798,7 @@
                                       <p:cBhvr>
                                         <p:cTn id="136" dur="1000" fill="hold"/>
                                         <p:tgtEl>
-                                          <p:spTgt spid="147"/>
+                                          <p:spTgt spid="153"/>
                                         </p:tgtEl>
                                         <p:attrNameLst>
                                           <p:attrName>style.visibility</p:attrName>
@@ -19215,7 +20848,7 @@
                                       <p:cBhvr>
                                         <p:cTn id="140" dur="1000" fill="hold"/>
                                         <p:tgtEl>
-                                          <p:spTgt spid="149"/>
+                                          <p:spTgt spid="155"/>
                                         </p:tgtEl>
                                         <p:attrNameLst>
                                           <p:attrName>style.visibility</p:attrName>
@@ -19265,7 +20898,7 @@
                                       <p:cBhvr>
                                         <p:cTn id="144" dur="1000" fill="hold"/>
                                         <p:tgtEl>
-                                          <p:spTgt spid="112"/>
+                                          <p:spTgt spid="118"/>
                                         </p:tgtEl>
                                         <p:attrNameLst>
                                           <p:attrName>style.visibility</p:attrName>
@@ -19318,7 +20951,7 @@
                                       <p:cBhvr>
                                         <p:cTn id="148" fill="hold"/>
                                         <p:tgtEl>
-                                          <p:spTgt spid="144"/>
+                                          <p:spTgt spid="150"/>
                                         </p:tgtEl>
                                         <p:attrNameLst>
                                           <p:attrName>style.visibility</p:attrName>
@@ -19362,7 +20995,7 @@
                                       <p:cBhvr>
                                         <p:cTn id="152" fill="hold"/>
                                         <p:tgtEl>
-                                          <p:spTgt spid="153"/>
+                                          <p:spTgt spid="159"/>
                                         </p:tgtEl>
                                         <p:attrNameLst>
                                           <p:attrName>style.visibility</p:attrName>
@@ -19403,7 +21036,7 @@
                                       <p:cBhvr>
                                         <p:cTn id="156" dur="1000" fill="hold"/>
                                         <p:tgtEl>
-                                          <p:spTgt spid="109"/>
+                                          <p:spTgt spid="115"/>
                                         </p:tgtEl>
                                         <p:attrNameLst>
                                           <p:attrName>style.visibility</p:attrName>
@@ -19453,7 +21086,7 @@
                                       <p:cBhvr>
                                         <p:cTn id="160" dur="1000" fill="hold"/>
                                         <p:tgtEl>
-                                          <p:spTgt spid="150"/>
+                                          <p:spTgt spid="156"/>
                                         </p:tgtEl>
                                         <p:attrNameLst>
                                           <p:attrName>style.visibility</p:attrName>
@@ -19503,7 +21136,7 @@
                                       <p:cBhvr>
                                         <p:cTn id="164" dur="1000" fill="hold"/>
                                         <p:tgtEl>
-                                          <p:spTgt spid="110"/>
+                                          <p:spTgt spid="116"/>
                                         </p:tgtEl>
                                         <p:attrNameLst>
                                           <p:attrName>style.visibility</p:attrName>
@@ -19553,7 +21186,7 @@
                                       <p:cBhvr>
                                         <p:cTn id="168" dur="1000" fill="hold"/>
                                         <p:tgtEl>
-                                          <p:spTgt spid="149"/>
+                                          <p:spTgt spid="155"/>
                                         </p:tgtEl>
                                         <p:attrNameLst>
                                           <p:attrName>style.visibility</p:attrName>
@@ -19606,7 +21239,7 @@
                                       <p:cBhvr>
                                         <p:cTn id="172" fill="hold"/>
                                         <p:tgtEl>
-                                          <p:spTgt spid="148"/>
+                                          <p:spTgt spid="154"/>
                                         </p:tgtEl>
                                         <p:attrNameLst>
                                           <p:attrName>style.visibility</p:attrName>
@@ -19650,7 +21283,7 @@
                                       <p:cBhvr>
                                         <p:cTn id="176" fill="hold"/>
                                         <p:tgtEl>
-                                          <p:spTgt spid="154"/>
+                                          <p:spTgt spid="160"/>
                                         </p:tgtEl>
                                         <p:attrNameLst>
                                           <p:attrName>style.visibility</p:attrName>
@@ -19691,7 +21324,7 @@
                                       <p:cBhvr>
                                         <p:cTn id="180" dur="1000" fill="hold"/>
                                         <p:tgtEl>
-                                          <p:spTgt spid="109"/>
+                                          <p:spTgt spid="115"/>
                                         </p:tgtEl>
                                         <p:attrNameLst>
                                           <p:attrName>style.visibility</p:attrName>
@@ -19741,7 +21374,7 @@
                                       <p:cBhvr>
                                         <p:cTn id="184" dur="1000" fill="hold"/>
                                         <p:tgtEl>
-                                          <p:spTgt spid="150"/>
+                                          <p:spTgt spid="156"/>
                                         </p:tgtEl>
                                         <p:attrNameLst>
                                           <p:attrName>style.visibility</p:attrName>
@@ -19794,7 +21427,7 @@
                                       <p:cBhvr>
                                         <p:cTn id="188" fill="hold"/>
                                         <p:tgtEl>
-                                          <p:spTgt spid="146"/>
+                                          <p:spTgt spid="152"/>
                                         </p:tgtEl>
                                         <p:attrNameLst>
                                           <p:attrName>style.visibility</p:attrName>
@@ -19838,7 +21471,7 @@
                                       <p:cBhvr>
                                         <p:cTn id="192" fill="hold"/>
                                         <p:tgtEl>
-                                          <p:spTgt spid="155"/>
+                                          <p:spTgt spid="161"/>
                                         </p:tgtEl>
                                         <p:attrNameLst>
                                           <p:attrName>style.visibility</p:attrName>
@@ -19879,58 +21512,58 @@
       </p:par>
     </p:tnLst>
     <p:bldLst>
-      <p:bldP build="whole" bldLvl="1" animBg="1" rev="0" advAuto="0" spid="142" grpId="11"/>
-      <p:bldP build="whole" bldLvl="1" animBg="1" rev="0" advAuto="0" spid="138" grpId="13"/>
-      <p:bldP build="whole" bldLvl="1" animBg="1" rev="0" advAuto="0" spid="137" grpId="21"/>
-      <p:bldP build="whole" bldLvl="1" animBg="1" rev="0" advAuto="0" spid="144" grpId="35"/>
-      <p:bldP build="whole" bldLvl="1" animBg="1" rev="0" advAuto="0" spid="149" grpId="26"/>
-      <p:bldP build="whole" bldLvl="1" animBg="1" rev="0" advAuto="0" spid="112" grpId="12"/>
-      <p:bldP build="whole" bldLvl="1" animBg="1" rev="0" advAuto="0" spid="136" grpId="3"/>
-      <p:bldP build="whole" bldLvl="1" animBg="1" rev="0" advAuto="0" spid="152" grpId="28"/>
-      <p:bldP build="whole" bldLvl="1" animBg="1" rev="0" advAuto="0" spid="135" grpId="4"/>
-      <p:bldP build="whole" bldLvl="1" animBg="1" rev="0" advAuto="0" spid="155" grpId="46"/>
-      <p:bldP build="whole" bldLvl="1" animBg="1" rev="0" advAuto="0" spid="149" grpId="33"/>
-      <p:bldP build="whole" bldLvl="1" animBg="1" rev="0" advAuto="0" spid="154" grpId="42"/>
-      <p:bldP build="whole" bldLvl="1" animBg="1" rev="0" advAuto="0" spid="135" grpId="10"/>
-      <p:bldP build="whole" bldLvl="1" animBg="1" rev="0" advAuto="0" spid="112" grpId="23"/>
-      <p:bldP build="whole" bldLvl="1" animBg="1" rev="0" advAuto="0" spid="139" grpId="7"/>
-      <p:bldP build="whole" bldLvl="1" animBg="1" rev="0" advAuto="0" spid="108" grpId="1"/>
-      <p:bldP build="whole" bldLvl="1" animBg="1" rev="0" advAuto="0" spid="111" grpId="9"/>
-      <p:bldP build="whole" bldLvl="1" animBg="1" rev="0" advAuto="0" spid="109" grpId="29"/>
-      <p:bldP build="whole" bldLvl="1" animBg="1" rev="0" advAuto="0" spid="149" grpId="40"/>
-      <p:bldP build="whole" bldLvl="1" animBg="1" rev="0" advAuto="0" spid="148" grpId="41"/>
-      <p:bldP build="whole" bldLvl="1" animBg="1" rev="0" advAuto="0" spid="139" grpId="16"/>
-      <p:bldP build="whole" bldLvl="1" animBg="1" rev="0" advAuto="0" spid="112" grpId="34"/>
-      <p:bldP build="whole" bldLvl="1" animBg="1" rev="0" advAuto="0" spid="140" grpId="6"/>
-      <p:bldP build="whole" bldLvl="1" animBg="1" rev="0" advAuto="0" spid="109" grpId="37"/>
-      <p:bldP build="whole" bldLvl="1" animBg="1" rev="0" advAuto="0" spid="109" grpId="43"/>
-      <p:bldP build="whole" bldLvl="1" animBg="1" rev="0" advAuto="0" spid="147" grpId="14"/>
-      <p:bldP build="whole" bldLvl="1" animBg="1" rev="0" advAuto="0" spid="153" grpId="36"/>
-      <p:bldP build="whole" bldLvl="1" animBg="1" rev="0" advAuto="0" spid="113" grpId="20"/>
-      <p:bldP build="whole" bldLvl="1" animBg="1" rev="0" advAuto="0" spid="150" grpId="31"/>
-      <p:bldP build="whole" bldLvl="1" animBg="1" rev="0" advAuto="0" spid="134" grpId="2"/>
-      <p:bldP build="whole" bldLvl="1" animBg="1" rev="0" advAuto="0" spid="110" grpId="15"/>
-      <p:bldP build="whole" bldLvl="1" animBg="1" rev="0" advAuto="0" spid="147" grpId="24"/>
-      <p:bldP build="whole" bldLvl="1" animBg="1" rev="0" advAuto="0" spid="150" grpId="38"/>
-      <p:bldP build="whole" bldLvl="1" animBg="1" rev="0" advAuto="0" spid="141" grpId="18"/>
-      <p:bldP build="whole" bldLvl="1" animBg="1" rev="0" advAuto="0" spid="150" grpId="44"/>
-      <p:bldP build="whole" bldLvl="1" animBg="1" rev="0" advAuto="0" spid="147" grpId="32"/>
-      <p:bldP build="whole" bldLvl="1" animBg="1" rev="0" advAuto="0" spid="140" grpId="30"/>
-      <p:bldP build="whole" bldLvl="1" animBg="1" rev="0" advAuto="0" spid="137" grpId="5"/>
-      <p:bldP build="whole" bldLvl="1" animBg="1" rev="0" advAuto="0" spid="110" grpId="25"/>
-      <p:bldP build="whole" bldLvl="1" animBg="1" rev="0" advAuto="0" spid="146" grpId="45"/>
-      <p:bldP build="whole" bldLvl="1" animBg="1" rev="0" advAuto="0" spid="151" grpId="19"/>
-      <p:bldP build="whole" bldLvl="1" animBg="1" rev="0" advAuto="0" spid="145" grpId="22"/>
-      <p:bldP build="whole" bldLvl="1" animBg="1" rev="0" advAuto="0" spid="138" grpId="8"/>
-      <p:bldP build="whole" bldLvl="1" animBg="1" rev="0" advAuto="0" spid="149" grpId="17"/>
-      <p:bldP build="whole" bldLvl="1" animBg="1" rev="0" advAuto="0" spid="110" grpId="39"/>
-      <p:bldP build="whole" bldLvl="1" animBg="1" rev="0" advAuto="0" spid="143" grpId="27"/>
+      <p:bldP build="whole" bldLvl="1" animBg="1" rev="0" advAuto="0" spid="159" grpId="36"/>
+      <p:bldP build="whole" bldLvl="1" animBg="1" rev="0" advAuto="0" spid="116" grpId="25"/>
+      <p:bldP build="whole" bldLvl="1" animBg="1" rev="0" advAuto="0" spid="119" grpId="20"/>
+      <p:bldP build="whole" bldLvl="1" animBg="1" rev="0" advAuto="0" spid="145" grpId="16"/>
+      <p:bldP build="whole" bldLvl="1" animBg="1" rev="0" advAuto="0" spid="155" grpId="33"/>
+      <p:bldP build="whole" bldLvl="1" animBg="1" rev="0" advAuto="0" spid="161" grpId="46"/>
+      <p:bldP build="whole" bldLvl="1" animBg="1" rev="0" advAuto="0" spid="155" grpId="40"/>
+      <p:bldP build="whole" bldLvl="1" animBg="1" rev="0" advAuto="0" spid="116" grpId="39"/>
+      <p:bldP build="whole" bldLvl="1" animBg="1" rev="0" advAuto="0" spid="153" grpId="14"/>
+      <p:bldP build="whole" bldLvl="1" animBg="1" rev="0" advAuto="0" spid="148" grpId="11"/>
+      <p:bldP build="whole" bldLvl="1" animBg="1" rev="0" advAuto="0" spid="157" grpId="19"/>
+      <p:bldP build="whole" bldLvl="1" animBg="1" rev="0" advAuto="0" spid="140" grpId="2"/>
+      <p:bldP build="whole" bldLvl="1" animBg="1" rev="0" advAuto="0" spid="143" grpId="5"/>
+      <p:bldP build="whole" bldLvl="1" animBg="1" rev="0" advAuto="0" spid="153" grpId="24"/>
+      <p:bldP build="whole" bldLvl="1" animBg="1" rev="0" advAuto="0" spid="158" grpId="28"/>
+      <p:bldP build="whole" bldLvl="1" animBg="1" rev="0" advAuto="0" spid="118" grpId="12"/>
+      <p:bldP build="whole" bldLvl="1" animBg="1" rev="0" advAuto="0" spid="141" grpId="4"/>
+      <p:bldP build="whole" bldLvl="1" animBg="1" rev="0" advAuto="0" spid="144" grpId="8"/>
+      <p:bldP build="whole" bldLvl="1" animBg="1" rev="0" advAuto="0" spid="153" grpId="32"/>
+      <p:bldP build="whole" bldLvl="1" animBg="1" rev="0" advAuto="0" spid="149" grpId="27"/>
+      <p:bldP build="whole" bldLvl="1" animBg="1" rev="0" advAuto="0" spid="141" grpId="10"/>
+      <p:bldP build="whole" bldLvl="1" animBg="1" rev="0" advAuto="0" spid="144" grpId="13"/>
+      <p:bldP build="whole" bldLvl="1" animBg="1" rev="0" advAuto="0" spid="146" grpId="6"/>
+      <p:bldP build="whole" bldLvl="1" animBg="1" rev="0" advAuto="0" spid="143" grpId="21"/>
+      <p:bldP build="whole" bldLvl="1" animBg="1" rev="0" advAuto="0" spid="156" grpId="31"/>
+      <p:bldP build="whole" bldLvl="1" animBg="1" rev="0" advAuto="0" spid="118" grpId="23"/>
+      <p:bldP build="whole" bldLvl="1" animBg="1" rev="0" advAuto="0" spid="115" grpId="29"/>
+      <p:bldP build="whole" bldLvl="1" animBg="1" rev="0" advAuto="0" spid="150" grpId="35"/>
+      <p:bldP build="whole" bldLvl="1" animBg="1" rev="0" advAuto="0" spid="154" grpId="41"/>
+      <p:bldP build="whole" bldLvl="1" animBg="1" rev="0" advAuto="0" spid="114" grpId="1"/>
+      <p:bldP build="whole" bldLvl="1" animBg="1" rev="0" advAuto="0" spid="156" grpId="38"/>
+      <p:bldP build="whole" bldLvl="1" animBg="1" rev="0" advAuto="0" spid="160" grpId="42"/>
+      <p:bldP build="whole" bldLvl="1" animBg="1" rev="0" advAuto="0" spid="118" grpId="34"/>
+      <p:bldP build="whole" bldLvl="1" animBg="1" rev="0" advAuto="0" spid="155" grpId="17"/>
+      <p:bldP build="whole" bldLvl="1" animBg="1" rev="0" advAuto="0" spid="117" grpId="9"/>
+      <p:bldP build="whole" bldLvl="1" animBg="1" rev="0" advAuto="0" spid="115" grpId="37"/>
+      <p:bldP build="whole" bldLvl="1" animBg="1" rev="0" advAuto="0" spid="156" grpId="44"/>
+      <p:bldP build="whole" bldLvl="1" animBg="1" rev="0" advAuto="0" spid="147" grpId="18"/>
+      <p:bldP build="whole" bldLvl="1" animBg="1" rev="0" advAuto="0" spid="116" grpId="15"/>
+      <p:bldP build="whole" bldLvl="1" animBg="1" rev="0" advAuto="0" spid="142" grpId="3"/>
+      <p:bldP build="whole" bldLvl="1" animBg="1" rev="0" advAuto="0" spid="145" grpId="7"/>
+      <p:bldP build="whole" bldLvl="1" animBg="1" rev="0" advAuto="0" spid="115" grpId="43"/>
+      <p:bldP build="whole" bldLvl="1" animBg="1" rev="0" advAuto="0" spid="155" grpId="26"/>
+      <p:bldP build="whole" bldLvl="1" animBg="1" rev="0" advAuto="0" spid="152" grpId="45"/>
+      <p:bldP build="whole" bldLvl="1" animBg="1" rev="0" advAuto="0" spid="146" grpId="30"/>
+      <p:bldP build="whole" bldLvl="1" animBg="1" rev="0" advAuto="0" spid="151" grpId="22"/>
     </p:bldLst>
   </p:timing>
 </p:sld>
 </file>
 
-<file path=ppt/slides/slide7.xml><?xml version="1.0" encoding="utf-8"?>
+<file path=ppt/slides/slide8.xml><?xml version="1.0" encoding="utf-8"?>
 <p:sld xmlns:a="http://schemas.openxmlformats.org/drawingml/2006/main" xmlns:r="http://schemas.openxmlformats.org/officeDocument/2006/relationships" xmlns:p="http://schemas.openxmlformats.org/presentationml/2006/main" xmlns:m="http://schemas.openxmlformats.org/officeDocument/2006/math" xmlns:a14="http://schemas.microsoft.com/office/drawing/2010/main" showMasterSp="1" showMasterPhAnim="1">
   <p:cSld>
     <p:spTree>
@@ -19949,7 +21582,7 @@
       </p:grpSpPr>
       <p:sp>
         <p:nvSpPr>
-          <p:cNvPr id="157" name="Notes on Dijkstra’s Algorithm"/>
+          <p:cNvPr id="163" name="Notes on Dijkstra’s Algorithm"/>
           <p:cNvSpPr txBox="1"/>
           <p:nvPr>
             <p:ph type="title"/>
@@ -19973,7 +21606,7 @@
       </p:sp>
       <p:sp>
         <p:nvSpPr>
-          <p:cNvPr id="158" name="Proof of correctness:…"/>
+          <p:cNvPr id="164" name="Proof of correctness:…"/>
           <p:cNvSpPr txBox="1"/>
           <p:nvPr>
             <p:ph type="body" sz="half" idx="1"/>
@@ -20025,7 +21658,7 @@
       </p:sp>
       <p:sp>
         <p:nvSpPr>
-          <p:cNvPr id="159" name="Slide Number"/>
+          <p:cNvPr id="165" name="Slide Number"/>
           <p:cNvSpPr txBox="1"/>
           <p:nvPr>
             <p:ph type="sldNum" sz="quarter" idx="2"/>
@@ -20052,7 +21685,7 @@
       </p:sp>
       <p:sp>
         <p:nvSpPr>
-          <p:cNvPr id="160" name="DAA/Greedy Algorithms"/>
+          <p:cNvPr id="166" name="DAA/Greedy Algorithms"/>
           <p:cNvSpPr txBox="1"/>
           <p:nvPr/>
         </p:nvSpPr>
@@ -20092,7 +21725,7 @@
       </p:sp>
       <p:sp>
         <p:nvSpPr>
-          <p:cNvPr id="161" name="RPR/"/>
+          <p:cNvPr id="167" name="RPR/"/>
           <p:cNvSpPr txBox="1"/>
           <p:nvPr/>
         </p:nvSpPr>
@@ -20132,7 +21765,7 @@
       </p:sp>
       <p:grpSp>
         <p:nvGrpSpPr>
-          <p:cNvPr id="174" name="Group"/>
+          <p:cNvPr id="180" name="Group"/>
           <p:cNvGrpSpPr/>
           <p:nvPr/>
         </p:nvGrpSpPr>
@@ -20146,7 +21779,7 @@
         </p:grpSpPr>
         <p:sp>
           <p:nvSpPr>
-            <p:cNvPr id="162" name="a"/>
+            <p:cNvPr id="168" name="a"/>
             <p:cNvSpPr/>
             <p:nvPr/>
           </p:nvSpPr>
@@ -20197,7 +21830,7 @@
         </p:sp>
         <p:sp>
           <p:nvSpPr>
-            <p:cNvPr id="163" name="b"/>
+            <p:cNvPr id="169" name="b"/>
             <p:cNvSpPr/>
             <p:nvPr/>
           </p:nvSpPr>
@@ -20248,7 +21881,7 @@
         </p:sp>
         <p:sp>
           <p:nvSpPr>
-            <p:cNvPr id="164" name="f"/>
+            <p:cNvPr id="170" name="f"/>
             <p:cNvSpPr/>
             <p:nvPr/>
           </p:nvSpPr>
@@ -20299,7 +21932,7 @@
         </p:sp>
         <p:sp>
           <p:nvSpPr>
-            <p:cNvPr id="165" name="Line"/>
+            <p:cNvPr id="171" name="Line"/>
             <p:cNvSpPr/>
             <p:nvPr/>
           </p:nvSpPr>
@@ -20333,7 +21966,7 @@
         </p:sp>
         <p:sp>
           <p:nvSpPr>
-            <p:cNvPr id="166" name="Line"/>
+            <p:cNvPr id="172" name="Line"/>
             <p:cNvSpPr/>
             <p:nvPr/>
           </p:nvSpPr>
@@ -20367,7 +22000,7 @@
         </p:sp>
         <p:sp>
           <p:nvSpPr>
-            <p:cNvPr id="167" name="Line"/>
+            <p:cNvPr id="173" name="Line"/>
             <p:cNvSpPr/>
             <p:nvPr/>
           </p:nvSpPr>
@@ -20401,7 +22034,7 @@
         </p:sp>
         <p:sp>
           <p:nvSpPr>
-            <p:cNvPr id="168" name="4"/>
+            <p:cNvPr id="174" name="4"/>
             <p:cNvSpPr txBox="1"/>
             <p:nvPr/>
           </p:nvSpPr>
@@ -20449,7 +22082,7 @@
         </p:sp>
         <p:sp>
           <p:nvSpPr>
-            <p:cNvPr id="169" name="5"/>
+            <p:cNvPr id="175" name="5"/>
             <p:cNvSpPr txBox="1"/>
             <p:nvPr/>
           </p:nvSpPr>
@@ -20497,7 +22130,7 @@
         </p:sp>
         <p:sp>
           <p:nvSpPr>
-            <p:cNvPr id="170" name="a"/>
+            <p:cNvPr id="176" name="a"/>
             <p:cNvSpPr/>
             <p:nvPr/>
           </p:nvSpPr>
@@ -20548,7 +22181,7 @@
         </p:sp>
         <p:sp>
           <p:nvSpPr>
-            <p:cNvPr id="171" name="b"/>
+            <p:cNvPr id="177" name="b"/>
             <p:cNvSpPr/>
             <p:nvPr/>
           </p:nvSpPr>
@@ -20599,7 +22232,7 @@
         </p:sp>
         <p:sp>
           <p:nvSpPr>
-            <p:cNvPr id="172" name="f"/>
+            <p:cNvPr id="178" name="f"/>
             <p:cNvSpPr/>
             <p:nvPr/>
           </p:nvSpPr>
@@ -20650,7 +22283,7 @@
         </p:sp>
         <p:sp>
           <p:nvSpPr>
-            <p:cNvPr id="173" name="2"/>
+            <p:cNvPr id="179" name="2"/>
             <p:cNvSpPr txBox="1"/>
             <p:nvPr/>
           </p:nvSpPr>
@@ -20699,7 +22332,7 @@
       </p:grpSp>
       <p:sp>
         <p:nvSpPr>
-          <p:cNvPr id="175" name="Rectangle"/>
+          <p:cNvPr id="181" name="Rectangle"/>
           <p:cNvSpPr/>
           <p:nvPr/>
         </p:nvSpPr>
@@ -20728,7 +22361,7 @@
       </p:sp>
       <p:sp>
         <p:nvSpPr>
-          <p:cNvPr id="176" name="-3"/>
+          <p:cNvPr id="182" name="-3"/>
           <p:cNvSpPr txBox="1"/>
           <p:nvPr/>
         </p:nvSpPr>
@@ -20808,7 +22441,7 @@
                                       <p:cBhvr>
                                         <p:cTn id="6" fill="hold"/>
                                         <p:tgtEl>
-                                          <p:spTgt spid="158">
+                                          <p:spTgt spid="164">
                                             <p:bg/>
                                           </p:spTgt>
                                         </p:tgtEl>
@@ -20836,7 +22469,7 @@
                                       <p:cBhvr>
                                         <p:cTn id="8" fill="hold"/>
                                         <p:tgtEl>
-                                          <p:spTgt spid="158">
+                                          <p:spTgt spid="164">
                                             <p:txEl>
                                               <p:pRg st="0" end="0"/>
                                             </p:txEl>
@@ -20884,7 +22517,7 @@
                                       <p:cBhvr>
                                         <p:cTn id="12" fill="hold"/>
                                         <p:tgtEl>
-                                          <p:spTgt spid="158">
+                                          <p:spTgt spid="164">
                                             <p:txEl>
                                               <p:pRg st="1" end="1"/>
                                             </p:txEl>
@@ -20932,7 +22565,7 @@
                                       <p:cBhvr>
                                         <p:cTn id="16" fill="hold"/>
                                         <p:tgtEl>
-                                          <p:spTgt spid="158">
+                                          <p:spTgt spid="164">
                                             <p:txEl>
                                               <p:pRg st="2" end="2"/>
                                             </p:txEl>
@@ -20980,7 +22613,7 @@
                                       <p:cBhvr>
                                         <p:cTn id="20" fill="hold"/>
                                         <p:tgtEl>
-                                          <p:spTgt spid="158">
+                                          <p:spTgt spid="164">
                                             <p:txEl>
                                               <p:pRg st="3" end="3"/>
                                             </p:txEl>
@@ -21028,7 +22661,7 @@
                                       <p:cBhvr>
                                         <p:cTn id="24" fill="hold"/>
                                         <p:tgtEl>
-                                          <p:spTgt spid="174"/>
+                                          <p:spTgt spid="180"/>
                                         </p:tgtEl>
                                         <p:attrNameLst>
                                           <p:attrName>style.visibility</p:attrName>
@@ -21072,7 +22705,7 @@
                                       <p:cBhvr>
                                         <p:cTn id="28" fill="hold"/>
                                         <p:tgtEl>
-                                          <p:spTgt spid="175"/>
+                                          <p:spTgt spid="181"/>
                                         </p:tgtEl>
                                         <p:attrNameLst>
                                           <p:attrName>style.visibility</p:attrName>
@@ -21116,7 +22749,7 @@
                                       <p:cBhvr>
                                         <p:cTn id="32" fill="hold"/>
                                         <p:tgtEl>
-                                          <p:spTgt spid="176"/>
+                                          <p:spTgt spid="182"/>
                                         </p:tgtEl>
                                         <p:attrNameLst>
                                           <p:attrName>style.visibility</p:attrName>
@@ -21160,7 +22793,7 @@
                                       <p:cBhvr>
                                         <p:cTn id="36" fill="hold"/>
                                         <p:tgtEl>
-                                          <p:spTgt spid="158">
+                                          <p:spTgt spid="164">
                                             <p:txEl>
                                               <p:pRg st="4" end="4"/>
                                             </p:txEl>
@@ -21205,1284 +22838,10 @@
       </p:par>
     </p:tnLst>
     <p:bldLst>
-      <p:bldP build="whole" bldLvl="1" animBg="1" rev="0" advAuto="0" spid="174" grpId="2"/>
-      <p:bldP build="p" bldLvl="5" animBg="1" rev="0" advAuto="0" spid="158" grpId="1"/>
-      <p:bldP build="whole" bldLvl="1" animBg="1" rev="0" advAuto="0" spid="176" grpId="4"/>
-      <p:bldP build="whole" bldLvl="1" animBg="1" rev="0" advAuto="0" spid="175" grpId="3"/>
-    </p:bldLst>
-  </p:timing>
-</p:sld>
-</file>
-
-<file path=ppt/slides/slide8.xml><?xml version="1.0" encoding="utf-8"?>
-<p:sld xmlns:a="http://schemas.openxmlformats.org/drawingml/2006/main" xmlns:r="http://schemas.openxmlformats.org/officeDocument/2006/relationships" xmlns:p="http://schemas.openxmlformats.org/presentationml/2006/main" xmlns:m="http://schemas.openxmlformats.org/officeDocument/2006/math" xmlns:a14="http://schemas.microsoft.com/office/drawing/2010/main" showMasterSp="1" showMasterPhAnim="1">
-  <p:cSld>
-    <p:spTree>
-      <p:nvGrpSpPr>
-        <p:cNvPr id="1" name=""/>
-        <p:cNvGrpSpPr/>
-        <p:nvPr/>
-      </p:nvGrpSpPr>
-      <p:grpSpPr>
-        <a:xfrm>
-          <a:off x="0" y="0"/>
-          <a:ext cx="0" cy="0"/>
-          <a:chOff x="0" y="0"/>
-          <a:chExt cx="0" cy="0"/>
-        </a:xfrm>
-      </p:grpSpPr>
-      <p:sp>
-        <p:nvSpPr>
-          <p:cNvPr id="178" name="Algorithm: Dijkstra’s Algorithm"/>
-          <p:cNvSpPr txBox="1"/>
-          <p:nvPr>
-            <p:ph type="title"/>
-          </p:nvPr>
-        </p:nvSpPr>
-        <p:spPr>
-          <a:prstGeom prst="rect">
-            <a:avLst/>
-          </a:prstGeom>
-        </p:spPr>
-        <p:txBody>
-          <a:bodyPr/>
-          <a:lstStyle/>
-          <a:p>
-            <a:pPr/>
-            <a:r>
-              <a:t> Algorithm: Dijkstra’s Algorithm</a:t>
-            </a:r>
-          </a:p>
-        </p:txBody>
-      </p:sp>
-      <p:sp>
-        <p:nvSpPr>
-          <p:cNvPr id="179" name="Algo Dijkstra(G,s)…"/>
-          <p:cNvSpPr txBox="1"/>
-          <p:nvPr>
-            <p:ph type="body" idx="1"/>
-          </p:nvPr>
-        </p:nvSpPr>
-        <p:spPr>
-          <a:xfrm>
-            <a:off x="666288" y="938113"/>
-            <a:ext cx="9055611" cy="5959163"/>
-          </a:xfrm>
-          <a:prstGeom prst="rect">
-            <a:avLst/>
-          </a:prstGeom>
-        </p:spPr>
-        <p:txBody>
-          <a:bodyPr/>
-          <a:lstStyle/>
-          <a:p>
-            <a:pPr marL="0" indent="0">
-              <a:spcBef>
-                <a:spcPts val="100"/>
-              </a:spcBef>
-              <a:buSzTx/>
-              <a:buNone/>
-              <a:defRPr>
-                <a:latin typeface="Courier New"/>
-                <a:ea typeface="Courier New"/>
-                <a:cs typeface="Courier New"/>
-                <a:sym typeface="Courier New"/>
-              </a:defRPr>
-            </a:pPr>
-            <a:r>
-              <a:t>Algo Dijkstra(G,s)</a:t>
-            </a:r>
-          </a:p>
-          <a:p>
-            <a:pPr marL="0" indent="0">
-              <a:spcBef>
-                <a:spcPts val="100"/>
-              </a:spcBef>
-              <a:buSzTx/>
-              <a:buNone/>
-              <a:defRPr>
-                <a:latin typeface="Gill Sans MT"/>
-                <a:ea typeface="Gill Sans MT"/>
-                <a:cs typeface="Gill Sans MT"/>
-                <a:sym typeface="Gill Sans MT"/>
-              </a:defRPr>
-            </a:pPr>
-            <a:r>
-              <a:t>// </a:t>
-            </a:r>
-            <a:r>
-              <a:rPr sz="3000"/>
-              <a:t>i/p: a weighted connected graph </a:t>
-            </a:r>
-            <a:r>
-              <a:rPr sz="3000">
-                <a:latin typeface="Courier New"/>
-                <a:ea typeface="Courier New"/>
-                <a:cs typeface="Courier New"/>
-                <a:sym typeface="Courier New"/>
-              </a:rPr>
-              <a:t>G=(V,E)</a:t>
-            </a:r>
-            <a:r>
-              <a:rPr sz="3000"/>
-              <a:t>, and src </a:t>
-            </a:r>
-            <a:r>
-              <a:rPr sz="3000">
-                <a:latin typeface="Courier New"/>
-                <a:ea typeface="Courier New"/>
-                <a:cs typeface="Courier New"/>
-                <a:sym typeface="Courier New"/>
-              </a:rPr>
-              <a:t>s</a:t>
-            </a:r>
-          </a:p>
-          <a:p>
-            <a:pPr marL="0" indent="0">
-              <a:spcBef>
-                <a:spcPts val="100"/>
-              </a:spcBef>
-              <a:buSzTx/>
-              <a:buNone/>
-              <a:defRPr>
-                <a:latin typeface="Gill Sans MT"/>
-                <a:ea typeface="Gill Sans MT"/>
-                <a:cs typeface="Gill Sans MT"/>
-                <a:sym typeface="Gill Sans MT"/>
-              </a:defRPr>
-            </a:pPr>
-            <a:r>
-              <a:t>//</a:t>
-            </a:r>
-            <a:r>
-              <a:rPr sz="3000"/>
-              <a:t>      all edges are non-negative weights</a:t>
-            </a:r>
-            <a:endParaRPr sz="3000"/>
-          </a:p>
-          <a:p>
-            <a:pPr marL="0" indent="0">
-              <a:spcBef>
-                <a:spcPts val="100"/>
-              </a:spcBef>
-              <a:buSzTx/>
-              <a:buNone/>
-              <a:defRPr>
-                <a:latin typeface="Gill Sans MT"/>
-                <a:ea typeface="Gill Sans MT"/>
-                <a:cs typeface="Gill Sans MT"/>
-                <a:sym typeface="Gill Sans MT"/>
-              </a:defRPr>
-            </a:pPr>
-            <a:r>
-              <a:rPr sz="3000"/>
-              <a:t>//o/p: Length dv of a shortest path from </a:t>
-            </a:r>
-            <a:r>
-              <a:rPr sz="3000">
-                <a:latin typeface="Courier New"/>
-                <a:ea typeface="Courier New"/>
-                <a:cs typeface="Courier New"/>
-                <a:sym typeface="Courier New"/>
-              </a:rPr>
-              <a:t>s</a:t>
-            </a:r>
-            <a:r>
-              <a:rPr sz="3000"/>
-              <a:t> to </a:t>
-            </a:r>
-            <a:r>
-              <a:rPr sz="3000">
-                <a:latin typeface="Courier New"/>
-                <a:ea typeface="Courier New"/>
-                <a:cs typeface="Courier New"/>
-                <a:sym typeface="Courier New"/>
-              </a:rPr>
-              <a:t>v</a:t>
-            </a:r>
-            <a:r>
-              <a:rPr sz="3000"/>
-              <a:t>.</a:t>
-            </a:r>
-            <a:endParaRPr sz="3000"/>
-          </a:p>
-          <a:p>
-            <a:pPr marL="0" indent="0">
-              <a:spcBef>
-                <a:spcPts val="100"/>
-              </a:spcBef>
-              <a:buSzTx/>
-              <a:buNone/>
-              <a:defRPr>
-                <a:latin typeface="Gill Sans MT"/>
-                <a:ea typeface="Gill Sans MT"/>
-                <a:cs typeface="Gill Sans MT"/>
-                <a:sym typeface="Gill Sans MT"/>
-              </a:defRPr>
-            </a:pPr>
-            <a:r>
-              <a:rPr sz="3000"/>
-              <a:t>//       along with it predecessor vertex from </a:t>
-            </a:r>
-            <a:r>
-              <a:rPr sz="3000">
-                <a:latin typeface="Courier New"/>
-                <a:ea typeface="Courier New"/>
-                <a:cs typeface="Courier New"/>
-                <a:sym typeface="Courier New"/>
-              </a:rPr>
-              <a:t>v</a:t>
-            </a:r>
-            <a:r>
-              <a:rPr sz="3000"/>
-              <a:t> to </a:t>
-            </a:r>
-            <a:r>
-              <a:rPr sz="3000">
-                <a:latin typeface="Courier New"/>
-                <a:ea typeface="Courier New"/>
-                <a:cs typeface="Courier New"/>
-                <a:sym typeface="Courier New"/>
-              </a:rPr>
-              <a:t>s</a:t>
-            </a:r>
-            <a:r>
-              <a:rPr sz="3000"/>
-              <a:t>.</a:t>
-            </a:r>
-            <a:endParaRPr sz="3000"/>
-          </a:p>
-          <a:p>
-            <a:pPr marL="0" indent="0">
-              <a:spcBef>
-                <a:spcPts val="200"/>
-              </a:spcBef>
-              <a:buSzTx/>
-              <a:buNone/>
-              <a:defRPr>
-                <a:latin typeface="Gill Sans MT"/>
-                <a:ea typeface="Gill Sans MT"/>
-                <a:cs typeface="Gill Sans MT"/>
-                <a:sym typeface="Gill Sans MT"/>
-              </a:defRPr>
-            </a:pPr>
-            <a:r>
-              <a:rPr sz="3000"/>
-              <a:t>Initialize(</a:t>
-            </a:r>
-            <a:r>
-              <a:rPr sz="3000">
-                <a:latin typeface="Courier New"/>
-                <a:ea typeface="Courier New"/>
-                <a:cs typeface="Courier New"/>
-                <a:sym typeface="Courier New"/>
-              </a:rPr>
-              <a:t>Q</a:t>
-            </a:r>
-            <a:r>
-              <a:rPr sz="3000"/>
-              <a:t>) // priority queue of vertices is empty initially</a:t>
-            </a:r>
-            <a:endParaRPr sz="3000"/>
-          </a:p>
-          <a:p>
-            <a:pPr marL="0" indent="0">
-              <a:spcBef>
-                <a:spcPts val="200"/>
-              </a:spcBef>
-              <a:buSzTx/>
-              <a:buNone/>
-              <a:defRPr>
-                <a:latin typeface="Gill Sans MT"/>
-                <a:ea typeface="Gill Sans MT"/>
-                <a:cs typeface="Gill Sans MT"/>
-                <a:sym typeface="Gill Sans MT"/>
-              </a:defRPr>
-            </a:pPr>
-            <a:r>
-              <a:rPr sz="3000"/>
-              <a:t>for each vertex </a:t>
-            </a:r>
-            <a:r>
-              <a:rPr sz="3000">
-                <a:latin typeface="Courier New"/>
-                <a:ea typeface="Courier New"/>
-                <a:cs typeface="Courier New"/>
-                <a:sym typeface="Courier New"/>
-              </a:rPr>
-              <a:t>v∈V</a:t>
-            </a:r>
-            <a:r>
-              <a:rPr sz="3000"/>
-              <a:t>, do</a:t>
-            </a:r>
-            <a:endParaRPr sz="3000"/>
-          </a:p>
-          <a:p>
-            <a:pPr lvl="2" marL="0" indent="457200">
-              <a:spcBef>
-                <a:spcPts val="200"/>
-              </a:spcBef>
-              <a:buSzTx/>
-              <a:buNone/>
-              <a:defRPr sz="3200">
-                <a:latin typeface="Courier New"/>
-                <a:ea typeface="Courier New"/>
-                <a:cs typeface="Courier New"/>
-                <a:sym typeface="Courier New"/>
-              </a:defRPr>
-            </a:pPr>
-            <a:r>
-              <a:t>d</a:t>
-            </a:r>
-            <a:r>
-              <a:rPr baseline="-5999"/>
-              <a:t>v</a:t>
-            </a:r>
-            <a:r>
-              <a:rPr sz="3000"/>
-              <a:t>←∞; </a:t>
-            </a:r>
-            <a:r>
-              <a:rPr sz="3000"/>
-              <a:t>p</a:t>
-            </a:r>
-            <a:r>
-              <a:rPr baseline="-5999" sz="3000"/>
-              <a:t>v</a:t>
-            </a:r>
-            <a:r>
-              <a:rPr sz="3000"/>
-              <a:t>←Null</a:t>
-            </a:r>
-            <a:r>
-              <a:rPr sz="3000"/>
-              <a:t>; </a:t>
-            </a:r>
-            <a:endParaRPr sz="3000"/>
-          </a:p>
-          <a:p>
-            <a:pPr lvl="2" marL="0" indent="457200">
-              <a:spcBef>
-                <a:spcPts val="200"/>
-              </a:spcBef>
-              <a:buSzTx/>
-              <a:buNone/>
-              <a:defRPr>
-                <a:latin typeface="Gill Sans MT"/>
-                <a:ea typeface="Gill Sans MT"/>
-                <a:cs typeface="Gill Sans MT"/>
-                <a:sym typeface="Gill Sans MT"/>
-              </a:defRPr>
-            </a:pPr>
-            <a:r>
-              <a:t>Insert(</a:t>
-            </a:r>
-            <a:r>
-              <a:rPr>
-                <a:latin typeface="Courier New"/>
-                <a:ea typeface="Courier New"/>
-                <a:cs typeface="Courier New"/>
-                <a:sym typeface="Courier New"/>
-              </a:rPr>
-              <a:t>Q,v,d</a:t>
-            </a:r>
-            <a:r>
-              <a:rPr baseline="-5999">
-                <a:latin typeface="Courier New"/>
-                <a:ea typeface="Courier New"/>
-                <a:cs typeface="Courier New"/>
-                <a:sym typeface="Courier New"/>
-              </a:rPr>
-              <a:t>v</a:t>
-            </a:r>
-            <a:r>
-              <a:t>) // initialize vertex priority in priority Q</a:t>
-            </a:r>
-          </a:p>
-          <a:p>
-            <a:pPr marL="0" indent="0">
-              <a:spcBef>
-                <a:spcPts val="200"/>
-              </a:spcBef>
-              <a:buSzTx/>
-              <a:buNone/>
-              <a:defRPr>
-                <a:latin typeface="Courier New"/>
-                <a:ea typeface="Courier New"/>
-                <a:cs typeface="Courier New"/>
-                <a:sym typeface="Courier New"/>
-              </a:defRPr>
-            </a:pPr>
-            <a:r>
-              <a:t>d</a:t>
-            </a:r>
-            <a:r>
-              <a:rPr baseline="-5999"/>
-              <a:t>s</a:t>
-            </a:r>
-            <a:r>
-              <a:rPr sz="3000"/>
-              <a:t>←0; </a:t>
-            </a:r>
-            <a:endParaRPr sz="3000"/>
-          </a:p>
-          <a:p>
-            <a:pPr marL="0" indent="0">
-              <a:spcBef>
-                <a:spcPts val="200"/>
-              </a:spcBef>
-              <a:buSzTx/>
-              <a:buNone/>
-              <a:defRPr>
-                <a:latin typeface="Courier New"/>
-                <a:ea typeface="Courier New"/>
-                <a:cs typeface="Courier New"/>
-                <a:sym typeface="Courier New"/>
-              </a:defRPr>
-            </a:pPr>
-            <a:r>
-              <a:rPr sz="3000">
-                <a:latin typeface="Gill Sans MT"/>
-                <a:ea typeface="Gill Sans MT"/>
-                <a:cs typeface="Gill Sans MT"/>
-                <a:sym typeface="Gill Sans MT"/>
-              </a:rPr>
-              <a:t>Decrease</a:t>
-            </a:r>
-            <a:r>
-              <a:rPr sz="3000"/>
-              <a:t>(Q,s,</a:t>
-            </a:r>
-            <a:r>
-              <a:t>d</a:t>
-            </a:r>
-            <a:r>
-              <a:rPr baseline="-5999"/>
-              <a:t>s</a:t>
-            </a:r>
-            <a:r>
-              <a:rPr sz="3000"/>
-              <a:t>)</a:t>
-            </a:r>
-            <a:endParaRPr sz="3000"/>
-          </a:p>
-          <a:p>
-            <a:pPr marL="0" indent="0">
-              <a:spcBef>
-                <a:spcPts val="200"/>
-              </a:spcBef>
-              <a:buSzTx/>
-              <a:buNone/>
-              <a:defRPr>
-                <a:latin typeface="Courier New"/>
-                <a:ea typeface="Courier New"/>
-                <a:cs typeface="Courier New"/>
-                <a:sym typeface="Courier New"/>
-              </a:defRPr>
-            </a:pPr>
-            <a:r>
-              <a:rPr sz="3000"/>
-              <a:t>p</a:t>
-            </a:r>
-            <a:r>
-              <a:rPr baseline="-5999" sz="3000"/>
-              <a:t>s</a:t>
-            </a:r>
-            <a:r>
-              <a:rPr sz="3000"/>
-              <a:t>←Null</a:t>
-            </a:r>
-            <a:r>
-              <a:rPr sz="3000"/>
-              <a:t>;</a:t>
-            </a:r>
-            <a:endParaRPr sz="3000"/>
-          </a:p>
-          <a:p>
-            <a:pPr marL="0" indent="0">
-              <a:buSzTx/>
-              <a:buNone/>
-              <a:defRPr sz="3000">
-                <a:latin typeface="Courier New"/>
-                <a:ea typeface="Courier New"/>
-                <a:cs typeface="Courier New"/>
-                <a:sym typeface="Courier New"/>
-              </a:defRPr>
-            </a:pPr>
-            <a:r>
-              <a:t>V</a:t>
-            </a:r>
-            <a:r>
-              <a:rPr baseline="-5999"/>
-              <a:t>T</a:t>
-            </a:r>
-            <a:r>
-              <a:t>←Ø</a:t>
-            </a:r>
-          </a:p>
-        </p:txBody>
-      </p:sp>
-      <p:sp>
-        <p:nvSpPr>
-          <p:cNvPr id="180" name="Slide Number"/>
-          <p:cNvSpPr txBox="1"/>
-          <p:nvPr>
-            <p:ph type="sldNum" sz="quarter" idx="2"/>
-          </p:nvPr>
-        </p:nvSpPr>
-        <p:spPr>
-          <a:prstGeom prst="rect">
-            <a:avLst/>
-          </a:prstGeom>
-          <a:extLst>
-            <a:ext uri="{C572A759-6A51-4108-AA02-DFA0A04FC94B}">
-              <ma14:wrappingTextBoxFlag xmlns:ma14="http://schemas.microsoft.com/office/mac/drawingml/2011/main" val="1"/>
-            </a:ext>
-          </a:extLst>
-        </p:spPr>
-        <p:txBody>
-          <a:bodyPr/>
-          <a:lstStyle/>
-          <a:p>
-            <a:pPr/>
-            <a:fld id="{86CB4B4D-7CA3-9044-876B-883B54F8677D}" type="slidenum"/>
-          </a:p>
-        </p:txBody>
-      </p:sp>
-      <p:sp>
-        <p:nvSpPr>
-          <p:cNvPr id="181" name="DAA/Greedy Algorithms"/>
-          <p:cNvSpPr txBox="1"/>
-          <p:nvPr/>
-        </p:nvSpPr>
-        <p:spPr>
-          <a:xfrm>
-            <a:off x="423212" y="6963885"/>
-            <a:ext cx="3244911" cy="431552"/>
-          </a:xfrm>
-          <a:prstGeom prst="rect">
-            <a:avLst/>
-          </a:prstGeom>
-          <a:ln w="12700">
-            <a:miter lim="400000"/>
-          </a:ln>
-          <a:extLst>
-            <a:ext uri="{C572A759-6A51-4108-AA02-DFA0A04FC94B}">
-              <ma14:wrappingTextBoxFlag xmlns:ma14="http://schemas.microsoft.com/office/mac/drawingml/2011/main" val="1"/>
-            </a:ext>
-          </a:extLst>
-        </p:spPr>
-        <p:txBody>
-          <a:bodyPr wrap="none" lIns="50800" tIns="50800" rIns="50800" bIns="50800" anchor="ctr">
-            <a:spAutoFit/>
-          </a:bodyPr>
-          <a:lstStyle>
-            <a:lvl1pPr>
-              <a:defRPr sz="2400"/>
-            </a:lvl1pPr>
-          </a:lstStyle>
-          <a:p>
-            <a:pPr/>
-            <a:r>
-              <a:t>DAA/Greedy Algorithms</a:t>
-            </a:r>
-          </a:p>
-        </p:txBody>
-      </p:sp>
-      <p:sp>
-        <p:nvSpPr>
-          <p:cNvPr id="182" name="RPR/"/>
-          <p:cNvSpPr txBox="1"/>
-          <p:nvPr/>
-        </p:nvSpPr>
-        <p:spPr>
-          <a:xfrm>
-            <a:off x="7535212" y="6988206"/>
-            <a:ext cx="705605" cy="382910"/>
-          </a:xfrm>
-          <a:prstGeom prst="rect">
-            <a:avLst/>
-          </a:prstGeom>
-          <a:ln w="12700">
-            <a:miter lim="400000"/>
-          </a:ln>
-          <a:extLst>
-            <a:ext uri="{C572A759-6A51-4108-AA02-DFA0A04FC94B}">
-              <ma14:wrappingTextBoxFlag xmlns:ma14="http://schemas.microsoft.com/office/mac/drawingml/2011/main" val="1"/>
-            </a:ext>
-          </a:extLst>
-        </p:spPr>
-        <p:txBody>
-          <a:bodyPr wrap="none" lIns="50800" tIns="50800" rIns="50800" bIns="50800" anchor="ctr">
-            <a:spAutoFit/>
-          </a:bodyPr>
-          <a:lstStyle>
-            <a:lvl1pPr>
-              <a:defRPr sz="2000"/>
-            </a:lvl1pPr>
-          </a:lstStyle>
-          <a:p>
-            <a:pPr/>
-            <a:r>
-              <a:t>RPR/</a:t>
-            </a:r>
-          </a:p>
-        </p:txBody>
-      </p:sp>
-    </p:spTree>
-  </p:cSld>
-  <p:clrMapOvr>
-    <a:masterClrMapping/>
-  </p:clrMapOvr>
-  <p:transition xmlns:p14="http://schemas.microsoft.com/office/powerpoint/2010/main" spd="med" advClick="1"/>
-  <p:timing>
-    <p:tnLst>
-      <p:par>
-        <p:cTn id="1" nodeType="tmRoot" restart="never" dur="indefinite" fill="hold">
-          <p:childTnLst>
-            <p:seq concurrent="1" prevAc="none" nextAc="seek">
-              <p:cTn id="2" nodeType="mainSeq" dur="indefinite" fill="hold">
-                <p:childTnLst>
-                  <p:par>
-                    <p:cTn id="3" fill="hold">
-                      <p:stCondLst>
-                        <p:cond delay="indefinite"/>
-                      </p:stCondLst>
-                      <p:childTnLst>
-                        <p:par>
-                          <p:cTn id="4" fill="hold">
-                            <p:stCondLst>
-                              <p:cond delay="0"/>
-                            </p:stCondLst>
-                            <p:childTnLst>
-                              <p:par>
-                                <p:cTn id="5" presetClass="entr" nodeType="clickEffect" presetSubtype="0" presetID="1" grpId="1" fill="hold">
-                                  <p:stCondLst>
-                                    <p:cond delay="0"/>
-                                  </p:stCondLst>
-                                  <p:iterate type="el" backwards="0">
-                                    <p:tmAbs val="0"/>
-                                  </p:iterate>
-                                  <p:childTnLst>
-                                    <p:set>
-                                      <p:cBhvr>
-                                        <p:cTn id="6" fill="hold"/>
-                                        <p:tgtEl>
-                                          <p:spTgt spid="179">
-                                            <p:bg/>
-                                          </p:spTgt>
-                                        </p:tgtEl>
-                                        <p:attrNameLst>
-                                          <p:attrName>style.visibility</p:attrName>
-                                        </p:attrNameLst>
-                                      </p:cBhvr>
-                                      <p:to>
-                                        <p:strVal val="visible"/>
-                                      </p:to>
-                                    </p:set>
-                                  </p:childTnLst>
-                                </p:cTn>
-                              </p:par>
-                              <p:par>
-                                <p:cTn id="7" presetClass="entr" nodeType="withEffect" presetSubtype="0" presetID="1" grpId="1" fill="hold">
-                                  <p:stCondLst>
-                                    <p:cond delay="0"/>
-                                  </p:stCondLst>
-                                  <p:iterate type="el" backwards="0">
-                                    <p:tmAbs val="0"/>
-                                  </p:iterate>
-                                  <p:childTnLst>
-                                    <p:set>
-                                      <p:cBhvr>
-                                        <p:cTn id="8" fill="hold"/>
-                                        <p:tgtEl>
-                                          <p:spTgt spid="179">
-                                            <p:txEl>
-                                              <p:pRg st="0" end="0"/>
-                                            </p:txEl>
-                                          </p:spTgt>
-                                        </p:tgtEl>
-                                        <p:attrNameLst>
-                                          <p:attrName>style.visibility</p:attrName>
-                                        </p:attrNameLst>
-                                      </p:cBhvr>
-                                      <p:to>
-                                        <p:strVal val="visible"/>
-                                      </p:to>
-                                    </p:set>
-                                  </p:childTnLst>
-                                </p:cTn>
-                              </p:par>
-                            </p:childTnLst>
-                          </p:cTn>
-                        </p:par>
-                      </p:childTnLst>
-                    </p:cTn>
-                  </p:par>
-                  <p:par>
-                    <p:cTn id="9" fill="hold">
-                      <p:stCondLst>
-                        <p:cond delay="indefinite"/>
-                      </p:stCondLst>
-                      <p:childTnLst>
-                        <p:par>
-                          <p:cTn id="10" fill="hold">
-                            <p:stCondLst>
-                              <p:cond delay="0"/>
-                            </p:stCondLst>
-                            <p:childTnLst>
-                              <p:par>
-                                <p:cTn id="11" presetClass="entr" nodeType="clickEffect" presetSubtype="0" presetID="1" grpId="1" fill="hold">
-                                  <p:stCondLst>
-                                    <p:cond delay="0"/>
-                                  </p:stCondLst>
-                                  <p:iterate type="el" backwards="0">
-                                    <p:tmAbs val="0"/>
-                                  </p:iterate>
-                                  <p:childTnLst>
-                                    <p:set>
-                                      <p:cBhvr>
-                                        <p:cTn id="12" fill="hold"/>
-                                        <p:tgtEl>
-                                          <p:spTgt spid="179">
-                                            <p:txEl>
-                                              <p:pRg st="1" end="1"/>
-                                            </p:txEl>
-                                          </p:spTgt>
-                                        </p:tgtEl>
-                                        <p:attrNameLst>
-                                          <p:attrName>style.visibility</p:attrName>
-                                        </p:attrNameLst>
-                                      </p:cBhvr>
-                                      <p:to>
-                                        <p:strVal val="visible"/>
-                                      </p:to>
-                                    </p:set>
-                                  </p:childTnLst>
-                                </p:cTn>
-                              </p:par>
-                            </p:childTnLst>
-                          </p:cTn>
-                        </p:par>
-                      </p:childTnLst>
-                    </p:cTn>
-                  </p:par>
-                  <p:par>
-                    <p:cTn id="13" fill="hold">
-                      <p:stCondLst>
-                        <p:cond delay="indefinite"/>
-                      </p:stCondLst>
-                      <p:childTnLst>
-                        <p:par>
-                          <p:cTn id="14" fill="hold">
-                            <p:stCondLst>
-                              <p:cond delay="0"/>
-                            </p:stCondLst>
-                            <p:childTnLst>
-                              <p:par>
-                                <p:cTn id="15" presetClass="entr" nodeType="clickEffect" presetSubtype="0" presetID="1" grpId="1" fill="hold">
-                                  <p:stCondLst>
-                                    <p:cond delay="0"/>
-                                  </p:stCondLst>
-                                  <p:iterate type="el" backwards="0">
-                                    <p:tmAbs val="0"/>
-                                  </p:iterate>
-                                  <p:childTnLst>
-                                    <p:set>
-                                      <p:cBhvr>
-                                        <p:cTn id="16" fill="hold"/>
-                                        <p:tgtEl>
-                                          <p:spTgt spid="179">
-                                            <p:txEl>
-                                              <p:pRg st="2" end="2"/>
-                                            </p:txEl>
-                                          </p:spTgt>
-                                        </p:tgtEl>
-                                        <p:attrNameLst>
-                                          <p:attrName>style.visibility</p:attrName>
-                                        </p:attrNameLst>
-                                      </p:cBhvr>
-                                      <p:to>
-                                        <p:strVal val="visible"/>
-                                      </p:to>
-                                    </p:set>
-                                  </p:childTnLst>
-                                </p:cTn>
-                              </p:par>
-                            </p:childTnLst>
-                          </p:cTn>
-                        </p:par>
-                      </p:childTnLst>
-                    </p:cTn>
-                  </p:par>
-                  <p:par>
-                    <p:cTn id="17" fill="hold">
-                      <p:stCondLst>
-                        <p:cond delay="indefinite"/>
-                      </p:stCondLst>
-                      <p:childTnLst>
-                        <p:par>
-                          <p:cTn id="18" fill="hold">
-                            <p:stCondLst>
-                              <p:cond delay="0"/>
-                            </p:stCondLst>
-                            <p:childTnLst>
-                              <p:par>
-                                <p:cTn id="19" presetClass="entr" nodeType="clickEffect" presetSubtype="0" presetID="1" grpId="1" fill="hold">
-                                  <p:stCondLst>
-                                    <p:cond delay="0"/>
-                                  </p:stCondLst>
-                                  <p:iterate type="el" backwards="0">
-                                    <p:tmAbs val="0"/>
-                                  </p:iterate>
-                                  <p:childTnLst>
-                                    <p:set>
-                                      <p:cBhvr>
-                                        <p:cTn id="20" fill="hold"/>
-                                        <p:tgtEl>
-                                          <p:spTgt spid="179">
-                                            <p:txEl>
-                                              <p:pRg st="3" end="3"/>
-                                            </p:txEl>
-                                          </p:spTgt>
-                                        </p:tgtEl>
-                                        <p:attrNameLst>
-                                          <p:attrName>style.visibility</p:attrName>
-                                        </p:attrNameLst>
-                                      </p:cBhvr>
-                                      <p:to>
-                                        <p:strVal val="visible"/>
-                                      </p:to>
-                                    </p:set>
-                                  </p:childTnLst>
-                                </p:cTn>
-                              </p:par>
-                            </p:childTnLst>
-                          </p:cTn>
-                        </p:par>
-                      </p:childTnLst>
-                    </p:cTn>
-                  </p:par>
-                  <p:par>
-                    <p:cTn id="21" fill="hold">
-                      <p:stCondLst>
-                        <p:cond delay="indefinite"/>
-                      </p:stCondLst>
-                      <p:childTnLst>
-                        <p:par>
-                          <p:cTn id="22" fill="hold">
-                            <p:stCondLst>
-                              <p:cond delay="0"/>
-                            </p:stCondLst>
-                            <p:childTnLst>
-                              <p:par>
-                                <p:cTn id="23" presetClass="entr" nodeType="clickEffect" presetSubtype="0" presetID="1" grpId="1" fill="hold">
-                                  <p:stCondLst>
-                                    <p:cond delay="0"/>
-                                  </p:stCondLst>
-                                  <p:iterate type="el" backwards="0">
-                                    <p:tmAbs val="0"/>
-                                  </p:iterate>
-                                  <p:childTnLst>
-                                    <p:set>
-                                      <p:cBhvr>
-                                        <p:cTn id="24" fill="hold"/>
-                                        <p:tgtEl>
-                                          <p:spTgt spid="179">
-                                            <p:txEl>
-                                              <p:pRg st="4" end="4"/>
-                                            </p:txEl>
-                                          </p:spTgt>
-                                        </p:tgtEl>
-                                        <p:attrNameLst>
-                                          <p:attrName>style.visibility</p:attrName>
-                                        </p:attrNameLst>
-                                      </p:cBhvr>
-                                      <p:to>
-                                        <p:strVal val="visible"/>
-                                      </p:to>
-                                    </p:set>
-                                  </p:childTnLst>
-                                </p:cTn>
-                              </p:par>
-                            </p:childTnLst>
-                          </p:cTn>
-                        </p:par>
-                      </p:childTnLst>
-                    </p:cTn>
-                  </p:par>
-                  <p:par>
-                    <p:cTn id="25" fill="hold">
-                      <p:stCondLst>
-                        <p:cond delay="indefinite"/>
-                      </p:stCondLst>
-                      <p:childTnLst>
-                        <p:par>
-                          <p:cTn id="26" fill="hold">
-                            <p:stCondLst>
-                              <p:cond delay="0"/>
-                            </p:stCondLst>
-                            <p:childTnLst>
-                              <p:par>
-                                <p:cTn id="27" presetClass="entr" nodeType="clickEffect" presetSubtype="0" presetID="1" grpId="1" fill="hold">
-                                  <p:stCondLst>
-                                    <p:cond delay="0"/>
-                                  </p:stCondLst>
-                                  <p:iterate type="el" backwards="0">
-                                    <p:tmAbs val="0"/>
-                                  </p:iterate>
-                                  <p:childTnLst>
-                                    <p:set>
-                                      <p:cBhvr>
-                                        <p:cTn id="28" fill="hold"/>
-                                        <p:tgtEl>
-                                          <p:spTgt spid="179">
-                                            <p:txEl>
-                                              <p:pRg st="5" end="5"/>
-                                            </p:txEl>
-                                          </p:spTgt>
-                                        </p:tgtEl>
-                                        <p:attrNameLst>
-                                          <p:attrName>style.visibility</p:attrName>
-                                        </p:attrNameLst>
-                                      </p:cBhvr>
-                                      <p:to>
-                                        <p:strVal val="visible"/>
-                                      </p:to>
-                                    </p:set>
-                                  </p:childTnLst>
-                                </p:cTn>
-                              </p:par>
-                            </p:childTnLst>
-                          </p:cTn>
-                        </p:par>
-                      </p:childTnLst>
-                    </p:cTn>
-                  </p:par>
-                  <p:par>
-                    <p:cTn id="29" fill="hold">
-                      <p:stCondLst>
-                        <p:cond delay="indefinite"/>
-                      </p:stCondLst>
-                      <p:childTnLst>
-                        <p:par>
-                          <p:cTn id="30" fill="hold">
-                            <p:stCondLst>
-                              <p:cond delay="0"/>
-                            </p:stCondLst>
-                            <p:childTnLst>
-                              <p:par>
-                                <p:cTn id="31" presetClass="entr" nodeType="clickEffect" presetSubtype="0" presetID="1" grpId="1" fill="hold">
-                                  <p:stCondLst>
-                                    <p:cond delay="0"/>
-                                  </p:stCondLst>
-                                  <p:iterate type="el" backwards="0">
-                                    <p:tmAbs val="0"/>
-                                  </p:iterate>
-                                  <p:childTnLst>
-                                    <p:set>
-                                      <p:cBhvr>
-                                        <p:cTn id="32" fill="hold"/>
-                                        <p:tgtEl>
-                                          <p:spTgt spid="179">
-                                            <p:txEl>
-                                              <p:pRg st="6" end="6"/>
-                                            </p:txEl>
-                                          </p:spTgt>
-                                        </p:tgtEl>
-                                        <p:attrNameLst>
-                                          <p:attrName>style.visibility</p:attrName>
-                                        </p:attrNameLst>
-                                      </p:cBhvr>
-                                      <p:to>
-                                        <p:strVal val="visible"/>
-                                      </p:to>
-                                    </p:set>
-                                  </p:childTnLst>
-                                </p:cTn>
-                              </p:par>
-                              <p:par>
-                                <p:cTn id="33" presetClass="entr" nodeType="withEffect" presetSubtype="0" presetID="1" grpId="1" fill="hold">
-                                  <p:stCondLst>
-                                    <p:cond delay="0"/>
-                                  </p:stCondLst>
-                                  <p:iterate type="el" backwards="0">
-                                    <p:tmAbs val="0"/>
-                                  </p:iterate>
-                                  <p:childTnLst>
-                                    <p:set>
-                                      <p:cBhvr>
-                                        <p:cTn id="34" fill="hold"/>
-                                        <p:tgtEl>
-                                          <p:spTgt spid="179">
-                                            <p:txEl>
-                                              <p:pRg st="7" end="7"/>
-                                            </p:txEl>
-                                          </p:spTgt>
-                                        </p:tgtEl>
-                                        <p:attrNameLst>
-                                          <p:attrName>style.visibility</p:attrName>
-                                        </p:attrNameLst>
-                                      </p:cBhvr>
-                                      <p:to>
-                                        <p:strVal val="visible"/>
-                                      </p:to>
-                                    </p:set>
-                                  </p:childTnLst>
-                                </p:cTn>
-                              </p:par>
-                              <p:par>
-                                <p:cTn id="35" presetClass="entr" nodeType="withEffect" presetSubtype="0" presetID="1" grpId="1" fill="hold">
-                                  <p:stCondLst>
-                                    <p:cond delay="0"/>
-                                  </p:stCondLst>
-                                  <p:iterate type="el" backwards="0">
-                                    <p:tmAbs val="0"/>
-                                  </p:iterate>
-                                  <p:childTnLst>
-                                    <p:set>
-                                      <p:cBhvr>
-                                        <p:cTn id="36" fill="hold"/>
-                                        <p:tgtEl>
-                                          <p:spTgt spid="179">
-                                            <p:txEl>
-                                              <p:pRg st="8" end="8"/>
-                                            </p:txEl>
-                                          </p:spTgt>
-                                        </p:tgtEl>
-                                        <p:attrNameLst>
-                                          <p:attrName>style.visibility</p:attrName>
-                                        </p:attrNameLst>
-                                      </p:cBhvr>
-                                      <p:to>
-                                        <p:strVal val="visible"/>
-                                      </p:to>
-                                    </p:set>
-                                  </p:childTnLst>
-                                </p:cTn>
-                              </p:par>
-                            </p:childTnLst>
-                          </p:cTn>
-                        </p:par>
-                      </p:childTnLst>
-                    </p:cTn>
-                  </p:par>
-                  <p:par>
-                    <p:cTn id="37" fill="hold">
-                      <p:stCondLst>
-                        <p:cond delay="indefinite"/>
-                      </p:stCondLst>
-                      <p:childTnLst>
-                        <p:par>
-                          <p:cTn id="38" fill="hold">
-                            <p:stCondLst>
-                              <p:cond delay="0"/>
-                            </p:stCondLst>
-                            <p:childTnLst>
-                              <p:par>
-                                <p:cTn id="39" presetClass="entr" nodeType="clickEffect" presetSubtype="0" presetID="1" grpId="1" fill="hold">
-                                  <p:stCondLst>
-                                    <p:cond delay="0"/>
-                                  </p:stCondLst>
-                                  <p:iterate type="el" backwards="0">
-                                    <p:tmAbs val="0"/>
-                                  </p:iterate>
-                                  <p:childTnLst>
-                                    <p:set>
-                                      <p:cBhvr>
-                                        <p:cTn id="40" fill="hold"/>
-                                        <p:tgtEl>
-                                          <p:spTgt spid="179">
-                                            <p:txEl>
-                                              <p:pRg st="9" end="9"/>
-                                            </p:txEl>
-                                          </p:spTgt>
-                                        </p:tgtEl>
-                                        <p:attrNameLst>
-                                          <p:attrName>style.visibility</p:attrName>
-                                        </p:attrNameLst>
-                                      </p:cBhvr>
-                                      <p:to>
-                                        <p:strVal val="visible"/>
-                                      </p:to>
-                                    </p:set>
-                                  </p:childTnLst>
-                                </p:cTn>
-                              </p:par>
-                            </p:childTnLst>
-                          </p:cTn>
-                        </p:par>
-                      </p:childTnLst>
-                    </p:cTn>
-                  </p:par>
-                  <p:par>
-                    <p:cTn id="41" fill="hold">
-                      <p:stCondLst>
-                        <p:cond delay="indefinite"/>
-                      </p:stCondLst>
-                      <p:childTnLst>
-                        <p:par>
-                          <p:cTn id="42" fill="hold">
-                            <p:stCondLst>
-                              <p:cond delay="0"/>
-                            </p:stCondLst>
-                            <p:childTnLst>
-                              <p:par>
-                                <p:cTn id="43" presetClass="entr" nodeType="clickEffect" presetSubtype="0" presetID="1" grpId="1" fill="hold">
-                                  <p:stCondLst>
-                                    <p:cond delay="0"/>
-                                  </p:stCondLst>
-                                  <p:iterate type="el" backwards="0">
-                                    <p:tmAbs val="0"/>
-                                  </p:iterate>
-                                  <p:childTnLst>
-                                    <p:set>
-                                      <p:cBhvr>
-                                        <p:cTn id="44" fill="hold"/>
-                                        <p:tgtEl>
-                                          <p:spTgt spid="179">
-                                            <p:txEl>
-                                              <p:pRg st="10" end="10"/>
-                                            </p:txEl>
-                                          </p:spTgt>
-                                        </p:tgtEl>
-                                        <p:attrNameLst>
-                                          <p:attrName>style.visibility</p:attrName>
-                                        </p:attrNameLst>
-                                      </p:cBhvr>
-                                      <p:to>
-                                        <p:strVal val="visible"/>
-                                      </p:to>
-                                    </p:set>
-                                  </p:childTnLst>
-                                </p:cTn>
-                              </p:par>
-                            </p:childTnLst>
-                          </p:cTn>
-                        </p:par>
-                      </p:childTnLst>
-                    </p:cTn>
-                  </p:par>
-                  <p:par>
-                    <p:cTn id="45" fill="hold">
-                      <p:stCondLst>
-                        <p:cond delay="indefinite"/>
-                      </p:stCondLst>
-                      <p:childTnLst>
-                        <p:par>
-                          <p:cTn id="46" fill="hold">
-                            <p:stCondLst>
-                              <p:cond delay="0"/>
-                            </p:stCondLst>
-                            <p:childTnLst>
-                              <p:par>
-                                <p:cTn id="47" presetClass="entr" nodeType="clickEffect" presetSubtype="0" presetID="1" grpId="1" fill="hold">
-                                  <p:stCondLst>
-                                    <p:cond delay="0"/>
-                                  </p:stCondLst>
-                                  <p:iterate type="el" backwards="0">
-                                    <p:tmAbs val="0"/>
-                                  </p:iterate>
-                                  <p:childTnLst>
-                                    <p:set>
-                                      <p:cBhvr>
-                                        <p:cTn id="48" fill="hold"/>
-                                        <p:tgtEl>
-                                          <p:spTgt spid="179">
-                                            <p:txEl>
-                                              <p:pRg st="11" end="11"/>
-                                            </p:txEl>
-                                          </p:spTgt>
-                                        </p:tgtEl>
-                                        <p:attrNameLst>
-                                          <p:attrName>style.visibility</p:attrName>
-                                        </p:attrNameLst>
-                                      </p:cBhvr>
-                                      <p:to>
-                                        <p:strVal val="visible"/>
-                                      </p:to>
-                                    </p:set>
-                                  </p:childTnLst>
-                                </p:cTn>
-                              </p:par>
-                            </p:childTnLst>
-                          </p:cTn>
-                        </p:par>
-                      </p:childTnLst>
-                    </p:cTn>
-                  </p:par>
-                  <p:par>
-                    <p:cTn id="49" fill="hold">
-                      <p:stCondLst>
-                        <p:cond delay="indefinite"/>
-                      </p:stCondLst>
-                      <p:childTnLst>
-                        <p:par>
-                          <p:cTn id="50" fill="hold">
-                            <p:stCondLst>
-                              <p:cond delay="0"/>
-                            </p:stCondLst>
-                            <p:childTnLst>
-                              <p:par>
-                                <p:cTn id="51" presetClass="entr" nodeType="clickEffect" presetSubtype="0" presetID="1" grpId="1" fill="hold">
-                                  <p:stCondLst>
-                                    <p:cond delay="0"/>
-                                  </p:stCondLst>
-                                  <p:iterate type="el" backwards="0">
-                                    <p:tmAbs val="0"/>
-                                  </p:iterate>
-                                  <p:childTnLst>
-                                    <p:set>
-                                      <p:cBhvr>
-                                        <p:cTn id="52" fill="hold"/>
-                                        <p:tgtEl>
-                                          <p:spTgt spid="179">
-                                            <p:txEl>
-                                              <p:pRg st="12" end="12"/>
-                                            </p:txEl>
-                                          </p:spTgt>
-                                        </p:tgtEl>
-                                        <p:attrNameLst>
-                                          <p:attrName>style.visibility</p:attrName>
-                                        </p:attrNameLst>
-                                      </p:cBhvr>
-                                      <p:to>
-                                        <p:strVal val="visible"/>
-                                      </p:to>
-                                    </p:set>
-                                  </p:childTnLst>
-                                </p:cTn>
-                              </p:par>
-                            </p:childTnLst>
-                          </p:cTn>
-                        </p:par>
-                      </p:childTnLst>
-                    </p:cTn>
-                  </p:par>
-                </p:childTnLst>
-              </p:cTn>
-              <p:prevCondLst>
-                <p:cond evt="onPrev">
-                  <p:tgtEl>
-                    <p:sldTgt/>
-                  </p:tgtEl>
-                </p:cond>
-              </p:prevCondLst>
-              <p:nextCondLst>
-                <p:cond evt="onNext">
-                  <p:tgtEl>
-                    <p:sldTgt/>
-                  </p:tgtEl>
-                </p:cond>
-              </p:nextCondLst>
-            </p:seq>
-          </p:childTnLst>
-        </p:cTn>
-      </p:par>
-    </p:tnLst>
-    <p:bldLst>
-      <p:bldP build="p" bldLvl="1" animBg="1" rev="0" advAuto="0" spid="179" grpId="1"/>
+      <p:bldP build="p" bldLvl="5" animBg="1" rev="0" advAuto="0" spid="164" grpId="1"/>
+      <p:bldP build="whole" bldLvl="1" animBg="1" rev="0" advAuto="0" spid="181" grpId="3"/>
+      <p:bldP build="whole" bldLvl="1" animBg="1" rev="0" advAuto="0" spid="180" grpId="2"/>
+      <p:bldP build="whole" bldLvl="1" animBg="1" rev="0" advAuto="0" spid="182" grpId="4"/>
     </p:bldLst>
   </p:timing>
 </p:sld>
@@ -22507,7 +22866,7 @@
       </p:grpSpPr>
       <p:sp>
         <p:nvSpPr>
-          <p:cNvPr id="184" name="Algorithm: Dijkstra’s Algorithm…"/>
+          <p:cNvPr id="184" name="Algorithm: Dijkstra’s Algorithm"/>
           <p:cNvSpPr txBox="1"/>
           <p:nvPr>
             <p:ph type="title"/>
@@ -22524,14 +22883,14 @@
           <a:p>
             <a:pPr/>
             <a:r>
-              <a:t> Algorithm: Dijkstra’s Algorithm…</a:t>
+              <a:t> Algorithm: Dijkstra’s Algorithm</a:t>
             </a:r>
           </a:p>
         </p:txBody>
       </p:sp>
       <p:sp>
         <p:nvSpPr>
-          <p:cNvPr id="185" name="Algo Dijkstra(G,s)……"/>
+          <p:cNvPr id="185" name="Algo Dijkstra(G,s)…"/>
           <p:cNvSpPr txBox="1"/>
           <p:nvPr>
             <p:ph type="body" idx="1"/>
@@ -22540,7 +22899,7 @@
         <p:spPr>
           <a:xfrm>
             <a:off x="666288" y="938113"/>
-            <a:ext cx="9437676" cy="5959163"/>
+            <a:ext cx="9055611" cy="5959163"/>
           </a:xfrm>
           <a:prstGeom prst="rect">
             <a:avLst/>
@@ -22552,25 +22911,7 @@
           <a:p>
             <a:pPr marL="0" indent="0">
               <a:spcBef>
-                <a:spcPts val="200"/>
-              </a:spcBef>
-              <a:buSzTx/>
-              <a:buNone/>
-              <a:defRPr sz="2800">
-                <a:latin typeface="Courier New"/>
-                <a:ea typeface="Courier New"/>
-                <a:cs typeface="Courier New"/>
-                <a:sym typeface="Courier New"/>
-              </a:defRPr>
-            </a:pPr>
-            <a:r>
-              <a:t>Algo Dijkstra(G,s)…</a:t>
-            </a:r>
-          </a:p>
-          <a:p>
-            <a:pPr lvl="2" marL="0" indent="457200">
-              <a:spcBef>
-                <a:spcPts val="200"/>
+                <a:spcPts val="100"/>
               </a:spcBef>
               <a:buSzTx/>
               <a:buNone/>
@@ -22582,332 +22923,17 @@
               </a:defRPr>
             </a:pPr>
             <a:r>
-              <a:rPr>
-                <a:latin typeface="Gill Sans MT"/>
-                <a:ea typeface="Gill Sans MT"/>
-                <a:cs typeface="Gill Sans MT"/>
-                <a:sym typeface="Gill Sans MT"/>
-              </a:rPr>
-              <a:t>for </a:t>
-            </a:r>
-            <a:r>
-              <a:t>i=0</a:t>
-            </a:r>
-            <a:r>
-              <a:rPr>
-                <a:latin typeface="Gill Sans MT"/>
-                <a:ea typeface="Gill Sans MT"/>
-                <a:cs typeface="Gill Sans MT"/>
-                <a:sym typeface="Gill Sans MT"/>
-              </a:rPr>
-              <a:t> to </a:t>
-            </a:r>
-            <a:r>
-              <a:t>|V|-1</a:t>
-            </a:r>
-            <a:r>
-              <a:rPr>
-                <a:latin typeface="Gill Sans MT"/>
-                <a:ea typeface="Gill Sans MT"/>
-                <a:cs typeface="Gill Sans MT"/>
-                <a:sym typeface="Gill Sans MT"/>
-              </a:rPr>
-              <a:t> do</a:t>
-            </a:r>
-            <a:endParaRPr>
-              <a:latin typeface="Gill Sans MT"/>
-              <a:ea typeface="Gill Sans MT"/>
-              <a:cs typeface="Gill Sans MT"/>
-              <a:sym typeface="Gill Sans MT"/>
-            </a:endParaRPr>
-          </a:p>
-          <a:p>
-            <a:pPr lvl="4" marL="0" indent="914400">
+              <a:t>Algo Dijkstra(G,s)</a:t>
+            </a:r>
+          </a:p>
+          <a:p>
+            <a:pPr marL="0" indent="0">
               <a:spcBef>
-                <a:spcPts val="200"/>
+                <a:spcPts val="100"/>
               </a:spcBef>
               <a:buSzTx/>
               <a:buNone/>
               <a:defRPr>
-                <a:latin typeface="Courier New"/>
-                <a:ea typeface="Courier New"/>
-                <a:cs typeface="Courier New"/>
-                <a:sym typeface="Courier New"/>
-              </a:defRPr>
-            </a:pPr>
-            <a:r>
-              <a:t>u</a:t>
-            </a:r>
-            <a:r>
-              <a:rPr>
-                <a:latin typeface="Gill Sans MT"/>
-                <a:ea typeface="Gill Sans MT"/>
-                <a:cs typeface="Gill Sans MT"/>
-                <a:sym typeface="Gill Sans MT"/>
-              </a:rPr>
-              <a:t> = DeleteMin(</a:t>
-            </a:r>
-            <a:r>
-              <a:t>Q</a:t>
-            </a:r>
-            <a:r>
-              <a:rPr>
-                <a:latin typeface="Gill Sans MT"/>
-                <a:ea typeface="Gill Sans MT"/>
-                <a:cs typeface="Gill Sans MT"/>
-                <a:sym typeface="Gill Sans MT"/>
-              </a:rPr>
-              <a:t>)  //time implememtation based</a:t>
-            </a:r>
-            <a:endParaRPr>
-              <a:latin typeface="Gill Sans MT"/>
-              <a:ea typeface="Gill Sans MT"/>
-              <a:cs typeface="Gill Sans MT"/>
-              <a:sym typeface="Gill Sans MT"/>
-            </a:endParaRPr>
-          </a:p>
-          <a:p>
-            <a:pPr lvl="4" marL="0" indent="914400">
-              <a:spcBef>
-                <a:spcPts val="200"/>
-              </a:spcBef>
-              <a:buSzTx/>
-              <a:buNone/>
-              <a:defRPr>
-                <a:latin typeface="Courier New"/>
-                <a:ea typeface="Courier New"/>
-                <a:cs typeface="Courier New"/>
-                <a:sym typeface="Courier New"/>
-              </a:defRPr>
-            </a:pPr>
-            <a:r>
-              <a:t>V</a:t>
-            </a:r>
-            <a:r>
-              <a:rPr baseline="-5999"/>
-              <a:t>T</a:t>
-            </a:r>
-            <a:r>
-              <a:t>= V</a:t>
-            </a:r>
-            <a:r>
-              <a:rPr baseline="-5999"/>
-              <a:t>T </a:t>
-            </a:r>
-            <a:r>
-              <a:t>U{u}</a:t>
-            </a:r>
-          </a:p>
-          <a:p>
-            <a:pPr lvl="4" marL="0" indent="914400">
-              <a:spcBef>
-                <a:spcPts val="200"/>
-              </a:spcBef>
-              <a:buSzTx/>
-              <a:buNone/>
-              <a:defRPr>
-                <a:latin typeface="Courier New"/>
-                <a:ea typeface="Courier New"/>
-                <a:cs typeface="Courier New"/>
-                <a:sym typeface="Courier New"/>
-              </a:defRPr>
-            </a:pPr>
-            <a:r>
-              <a:rPr>
-                <a:latin typeface="Gill Sans MT"/>
-                <a:ea typeface="Gill Sans MT"/>
-                <a:cs typeface="Gill Sans MT"/>
-                <a:sym typeface="Gill Sans MT"/>
-              </a:rPr>
-              <a:t>for every vertex </a:t>
-            </a:r>
-            <a:r>
-              <a:t>w∈V-V</a:t>
-            </a:r>
-            <a:r>
-              <a:rPr baseline="-5999"/>
-              <a:t>T</a:t>
-            </a:r>
-            <a:r>
-              <a:rPr>
-                <a:latin typeface="Gill Sans MT"/>
-                <a:ea typeface="Gill Sans MT"/>
-                <a:cs typeface="Gill Sans MT"/>
-                <a:sym typeface="Gill Sans MT"/>
-              </a:rPr>
-              <a:t> adjacent to </a:t>
-            </a:r>
-            <a:r>
-              <a:t>w</a:t>
-            </a:r>
-            <a:r>
-              <a:rPr>
-                <a:latin typeface="Gill Sans MT"/>
-                <a:ea typeface="Gill Sans MT"/>
-                <a:cs typeface="Gill Sans MT"/>
-                <a:sym typeface="Gill Sans MT"/>
-              </a:rPr>
-              <a:t>, do</a:t>
-            </a:r>
-            <a:endParaRPr>
-              <a:latin typeface="Gill Sans MT"/>
-              <a:ea typeface="Gill Sans MT"/>
-              <a:cs typeface="Gill Sans MT"/>
-              <a:sym typeface="Gill Sans MT"/>
-            </a:endParaRPr>
-          </a:p>
-          <a:p>
-            <a:pPr lvl="6" marL="0" indent="1371600">
-              <a:spcBef>
-                <a:spcPts val="200"/>
-              </a:spcBef>
-              <a:buSzTx/>
-              <a:buNone/>
-              <a:defRPr sz="2800">
-                <a:latin typeface="Courier New"/>
-                <a:ea typeface="Courier New"/>
-                <a:cs typeface="Courier New"/>
-                <a:sym typeface="Courier New"/>
-              </a:defRPr>
-            </a:pPr>
-            <a:r>
-              <a:rPr>
-                <a:latin typeface="Gill Sans MT"/>
-                <a:ea typeface="Gill Sans MT"/>
-                <a:cs typeface="Gill Sans MT"/>
-                <a:sym typeface="Gill Sans MT"/>
-              </a:rPr>
-              <a:t>if </a:t>
-            </a:r>
-            <a:r>
-              <a:t>d</a:t>
-            </a:r>
-            <a:r>
-              <a:rPr baseline="-5999"/>
-              <a:t>u</a:t>
-            </a:r>
-            <a:r>
-              <a:t>+weight(u,w)&lt; d</a:t>
-            </a:r>
-            <a:r>
-              <a:rPr baseline="-5999"/>
-              <a:t>w</a:t>
-            </a:r>
-            <a:r>
-              <a:rPr>
-                <a:latin typeface="Gill Sans MT"/>
-                <a:ea typeface="Gill Sans MT"/>
-                <a:cs typeface="Gill Sans MT"/>
-                <a:sym typeface="Gill Sans MT"/>
-              </a:rPr>
-              <a:t>, then</a:t>
-            </a:r>
-            <a:endParaRPr>
-              <a:latin typeface="Gill Sans MT"/>
-              <a:ea typeface="Gill Sans MT"/>
-              <a:cs typeface="Gill Sans MT"/>
-              <a:sym typeface="Gill Sans MT"/>
-            </a:endParaRPr>
-          </a:p>
-          <a:p>
-            <a:pPr lvl="8" marL="0" indent="1828800">
-              <a:spcBef>
-                <a:spcPts val="200"/>
-              </a:spcBef>
-              <a:buSzTx/>
-              <a:buNone/>
-              <a:defRPr sz="2800">
-                <a:latin typeface="Courier New"/>
-                <a:ea typeface="Courier New"/>
-                <a:cs typeface="Courier New"/>
-                <a:sym typeface="Courier New"/>
-              </a:defRPr>
-            </a:pPr>
-            <a:r>
-              <a:t>d</a:t>
-            </a:r>
-            <a:r>
-              <a:rPr baseline="-5999"/>
-              <a:t>w</a:t>
-            </a:r>
-            <a:r>
-              <a:t>←d</a:t>
-            </a:r>
-            <a:r>
-              <a:rPr baseline="-5999"/>
-              <a:t>u</a:t>
-            </a:r>
-            <a:r>
-              <a:t>+weight(u,w)</a:t>
-            </a:r>
-          </a:p>
-          <a:p>
-            <a:pPr lvl="8" marL="0" indent="1828800">
-              <a:spcBef>
-                <a:spcPts val="200"/>
-              </a:spcBef>
-              <a:buSzTx/>
-              <a:buNone/>
-              <a:defRPr sz="2800">
-                <a:latin typeface="Courier New"/>
-                <a:ea typeface="Courier New"/>
-                <a:cs typeface="Courier New"/>
-                <a:sym typeface="Courier New"/>
-              </a:defRPr>
-            </a:pPr>
-            <a:r>
-              <a:t>p</a:t>
-            </a:r>
-            <a:r>
-              <a:rPr baseline="-5999"/>
-              <a:t>w</a:t>
-            </a:r>
-            <a:r>
-              <a:t>←u</a:t>
-            </a:r>
-          </a:p>
-          <a:p>
-            <a:pPr lvl="8" marL="0" indent="1828800">
-              <a:spcBef>
-                <a:spcPts val="200"/>
-              </a:spcBef>
-              <a:buSzTx/>
-              <a:buNone/>
-              <a:defRPr sz="2800">
-                <a:latin typeface="Courier New"/>
-                <a:ea typeface="Courier New"/>
-                <a:cs typeface="Courier New"/>
-                <a:sym typeface="Courier New"/>
-              </a:defRPr>
-            </a:pPr>
-            <a:r>
-              <a:t>Decrease(Q,w,d</a:t>
-            </a:r>
-            <a:r>
-              <a:rPr baseline="-5999"/>
-              <a:t>w</a:t>
-            </a:r>
-            <a:r>
-              <a:t>)</a:t>
-            </a:r>
-            <a:r>
-              <a:rPr>
-                <a:latin typeface="Gill Sans MT"/>
-                <a:ea typeface="Gill Sans MT"/>
-                <a:cs typeface="Gill Sans MT"/>
-                <a:sym typeface="Gill Sans MT"/>
-              </a:rPr>
-              <a:t>//time implementation based</a:t>
-            </a:r>
-          </a:p>
-          <a:p>
-            <a:pPr lvl="6" marL="0" indent="1371600">
-              <a:spcBef>
-                <a:spcPts val="200"/>
-              </a:spcBef>
-              <a:buSzTx/>
-              <a:buNone/>
-              <a:defRPr sz="2800">
                 <a:latin typeface="Gill Sans MT"/>
                 <a:ea typeface="Gill Sans MT"/>
                 <a:cs typeface="Gill Sans MT"/>
@@ -22915,11 +22941,152 @@
               </a:defRPr>
             </a:pPr>
             <a:r>
-              <a:t>fi</a:t>
-            </a:r>
-          </a:p>
-          <a:p>
-            <a:pPr lvl="4" marL="0" indent="914400">
+              <a:t>// </a:t>
+            </a:r>
+            <a:r>
+              <a:rPr sz="3000"/>
+              <a:t>i/p: a weighted connected graph </a:t>
+            </a:r>
+            <a:r>
+              <a:rPr sz="3000">
+                <a:latin typeface="Courier New"/>
+                <a:ea typeface="Courier New"/>
+                <a:cs typeface="Courier New"/>
+                <a:sym typeface="Courier New"/>
+              </a:rPr>
+              <a:t>G=(V,E)</a:t>
+            </a:r>
+            <a:r>
+              <a:rPr sz="3000"/>
+              <a:t>, and src </a:t>
+            </a:r>
+            <a:r>
+              <a:rPr sz="3000">
+                <a:latin typeface="Courier New"/>
+                <a:ea typeface="Courier New"/>
+                <a:cs typeface="Courier New"/>
+                <a:sym typeface="Courier New"/>
+              </a:rPr>
+              <a:t>s</a:t>
+            </a:r>
+          </a:p>
+          <a:p>
+            <a:pPr marL="0" indent="0">
+              <a:spcBef>
+                <a:spcPts val="100"/>
+              </a:spcBef>
+              <a:buSzTx/>
+              <a:buNone/>
+              <a:defRPr>
+                <a:latin typeface="Gill Sans MT"/>
+                <a:ea typeface="Gill Sans MT"/>
+                <a:cs typeface="Gill Sans MT"/>
+                <a:sym typeface="Gill Sans MT"/>
+              </a:defRPr>
+            </a:pPr>
+            <a:r>
+              <a:t>//</a:t>
+            </a:r>
+            <a:r>
+              <a:rPr sz="3000"/>
+              <a:t>      all edges are non-negative weights</a:t>
+            </a:r>
+            <a:endParaRPr sz="3000"/>
+          </a:p>
+          <a:p>
+            <a:pPr marL="0" indent="0">
+              <a:spcBef>
+                <a:spcPts val="100"/>
+              </a:spcBef>
+              <a:buSzTx/>
+              <a:buNone/>
+              <a:defRPr>
+                <a:latin typeface="Gill Sans MT"/>
+                <a:ea typeface="Gill Sans MT"/>
+                <a:cs typeface="Gill Sans MT"/>
+                <a:sym typeface="Gill Sans MT"/>
+              </a:defRPr>
+            </a:pPr>
+            <a:r>
+              <a:rPr sz="3000"/>
+              <a:t>//o/p: Length dv of a shortest path from </a:t>
+            </a:r>
+            <a:r>
+              <a:rPr sz="3000">
+                <a:latin typeface="Courier New"/>
+                <a:ea typeface="Courier New"/>
+                <a:cs typeface="Courier New"/>
+                <a:sym typeface="Courier New"/>
+              </a:rPr>
+              <a:t>s</a:t>
+            </a:r>
+            <a:r>
+              <a:rPr sz="3000"/>
+              <a:t> to </a:t>
+            </a:r>
+            <a:r>
+              <a:rPr sz="3000">
+                <a:latin typeface="Courier New"/>
+                <a:ea typeface="Courier New"/>
+                <a:cs typeface="Courier New"/>
+                <a:sym typeface="Courier New"/>
+              </a:rPr>
+              <a:t>v</a:t>
+            </a:r>
+            <a:r>
+              <a:rPr sz="3000"/>
+              <a:t>.</a:t>
+            </a:r>
+            <a:endParaRPr sz="3000"/>
+          </a:p>
+          <a:p>
+            <a:pPr marL="0" indent="0">
+              <a:spcBef>
+                <a:spcPts val="100"/>
+              </a:spcBef>
+              <a:buSzTx/>
+              <a:buNone/>
+              <a:defRPr>
+                <a:latin typeface="Gill Sans MT"/>
+                <a:ea typeface="Gill Sans MT"/>
+                <a:cs typeface="Gill Sans MT"/>
+                <a:sym typeface="Gill Sans MT"/>
+              </a:defRPr>
+            </a:pPr>
+            <a:r>
+              <a:rPr sz="3000"/>
+              <a:t>//       along with it predecessor vertex from </a:t>
+            </a:r>
+            <a:r>
+              <a:rPr sz="3000">
+                <a:latin typeface="Courier New"/>
+                <a:ea typeface="Courier New"/>
+                <a:cs typeface="Courier New"/>
+                <a:sym typeface="Courier New"/>
+              </a:rPr>
+              <a:t>v</a:t>
+            </a:r>
+            <a:r>
+              <a:rPr sz="3000"/>
+              <a:t> to </a:t>
+            </a:r>
+            <a:r>
+              <a:rPr sz="3000">
+                <a:latin typeface="Courier New"/>
+                <a:ea typeface="Courier New"/>
+                <a:cs typeface="Courier New"/>
+                <a:sym typeface="Courier New"/>
+              </a:rPr>
+              <a:t>s</a:t>
+            </a:r>
+            <a:r>
+              <a:rPr sz="3000"/>
+              <a:t>.</a:t>
+            </a:r>
+            <a:endParaRPr sz="3000"/>
+          </a:p>
+          <a:p>
+            <a:pPr marL="0" indent="0">
               <a:spcBef>
                 <a:spcPts val="200"/>
               </a:spcBef>
@@ -22933,32 +23100,99 @@
               </a:defRPr>
             </a:pPr>
             <a:r>
-              <a:t>end //for </a:t>
-            </a:r>
-            <a:r>
-              <a:rPr>
+              <a:rPr sz="3000"/>
+              <a:t>Initialize(</a:t>
+            </a:r>
+            <a:r>
+              <a:rPr sz="3000">
                 <a:latin typeface="Courier New"/>
                 <a:ea typeface="Courier New"/>
                 <a:cs typeface="Courier New"/>
                 <a:sym typeface="Courier New"/>
               </a:rPr>
-              <a:t>w∈V-V</a:t>
-            </a:r>
-            <a:r>
-              <a:rPr baseline="-5999">
+              <a:t>Q</a:t>
+            </a:r>
+            <a:r>
+              <a:rPr sz="3000"/>
+              <a:t>) // priority queue of vertices is empty initially</a:t>
+            </a:r>
+            <a:endParaRPr sz="3000"/>
+          </a:p>
+          <a:p>
+            <a:pPr marL="0" indent="0">
+              <a:spcBef>
+                <a:spcPts val="200"/>
+              </a:spcBef>
+              <a:buSzTx/>
+              <a:buNone/>
+              <a:defRPr>
+                <a:latin typeface="Gill Sans MT"/>
+                <a:ea typeface="Gill Sans MT"/>
+                <a:cs typeface="Gill Sans MT"/>
+                <a:sym typeface="Gill Sans MT"/>
+              </a:defRPr>
+            </a:pPr>
+            <a:r>
+              <a:rPr sz="3000"/>
+              <a:t>for each vertex </a:t>
+            </a:r>
+            <a:r>
+              <a:rPr sz="3000">
                 <a:latin typeface="Courier New"/>
                 <a:ea typeface="Courier New"/>
                 <a:cs typeface="Courier New"/>
                 <a:sym typeface="Courier New"/>
               </a:rPr>
-              <a:t>T</a:t>
-            </a:r>
-            <a:endParaRPr baseline="-5999">
-              <a:latin typeface="Courier New"/>
-              <a:ea typeface="Courier New"/>
-              <a:cs typeface="Courier New"/>
-              <a:sym typeface="Courier New"/>
-            </a:endParaRPr>
+              <a:t>v∈V</a:t>
+            </a:r>
+            <a:r>
+              <a:rPr sz="3000"/>
+              <a:t>, do</a:t>
+            </a:r>
+            <a:endParaRPr sz="3000"/>
+          </a:p>
+          <a:p>
+            <a:pPr lvl="2" marL="0" indent="457200">
+              <a:spcBef>
+                <a:spcPts val="200"/>
+              </a:spcBef>
+              <a:buSzTx/>
+              <a:buNone/>
+              <a:defRPr sz="3200">
+                <a:latin typeface="Courier New"/>
+                <a:ea typeface="Courier New"/>
+                <a:cs typeface="Courier New"/>
+                <a:sym typeface="Courier New"/>
+              </a:defRPr>
+            </a:pPr>
+            <a:r>
+              <a:t>d</a:t>
+            </a:r>
+            <a:r>
+              <a:rPr baseline="-5999"/>
+              <a:t>v</a:t>
+            </a:r>
+            <a:r>
+              <a:rPr sz="3000"/>
+              <a:t>←∞; </a:t>
+            </a:r>
+            <a:r>
+              <a:rPr sz="3000"/>
+              <a:t>p</a:t>
+            </a:r>
+            <a:r>
+              <a:rPr baseline="-5999" sz="3000"/>
+              <a:t>v</a:t>
+            </a:r>
+            <a:r>
+              <a:rPr sz="3000"/>
+              <a:t>←Null</a:t>
+            </a:r>
+            <a:r>
+              <a:rPr sz="3000"/>
+              <a:t>; </a:t>
+            </a:r>
+            <a:endParaRPr sz="3000"/>
           </a:p>
           <a:p>
             <a:pPr lvl="2" marL="0" indent="457200">
@@ -22975,7 +23209,7 @@
               </a:defRPr>
             </a:pPr>
             <a:r>
-              <a:t>end //for </a:t>
+              <a:t>Insert(</a:t>
             </a:r>
             <a:r>
               <a:rPr>
@@ -22984,7 +23218,19 @@
                 <a:cs typeface="Courier New"/>
                 <a:sym typeface="Courier New"/>
               </a:rPr>
-              <a:t>i=0</a:t>
+              <a:t>Q,v,d</a:t>
+            </a:r>
+            <a:r>
+              <a:rPr baseline="-5999">
+                <a:latin typeface="Courier New"/>
+                <a:ea typeface="Courier New"/>
+                <a:cs typeface="Courier New"/>
+                <a:sym typeface="Courier New"/>
+              </a:rPr>
+              <a:t>v</a:t>
+            </a:r>
+            <a:r>
+              <a:t>) // initialize vertex priority in priority Q</a:t>
             </a:r>
           </a:p>
           <a:p>
@@ -22995,14 +23241,117 @@
               <a:buSzTx/>
               <a:buNone/>
               <a:defRPr>
+                <a:latin typeface="Courier New"/>
+                <a:ea typeface="Courier New"/>
+                <a:cs typeface="Courier New"/>
+                <a:sym typeface="Courier New"/>
+              </a:defRPr>
+            </a:pPr>
+            <a:r>
+              <a:t>d</a:t>
+            </a:r>
+            <a:r>
+              <a:rPr baseline="-5999"/>
+              <a:t>s</a:t>
+            </a:r>
+            <a:r>
+              <a:rPr sz="3000"/>
+              <a:t>←0; </a:t>
+            </a:r>
+            <a:endParaRPr sz="3000"/>
+          </a:p>
+          <a:p>
+            <a:pPr marL="0" indent="0">
+              <a:spcBef>
+                <a:spcPts val="200"/>
+              </a:spcBef>
+              <a:buSzTx/>
+              <a:buNone/>
+              <a:defRPr>
+                <a:latin typeface="Courier New"/>
+                <a:ea typeface="Courier New"/>
+                <a:cs typeface="Courier New"/>
+                <a:sym typeface="Courier New"/>
+              </a:defRPr>
+            </a:pPr>
+            <a:r>
+              <a:rPr sz="3000">
                 <a:latin typeface="Gill Sans MT"/>
                 <a:ea typeface="Gill Sans MT"/>
                 <a:cs typeface="Gill Sans MT"/>
                 <a:sym typeface="Gill Sans MT"/>
+              </a:rPr>
+              <a:t>Decrease</a:t>
+            </a:r>
+            <a:r>
+              <a:rPr sz="3000"/>
+              <a:t>(Q,s,</a:t>
+            </a:r>
+            <a:r>
+              <a:t>d</a:t>
+            </a:r>
+            <a:r>
+              <a:rPr baseline="-5999"/>
+              <a:t>s</a:t>
+            </a:r>
+            <a:r>
+              <a:rPr sz="3000"/>
+              <a:t>)</a:t>
+            </a:r>
+            <a:endParaRPr sz="3000"/>
+          </a:p>
+          <a:p>
+            <a:pPr marL="0" indent="0">
+              <a:spcBef>
+                <a:spcPts val="200"/>
+              </a:spcBef>
+              <a:buSzTx/>
+              <a:buNone/>
+              <a:defRPr>
+                <a:latin typeface="Courier New"/>
+                <a:ea typeface="Courier New"/>
+                <a:cs typeface="Courier New"/>
+                <a:sym typeface="Courier New"/>
               </a:defRPr>
             </a:pPr>
             <a:r>
-              <a:t>end //algo</a:t>
+              <a:rPr sz="3000"/>
+              <a:t>p</a:t>
+            </a:r>
+            <a:r>
+              <a:rPr baseline="-5999" sz="3000"/>
+              <a:t>s</a:t>
+            </a:r>
+            <a:r>
+              <a:rPr sz="3000"/>
+              <a:t>←Null</a:t>
+            </a:r>
+            <a:r>
+              <a:rPr sz="3000"/>
+              <a:t>;</a:t>
+            </a:r>
+            <a:endParaRPr sz="3000"/>
+          </a:p>
+          <a:p>
+            <a:pPr marL="0" indent="0">
+              <a:buSzTx/>
+              <a:buNone/>
+              <a:defRPr sz="3000">
+                <a:latin typeface="Courier New"/>
+                <a:ea typeface="Courier New"/>
+                <a:cs typeface="Courier New"/>
+                <a:sym typeface="Courier New"/>
+              </a:defRPr>
+            </a:pPr>
+            <a:r>
+              <a:t>V</a:t>
+            </a:r>
+            <a:r>
+              <a:rPr baseline="-5999"/>
+              <a:t>T</a:t>
+            </a:r>
+            <a:r>
+              <a:t>←Ø</a:t>
             </a:r>
           </a:p>
         </p:txBody>
@@ -23297,14 +23646,23 @@
                             </p:childTnLst>
                           </p:cTn>
                         </p:par>
+                      </p:childTnLst>
+                    </p:cTn>
+                  </p:par>
+                  <p:par>
+                    <p:cTn id="17" fill="hold">
+                      <p:stCondLst>
+                        <p:cond delay="indefinite"/>
+                      </p:stCondLst>
+                      <p:childTnLst>
                         <p:par>
-                          <p:cTn id="17" fill="hold">
+                          <p:cTn id="18" fill="hold">
                             <p:stCondLst>
                               <p:cond delay="0"/>
                             </p:stCondLst>
                             <p:childTnLst>
                               <p:par>
-                                <p:cTn id="18" presetClass="entr" nodeType="afterEffect" presetSubtype="0" presetID="1" grpId="1" fill="hold">
+                                <p:cTn id="19" presetClass="entr" nodeType="clickEffect" presetSubtype="0" presetID="1" grpId="1" fill="hold">
                                   <p:stCondLst>
                                     <p:cond delay="0"/>
                                   </p:stCondLst>
@@ -23314,7 +23672,7 @@
                                   <p:childTnLst>
                                     <p:set>
                                       <p:cBhvr>
-                                        <p:cTn id="19" fill="hold"/>
+                                        <p:cTn id="20" fill="hold"/>
                                         <p:tgtEl>
                                           <p:spTgt spid="185">
                                             <p:txEl>
@@ -23340,19 +23698,19 @@
                     </p:cTn>
                   </p:par>
                   <p:par>
-                    <p:cTn id="20" fill="hold">
+                    <p:cTn id="21" fill="hold">
                       <p:stCondLst>
                         <p:cond delay="indefinite"/>
                       </p:stCondLst>
                       <p:childTnLst>
                         <p:par>
-                          <p:cTn id="21" fill="hold">
+                          <p:cTn id="22" fill="hold">
                             <p:stCondLst>
                               <p:cond delay="0"/>
                             </p:stCondLst>
                             <p:childTnLst>
                               <p:par>
-                                <p:cTn id="22" presetClass="entr" nodeType="clickEffect" presetSubtype="0" presetID="1" grpId="1" fill="hold">
+                                <p:cTn id="23" presetClass="entr" nodeType="clickEffect" presetSubtype="0" presetID="1" grpId="1" fill="hold">
                                   <p:stCondLst>
                                     <p:cond delay="0"/>
                                   </p:stCondLst>
@@ -23362,7 +23720,7 @@
                                   <p:childTnLst>
                                     <p:set>
                                       <p:cBhvr>
-                                        <p:cTn id="23" fill="hold"/>
+                                        <p:cTn id="24" fill="hold"/>
                                         <p:tgtEl>
                                           <p:spTgt spid="185">
                                             <p:txEl>
@@ -23388,19 +23746,19 @@
                     </p:cTn>
                   </p:par>
                   <p:par>
-                    <p:cTn id="24" fill="hold">
+                    <p:cTn id="25" fill="hold">
                       <p:stCondLst>
                         <p:cond delay="indefinite"/>
                       </p:stCondLst>
                       <p:childTnLst>
                         <p:par>
-                          <p:cTn id="25" fill="hold">
+                          <p:cTn id="26" fill="hold">
                             <p:stCondLst>
                               <p:cond delay="0"/>
                             </p:stCondLst>
                             <p:childTnLst>
                               <p:par>
-                                <p:cTn id="26" presetClass="entr" nodeType="clickEffect" presetSubtype="0" presetID="1" grpId="1" fill="hold">
+                                <p:cTn id="27" presetClass="entr" nodeType="clickEffect" presetSubtype="0" presetID="1" grpId="1" fill="hold">
                                   <p:stCondLst>
                                     <p:cond delay="0"/>
                                   </p:stCondLst>
@@ -23410,7 +23768,7 @@
                                   <p:childTnLst>
                                     <p:set>
                                       <p:cBhvr>
-                                        <p:cTn id="27" fill="hold"/>
+                                        <p:cTn id="28" fill="hold"/>
                                         <p:tgtEl>
                                           <p:spTgt spid="185">
                                             <p:txEl>
@@ -23436,19 +23794,19 @@
                     </p:cTn>
                   </p:par>
                   <p:par>
-                    <p:cTn id="28" fill="hold">
+                    <p:cTn id="29" fill="hold">
                       <p:stCondLst>
                         <p:cond delay="indefinite"/>
                       </p:stCondLst>
                       <p:childTnLst>
                         <p:par>
-                          <p:cTn id="29" fill="hold">
+                          <p:cTn id="30" fill="hold">
                             <p:stCondLst>
                               <p:cond delay="0"/>
                             </p:stCondLst>
                             <p:childTnLst>
                               <p:par>
-                                <p:cTn id="30" presetClass="entr" nodeType="clickEffect" presetSubtype="0" presetID="1" grpId="1" fill="hold">
+                                <p:cTn id="31" presetClass="entr" nodeType="clickEffect" presetSubtype="0" presetID="1" grpId="1" fill="hold">
                                   <p:stCondLst>
                                     <p:cond delay="0"/>
                                   </p:stCondLst>
@@ -23458,7 +23816,7 @@
                                   <p:childTnLst>
                                     <p:set>
                                       <p:cBhvr>
-                                        <p:cTn id="31" fill="hold"/>
+                                        <p:cTn id="32" fill="hold"/>
                                         <p:tgtEl>
                                           <p:spTgt spid="185">
                                             <p:txEl>
@@ -23477,17 +23835,8 @@
                                   </p:childTnLst>
                                 </p:cTn>
                               </p:par>
-                            </p:childTnLst>
-                          </p:cTn>
-                        </p:par>
-                        <p:par>
-                          <p:cTn id="32" fill="hold">
-                            <p:stCondLst>
-                              <p:cond delay="0"/>
-                            </p:stCondLst>
-                            <p:childTnLst>
                               <p:par>
-                                <p:cTn id="33" presetClass="entr" nodeType="afterEffect" presetSubtype="0" presetID="1" grpId="1" fill="hold">
+                                <p:cTn id="33" presetClass="entr" nodeType="withEffect" presetSubtype="0" presetID="1" grpId="1" fill="hold">
                                   <p:stCondLst>
                                     <p:cond delay="0"/>
                                   </p:stCondLst>
@@ -23516,17 +23865,8 @@
                                   </p:childTnLst>
                                 </p:cTn>
                               </p:par>
-                            </p:childTnLst>
-                          </p:cTn>
-                        </p:par>
-                        <p:par>
-                          <p:cTn id="35" fill="hold">
-                            <p:stCondLst>
-                              <p:cond delay="0"/>
-                            </p:stCondLst>
-                            <p:childTnLst>
                               <p:par>
-                                <p:cTn id="36" presetClass="entr" nodeType="afterEffect" presetSubtype="0" presetID="1" grpId="1" fill="hold">
+                                <p:cTn id="35" presetClass="entr" nodeType="withEffect" presetSubtype="0" presetID="1" grpId="1" fill="hold">
                                   <p:stCondLst>
                                     <p:cond delay="0"/>
                                   </p:stCondLst>
@@ -23536,7 +23876,7 @@
                                   <p:childTnLst>
                                     <p:set>
                                       <p:cBhvr>
-                                        <p:cTn id="37" fill="hold"/>
+                                        <p:cTn id="36" fill="hold"/>
                                         <p:tgtEl>
                                           <p:spTgt spid="185">
                                             <p:txEl>
@@ -23558,6 +23898,15 @@
                             </p:childTnLst>
                           </p:cTn>
                         </p:par>
+                      </p:childTnLst>
+                    </p:cTn>
+                  </p:par>
+                  <p:par>
+                    <p:cTn id="37" fill="hold">
+                      <p:stCondLst>
+                        <p:cond delay="indefinite"/>
+                      </p:stCondLst>
+                      <p:childTnLst>
                         <p:par>
                           <p:cTn id="38" fill="hold">
                             <p:stCondLst>
@@ -23565,7 +23914,7 @@
                             </p:stCondLst>
                             <p:childTnLst>
                               <p:par>
-                                <p:cTn id="39" presetClass="entr" nodeType="afterEffect" presetSubtype="0" presetID="1" grpId="1" fill="hold">
+                                <p:cTn id="39" presetClass="entr" nodeType="clickEffect" presetSubtype="0" presetID="1" grpId="1" fill="hold">
                                   <p:stCondLst>
                                     <p:cond delay="0"/>
                                   </p:stCondLst>
@@ -23645,14 +23994,23 @@
                             </p:childTnLst>
                           </p:cTn>
                         </p:par>
+                      </p:childTnLst>
+                    </p:cTn>
+                  </p:par>
+                  <p:par>
+                    <p:cTn id="45" fill="hold">
+                      <p:stCondLst>
+                        <p:cond delay="indefinite"/>
+                      </p:stCondLst>
+                      <p:childTnLst>
                         <p:par>
-                          <p:cTn id="45" fill="hold">
+                          <p:cTn id="46" fill="hold">
                             <p:stCondLst>
                               <p:cond delay="0"/>
                             </p:stCondLst>
                             <p:childTnLst>
                               <p:par>
-                                <p:cTn id="46" presetClass="entr" nodeType="afterEffect" presetSubtype="0" presetID="1" grpId="1" fill="hold">
+                                <p:cTn id="47" presetClass="entr" nodeType="clickEffect" presetSubtype="0" presetID="1" grpId="1" fill="hold">
                                   <p:stCondLst>
                                     <p:cond delay="0"/>
                                   </p:stCondLst>
@@ -23662,7 +24020,7 @@
                                   <p:childTnLst>
                                     <p:set>
                                       <p:cBhvr>
-                                        <p:cTn id="47" fill="hold"/>
+                                        <p:cTn id="48" fill="hold"/>
                                         <p:tgtEl>
                                           <p:spTgt spid="185">
                                             <p:txEl>
@@ -23684,14 +24042,23 @@
                             </p:childTnLst>
                           </p:cTn>
                         </p:par>
+                      </p:childTnLst>
+                    </p:cTn>
+                  </p:par>
+                  <p:par>
+                    <p:cTn id="49" fill="hold">
+                      <p:stCondLst>
+                        <p:cond delay="indefinite"/>
+                      </p:stCondLst>
+                      <p:childTnLst>
                         <p:par>
-                          <p:cTn id="48" fill="hold">
+                          <p:cTn id="50" fill="hold">
                             <p:stCondLst>
                               <p:cond delay="0"/>
                             </p:stCondLst>
                             <p:childTnLst>
                               <p:par>
-                                <p:cTn id="49" presetClass="entr" nodeType="afterEffect" presetSubtype="0" presetID="1" grpId="1" fill="hold">
+                                <p:cTn id="51" presetClass="entr" nodeType="clickEffect" presetSubtype="0" presetID="1" grpId="1" fill="hold">
                                   <p:stCondLst>
                                     <p:cond delay="0"/>
                                   </p:stCondLst>
@@ -23701,7 +24068,7 @@
                                   <p:childTnLst>
                                     <p:set>
                                       <p:cBhvr>
-                                        <p:cTn id="50" fill="hold"/>
+                                        <p:cTn id="52" fill="hold"/>
                                         <p:tgtEl>
                                           <p:spTgt spid="185">
                                             <p:txEl>
@@ -23748,7 +24115,7 @@
       </p:par>
     </p:tnLst>
     <p:bldLst>
-      <p:bldP build="p" bldLvl="5" animBg="1" rev="0" advAuto="0" spid="185" grpId="1"/>
+      <p:bldP build="p" bldLvl="1" animBg="1" rev="0" advAuto="0" spid="185" grpId="1"/>
     </p:bldLst>
   </p:timing>
 </p:sld>

--- a/Slides/2020-Even-DAA-L24-Greedy-Algo-SSSP-Dijkstra.pptx
+++ b/Slides/2020-Even-DAA-L24-Greedy-Algo-SSSP-Dijkstra.pptx
@@ -26,6 +26,7 @@
     <p:sldId id="271" r:id="rId23"/>
     <p:sldId id="272" r:id="rId24"/>
     <p:sldId id="273" r:id="rId25"/>
+    <p:sldId id="274" r:id="rId26"/>
   </p:sldIdLst>
   <p:sldSz cx="10160000" cy="7620000"/>
   <p:notesSz cx="6858000" cy="9144000"/>
@@ -5309,7 +5310,7 @@
       </p:grpSpPr>
       <p:sp>
         <p:nvSpPr>
-          <p:cNvPr id="208" name="Questions"/>
+          <p:cNvPr id="208" name="Greedy Approach: Disjkstra’s Algo"/>
           <p:cNvSpPr txBox="1"/>
           <p:nvPr>
             <p:ph type="title"/>
@@ -5326,14 +5327,14 @@
           <a:p>
             <a:pPr/>
             <a:r>
-              <a:t>Questions</a:t>
+              <a:t>Greedy Approach: Disjkstra’s Algo</a:t>
             </a:r>
           </a:p>
         </p:txBody>
       </p:sp>
       <p:sp>
         <p:nvSpPr>
-          <p:cNvPr id="209" name="Q1: what adjustments if any need to be made in Dijkstra’s algorithm to solve the single-source shortest-paths problem for directed weighted graphs.…"/>
+          <p:cNvPr id="209" name="Greedy Approach:…"/>
           <p:cNvSpPr txBox="1"/>
           <p:nvPr>
             <p:ph type="body" idx="1"/>
@@ -5348,42 +5349,70 @@
           <a:bodyPr/>
           <a:lstStyle/>
           <a:p>
-            <a:pPr>
-              <a:defRPr sz="3000"/>
+            <a:pPr/>
+            <a:r>
+              <a:t>Greedy Approach:</a:t>
+            </a:r>
+          </a:p>
+          <a:p>
+            <a:pPr lvl="1"/>
+            <a:r>
+              <a:t>Make a sequence of choices</a:t>
+            </a:r>
+          </a:p>
+          <a:p>
+            <a:pPr lvl="2"/>
+            <a:r>
+              <a:t>One choice at a time</a:t>
+            </a:r>
+          </a:p>
+          <a:p>
+            <a:pPr lvl="1"/>
+            <a:r>
+              <a:t>Next choice is based on current best value</a:t>
+            </a:r>
+          </a:p>
+          <a:p>
+            <a:pPr lvl="2"/>
+            <a:r>
+              <a:t>Once a choice is made (a node is chosen), this choice is never changed</a:t>
+            </a:r>
+          </a:p>
+          <a:p>
+            <a:pPr marL="289718" indent="-250031">
+              <a:spcBef>
+                <a:spcPts val="500"/>
+              </a:spcBef>
+              <a:defRPr sz="2800"/>
             </a:pPr>
             <a:r>
-              <a:t>Q</a:t>
-            </a:r>
-            <a:r>
-              <a:rPr>
-                <a:latin typeface="Arial"/>
-                <a:ea typeface="Arial"/>
-                <a:cs typeface="Arial"/>
-                <a:sym typeface="Arial"/>
-              </a:rPr>
-              <a:t>1</a:t>
-            </a:r>
-            <a:r>
-              <a:t>: what adjustments if any need to be made in Dijkstra’s algorithm to solve the single-source shortest-paths problem for directed weighted graphs. </a:t>
-            </a:r>
-          </a:p>
-          <a:p>
-            <a:pPr>
-              <a:defRPr sz="3000"/>
-            </a:pPr>
-            <a:r>
-              <a:t>Ans:</a:t>
-            </a:r>
-          </a:p>
-          <a:p>
-            <a:pPr lvl="1" marL="738187" indent="-342900">
+              <a:t>Dijkstra’s Algo:</a:t>
+            </a:r>
+          </a:p>
+          <a:p>
+            <a:pPr lvl="1" marL="645318" indent="-250031">
               <a:spcBef>
-                <a:spcPts val="700"/>
+                <a:spcPts val="500"/>
               </a:spcBef>
               <a:buChar char="•"/>
+              <a:defRPr sz="2800"/>
             </a:pPr>
             <a:r>
-              <a:t>Do we need any changes? Just follow the directed edges.</a:t>
+              <a:t>Select vertex with minimum disance from source </a:t>
+            </a:r>
+          </a:p>
+          <a:p>
+            <a:pPr lvl="2" marL="1102518" indent="-250031"/>
+            <a:r>
+              <a:t>(from via previously selected vertices)</a:t>
+            </a:r>
+          </a:p>
+          <a:p>
+            <a:pPr lvl="1" marL="663178" indent="-267890">
+              <a:buChar char="•"/>
+            </a:pPr>
+            <a:r>
+              <a:t>Greedy approach is optimal in this case</a:t>
             </a:r>
           </a:p>
         </p:txBody>
@@ -5501,211 +5530,6 @@
     <a:masterClrMapping/>
   </p:clrMapOvr>
   <p:transition xmlns:p14="http://schemas.microsoft.com/office/powerpoint/2010/main" spd="med" advClick="1"/>
-  <p:timing>
-    <p:tnLst>
-      <p:par>
-        <p:cTn id="1" nodeType="tmRoot" restart="never" dur="indefinite" fill="hold">
-          <p:childTnLst>
-            <p:seq concurrent="1" prevAc="none" nextAc="seek">
-              <p:cTn id="2" nodeType="mainSeq" dur="indefinite" fill="hold">
-                <p:childTnLst>
-                  <p:par>
-                    <p:cTn id="3" fill="hold">
-                      <p:stCondLst>
-                        <p:cond delay="indefinite"/>
-                      </p:stCondLst>
-                      <p:childTnLst>
-                        <p:par>
-                          <p:cTn id="4" fill="hold">
-                            <p:stCondLst>
-                              <p:cond delay="0"/>
-                            </p:stCondLst>
-                            <p:childTnLst>
-                              <p:par>
-                                <p:cTn id="5" presetClass="entr" nodeType="clickEffect" presetSubtype="0" presetID="1" grpId="1" fill="hold">
-                                  <p:stCondLst>
-                                    <p:cond delay="0"/>
-                                  </p:stCondLst>
-                                  <p:iterate type="el" backwards="0">
-                                    <p:tmAbs val="0"/>
-                                  </p:iterate>
-                                  <p:childTnLst>
-                                    <p:set>
-                                      <p:cBhvr>
-                                        <p:cTn id="6" fill="hold"/>
-                                        <p:tgtEl>
-                                          <p:spTgt spid="209">
-                                            <p:bg/>
-                                          </p:spTgt>
-                                        </p:tgtEl>
-                                        <p:attrNameLst>
-                                          <p:attrName>style.visibility</p:attrName>
-                                        </p:attrNameLst>
-                                      </p:cBhvr>
-                                      <p:to>
-                                        <p:strVal val="visible"/>
-                                      </p:to>
-                                    </p:set>
-                                  </p:childTnLst>
-                                </p:cTn>
-                              </p:par>
-                              <p:par>
-                                <p:cTn id="7" presetClass="entr" nodeType="withEffect" presetSubtype="0" presetID="1" grpId="1" fill="hold">
-                                  <p:stCondLst>
-                                    <p:cond delay="0"/>
-                                  </p:stCondLst>
-                                  <p:iterate type="el" backwards="0">
-                                    <p:tmAbs val="0"/>
-                                  </p:iterate>
-                                  <p:childTnLst>
-                                    <p:set>
-                                      <p:cBhvr>
-                                        <p:cTn id="8" fill="hold"/>
-                                        <p:tgtEl>
-                                          <p:spTgt spid="209">
-                                            <p:txEl>
-                                              <p:pRg st="0" end="0"/>
-                                            </p:txEl>
-                                          </p:spTgt>
-                                        </p:tgtEl>
-                                        <p:attrNameLst>
-                                          <p:attrName>style.visibility</p:attrName>
-                                        </p:attrNameLst>
-                                      </p:cBhvr>
-                                      <p:to>
-                                        <p:strVal val="visible"/>
-                                      </p:to>
-                                    </p:set>
-                                  </p:childTnLst>
-                                </p:cTn>
-                              </p:par>
-                            </p:childTnLst>
-                          </p:cTn>
-                        </p:par>
-                      </p:childTnLst>
-                    </p:cTn>
-                  </p:par>
-                  <p:par>
-                    <p:cTn id="9" fill="hold">
-                      <p:stCondLst>
-                        <p:cond delay="indefinite"/>
-                      </p:stCondLst>
-                      <p:childTnLst>
-                        <p:par>
-                          <p:cTn id="10" fill="hold">
-                            <p:stCondLst>
-                              <p:cond delay="0"/>
-                            </p:stCondLst>
-                            <p:childTnLst>
-                              <p:par>
-                                <p:cTn id="11" presetClass="entr" nodeType="clickEffect" presetSubtype="0" presetID="1" grpId="1" fill="hold">
-                                  <p:stCondLst>
-                                    <p:cond delay="0"/>
-                                  </p:stCondLst>
-                                  <p:iterate type="el" backwards="0">
-                                    <p:tmAbs val="0"/>
-                                  </p:iterate>
-                                  <p:childTnLst>
-                                    <p:set>
-                                      <p:cBhvr>
-                                        <p:cTn id="12" fill="hold"/>
-                                        <p:tgtEl>
-                                          <p:spTgt spid="209">
-                                            <p:txEl>
-                                              <p:pRg st="1" end="1"/>
-                                            </p:txEl>
-                                          </p:spTgt>
-                                        </p:tgtEl>
-                                        <p:attrNameLst>
-                                          <p:attrName>style.visibility</p:attrName>
-                                        </p:attrNameLst>
-                                      </p:cBhvr>
-                                      <p:to>
-                                        <p:strVal val="visible"/>
-                                      </p:to>
-                                    </p:set>
-                                  </p:childTnLst>
-                                </p:cTn>
-                              </p:par>
-                            </p:childTnLst>
-                          </p:cTn>
-                        </p:par>
-                      </p:childTnLst>
-                    </p:cTn>
-                  </p:par>
-                  <p:par>
-                    <p:cTn id="13" fill="hold">
-                      <p:stCondLst>
-                        <p:cond delay="indefinite"/>
-                      </p:stCondLst>
-                      <p:childTnLst>
-                        <p:par>
-                          <p:cTn id="14" fill="hold">
-                            <p:stCondLst>
-                              <p:cond delay="0"/>
-                            </p:stCondLst>
-                            <p:childTnLst>
-                              <p:par>
-                                <p:cTn id="15" presetClass="entr" nodeType="clickEffect" presetSubtype="0" presetID="1" grpId="1" fill="hold">
-                                  <p:stCondLst>
-                                    <p:cond delay="0"/>
-                                  </p:stCondLst>
-                                  <p:iterate type="el" backwards="0">
-                                    <p:tmAbs val="0"/>
-                                  </p:iterate>
-                                  <p:childTnLst>
-                                    <p:set>
-                                      <p:cBhvr>
-                                        <p:cTn id="16" fill="hold"/>
-                                        <p:tgtEl>
-                                          <p:spTgt spid="209">
-                                            <p:txEl>
-                                              <p:pRg st="2" end="2"/>
-                                            </p:txEl>
-                                          </p:spTgt>
-                                        </p:tgtEl>
-                                        <p:attrNameLst>
-                                          <p:attrName>style.visibility</p:attrName>
-                                        </p:attrNameLst>
-                                      </p:cBhvr>
-                                      <p:to>
-                                        <p:strVal val="visible"/>
-                                      </p:to>
-                                    </p:set>
-                                  </p:childTnLst>
-                                </p:cTn>
-                              </p:par>
-                            </p:childTnLst>
-                          </p:cTn>
-                        </p:par>
-                      </p:childTnLst>
-                    </p:cTn>
-                  </p:par>
-                </p:childTnLst>
-              </p:cTn>
-              <p:prevCondLst>
-                <p:cond evt="onPrev">
-                  <p:tgtEl>
-                    <p:sldTgt/>
-                  </p:tgtEl>
-                </p:cond>
-              </p:prevCondLst>
-              <p:nextCondLst>
-                <p:cond evt="onNext">
-                  <p:tgtEl>
-                    <p:sldTgt/>
-                  </p:tgtEl>
-                </p:cond>
-              </p:nextCondLst>
-            </p:seq>
-          </p:childTnLst>
-        </p:cTn>
-      </p:par>
-    </p:tnLst>
-    <p:bldLst>
-      <p:bldP build="p" bldLvl="5" animBg="1" rev="0" advAuto="0" spid="209" grpId="1"/>
-    </p:bldLst>
-  </p:timing>
 </p:sld>
 </file>
 
@@ -5752,7 +5576,7 @@
       </p:sp>
       <p:sp>
         <p:nvSpPr>
-          <p:cNvPr id="215" name="Q2: Find a shortest path between two given vertices of a weighted graph or digraph. (This variation is called the single-pair shortest-path problem.)…"/>
+          <p:cNvPr id="215" name="Q1: what adjustments if any need to be made in Dijkstra’s algorithm to solve the single-source shortest-paths problem for directed weighted graphs.…"/>
           <p:cNvSpPr txBox="1"/>
           <p:nvPr>
             <p:ph type="body" idx="1"/>
@@ -5771,25 +5595,38 @@
               <a:defRPr sz="3000"/>
             </a:pPr>
             <a:r>
-              <a:t>Q2: Find a shortest path between two given vertices of a weighted graph or digraph. (This variation is called the single-pair shortest-path problem.) </a:t>
-            </a:r>
-          </a:p>
-          <a:p>
-            <a:pPr/>
+              <a:t>Q</a:t>
+            </a:r>
+            <a:r>
+              <a:rPr>
+                <a:latin typeface="Arial"/>
+                <a:ea typeface="Arial"/>
+                <a:cs typeface="Arial"/>
+                <a:sym typeface="Arial"/>
+              </a:rPr>
+              <a:t>1</a:t>
+            </a:r>
+            <a:r>
+              <a:t>: what adjustments if any need to be made in Dijkstra’s algorithm to solve the single-source shortest-paths problem for directed weighted graphs. </a:t>
+            </a:r>
+          </a:p>
+          <a:p>
+            <a:pPr>
+              <a:defRPr sz="3000"/>
+            </a:pPr>
             <a:r>
               <a:t>Ans:</a:t>
             </a:r>
           </a:p>
           <a:p>
-            <a:pPr lvl="1"/>
-            <a:r>
-              <a:t>Start from one vertex as source</a:t>
-            </a:r>
-          </a:p>
-          <a:p>
-            <a:pPr lvl="1"/>
-            <a:r>
-              <a:t>Iterate the for loop till you find 2nd vertex.</a:t>
+            <a:pPr lvl="1" marL="738187" indent="-342900">
+              <a:spcBef>
+                <a:spcPts val="700"/>
+              </a:spcBef>
+              <a:buChar char="•"/>
+            </a:pPr>
+            <a:r>
+              <a:t>Do we need any changes? Just follow the directed edges.</a:t>
             </a:r>
           </a:p>
         </p:txBody>
@@ -6087,54 +5924,6 @@
                       </p:childTnLst>
                     </p:cTn>
                   </p:par>
-                  <p:par>
-                    <p:cTn id="17" fill="hold">
-                      <p:stCondLst>
-                        <p:cond delay="indefinite"/>
-                      </p:stCondLst>
-                      <p:childTnLst>
-                        <p:par>
-                          <p:cTn id="18" fill="hold">
-                            <p:stCondLst>
-                              <p:cond delay="0"/>
-                            </p:stCondLst>
-                            <p:childTnLst>
-                              <p:par>
-                                <p:cTn id="19" presetClass="entr" nodeType="clickEffect" presetSubtype="0" presetID="1" grpId="1" fill="hold">
-                                  <p:stCondLst>
-                                    <p:cond delay="0"/>
-                                  </p:stCondLst>
-                                  <p:iterate type="el" backwards="0">
-                                    <p:tmAbs val="0"/>
-                                  </p:iterate>
-                                  <p:childTnLst>
-                                    <p:set>
-                                      <p:cBhvr>
-                                        <p:cTn id="20" fill="hold"/>
-                                        <p:tgtEl>
-                                          <p:spTgt spid="215">
-                                            <p:txEl>
-                                              <p:pRg st="3" end="3"/>
-                                            </p:txEl>
-                                          </p:spTgt>
-                                        </p:tgtEl>
-                                        <p:attrNameLst>
-                                          <p:attrName>style.visibility</p:attrName>
-                                        </p:attrNameLst>
-                                      </p:cBhvr>
-                                      <p:to>
-                                        <p:strVal val="visible"/>
-                                      </p:to>
-                                    </p:set>
-                                  </p:childTnLst>
-                                </p:cTn>
-                              </p:par>
-                            </p:childTnLst>
-                          </p:cTn>
-                        </p:par>
-                      </p:childTnLst>
-                    </p:cTn>
-                  </p:par>
                 </p:childTnLst>
               </p:cTn>
               <p:prevCondLst>
@@ -6206,17 +5995,13 @@
       </p:sp>
       <p:sp>
         <p:nvSpPr>
-          <p:cNvPr id="221" name="Q3: Find the shortest paths to a given vertex from each other vertex of a weighted graph. (This variation is called the single destination shortest-paths problem.)…"/>
+          <p:cNvPr id="221" name="Q2: Find a shortest path between two given vertices of a weighted graph or digraph. (This variation is called the single-pair shortest-path problem.)…"/>
           <p:cNvSpPr txBox="1"/>
           <p:nvPr>
             <p:ph type="body" idx="1"/>
           </p:nvPr>
         </p:nvSpPr>
         <p:spPr>
-          <a:xfrm>
-            <a:off x="666288" y="938113"/>
-            <a:ext cx="9264377" cy="5891610"/>
-          </a:xfrm>
           <a:prstGeom prst="rect">
             <a:avLst/>
           </a:prstGeom>
@@ -6225,107 +6010,29 @@
           <a:bodyPr/>
           <a:lstStyle/>
           <a:p>
+            <a:pPr>
+              <a:defRPr sz="3000"/>
+            </a:pPr>
+            <a:r>
+              <a:t>Q2: Find a shortest path between two given vertices of a weighted graph or digraph. (This variation is called the single-pair shortest-path problem.) </a:t>
+            </a:r>
+          </a:p>
+          <a:p>
             <a:pPr/>
             <a:r>
-              <a:t>Q3: </a:t>
-            </a:r>
-            <a:r>
-              <a:rPr sz="3000"/>
-              <a:t>Find the shortest paths to a given vertex from each other vertex of a weighted graph. (This variation is called the single destination shortest-paths problem.)</a:t>
-            </a:r>
-            <a:endParaRPr sz="3000"/>
-          </a:p>
-          <a:p>
-            <a:pPr marL="350440" indent="-310753">
-              <a:defRPr sz="2900"/>
-            </a:pPr>
-            <a:r>
-              <a:t>Ans: Undirected graph</a:t>
-            </a:r>
-          </a:p>
-          <a:p>
-            <a:pPr lvl="1" marL="671512" indent="-276225">
-              <a:spcBef>
-                <a:spcPts val="700"/>
-              </a:spcBef>
-              <a:defRPr sz="2900"/>
-            </a:pPr>
-            <a:r>
-              <a:t>Start from the destination vertex as source</a:t>
-            </a:r>
-          </a:p>
-          <a:p>
-            <a:pPr lvl="1" marL="671512" indent="-276225">
-              <a:spcBef>
-                <a:spcPts val="700"/>
-              </a:spcBef>
-              <a:defRPr sz="2900"/>
-            </a:pPr>
-            <a:r>
-              <a:t>Find the shortest path from this to all other vertices</a:t>
-            </a:r>
-          </a:p>
-          <a:p>
-            <a:pPr lvl="1" marL="671512" indent="-276225">
-              <a:spcBef>
-                <a:spcPts val="700"/>
-              </a:spcBef>
-              <a:defRPr sz="2900"/>
-            </a:pPr>
-            <a:r>
-              <a:t>Reverse the path</a:t>
-            </a:r>
-          </a:p>
-          <a:p>
-            <a:pPr marL="350440" indent="-310753">
-              <a:defRPr sz="2900"/>
-            </a:pPr>
-            <a:r>
-              <a:t>Ans: directed graph</a:t>
-            </a:r>
-          </a:p>
-          <a:p>
-            <a:pPr lvl="1" marL="671512" indent="-276225">
-              <a:spcBef>
-                <a:spcPts val="700"/>
-              </a:spcBef>
-              <a:defRPr sz="2900"/>
-            </a:pPr>
-            <a:r>
-              <a:t>Reverse the direction of all edges.</a:t>
-            </a:r>
-          </a:p>
-          <a:p>
-            <a:pPr lvl="1" marL="671512" indent="-276225">
-              <a:spcBef>
-                <a:spcPts val="700"/>
-              </a:spcBef>
-              <a:defRPr sz="2900"/>
-            </a:pPr>
-            <a:r>
-              <a:t>Start from the destination vertex as source</a:t>
-            </a:r>
-          </a:p>
-          <a:p>
-            <a:pPr lvl="1" marL="671512" indent="-276225">
-              <a:spcBef>
-                <a:spcPts val="700"/>
-              </a:spcBef>
-              <a:defRPr sz="2900"/>
-            </a:pPr>
-            <a:r>
-              <a:t>Find the shortest path from this src to all other vertices</a:t>
-            </a:r>
-          </a:p>
-          <a:p>
-            <a:pPr lvl="1" marL="671512" indent="-276225">
-              <a:spcBef>
-                <a:spcPts val="700"/>
-              </a:spcBef>
-              <a:defRPr sz="2900"/>
-            </a:pPr>
-            <a:r>
-              <a:t>Reverse the path</a:t>
+              <a:t>Ans:</a:t>
+            </a:r>
+          </a:p>
+          <a:p>
+            <a:pPr lvl="1"/>
+            <a:r>
+              <a:t>Start from one vertex as source</a:t>
+            </a:r>
+          </a:p>
+          <a:p>
+            <a:pPr lvl="1"/>
+            <a:r>
+              <a:t>Iterate the for loop till you find 2nd vertex.</a:t>
             </a:r>
           </a:p>
         </p:txBody>
@@ -6671,294 +6378,6 @@
                       </p:childTnLst>
                     </p:cTn>
                   </p:par>
-                  <p:par>
-                    <p:cTn id="21" fill="hold">
-                      <p:stCondLst>
-                        <p:cond delay="indefinite"/>
-                      </p:stCondLst>
-                      <p:childTnLst>
-                        <p:par>
-                          <p:cTn id="22" fill="hold">
-                            <p:stCondLst>
-                              <p:cond delay="0"/>
-                            </p:stCondLst>
-                            <p:childTnLst>
-                              <p:par>
-                                <p:cTn id="23" presetClass="entr" nodeType="clickEffect" presetSubtype="0" presetID="1" grpId="1" fill="hold">
-                                  <p:stCondLst>
-                                    <p:cond delay="0"/>
-                                  </p:stCondLst>
-                                  <p:iterate type="el" backwards="0">
-                                    <p:tmAbs val="0"/>
-                                  </p:iterate>
-                                  <p:childTnLst>
-                                    <p:set>
-                                      <p:cBhvr>
-                                        <p:cTn id="24" fill="hold"/>
-                                        <p:tgtEl>
-                                          <p:spTgt spid="221">
-                                            <p:txEl>
-                                              <p:pRg st="4" end="4"/>
-                                            </p:txEl>
-                                          </p:spTgt>
-                                        </p:tgtEl>
-                                        <p:attrNameLst>
-                                          <p:attrName>style.visibility</p:attrName>
-                                        </p:attrNameLst>
-                                      </p:cBhvr>
-                                      <p:to>
-                                        <p:strVal val="visible"/>
-                                      </p:to>
-                                    </p:set>
-                                  </p:childTnLst>
-                                </p:cTn>
-                              </p:par>
-                            </p:childTnLst>
-                          </p:cTn>
-                        </p:par>
-                      </p:childTnLst>
-                    </p:cTn>
-                  </p:par>
-                  <p:par>
-                    <p:cTn id="25" fill="hold">
-                      <p:stCondLst>
-                        <p:cond delay="indefinite"/>
-                      </p:stCondLst>
-                      <p:childTnLst>
-                        <p:par>
-                          <p:cTn id="26" fill="hold">
-                            <p:stCondLst>
-                              <p:cond delay="0"/>
-                            </p:stCondLst>
-                            <p:childTnLst>
-                              <p:par>
-                                <p:cTn id="27" presetClass="entr" nodeType="clickEffect" presetSubtype="0" presetID="1" grpId="1" fill="hold">
-                                  <p:stCondLst>
-                                    <p:cond delay="0"/>
-                                  </p:stCondLst>
-                                  <p:iterate type="el" backwards="0">
-                                    <p:tmAbs val="0"/>
-                                  </p:iterate>
-                                  <p:childTnLst>
-                                    <p:set>
-                                      <p:cBhvr>
-                                        <p:cTn id="28" fill="hold"/>
-                                        <p:tgtEl>
-                                          <p:spTgt spid="221">
-                                            <p:txEl>
-                                              <p:pRg st="5" end="5"/>
-                                            </p:txEl>
-                                          </p:spTgt>
-                                        </p:tgtEl>
-                                        <p:attrNameLst>
-                                          <p:attrName>style.visibility</p:attrName>
-                                        </p:attrNameLst>
-                                      </p:cBhvr>
-                                      <p:to>
-                                        <p:strVal val="visible"/>
-                                      </p:to>
-                                    </p:set>
-                                  </p:childTnLst>
-                                </p:cTn>
-                              </p:par>
-                            </p:childTnLst>
-                          </p:cTn>
-                        </p:par>
-                      </p:childTnLst>
-                    </p:cTn>
-                  </p:par>
-                  <p:par>
-                    <p:cTn id="29" fill="hold">
-                      <p:stCondLst>
-                        <p:cond delay="indefinite"/>
-                      </p:stCondLst>
-                      <p:childTnLst>
-                        <p:par>
-                          <p:cTn id="30" fill="hold">
-                            <p:stCondLst>
-                              <p:cond delay="0"/>
-                            </p:stCondLst>
-                            <p:childTnLst>
-                              <p:par>
-                                <p:cTn id="31" presetClass="entr" nodeType="clickEffect" presetSubtype="0" presetID="1" grpId="1" fill="hold">
-                                  <p:stCondLst>
-                                    <p:cond delay="0"/>
-                                  </p:stCondLst>
-                                  <p:iterate type="el" backwards="0">
-                                    <p:tmAbs val="0"/>
-                                  </p:iterate>
-                                  <p:childTnLst>
-                                    <p:set>
-                                      <p:cBhvr>
-                                        <p:cTn id="32" fill="hold"/>
-                                        <p:tgtEl>
-                                          <p:spTgt spid="221">
-                                            <p:txEl>
-                                              <p:pRg st="6" end="6"/>
-                                            </p:txEl>
-                                          </p:spTgt>
-                                        </p:tgtEl>
-                                        <p:attrNameLst>
-                                          <p:attrName>style.visibility</p:attrName>
-                                        </p:attrNameLst>
-                                      </p:cBhvr>
-                                      <p:to>
-                                        <p:strVal val="visible"/>
-                                      </p:to>
-                                    </p:set>
-                                  </p:childTnLst>
-                                </p:cTn>
-                              </p:par>
-                            </p:childTnLst>
-                          </p:cTn>
-                        </p:par>
-                      </p:childTnLst>
-                    </p:cTn>
-                  </p:par>
-                  <p:par>
-                    <p:cTn id="33" fill="hold">
-                      <p:stCondLst>
-                        <p:cond delay="indefinite"/>
-                      </p:stCondLst>
-                      <p:childTnLst>
-                        <p:par>
-                          <p:cTn id="34" fill="hold">
-                            <p:stCondLst>
-                              <p:cond delay="0"/>
-                            </p:stCondLst>
-                            <p:childTnLst>
-                              <p:par>
-                                <p:cTn id="35" presetClass="entr" nodeType="clickEffect" presetSubtype="0" presetID="1" grpId="1" fill="hold">
-                                  <p:stCondLst>
-                                    <p:cond delay="0"/>
-                                  </p:stCondLst>
-                                  <p:iterate type="el" backwards="0">
-                                    <p:tmAbs val="0"/>
-                                  </p:iterate>
-                                  <p:childTnLst>
-                                    <p:set>
-                                      <p:cBhvr>
-                                        <p:cTn id="36" fill="hold"/>
-                                        <p:tgtEl>
-                                          <p:spTgt spid="221">
-                                            <p:txEl>
-                                              <p:pRg st="7" end="7"/>
-                                            </p:txEl>
-                                          </p:spTgt>
-                                        </p:tgtEl>
-                                        <p:attrNameLst>
-                                          <p:attrName>style.visibility</p:attrName>
-                                        </p:attrNameLst>
-                                      </p:cBhvr>
-                                      <p:to>
-                                        <p:strVal val="visible"/>
-                                      </p:to>
-                                    </p:set>
-                                  </p:childTnLst>
-                                </p:cTn>
-                              </p:par>
-                            </p:childTnLst>
-                          </p:cTn>
-                        </p:par>
-                      </p:childTnLst>
-                    </p:cTn>
-                  </p:par>
-                  <p:par>
-                    <p:cTn id="37" fill="hold">
-                      <p:stCondLst>
-                        <p:cond delay="indefinite"/>
-                      </p:stCondLst>
-                      <p:childTnLst>
-                        <p:par>
-                          <p:cTn id="38" fill="hold">
-                            <p:stCondLst>
-                              <p:cond delay="0"/>
-                            </p:stCondLst>
-                            <p:childTnLst>
-                              <p:par>
-                                <p:cTn id="39" presetClass="entr" nodeType="clickEffect" presetSubtype="0" presetID="1" grpId="1" fill="hold">
-                                  <p:stCondLst>
-                                    <p:cond delay="0"/>
-                                  </p:stCondLst>
-                                  <p:iterate type="el" backwards="0">
-                                    <p:tmAbs val="0"/>
-                                  </p:iterate>
-                                  <p:childTnLst>
-                                    <p:set>
-                                      <p:cBhvr>
-                                        <p:cTn id="40" fill="hold"/>
-                                        <p:tgtEl>
-                                          <p:spTgt spid="221">
-                                            <p:txEl>
-                                              <p:pRg st="8" end="8"/>
-                                            </p:txEl>
-                                          </p:spTgt>
-                                        </p:tgtEl>
-                                        <p:attrNameLst>
-                                          <p:attrName>style.visibility</p:attrName>
-                                        </p:attrNameLst>
-                                      </p:cBhvr>
-                                      <p:to>
-                                        <p:strVal val="visible"/>
-                                      </p:to>
-                                    </p:set>
-                                  </p:childTnLst>
-                                </p:cTn>
-                              </p:par>
-                            </p:childTnLst>
-                          </p:cTn>
-                        </p:par>
-                      </p:childTnLst>
-                    </p:cTn>
-                  </p:par>
-                  <p:par>
-                    <p:cTn id="41" fill="hold">
-                      <p:stCondLst>
-                        <p:cond delay="indefinite"/>
-                      </p:stCondLst>
-                      <p:childTnLst>
-                        <p:par>
-                          <p:cTn id="42" fill="hold">
-                            <p:stCondLst>
-                              <p:cond delay="0"/>
-                            </p:stCondLst>
-                            <p:childTnLst>
-                              <p:par>
-                                <p:cTn id="43" presetClass="entr" nodeType="clickEffect" presetSubtype="0" presetID="1" grpId="1" fill="hold">
-                                  <p:stCondLst>
-                                    <p:cond delay="0"/>
-                                  </p:stCondLst>
-                                  <p:iterate type="el" backwards="0">
-                                    <p:tmAbs val="0"/>
-                                  </p:iterate>
-                                  <p:childTnLst>
-                                    <p:set>
-                                      <p:cBhvr>
-                                        <p:cTn id="44" fill="hold"/>
-                                        <p:tgtEl>
-                                          <p:spTgt spid="221">
-                                            <p:txEl>
-                                              <p:pRg st="9" end="9"/>
-                                            </p:txEl>
-                                          </p:spTgt>
-                                        </p:tgtEl>
-                                        <p:attrNameLst>
-                                          <p:attrName>style.visibility</p:attrName>
-                                        </p:attrNameLst>
-                                      </p:cBhvr>
-                                      <p:to>
-                                        <p:strVal val="visible"/>
-                                      </p:to>
-                                    </p:set>
-                                  </p:childTnLst>
-                                </p:cTn>
-                              </p:par>
-                            </p:childTnLst>
-                          </p:cTn>
-                        </p:par>
-                      </p:childTnLst>
-                    </p:cTn>
-                  </p:par>
                 </p:childTnLst>
               </p:cTn>
               <p:prevCondLst>
@@ -7030,13 +6449,17 @@
       </p:sp>
       <p:sp>
         <p:nvSpPr>
-          <p:cNvPr id="227" name="Q4: Solve the single-source shortest-path problem in a graph with non-negative numbers assigned to its vertices (and the length of a path defined as the sum of the vertex numbers on the path).…"/>
+          <p:cNvPr id="227" name="Q3: Find the shortest paths to a given vertex from each other vertex of a weighted graph. (This variation is called the single destination shortest-paths problem.)…"/>
           <p:cNvSpPr txBox="1"/>
           <p:nvPr>
             <p:ph type="body" idx="1"/>
           </p:nvPr>
         </p:nvSpPr>
         <p:spPr>
+          <a:xfrm>
+            <a:off x="666288" y="938113"/>
+            <a:ext cx="9264377" cy="5891610"/>
+          </a:xfrm>
           <a:prstGeom prst="rect">
             <a:avLst/>
           </a:prstGeom>
@@ -7045,26 +6468,107 @@
           <a:bodyPr/>
           <a:lstStyle/>
           <a:p>
-            <a:pPr marL="350440" indent="-310753"/>
-            <a:r>
-              <a:rPr sz="2900"/>
-              <a:t>Q4: Solve the single-source shortest-path problem in a graph with non-negative numbers assigned to its vertices (and the length of a path defined as the sum of the vertex numbers on the path).</a:t>
-            </a:r>
-            <a:endParaRPr sz="2900"/>
-          </a:p>
-          <a:p>
-            <a:pPr marL="350440" indent="-310753"/>
-            <a:r>
-              <a:rPr sz="2900"/>
-              <a:t>Hint: </a:t>
-            </a:r>
-            <a:endParaRPr sz="2900"/>
-          </a:p>
-          <a:p>
-            <a:pPr lvl="1" marL="671512" indent="-276225"/>
-            <a:r>
-              <a:rPr sz="2900"/>
-              <a:t>The weight of the edge is sum of non-negative numbers assigned to vertices of the corresponding edge.</a:t>
+            <a:pPr/>
+            <a:r>
+              <a:t>Q3: </a:t>
+            </a:r>
+            <a:r>
+              <a:rPr sz="3000"/>
+              <a:t>Find the shortest paths to a given vertex from each other vertex of a weighted graph. (This variation is called the single destination shortest-paths problem.)</a:t>
+            </a:r>
+            <a:endParaRPr sz="3000"/>
+          </a:p>
+          <a:p>
+            <a:pPr marL="350440" indent="-310753">
+              <a:defRPr sz="2900"/>
+            </a:pPr>
+            <a:r>
+              <a:t>Ans: Undirected graph</a:t>
+            </a:r>
+          </a:p>
+          <a:p>
+            <a:pPr lvl="1" marL="671512" indent="-276225">
+              <a:spcBef>
+                <a:spcPts val="700"/>
+              </a:spcBef>
+              <a:defRPr sz="2900"/>
+            </a:pPr>
+            <a:r>
+              <a:t>Start from the destination vertex as source</a:t>
+            </a:r>
+          </a:p>
+          <a:p>
+            <a:pPr lvl="1" marL="671512" indent="-276225">
+              <a:spcBef>
+                <a:spcPts val="700"/>
+              </a:spcBef>
+              <a:defRPr sz="2900"/>
+            </a:pPr>
+            <a:r>
+              <a:t>Find the shortest path from this to all other vertices</a:t>
+            </a:r>
+          </a:p>
+          <a:p>
+            <a:pPr lvl="1" marL="671512" indent="-276225">
+              <a:spcBef>
+                <a:spcPts val="700"/>
+              </a:spcBef>
+              <a:defRPr sz="2900"/>
+            </a:pPr>
+            <a:r>
+              <a:t>Reverse the path</a:t>
+            </a:r>
+          </a:p>
+          <a:p>
+            <a:pPr marL="350440" indent="-310753">
+              <a:defRPr sz="2900"/>
+            </a:pPr>
+            <a:r>
+              <a:t>Ans: directed graph</a:t>
+            </a:r>
+          </a:p>
+          <a:p>
+            <a:pPr lvl="1" marL="671512" indent="-276225">
+              <a:spcBef>
+                <a:spcPts val="700"/>
+              </a:spcBef>
+              <a:defRPr sz="2900"/>
+            </a:pPr>
+            <a:r>
+              <a:t>Reverse the direction of all edges.</a:t>
+            </a:r>
+          </a:p>
+          <a:p>
+            <a:pPr lvl="1" marL="671512" indent="-276225">
+              <a:spcBef>
+                <a:spcPts val="700"/>
+              </a:spcBef>
+              <a:defRPr sz="2900"/>
+            </a:pPr>
+            <a:r>
+              <a:t>Start from the destination vertex as source</a:t>
+            </a:r>
+          </a:p>
+          <a:p>
+            <a:pPr lvl="1" marL="671512" indent="-276225">
+              <a:spcBef>
+                <a:spcPts val="700"/>
+              </a:spcBef>
+              <a:defRPr sz="2900"/>
+            </a:pPr>
+            <a:r>
+              <a:t>Find the shortest path from this src to all other vertices</a:t>
+            </a:r>
+          </a:p>
+          <a:p>
+            <a:pPr lvl="1" marL="671512" indent="-276225">
+              <a:spcBef>
+                <a:spcPts val="700"/>
+              </a:spcBef>
+              <a:defRPr sz="2900"/>
+            </a:pPr>
+            <a:r>
+              <a:t>Reverse the path</a:t>
             </a:r>
           </a:p>
         </p:txBody>
@@ -7362,6 +6866,342 @@
                       </p:childTnLst>
                     </p:cTn>
                   </p:par>
+                  <p:par>
+                    <p:cTn id="17" fill="hold">
+                      <p:stCondLst>
+                        <p:cond delay="indefinite"/>
+                      </p:stCondLst>
+                      <p:childTnLst>
+                        <p:par>
+                          <p:cTn id="18" fill="hold">
+                            <p:stCondLst>
+                              <p:cond delay="0"/>
+                            </p:stCondLst>
+                            <p:childTnLst>
+                              <p:par>
+                                <p:cTn id="19" presetClass="entr" nodeType="clickEffect" presetSubtype="0" presetID="1" grpId="1" fill="hold">
+                                  <p:stCondLst>
+                                    <p:cond delay="0"/>
+                                  </p:stCondLst>
+                                  <p:iterate type="el" backwards="0">
+                                    <p:tmAbs val="0"/>
+                                  </p:iterate>
+                                  <p:childTnLst>
+                                    <p:set>
+                                      <p:cBhvr>
+                                        <p:cTn id="20" fill="hold"/>
+                                        <p:tgtEl>
+                                          <p:spTgt spid="227">
+                                            <p:txEl>
+                                              <p:pRg st="3" end="3"/>
+                                            </p:txEl>
+                                          </p:spTgt>
+                                        </p:tgtEl>
+                                        <p:attrNameLst>
+                                          <p:attrName>style.visibility</p:attrName>
+                                        </p:attrNameLst>
+                                      </p:cBhvr>
+                                      <p:to>
+                                        <p:strVal val="visible"/>
+                                      </p:to>
+                                    </p:set>
+                                  </p:childTnLst>
+                                </p:cTn>
+                              </p:par>
+                            </p:childTnLst>
+                          </p:cTn>
+                        </p:par>
+                      </p:childTnLst>
+                    </p:cTn>
+                  </p:par>
+                  <p:par>
+                    <p:cTn id="21" fill="hold">
+                      <p:stCondLst>
+                        <p:cond delay="indefinite"/>
+                      </p:stCondLst>
+                      <p:childTnLst>
+                        <p:par>
+                          <p:cTn id="22" fill="hold">
+                            <p:stCondLst>
+                              <p:cond delay="0"/>
+                            </p:stCondLst>
+                            <p:childTnLst>
+                              <p:par>
+                                <p:cTn id="23" presetClass="entr" nodeType="clickEffect" presetSubtype="0" presetID="1" grpId="1" fill="hold">
+                                  <p:stCondLst>
+                                    <p:cond delay="0"/>
+                                  </p:stCondLst>
+                                  <p:iterate type="el" backwards="0">
+                                    <p:tmAbs val="0"/>
+                                  </p:iterate>
+                                  <p:childTnLst>
+                                    <p:set>
+                                      <p:cBhvr>
+                                        <p:cTn id="24" fill="hold"/>
+                                        <p:tgtEl>
+                                          <p:spTgt spid="227">
+                                            <p:txEl>
+                                              <p:pRg st="4" end="4"/>
+                                            </p:txEl>
+                                          </p:spTgt>
+                                        </p:tgtEl>
+                                        <p:attrNameLst>
+                                          <p:attrName>style.visibility</p:attrName>
+                                        </p:attrNameLst>
+                                      </p:cBhvr>
+                                      <p:to>
+                                        <p:strVal val="visible"/>
+                                      </p:to>
+                                    </p:set>
+                                  </p:childTnLst>
+                                </p:cTn>
+                              </p:par>
+                            </p:childTnLst>
+                          </p:cTn>
+                        </p:par>
+                      </p:childTnLst>
+                    </p:cTn>
+                  </p:par>
+                  <p:par>
+                    <p:cTn id="25" fill="hold">
+                      <p:stCondLst>
+                        <p:cond delay="indefinite"/>
+                      </p:stCondLst>
+                      <p:childTnLst>
+                        <p:par>
+                          <p:cTn id="26" fill="hold">
+                            <p:stCondLst>
+                              <p:cond delay="0"/>
+                            </p:stCondLst>
+                            <p:childTnLst>
+                              <p:par>
+                                <p:cTn id="27" presetClass="entr" nodeType="clickEffect" presetSubtype="0" presetID="1" grpId="1" fill="hold">
+                                  <p:stCondLst>
+                                    <p:cond delay="0"/>
+                                  </p:stCondLst>
+                                  <p:iterate type="el" backwards="0">
+                                    <p:tmAbs val="0"/>
+                                  </p:iterate>
+                                  <p:childTnLst>
+                                    <p:set>
+                                      <p:cBhvr>
+                                        <p:cTn id="28" fill="hold"/>
+                                        <p:tgtEl>
+                                          <p:spTgt spid="227">
+                                            <p:txEl>
+                                              <p:pRg st="5" end="5"/>
+                                            </p:txEl>
+                                          </p:spTgt>
+                                        </p:tgtEl>
+                                        <p:attrNameLst>
+                                          <p:attrName>style.visibility</p:attrName>
+                                        </p:attrNameLst>
+                                      </p:cBhvr>
+                                      <p:to>
+                                        <p:strVal val="visible"/>
+                                      </p:to>
+                                    </p:set>
+                                  </p:childTnLst>
+                                </p:cTn>
+                              </p:par>
+                            </p:childTnLst>
+                          </p:cTn>
+                        </p:par>
+                      </p:childTnLst>
+                    </p:cTn>
+                  </p:par>
+                  <p:par>
+                    <p:cTn id="29" fill="hold">
+                      <p:stCondLst>
+                        <p:cond delay="indefinite"/>
+                      </p:stCondLst>
+                      <p:childTnLst>
+                        <p:par>
+                          <p:cTn id="30" fill="hold">
+                            <p:stCondLst>
+                              <p:cond delay="0"/>
+                            </p:stCondLst>
+                            <p:childTnLst>
+                              <p:par>
+                                <p:cTn id="31" presetClass="entr" nodeType="clickEffect" presetSubtype="0" presetID="1" grpId="1" fill="hold">
+                                  <p:stCondLst>
+                                    <p:cond delay="0"/>
+                                  </p:stCondLst>
+                                  <p:iterate type="el" backwards="0">
+                                    <p:tmAbs val="0"/>
+                                  </p:iterate>
+                                  <p:childTnLst>
+                                    <p:set>
+                                      <p:cBhvr>
+                                        <p:cTn id="32" fill="hold"/>
+                                        <p:tgtEl>
+                                          <p:spTgt spid="227">
+                                            <p:txEl>
+                                              <p:pRg st="6" end="6"/>
+                                            </p:txEl>
+                                          </p:spTgt>
+                                        </p:tgtEl>
+                                        <p:attrNameLst>
+                                          <p:attrName>style.visibility</p:attrName>
+                                        </p:attrNameLst>
+                                      </p:cBhvr>
+                                      <p:to>
+                                        <p:strVal val="visible"/>
+                                      </p:to>
+                                    </p:set>
+                                  </p:childTnLst>
+                                </p:cTn>
+                              </p:par>
+                            </p:childTnLst>
+                          </p:cTn>
+                        </p:par>
+                      </p:childTnLst>
+                    </p:cTn>
+                  </p:par>
+                  <p:par>
+                    <p:cTn id="33" fill="hold">
+                      <p:stCondLst>
+                        <p:cond delay="indefinite"/>
+                      </p:stCondLst>
+                      <p:childTnLst>
+                        <p:par>
+                          <p:cTn id="34" fill="hold">
+                            <p:stCondLst>
+                              <p:cond delay="0"/>
+                            </p:stCondLst>
+                            <p:childTnLst>
+                              <p:par>
+                                <p:cTn id="35" presetClass="entr" nodeType="clickEffect" presetSubtype="0" presetID="1" grpId="1" fill="hold">
+                                  <p:stCondLst>
+                                    <p:cond delay="0"/>
+                                  </p:stCondLst>
+                                  <p:iterate type="el" backwards="0">
+                                    <p:tmAbs val="0"/>
+                                  </p:iterate>
+                                  <p:childTnLst>
+                                    <p:set>
+                                      <p:cBhvr>
+                                        <p:cTn id="36" fill="hold"/>
+                                        <p:tgtEl>
+                                          <p:spTgt spid="227">
+                                            <p:txEl>
+                                              <p:pRg st="7" end="7"/>
+                                            </p:txEl>
+                                          </p:spTgt>
+                                        </p:tgtEl>
+                                        <p:attrNameLst>
+                                          <p:attrName>style.visibility</p:attrName>
+                                        </p:attrNameLst>
+                                      </p:cBhvr>
+                                      <p:to>
+                                        <p:strVal val="visible"/>
+                                      </p:to>
+                                    </p:set>
+                                  </p:childTnLst>
+                                </p:cTn>
+                              </p:par>
+                            </p:childTnLst>
+                          </p:cTn>
+                        </p:par>
+                      </p:childTnLst>
+                    </p:cTn>
+                  </p:par>
+                  <p:par>
+                    <p:cTn id="37" fill="hold">
+                      <p:stCondLst>
+                        <p:cond delay="indefinite"/>
+                      </p:stCondLst>
+                      <p:childTnLst>
+                        <p:par>
+                          <p:cTn id="38" fill="hold">
+                            <p:stCondLst>
+                              <p:cond delay="0"/>
+                            </p:stCondLst>
+                            <p:childTnLst>
+                              <p:par>
+                                <p:cTn id="39" presetClass="entr" nodeType="clickEffect" presetSubtype="0" presetID="1" grpId="1" fill="hold">
+                                  <p:stCondLst>
+                                    <p:cond delay="0"/>
+                                  </p:stCondLst>
+                                  <p:iterate type="el" backwards="0">
+                                    <p:tmAbs val="0"/>
+                                  </p:iterate>
+                                  <p:childTnLst>
+                                    <p:set>
+                                      <p:cBhvr>
+                                        <p:cTn id="40" fill="hold"/>
+                                        <p:tgtEl>
+                                          <p:spTgt spid="227">
+                                            <p:txEl>
+                                              <p:pRg st="8" end="8"/>
+                                            </p:txEl>
+                                          </p:spTgt>
+                                        </p:tgtEl>
+                                        <p:attrNameLst>
+                                          <p:attrName>style.visibility</p:attrName>
+                                        </p:attrNameLst>
+                                      </p:cBhvr>
+                                      <p:to>
+                                        <p:strVal val="visible"/>
+                                      </p:to>
+                                    </p:set>
+                                  </p:childTnLst>
+                                </p:cTn>
+                              </p:par>
+                            </p:childTnLst>
+                          </p:cTn>
+                        </p:par>
+                      </p:childTnLst>
+                    </p:cTn>
+                  </p:par>
+                  <p:par>
+                    <p:cTn id="41" fill="hold">
+                      <p:stCondLst>
+                        <p:cond delay="indefinite"/>
+                      </p:stCondLst>
+                      <p:childTnLst>
+                        <p:par>
+                          <p:cTn id="42" fill="hold">
+                            <p:stCondLst>
+                              <p:cond delay="0"/>
+                            </p:stCondLst>
+                            <p:childTnLst>
+                              <p:par>
+                                <p:cTn id="43" presetClass="entr" nodeType="clickEffect" presetSubtype="0" presetID="1" grpId="1" fill="hold">
+                                  <p:stCondLst>
+                                    <p:cond delay="0"/>
+                                  </p:stCondLst>
+                                  <p:iterate type="el" backwards="0">
+                                    <p:tmAbs val="0"/>
+                                  </p:iterate>
+                                  <p:childTnLst>
+                                    <p:set>
+                                      <p:cBhvr>
+                                        <p:cTn id="44" fill="hold"/>
+                                        <p:tgtEl>
+                                          <p:spTgt spid="227">
+                                            <p:txEl>
+                                              <p:pRg st="9" end="9"/>
+                                            </p:txEl>
+                                          </p:spTgt>
+                                        </p:tgtEl>
+                                        <p:attrNameLst>
+                                          <p:attrName>style.visibility</p:attrName>
+                                        </p:attrNameLst>
+                                      </p:cBhvr>
+                                      <p:to>
+                                        <p:strVal val="visible"/>
+                                      </p:to>
+                                    </p:set>
+                                  </p:childTnLst>
+                                </p:cTn>
+                              </p:par>
+                            </p:childTnLst>
+                          </p:cTn>
+                        </p:par>
+                      </p:childTnLst>
+                    </p:cTn>
+                  </p:par>
                 </p:childTnLst>
               </p:cTn>
               <p:prevCondLst>
@@ -7409,7 +7249,7 @@
       </p:grpSpPr>
       <p:sp>
         <p:nvSpPr>
-          <p:cNvPr id="232" name="Dijkstra vs Prim Algo"/>
+          <p:cNvPr id="232" name="Questions"/>
           <p:cNvSpPr txBox="1"/>
           <p:nvPr>
             <p:ph type="title"/>
@@ -7426,24 +7266,20 @@
           <a:p>
             <a:pPr/>
             <a:r>
-              <a:t>Dijkstra vs Prim Algo</a:t>
+              <a:t>Questions</a:t>
             </a:r>
           </a:p>
         </p:txBody>
       </p:sp>
       <p:sp>
         <p:nvSpPr>
-          <p:cNvPr id="233" name="Do both gave same tree? Consider the example"/>
+          <p:cNvPr id="233" name="Q4: Solve the single-source shortest-path problem in a graph with non-negative numbers assigned to its vertices (and the length of a path defined as the sum of the vertex numbers on the path).…"/>
           <p:cNvSpPr txBox="1"/>
           <p:nvPr>
-            <p:ph type="body" sz="quarter" idx="1"/>
+            <p:ph type="body" idx="1"/>
           </p:nvPr>
         </p:nvSpPr>
         <p:spPr>
-          <a:xfrm>
-            <a:off x="666288" y="938113"/>
-            <a:ext cx="9055611" cy="617135"/>
-          </a:xfrm>
           <a:prstGeom prst="rect">
             <a:avLst/>
           </a:prstGeom>
@@ -7452,9 +7288,26 @@
           <a:bodyPr/>
           <a:lstStyle/>
           <a:p>
-            <a:pPr/>
-            <a:r>
-              <a:t>Do both gave same tree? Consider the example</a:t>
+            <a:pPr marL="350440" indent="-310753"/>
+            <a:r>
+              <a:rPr sz="2900"/>
+              <a:t>Q4: Solve the single-source shortest-path problem in a graph with non-negative numbers assigned to its vertices (and the length of a path defined as the sum of the vertex numbers on the path).</a:t>
+            </a:r>
+            <a:endParaRPr sz="2900"/>
+          </a:p>
+          <a:p>
+            <a:pPr marL="350440" indent="-310753"/>
+            <a:r>
+              <a:rPr sz="2900"/>
+              <a:t>Hint: </a:t>
+            </a:r>
+            <a:endParaRPr sz="2900"/>
+          </a:p>
+          <a:p>
+            <a:pPr lvl="1" marL="671512" indent="-276225"/>
+            <a:r>
+              <a:rPr sz="2900"/>
+              <a:t>The weight of the edge is sum of non-negative numbers assigned to vertices of the corresponding edge.</a:t>
             </a:r>
           </a:p>
         </p:txBody>
@@ -7566,9 +7419,399 @@
           </a:p>
         </p:txBody>
       </p:sp>
+    </p:spTree>
+  </p:cSld>
+  <p:clrMapOvr>
+    <a:masterClrMapping/>
+  </p:clrMapOvr>
+  <p:transition xmlns:p14="http://schemas.microsoft.com/office/powerpoint/2010/main" spd="med" advClick="1"/>
+  <p:timing>
+    <p:tnLst>
+      <p:par>
+        <p:cTn id="1" nodeType="tmRoot" restart="never" dur="indefinite" fill="hold">
+          <p:childTnLst>
+            <p:seq concurrent="1" prevAc="none" nextAc="seek">
+              <p:cTn id="2" nodeType="mainSeq" dur="indefinite" fill="hold">
+                <p:childTnLst>
+                  <p:par>
+                    <p:cTn id="3" fill="hold">
+                      <p:stCondLst>
+                        <p:cond delay="indefinite"/>
+                      </p:stCondLst>
+                      <p:childTnLst>
+                        <p:par>
+                          <p:cTn id="4" fill="hold">
+                            <p:stCondLst>
+                              <p:cond delay="0"/>
+                            </p:stCondLst>
+                            <p:childTnLst>
+                              <p:par>
+                                <p:cTn id="5" presetClass="entr" nodeType="clickEffect" presetSubtype="0" presetID="1" grpId="1" fill="hold">
+                                  <p:stCondLst>
+                                    <p:cond delay="0"/>
+                                  </p:stCondLst>
+                                  <p:iterate type="el" backwards="0">
+                                    <p:tmAbs val="0"/>
+                                  </p:iterate>
+                                  <p:childTnLst>
+                                    <p:set>
+                                      <p:cBhvr>
+                                        <p:cTn id="6" fill="hold"/>
+                                        <p:tgtEl>
+                                          <p:spTgt spid="233">
+                                            <p:bg/>
+                                          </p:spTgt>
+                                        </p:tgtEl>
+                                        <p:attrNameLst>
+                                          <p:attrName>style.visibility</p:attrName>
+                                        </p:attrNameLst>
+                                      </p:cBhvr>
+                                      <p:to>
+                                        <p:strVal val="visible"/>
+                                      </p:to>
+                                    </p:set>
+                                  </p:childTnLst>
+                                </p:cTn>
+                              </p:par>
+                              <p:par>
+                                <p:cTn id="7" presetClass="entr" nodeType="withEffect" presetSubtype="0" presetID="1" grpId="1" fill="hold">
+                                  <p:stCondLst>
+                                    <p:cond delay="0"/>
+                                  </p:stCondLst>
+                                  <p:iterate type="el" backwards="0">
+                                    <p:tmAbs val="0"/>
+                                  </p:iterate>
+                                  <p:childTnLst>
+                                    <p:set>
+                                      <p:cBhvr>
+                                        <p:cTn id="8" fill="hold"/>
+                                        <p:tgtEl>
+                                          <p:spTgt spid="233">
+                                            <p:txEl>
+                                              <p:pRg st="0" end="0"/>
+                                            </p:txEl>
+                                          </p:spTgt>
+                                        </p:tgtEl>
+                                        <p:attrNameLst>
+                                          <p:attrName>style.visibility</p:attrName>
+                                        </p:attrNameLst>
+                                      </p:cBhvr>
+                                      <p:to>
+                                        <p:strVal val="visible"/>
+                                      </p:to>
+                                    </p:set>
+                                  </p:childTnLst>
+                                </p:cTn>
+                              </p:par>
+                            </p:childTnLst>
+                          </p:cTn>
+                        </p:par>
+                      </p:childTnLst>
+                    </p:cTn>
+                  </p:par>
+                  <p:par>
+                    <p:cTn id="9" fill="hold">
+                      <p:stCondLst>
+                        <p:cond delay="indefinite"/>
+                      </p:stCondLst>
+                      <p:childTnLst>
+                        <p:par>
+                          <p:cTn id="10" fill="hold">
+                            <p:stCondLst>
+                              <p:cond delay="0"/>
+                            </p:stCondLst>
+                            <p:childTnLst>
+                              <p:par>
+                                <p:cTn id="11" presetClass="entr" nodeType="clickEffect" presetSubtype="0" presetID="1" grpId="1" fill="hold">
+                                  <p:stCondLst>
+                                    <p:cond delay="0"/>
+                                  </p:stCondLst>
+                                  <p:iterate type="el" backwards="0">
+                                    <p:tmAbs val="0"/>
+                                  </p:iterate>
+                                  <p:childTnLst>
+                                    <p:set>
+                                      <p:cBhvr>
+                                        <p:cTn id="12" fill="hold"/>
+                                        <p:tgtEl>
+                                          <p:spTgt spid="233">
+                                            <p:txEl>
+                                              <p:pRg st="1" end="1"/>
+                                            </p:txEl>
+                                          </p:spTgt>
+                                        </p:tgtEl>
+                                        <p:attrNameLst>
+                                          <p:attrName>style.visibility</p:attrName>
+                                        </p:attrNameLst>
+                                      </p:cBhvr>
+                                      <p:to>
+                                        <p:strVal val="visible"/>
+                                      </p:to>
+                                    </p:set>
+                                  </p:childTnLst>
+                                </p:cTn>
+                              </p:par>
+                            </p:childTnLst>
+                          </p:cTn>
+                        </p:par>
+                      </p:childTnLst>
+                    </p:cTn>
+                  </p:par>
+                  <p:par>
+                    <p:cTn id="13" fill="hold">
+                      <p:stCondLst>
+                        <p:cond delay="indefinite"/>
+                      </p:stCondLst>
+                      <p:childTnLst>
+                        <p:par>
+                          <p:cTn id="14" fill="hold">
+                            <p:stCondLst>
+                              <p:cond delay="0"/>
+                            </p:stCondLst>
+                            <p:childTnLst>
+                              <p:par>
+                                <p:cTn id="15" presetClass="entr" nodeType="clickEffect" presetSubtype="0" presetID="1" grpId="1" fill="hold">
+                                  <p:stCondLst>
+                                    <p:cond delay="0"/>
+                                  </p:stCondLst>
+                                  <p:iterate type="el" backwards="0">
+                                    <p:tmAbs val="0"/>
+                                  </p:iterate>
+                                  <p:childTnLst>
+                                    <p:set>
+                                      <p:cBhvr>
+                                        <p:cTn id="16" fill="hold"/>
+                                        <p:tgtEl>
+                                          <p:spTgt spid="233">
+                                            <p:txEl>
+                                              <p:pRg st="2" end="2"/>
+                                            </p:txEl>
+                                          </p:spTgt>
+                                        </p:tgtEl>
+                                        <p:attrNameLst>
+                                          <p:attrName>style.visibility</p:attrName>
+                                        </p:attrNameLst>
+                                      </p:cBhvr>
+                                      <p:to>
+                                        <p:strVal val="visible"/>
+                                      </p:to>
+                                    </p:set>
+                                  </p:childTnLst>
+                                </p:cTn>
+                              </p:par>
+                            </p:childTnLst>
+                          </p:cTn>
+                        </p:par>
+                      </p:childTnLst>
+                    </p:cTn>
+                  </p:par>
+                </p:childTnLst>
+              </p:cTn>
+              <p:prevCondLst>
+                <p:cond evt="onPrev">
+                  <p:tgtEl>
+                    <p:sldTgt/>
+                  </p:tgtEl>
+                </p:cond>
+              </p:prevCondLst>
+              <p:nextCondLst>
+                <p:cond evt="onNext">
+                  <p:tgtEl>
+                    <p:sldTgt/>
+                  </p:tgtEl>
+                </p:cond>
+              </p:nextCondLst>
+            </p:seq>
+          </p:childTnLst>
+        </p:cTn>
+      </p:par>
+    </p:tnLst>
+    <p:bldLst>
+      <p:bldP build="p" bldLvl="5" animBg="1" rev="0" advAuto="0" spid="233" grpId="1"/>
+    </p:bldLst>
+  </p:timing>
+</p:sld>
+</file>
+
+<file path=ppt/slides/slide18.xml><?xml version="1.0" encoding="utf-8"?>
+<p:sld xmlns:a="http://schemas.openxmlformats.org/drawingml/2006/main" xmlns:r="http://schemas.openxmlformats.org/officeDocument/2006/relationships" xmlns:p="http://schemas.openxmlformats.org/presentationml/2006/main" xmlns:m="http://schemas.openxmlformats.org/officeDocument/2006/math" xmlns:a14="http://schemas.microsoft.com/office/drawing/2010/main" showMasterSp="1" showMasterPhAnim="1">
+  <p:cSld>
+    <p:spTree>
+      <p:nvGrpSpPr>
+        <p:cNvPr id="1" name=""/>
+        <p:cNvGrpSpPr/>
+        <p:nvPr/>
+      </p:nvGrpSpPr>
+      <p:grpSpPr>
+        <a:xfrm>
+          <a:off x="0" y="0"/>
+          <a:ext cx="0" cy="0"/>
+          <a:chOff x="0" y="0"/>
+          <a:chExt cx="0" cy="0"/>
+        </a:xfrm>
+      </p:grpSpPr>
+      <p:sp>
+        <p:nvSpPr>
+          <p:cNvPr id="238" name="Dijkstra vs Prim Algo"/>
+          <p:cNvSpPr txBox="1"/>
+          <p:nvPr>
+            <p:ph type="title"/>
+          </p:nvPr>
+        </p:nvSpPr>
+        <p:spPr>
+          <a:prstGeom prst="rect">
+            <a:avLst/>
+          </a:prstGeom>
+        </p:spPr>
+        <p:txBody>
+          <a:bodyPr/>
+          <a:lstStyle/>
+          <a:p>
+            <a:pPr/>
+            <a:r>
+              <a:t>Dijkstra vs Prim Algo</a:t>
+            </a:r>
+          </a:p>
+        </p:txBody>
+      </p:sp>
+      <p:sp>
+        <p:nvSpPr>
+          <p:cNvPr id="239" name="Do both gave same tree? Consider the example"/>
+          <p:cNvSpPr txBox="1"/>
+          <p:nvPr>
+            <p:ph type="body" sz="quarter" idx="1"/>
+          </p:nvPr>
+        </p:nvSpPr>
+        <p:spPr>
+          <a:xfrm>
+            <a:off x="666288" y="938113"/>
+            <a:ext cx="9055611" cy="617135"/>
+          </a:xfrm>
+          <a:prstGeom prst="rect">
+            <a:avLst/>
+          </a:prstGeom>
+        </p:spPr>
+        <p:txBody>
+          <a:bodyPr/>
+          <a:lstStyle/>
+          <a:p>
+            <a:pPr/>
+            <a:r>
+              <a:t>Do both gave same tree? Consider the example</a:t>
+            </a:r>
+          </a:p>
+        </p:txBody>
+      </p:sp>
+      <p:sp>
+        <p:nvSpPr>
+          <p:cNvPr id="240" name="Slide Number"/>
+          <p:cNvSpPr txBox="1"/>
+          <p:nvPr>
+            <p:ph type="sldNum" sz="quarter" idx="2"/>
+          </p:nvPr>
+        </p:nvSpPr>
+        <p:spPr>
+          <a:prstGeom prst="rect">
+            <a:avLst/>
+          </a:prstGeom>
+          <a:extLst>
+            <a:ext uri="{C572A759-6A51-4108-AA02-DFA0A04FC94B}">
+              <ma14:wrappingTextBoxFlag xmlns:ma14="http://schemas.microsoft.com/office/mac/drawingml/2011/main" val="1"/>
+            </a:ext>
+          </a:extLst>
+        </p:spPr>
+        <p:txBody>
+          <a:bodyPr/>
+          <a:lstStyle/>
+          <a:p>
+            <a:pPr/>
+            <a:fld id="{86CB4B4D-7CA3-9044-876B-883B54F8677D}" type="slidenum"/>
+          </a:p>
+        </p:txBody>
+      </p:sp>
+      <p:sp>
+        <p:nvSpPr>
+          <p:cNvPr id="241" name="DAA/Greedy Algorithms"/>
+          <p:cNvSpPr txBox="1"/>
+          <p:nvPr/>
+        </p:nvSpPr>
+        <p:spPr>
+          <a:xfrm>
+            <a:off x="423212" y="6963885"/>
+            <a:ext cx="3244911" cy="431552"/>
+          </a:xfrm>
+          <a:prstGeom prst="rect">
+            <a:avLst/>
+          </a:prstGeom>
+          <a:ln w="12700">
+            <a:miter lim="400000"/>
+          </a:ln>
+          <a:extLst>
+            <a:ext uri="{C572A759-6A51-4108-AA02-DFA0A04FC94B}">
+              <ma14:wrappingTextBoxFlag xmlns:ma14="http://schemas.microsoft.com/office/mac/drawingml/2011/main" val="1"/>
+            </a:ext>
+          </a:extLst>
+        </p:spPr>
+        <p:txBody>
+          <a:bodyPr wrap="none" lIns="50800" tIns="50800" rIns="50800" bIns="50800" anchor="ctr">
+            <a:spAutoFit/>
+          </a:bodyPr>
+          <a:lstStyle>
+            <a:lvl1pPr>
+              <a:defRPr sz="2400"/>
+            </a:lvl1pPr>
+          </a:lstStyle>
+          <a:p>
+            <a:pPr/>
+            <a:r>
+              <a:t>DAA/Greedy Algorithms</a:t>
+            </a:r>
+          </a:p>
+        </p:txBody>
+      </p:sp>
+      <p:sp>
+        <p:nvSpPr>
+          <p:cNvPr id="242" name="RPR/"/>
+          <p:cNvSpPr txBox="1"/>
+          <p:nvPr/>
+        </p:nvSpPr>
+        <p:spPr>
+          <a:xfrm>
+            <a:off x="7535212" y="6988206"/>
+            <a:ext cx="705605" cy="382910"/>
+          </a:xfrm>
+          <a:prstGeom prst="rect">
+            <a:avLst/>
+          </a:prstGeom>
+          <a:ln w="12700">
+            <a:miter lim="400000"/>
+          </a:ln>
+          <a:extLst>
+            <a:ext uri="{C572A759-6A51-4108-AA02-DFA0A04FC94B}">
+              <ma14:wrappingTextBoxFlag xmlns:ma14="http://schemas.microsoft.com/office/mac/drawingml/2011/main" val="1"/>
+            </a:ext>
+          </a:extLst>
+        </p:spPr>
+        <p:txBody>
+          <a:bodyPr wrap="none" lIns="50800" tIns="50800" rIns="50800" bIns="50800" anchor="ctr">
+            <a:spAutoFit/>
+          </a:bodyPr>
+          <a:lstStyle>
+            <a:lvl1pPr>
+              <a:defRPr sz="2000"/>
+            </a:lvl1pPr>
+          </a:lstStyle>
+          <a:p>
+            <a:pPr/>
+            <a:r>
+              <a:t>RPR/</a:t>
+            </a:r>
+          </a:p>
+        </p:txBody>
+      </p:sp>
       <p:grpSp>
         <p:nvGrpSpPr>
-          <p:cNvPr id="269" name="Group"/>
+          <p:cNvPr id="275" name="Group"/>
           <p:cNvGrpSpPr/>
           <p:nvPr/>
         </p:nvGrpSpPr>
@@ -7582,7 +7825,7 @@
         </p:grpSpPr>
         <p:sp>
           <p:nvSpPr>
-            <p:cNvPr id="237" name="a"/>
+            <p:cNvPr id="243" name="a"/>
             <p:cNvSpPr/>
             <p:nvPr/>
           </p:nvSpPr>
@@ -7633,7 +7876,7 @@
         </p:sp>
         <p:sp>
           <p:nvSpPr>
-            <p:cNvPr id="238" name="d"/>
+            <p:cNvPr id="244" name="d"/>
             <p:cNvSpPr/>
             <p:nvPr/>
           </p:nvSpPr>
@@ -7684,7 +7927,7 @@
         </p:sp>
         <p:sp>
           <p:nvSpPr>
-            <p:cNvPr id="239" name="e"/>
+            <p:cNvPr id="245" name="e"/>
             <p:cNvSpPr/>
             <p:nvPr/>
           </p:nvSpPr>
@@ -7735,7 +7978,7 @@
         </p:sp>
         <p:sp>
           <p:nvSpPr>
-            <p:cNvPr id="240" name="b"/>
+            <p:cNvPr id="246" name="b"/>
             <p:cNvSpPr/>
             <p:nvPr/>
           </p:nvSpPr>
@@ -7786,7 +8029,7 @@
         </p:sp>
         <p:sp>
           <p:nvSpPr>
-            <p:cNvPr id="241" name="f"/>
+            <p:cNvPr id="247" name="f"/>
             <p:cNvSpPr/>
             <p:nvPr/>
           </p:nvSpPr>
@@ -7837,7 +8080,7 @@
         </p:sp>
         <p:sp>
           <p:nvSpPr>
-            <p:cNvPr id="242" name="c"/>
+            <p:cNvPr id="248" name="c"/>
             <p:cNvSpPr/>
             <p:nvPr/>
           </p:nvSpPr>
@@ -7888,7 +8131,7 @@
         </p:sp>
         <p:sp>
           <p:nvSpPr>
-            <p:cNvPr id="243" name="Line"/>
+            <p:cNvPr id="249" name="Line"/>
             <p:cNvSpPr/>
             <p:nvPr/>
           </p:nvSpPr>
@@ -7922,7 +8165,7 @@
         </p:sp>
         <p:sp>
           <p:nvSpPr>
-            <p:cNvPr id="244" name="Line"/>
+            <p:cNvPr id="250" name="Line"/>
             <p:cNvSpPr/>
             <p:nvPr/>
           </p:nvSpPr>
@@ -7956,7 +8199,7 @@
         </p:sp>
         <p:sp>
           <p:nvSpPr>
-            <p:cNvPr id="245" name="Line"/>
+            <p:cNvPr id="251" name="Line"/>
             <p:cNvSpPr/>
             <p:nvPr/>
           </p:nvSpPr>
@@ -7990,7 +8233,7 @@
         </p:sp>
         <p:sp>
           <p:nvSpPr>
-            <p:cNvPr id="246" name="Line"/>
+            <p:cNvPr id="252" name="Line"/>
             <p:cNvSpPr/>
             <p:nvPr/>
           </p:nvSpPr>
@@ -8024,7 +8267,7 @@
         </p:sp>
         <p:sp>
           <p:nvSpPr>
-            <p:cNvPr id="247" name="Line"/>
+            <p:cNvPr id="253" name="Line"/>
             <p:cNvSpPr/>
             <p:nvPr/>
           </p:nvSpPr>
@@ -8058,7 +8301,7 @@
         </p:sp>
         <p:sp>
           <p:nvSpPr>
-            <p:cNvPr id="248" name="Line"/>
+            <p:cNvPr id="254" name="Line"/>
             <p:cNvSpPr/>
             <p:nvPr/>
           </p:nvSpPr>
@@ -8092,7 +8335,7 @@
         </p:sp>
         <p:sp>
           <p:nvSpPr>
-            <p:cNvPr id="249" name="Line"/>
+            <p:cNvPr id="255" name="Line"/>
             <p:cNvSpPr/>
             <p:nvPr/>
           </p:nvSpPr>
@@ -8126,7 +8369,7 @@
         </p:sp>
         <p:sp>
           <p:nvSpPr>
-            <p:cNvPr id="250" name="Line"/>
+            <p:cNvPr id="256" name="Line"/>
             <p:cNvSpPr/>
             <p:nvPr/>
           </p:nvSpPr>
@@ -8160,7 +8403,7 @@
         </p:sp>
         <p:sp>
           <p:nvSpPr>
-            <p:cNvPr id="251" name="Line"/>
+            <p:cNvPr id="257" name="Line"/>
             <p:cNvSpPr/>
             <p:nvPr/>
           </p:nvSpPr>
@@ -8194,7 +8437,7 @@
         </p:sp>
         <p:sp>
           <p:nvSpPr>
-            <p:cNvPr id="252" name="Line"/>
+            <p:cNvPr id="258" name="Line"/>
             <p:cNvSpPr/>
             <p:nvPr/>
           </p:nvSpPr>
@@ -8228,7 +8471,7 @@
         </p:sp>
         <p:sp>
           <p:nvSpPr>
-            <p:cNvPr id="253" name="2"/>
+            <p:cNvPr id="259" name="2"/>
             <p:cNvSpPr txBox="1"/>
             <p:nvPr/>
           </p:nvSpPr>
@@ -8276,7 +8519,7 @@
         </p:sp>
         <p:sp>
           <p:nvSpPr>
-            <p:cNvPr id="254" name="6"/>
+            <p:cNvPr id="260" name="6"/>
             <p:cNvSpPr txBox="1"/>
             <p:nvPr/>
           </p:nvSpPr>
@@ -8324,7 +8567,7 @@
         </p:sp>
         <p:sp>
           <p:nvSpPr>
-            <p:cNvPr id="255" name="3"/>
+            <p:cNvPr id="261" name="3"/>
             <p:cNvSpPr txBox="1"/>
             <p:nvPr/>
           </p:nvSpPr>
@@ -8372,7 +8615,7 @@
         </p:sp>
         <p:sp>
           <p:nvSpPr>
-            <p:cNvPr id="256" name="5"/>
+            <p:cNvPr id="262" name="5"/>
             <p:cNvSpPr txBox="1"/>
             <p:nvPr/>
           </p:nvSpPr>
@@ -8420,7 +8663,7 @@
         </p:sp>
         <p:sp>
           <p:nvSpPr>
-            <p:cNvPr id="257" name="1"/>
+            <p:cNvPr id="263" name="1"/>
             <p:cNvSpPr txBox="1"/>
             <p:nvPr/>
           </p:nvSpPr>
@@ -8468,7 +8711,7 @@
         </p:sp>
         <p:sp>
           <p:nvSpPr>
-            <p:cNvPr id="258" name="4"/>
+            <p:cNvPr id="264" name="4"/>
             <p:cNvSpPr txBox="1"/>
             <p:nvPr/>
           </p:nvSpPr>
@@ -8516,7 +8759,7 @@
         </p:sp>
         <p:sp>
           <p:nvSpPr>
-            <p:cNvPr id="259" name="4"/>
+            <p:cNvPr id="265" name="4"/>
             <p:cNvSpPr txBox="1"/>
             <p:nvPr/>
           </p:nvSpPr>
@@ -8564,7 +8807,7 @@
         </p:sp>
         <p:sp>
           <p:nvSpPr>
-            <p:cNvPr id="260" name="5"/>
+            <p:cNvPr id="266" name="5"/>
             <p:cNvSpPr txBox="1"/>
             <p:nvPr/>
           </p:nvSpPr>
@@ -8612,7 +8855,7 @@
         </p:sp>
         <p:sp>
           <p:nvSpPr>
-            <p:cNvPr id="261" name="6"/>
+            <p:cNvPr id="267" name="6"/>
             <p:cNvSpPr txBox="1"/>
             <p:nvPr/>
           </p:nvSpPr>
@@ -8660,7 +8903,7 @@
         </p:sp>
         <p:sp>
           <p:nvSpPr>
-            <p:cNvPr id="262" name="8"/>
+            <p:cNvPr id="268" name="8"/>
             <p:cNvSpPr txBox="1"/>
             <p:nvPr/>
           </p:nvSpPr>
@@ -8708,7 +8951,7 @@
         </p:sp>
         <p:sp>
           <p:nvSpPr>
-            <p:cNvPr id="263" name="a"/>
+            <p:cNvPr id="269" name="a"/>
             <p:cNvSpPr/>
             <p:nvPr/>
           </p:nvSpPr>
@@ -8759,7 +9002,7 @@
         </p:sp>
         <p:sp>
           <p:nvSpPr>
-            <p:cNvPr id="264" name="b"/>
+            <p:cNvPr id="270" name="b"/>
             <p:cNvSpPr/>
             <p:nvPr/>
           </p:nvSpPr>
@@ -8810,7 +9053,7 @@
         </p:sp>
         <p:sp>
           <p:nvSpPr>
-            <p:cNvPr id="265" name="c"/>
+            <p:cNvPr id="271" name="c"/>
             <p:cNvSpPr/>
             <p:nvPr/>
           </p:nvSpPr>
@@ -8861,7 +9104,7 @@
         </p:sp>
         <p:sp>
           <p:nvSpPr>
-            <p:cNvPr id="266" name="d"/>
+            <p:cNvPr id="272" name="d"/>
             <p:cNvSpPr/>
             <p:nvPr/>
           </p:nvSpPr>
@@ -8912,7 +9155,7 @@
         </p:sp>
         <p:sp>
           <p:nvSpPr>
-            <p:cNvPr id="267" name="e"/>
+            <p:cNvPr id="273" name="e"/>
             <p:cNvSpPr/>
             <p:nvPr/>
           </p:nvSpPr>
@@ -8963,7 +9206,7 @@
         </p:sp>
         <p:sp>
           <p:nvSpPr>
-            <p:cNvPr id="268" name="f"/>
+            <p:cNvPr id="274" name="f"/>
             <p:cNvSpPr/>
             <p:nvPr/>
           </p:nvSpPr>
@@ -9015,7 +9258,7 @@
       </p:grpSp>
       <p:grpSp>
         <p:nvGrpSpPr>
-          <p:cNvPr id="303" name="Group"/>
+          <p:cNvPr id="309" name="Group"/>
           <p:cNvGrpSpPr/>
           <p:nvPr/>
         </p:nvGrpSpPr>
@@ -9029,7 +9272,7 @@
         </p:grpSpPr>
         <p:sp>
           <p:nvSpPr>
-            <p:cNvPr id="270" name="d"/>
+            <p:cNvPr id="276" name="d"/>
             <p:cNvSpPr/>
             <p:nvPr/>
           </p:nvSpPr>
@@ -9080,7 +9323,7 @@
         </p:sp>
         <p:grpSp>
           <p:nvGrpSpPr>
-            <p:cNvPr id="302" name="Group"/>
+            <p:cNvPr id="308" name="Group"/>
             <p:cNvGrpSpPr/>
             <p:nvPr/>
           </p:nvGrpSpPr>
@@ -9094,7 +9337,7 @@
           </p:grpSpPr>
           <p:sp>
             <p:nvSpPr>
-              <p:cNvPr id="271" name="a"/>
+              <p:cNvPr id="277" name="a"/>
               <p:cNvSpPr/>
               <p:nvPr/>
             </p:nvSpPr>
@@ -9145,7 +9388,7 @@
           </p:sp>
           <p:sp>
             <p:nvSpPr>
-              <p:cNvPr id="272" name="e"/>
+              <p:cNvPr id="278" name="e"/>
               <p:cNvSpPr/>
               <p:nvPr/>
             </p:nvSpPr>
@@ -9196,7 +9439,7 @@
           </p:sp>
           <p:sp>
             <p:nvSpPr>
-              <p:cNvPr id="273" name="b"/>
+              <p:cNvPr id="279" name="b"/>
               <p:cNvSpPr/>
               <p:nvPr/>
             </p:nvSpPr>
@@ -9247,7 +9490,7 @@
           </p:sp>
           <p:sp>
             <p:nvSpPr>
-              <p:cNvPr id="274" name="f"/>
+              <p:cNvPr id="280" name="f"/>
               <p:cNvSpPr/>
               <p:nvPr/>
             </p:nvSpPr>
@@ -9298,7 +9541,7 @@
           </p:sp>
           <p:sp>
             <p:nvSpPr>
-              <p:cNvPr id="275" name="c"/>
+              <p:cNvPr id="281" name="c"/>
               <p:cNvSpPr/>
               <p:nvPr/>
             </p:nvSpPr>
@@ -9349,7 +9592,7 @@
           </p:sp>
           <p:sp>
             <p:nvSpPr>
-              <p:cNvPr id="276" name="Line"/>
+              <p:cNvPr id="282" name="Line"/>
               <p:cNvSpPr/>
               <p:nvPr/>
             </p:nvSpPr>
@@ -9383,7 +9626,7 @@
           </p:sp>
           <p:sp>
             <p:nvSpPr>
-              <p:cNvPr id="277" name="Line"/>
+              <p:cNvPr id="283" name="Line"/>
               <p:cNvSpPr/>
               <p:nvPr/>
             </p:nvSpPr>
@@ -9419,7 +9662,7 @@
           </p:sp>
           <p:sp>
             <p:nvSpPr>
-              <p:cNvPr id="278" name="Line"/>
+              <p:cNvPr id="284" name="Line"/>
               <p:cNvSpPr/>
               <p:nvPr/>
             </p:nvSpPr>
@@ -9455,7 +9698,7 @@
           </p:sp>
           <p:sp>
             <p:nvSpPr>
-              <p:cNvPr id="279" name="Line"/>
+              <p:cNvPr id="285" name="Line"/>
               <p:cNvSpPr/>
               <p:nvPr/>
             </p:nvSpPr>
@@ -9491,7 +9734,7 @@
           </p:sp>
           <p:sp>
             <p:nvSpPr>
-              <p:cNvPr id="280" name="Line"/>
+              <p:cNvPr id="286" name="Line"/>
               <p:cNvSpPr/>
               <p:nvPr/>
             </p:nvSpPr>
@@ -9525,7 +9768,7 @@
           </p:sp>
           <p:sp>
             <p:nvSpPr>
-              <p:cNvPr id="281" name="Line"/>
+              <p:cNvPr id="287" name="Line"/>
               <p:cNvSpPr/>
               <p:nvPr/>
             </p:nvSpPr>
@@ -9561,7 +9804,7 @@
           </p:sp>
           <p:sp>
             <p:nvSpPr>
-              <p:cNvPr id="282" name="Line"/>
+              <p:cNvPr id="288" name="Line"/>
               <p:cNvSpPr/>
               <p:nvPr/>
             </p:nvSpPr>
@@ -9595,7 +9838,7 @@
           </p:sp>
           <p:sp>
             <p:nvSpPr>
-              <p:cNvPr id="283" name="Line"/>
+              <p:cNvPr id="289" name="Line"/>
               <p:cNvSpPr/>
               <p:nvPr/>
             </p:nvSpPr>
@@ -9631,7 +9874,7 @@
           </p:sp>
           <p:sp>
             <p:nvSpPr>
-              <p:cNvPr id="284" name="Line"/>
+              <p:cNvPr id="290" name="Line"/>
               <p:cNvSpPr/>
               <p:nvPr/>
             </p:nvSpPr>
@@ -9665,7 +9908,7 @@
           </p:sp>
           <p:sp>
             <p:nvSpPr>
-              <p:cNvPr id="285" name="Line"/>
+              <p:cNvPr id="291" name="Line"/>
               <p:cNvSpPr/>
               <p:nvPr/>
             </p:nvSpPr>
@@ -9699,7 +9942,7 @@
           </p:sp>
           <p:sp>
             <p:nvSpPr>
-              <p:cNvPr id="286" name="2"/>
+              <p:cNvPr id="292" name="2"/>
               <p:cNvSpPr txBox="1"/>
               <p:nvPr/>
             </p:nvSpPr>
@@ -9747,7 +9990,7 @@
           </p:sp>
           <p:sp>
             <p:nvSpPr>
-              <p:cNvPr id="287" name="6"/>
+              <p:cNvPr id="293" name="6"/>
               <p:cNvSpPr txBox="1"/>
               <p:nvPr/>
             </p:nvSpPr>
@@ -9798,7 +10041,7 @@
           </p:sp>
           <p:sp>
             <p:nvSpPr>
-              <p:cNvPr id="288" name="3"/>
+              <p:cNvPr id="294" name="3"/>
               <p:cNvSpPr txBox="1"/>
               <p:nvPr/>
             </p:nvSpPr>
@@ -9846,7 +10089,7 @@
           </p:sp>
           <p:sp>
             <p:nvSpPr>
-              <p:cNvPr id="289" name="5"/>
+              <p:cNvPr id="295" name="5"/>
               <p:cNvSpPr txBox="1"/>
               <p:nvPr/>
             </p:nvSpPr>
@@ -9897,7 +10140,7 @@
           </p:sp>
           <p:sp>
             <p:nvSpPr>
-              <p:cNvPr id="290" name="1"/>
+              <p:cNvPr id="296" name="1"/>
               <p:cNvSpPr txBox="1"/>
               <p:nvPr/>
             </p:nvSpPr>
@@ -9945,7 +10188,7 @@
           </p:sp>
           <p:sp>
             <p:nvSpPr>
-              <p:cNvPr id="291" name="4"/>
+              <p:cNvPr id="297" name="4"/>
               <p:cNvSpPr txBox="1"/>
               <p:nvPr/>
             </p:nvSpPr>
@@ -9993,7 +10236,7 @@
           </p:sp>
           <p:sp>
             <p:nvSpPr>
-              <p:cNvPr id="292" name="4"/>
+              <p:cNvPr id="298" name="4"/>
               <p:cNvSpPr txBox="1"/>
               <p:nvPr/>
             </p:nvSpPr>
@@ -10044,7 +10287,7 @@
           </p:sp>
           <p:sp>
             <p:nvSpPr>
-              <p:cNvPr id="293" name="5"/>
+              <p:cNvPr id="299" name="5"/>
               <p:cNvSpPr txBox="1"/>
               <p:nvPr/>
             </p:nvSpPr>
@@ -10092,7 +10335,7 @@
           </p:sp>
           <p:sp>
             <p:nvSpPr>
-              <p:cNvPr id="294" name="6"/>
+              <p:cNvPr id="300" name="6"/>
               <p:cNvSpPr txBox="1"/>
               <p:nvPr/>
             </p:nvSpPr>
@@ -10143,7 +10386,7 @@
           </p:sp>
           <p:sp>
             <p:nvSpPr>
-              <p:cNvPr id="295" name="8"/>
+              <p:cNvPr id="301" name="8"/>
               <p:cNvSpPr txBox="1"/>
               <p:nvPr/>
             </p:nvSpPr>
@@ -10194,7 +10437,7 @@
           </p:sp>
           <p:sp>
             <p:nvSpPr>
-              <p:cNvPr id="296" name="a"/>
+              <p:cNvPr id="302" name="a"/>
               <p:cNvSpPr/>
               <p:nvPr/>
             </p:nvSpPr>
@@ -10245,7 +10488,7 @@
           </p:sp>
           <p:sp>
             <p:nvSpPr>
-              <p:cNvPr id="297" name="b"/>
+              <p:cNvPr id="303" name="b"/>
               <p:cNvSpPr/>
               <p:nvPr/>
             </p:nvSpPr>
@@ -10296,7 +10539,7 @@
           </p:sp>
           <p:sp>
             <p:nvSpPr>
-              <p:cNvPr id="298" name="c"/>
+              <p:cNvPr id="304" name="c"/>
               <p:cNvSpPr/>
               <p:nvPr/>
             </p:nvSpPr>
@@ -10347,7 +10590,7 @@
           </p:sp>
           <p:sp>
             <p:nvSpPr>
-              <p:cNvPr id="299" name="d"/>
+              <p:cNvPr id="305" name="d"/>
               <p:cNvSpPr/>
               <p:nvPr/>
             </p:nvSpPr>
@@ -10398,7 +10641,7 @@
           </p:sp>
           <p:sp>
             <p:nvSpPr>
-              <p:cNvPr id="300" name="e"/>
+              <p:cNvPr id="306" name="e"/>
               <p:cNvSpPr/>
               <p:nvPr/>
             </p:nvSpPr>
@@ -10449,7 +10692,7 @@
           </p:sp>
           <p:sp>
             <p:nvSpPr>
-              <p:cNvPr id="301" name="f"/>
+              <p:cNvPr id="307" name="f"/>
               <p:cNvSpPr/>
               <p:nvPr/>
             </p:nvSpPr>
@@ -10502,7 +10745,7 @@
       </p:grpSp>
       <p:grpSp>
         <p:nvGrpSpPr>
-          <p:cNvPr id="335" name="Group"/>
+          <p:cNvPr id="341" name="Group"/>
           <p:cNvGrpSpPr/>
           <p:nvPr/>
         </p:nvGrpSpPr>
@@ -10516,7 +10759,7 @@
         </p:grpSpPr>
         <p:sp>
           <p:nvSpPr>
-            <p:cNvPr id="304" name="d"/>
+            <p:cNvPr id="310" name="d"/>
             <p:cNvSpPr/>
             <p:nvPr/>
           </p:nvSpPr>
@@ -10567,7 +10810,7 @@
         </p:sp>
         <p:sp>
           <p:nvSpPr>
-            <p:cNvPr id="305" name="e"/>
+            <p:cNvPr id="311" name="e"/>
             <p:cNvSpPr/>
             <p:nvPr/>
           </p:nvSpPr>
@@ -10618,7 +10861,7 @@
         </p:sp>
         <p:sp>
           <p:nvSpPr>
-            <p:cNvPr id="306" name="b"/>
+            <p:cNvPr id="312" name="b"/>
             <p:cNvSpPr/>
             <p:nvPr/>
           </p:nvSpPr>
@@ -10669,7 +10912,7 @@
         </p:sp>
         <p:sp>
           <p:nvSpPr>
-            <p:cNvPr id="307" name="f"/>
+            <p:cNvPr id="313" name="f"/>
             <p:cNvSpPr/>
             <p:nvPr/>
           </p:nvSpPr>
@@ -10720,7 +10963,7 @@
         </p:sp>
         <p:sp>
           <p:nvSpPr>
-            <p:cNvPr id="308" name="c"/>
+            <p:cNvPr id="314" name="c"/>
             <p:cNvSpPr/>
             <p:nvPr/>
           </p:nvSpPr>
@@ -10771,7 +11014,7 @@
         </p:sp>
         <p:sp>
           <p:nvSpPr>
-            <p:cNvPr id="309" name="Line"/>
+            <p:cNvPr id="315" name="Line"/>
             <p:cNvSpPr/>
             <p:nvPr/>
           </p:nvSpPr>
@@ -10805,7 +11048,7 @@
         </p:sp>
         <p:sp>
           <p:nvSpPr>
-            <p:cNvPr id="310" name="Line"/>
+            <p:cNvPr id="316" name="Line"/>
             <p:cNvSpPr/>
             <p:nvPr/>
           </p:nvSpPr>
@@ -10841,7 +11084,7 @@
         </p:sp>
         <p:sp>
           <p:nvSpPr>
-            <p:cNvPr id="311" name="Line"/>
+            <p:cNvPr id="317" name="Line"/>
             <p:cNvSpPr/>
             <p:nvPr/>
           </p:nvSpPr>
@@ -10877,7 +11120,7 @@
         </p:sp>
         <p:sp>
           <p:nvSpPr>
-            <p:cNvPr id="312" name="Line"/>
+            <p:cNvPr id="318" name="Line"/>
             <p:cNvSpPr/>
             <p:nvPr/>
           </p:nvSpPr>
@@ -10911,7 +11154,7 @@
         </p:sp>
         <p:sp>
           <p:nvSpPr>
-            <p:cNvPr id="313" name="Line"/>
+            <p:cNvPr id="319" name="Line"/>
             <p:cNvSpPr/>
             <p:nvPr/>
           </p:nvSpPr>
@@ -10947,7 +11190,7 @@
         </p:sp>
         <p:sp>
           <p:nvSpPr>
-            <p:cNvPr id="314" name="Line"/>
+            <p:cNvPr id="320" name="Line"/>
             <p:cNvSpPr/>
             <p:nvPr/>
           </p:nvSpPr>
@@ -10983,7 +11226,7 @@
         </p:sp>
         <p:sp>
           <p:nvSpPr>
-            <p:cNvPr id="315" name="Line"/>
+            <p:cNvPr id="321" name="Line"/>
             <p:cNvSpPr/>
             <p:nvPr/>
           </p:nvSpPr>
@@ -11017,7 +11260,7 @@
         </p:sp>
         <p:sp>
           <p:nvSpPr>
-            <p:cNvPr id="316" name="Line"/>
+            <p:cNvPr id="322" name="Line"/>
             <p:cNvSpPr/>
             <p:nvPr/>
           </p:nvSpPr>
@@ -11051,7 +11294,7 @@
         </p:sp>
         <p:sp>
           <p:nvSpPr>
-            <p:cNvPr id="317" name="Line"/>
+            <p:cNvPr id="323" name="Line"/>
             <p:cNvSpPr/>
             <p:nvPr/>
           </p:nvSpPr>
@@ -11085,7 +11328,7 @@
         </p:sp>
         <p:sp>
           <p:nvSpPr>
-            <p:cNvPr id="318" name="Line"/>
+            <p:cNvPr id="324" name="Line"/>
             <p:cNvSpPr/>
             <p:nvPr/>
           </p:nvSpPr>
@@ -11121,7 +11364,7 @@
         </p:sp>
         <p:sp>
           <p:nvSpPr>
-            <p:cNvPr id="319" name="2"/>
+            <p:cNvPr id="325" name="2"/>
             <p:cNvSpPr txBox="1"/>
             <p:nvPr/>
           </p:nvSpPr>
@@ -11172,7 +11415,7 @@
         </p:sp>
         <p:sp>
           <p:nvSpPr>
-            <p:cNvPr id="320" name="6"/>
+            <p:cNvPr id="326" name="6"/>
             <p:cNvSpPr txBox="1"/>
             <p:nvPr/>
           </p:nvSpPr>
@@ -11220,7 +11463,7 @@
         </p:sp>
         <p:sp>
           <p:nvSpPr>
-            <p:cNvPr id="321" name="3"/>
+            <p:cNvPr id="327" name="3"/>
             <p:cNvSpPr txBox="1"/>
             <p:nvPr/>
           </p:nvSpPr>
@@ -11268,7 +11511,7 @@
         </p:sp>
         <p:sp>
           <p:nvSpPr>
-            <p:cNvPr id="322" name="5"/>
+            <p:cNvPr id="328" name="5"/>
             <p:cNvSpPr txBox="1"/>
             <p:nvPr/>
           </p:nvSpPr>
@@ -11316,7 +11559,7 @@
         </p:sp>
         <p:sp>
           <p:nvSpPr>
-            <p:cNvPr id="323" name="1"/>
+            <p:cNvPr id="329" name="1"/>
             <p:cNvSpPr txBox="1"/>
             <p:nvPr/>
           </p:nvSpPr>
@@ -11364,7 +11607,7 @@
         </p:sp>
         <p:sp>
           <p:nvSpPr>
-            <p:cNvPr id="324" name="4"/>
+            <p:cNvPr id="330" name="4"/>
             <p:cNvSpPr txBox="1"/>
             <p:nvPr/>
           </p:nvSpPr>
@@ -11415,7 +11658,7 @@
         </p:sp>
         <p:sp>
           <p:nvSpPr>
-            <p:cNvPr id="325" name="4"/>
+            <p:cNvPr id="331" name="4"/>
             <p:cNvSpPr txBox="1"/>
             <p:nvPr/>
           </p:nvSpPr>
@@ -11466,7 +11709,7 @@
         </p:sp>
         <p:sp>
           <p:nvSpPr>
-            <p:cNvPr id="326" name="5"/>
+            <p:cNvPr id="332" name="5"/>
             <p:cNvSpPr txBox="1"/>
             <p:nvPr/>
           </p:nvSpPr>
@@ -11514,7 +11757,7 @@
         </p:sp>
         <p:sp>
           <p:nvSpPr>
-            <p:cNvPr id="327" name="6"/>
+            <p:cNvPr id="333" name="6"/>
             <p:cNvSpPr txBox="1"/>
             <p:nvPr/>
           </p:nvSpPr>
@@ -11565,7 +11808,7 @@
         </p:sp>
         <p:sp>
           <p:nvSpPr>
-            <p:cNvPr id="328" name="8"/>
+            <p:cNvPr id="334" name="8"/>
             <p:cNvSpPr txBox="1"/>
             <p:nvPr/>
           </p:nvSpPr>
@@ -11616,7 +11859,7 @@
         </p:sp>
         <p:sp>
           <p:nvSpPr>
-            <p:cNvPr id="329" name="a"/>
+            <p:cNvPr id="335" name="a"/>
             <p:cNvSpPr/>
             <p:nvPr/>
           </p:nvSpPr>
@@ -11667,7 +11910,7 @@
         </p:sp>
         <p:sp>
           <p:nvSpPr>
-            <p:cNvPr id="330" name="b"/>
+            <p:cNvPr id="336" name="b"/>
             <p:cNvSpPr/>
             <p:nvPr/>
           </p:nvSpPr>
@@ -11718,7 +11961,7 @@
         </p:sp>
         <p:sp>
           <p:nvSpPr>
-            <p:cNvPr id="331" name="c"/>
+            <p:cNvPr id="337" name="c"/>
             <p:cNvSpPr/>
             <p:nvPr/>
           </p:nvSpPr>
@@ -11769,7 +12012,7 @@
         </p:sp>
         <p:sp>
           <p:nvSpPr>
-            <p:cNvPr id="332" name="d"/>
+            <p:cNvPr id="338" name="d"/>
             <p:cNvSpPr/>
             <p:nvPr/>
           </p:nvSpPr>
@@ -11820,7 +12063,7 @@
         </p:sp>
         <p:sp>
           <p:nvSpPr>
-            <p:cNvPr id="333" name="e"/>
+            <p:cNvPr id="339" name="e"/>
             <p:cNvSpPr/>
             <p:nvPr/>
           </p:nvSpPr>
@@ -11871,7 +12114,7 @@
         </p:sp>
         <p:sp>
           <p:nvSpPr>
-            <p:cNvPr id="334" name="f"/>
+            <p:cNvPr id="340" name="f"/>
             <p:cNvSpPr/>
             <p:nvPr/>
           </p:nvSpPr>
@@ -11923,7 +12166,7 @@
       </p:grpSp>
       <p:sp>
         <p:nvSpPr>
-          <p:cNvPr id="336" name="Prim’s algo"/>
+          <p:cNvPr id="342" name="Prim’s algo"/>
           <p:cNvSpPr txBox="1"/>
           <p:nvPr/>
         </p:nvSpPr>
@@ -11972,7 +12215,7 @@
       </p:sp>
       <p:sp>
         <p:nvSpPr>
-          <p:cNvPr id="337" name="Dijkstra algo"/>
+          <p:cNvPr id="343" name="Dijkstra algo"/>
           <p:cNvSpPr txBox="1"/>
           <p:nvPr/>
         </p:nvSpPr>
@@ -12021,7 +12264,7 @@
       </p:sp>
       <p:sp>
         <p:nvSpPr>
-          <p:cNvPr id="338" name="cost=15, sum distance=38"/>
+          <p:cNvPr id="344" name="cost=15, sum distance=38"/>
           <p:cNvSpPr txBox="1"/>
           <p:nvPr/>
         </p:nvSpPr>
@@ -12077,7 +12320,7 @@
       </p:sp>
       <p:sp>
         <p:nvSpPr>
-          <p:cNvPr id="339" name="cost=20, sum distance=28"/>
+          <p:cNvPr id="345" name="cost=20, sum distance=28"/>
           <p:cNvSpPr txBox="1"/>
           <p:nvPr/>
         </p:nvSpPr>
@@ -12170,7 +12413,7 @@
                                       <p:cBhvr>
                                         <p:cTn id="6" fill="hold"/>
                                         <p:tgtEl>
-                                          <p:spTgt spid="233"/>
+                                          <p:spTgt spid="239"/>
                                         </p:tgtEl>
                                         <p:attrNameLst>
                                           <p:attrName>style.visibility</p:attrName>
@@ -12214,7 +12457,7 @@
                                       <p:cBhvr>
                                         <p:cTn id="10" fill="hold"/>
                                         <p:tgtEl>
-                                          <p:spTgt spid="269"/>
+                                          <p:spTgt spid="275"/>
                                         </p:tgtEl>
                                         <p:attrNameLst>
                                           <p:attrName>style.visibility</p:attrName>
@@ -12258,7 +12501,7 @@
                                       <p:cBhvr>
                                         <p:cTn id="14" fill="hold"/>
                                         <p:tgtEl>
-                                          <p:spTgt spid="336"/>
+                                          <p:spTgt spid="342"/>
                                         </p:tgtEl>
                                         <p:attrNameLst>
                                           <p:attrName>style.visibility</p:attrName>
@@ -12302,7 +12545,7 @@
                                       <p:cBhvr>
                                         <p:cTn id="18" fill="hold"/>
                                         <p:tgtEl>
-                                          <p:spTgt spid="303"/>
+                                          <p:spTgt spid="309"/>
                                         </p:tgtEl>
                                         <p:attrNameLst>
                                           <p:attrName>style.visibility</p:attrName>
@@ -12346,7 +12589,7 @@
                                       <p:cBhvr>
                                         <p:cTn id="22" fill="hold"/>
                                         <p:tgtEl>
-                                          <p:spTgt spid="337"/>
+                                          <p:spTgt spid="343"/>
                                         </p:tgtEl>
                                         <p:attrNameLst>
                                           <p:attrName>style.visibility</p:attrName>
@@ -12390,7 +12633,7 @@
                                       <p:cBhvr>
                                         <p:cTn id="26" fill="hold"/>
                                         <p:tgtEl>
-                                          <p:spTgt spid="335"/>
+                                          <p:spTgt spid="341"/>
                                         </p:tgtEl>
                                         <p:attrNameLst>
                                           <p:attrName>style.visibility</p:attrName>
@@ -12434,7 +12677,7 @@
                                       <p:cBhvr>
                                         <p:cTn id="30" fill="hold"/>
                                         <p:tgtEl>
-                                          <p:spTgt spid="338"/>
+                                          <p:spTgt spid="344"/>
                                         </p:tgtEl>
                                         <p:attrNameLst>
                                           <p:attrName>style.visibility</p:attrName>
@@ -12478,7 +12721,7 @@
                                       <p:cBhvr>
                                         <p:cTn id="34" fill="hold"/>
                                         <p:tgtEl>
-                                          <p:spTgt spid="339"/>
+                                          <p:spTgt spid="345"/>
                                         </p:tgtEl>
                                         <p:attrNameLst>
                                           <p:attrName>style.visibility</p:attrName>
@@ -12519,20 +12762,20 @@
       </p:par>
     </p:tnLst>
     <p:bldLst>
-      <p:bldP build="whole" bldLvl="1" animBg="1" rev="0" advAuto="0" spid="269" grpId="2"/>
-      <p:bldP build="whole" bldLvl="1" animBg="1" rev="0" advAuto="0" spid="339" grpId="8"/>
-      <p:bldP build="whole" bldLvl="1" animBg="1" rev="0" advAuto="0" spid="233" grpId="1"/>
-      <p:bldP build="whole" bldLvl="1" animBg="1" rev="0" advAuto="0" spid="336" grpId="3"/>
-      <p:bldP build="whole" bldLvl="1" animBg="1" rev="0" advAuto="0" spid="303" grpId="4"/>
-      <p:bldP build="whole" bldLvl="1" animBg="1" rev="0" advAuto="0" spid="335" grpId="6"/>
-      <p:bldP build="whole" bldLvl="1" animBg="1" rev="0" advAuto="0" spid="337" grpId="5"/>
-      <p:bldP build="whole" bldLvl="1" animBg="1" rev="0" advAuto="0" spid="338" grpId="7"/>
+      <p:bldP build="whole" bldLvl="1" animBg="1" rev="0" advAuto="0" spid="341" grpId="6"/>
+      <p:bldP build="whole" bldLvl="1" animBg="1" rev="0" advAuto="0" spid="345" grpId="8"/>
+      <p:bldP build="whole" bldLvl="1" animBg="1" rev="0" advAuto="0" spid="342" grpId="3"/>
+      <p:bldP build="whole" bldLvl="1" animBg="1" rev="0" advAuto="0" spid="275" grpId="2"/>
+      <p:bldP build="whole" bldLvl="1" animBg="1" rev="0" advAuto="0" spid="309" grpId="4"/>
+      <p:bldP build="whole" bldLvl="1" animBg="1" rev="0" advAuto="0" spid="343" grpId="5"/>
+      <p:bldP build="whole" bldLvl="1" animBg="1" rev="0" advAuto="0" spid="239" grpId="1"/>
+      <p:bldP build="whole" bldLvl="1" animBg="1" rev="0" advAuto="0" spid="344" grpId="7"/>
     </p:bldLst>
   </p:timing>
 </p:sld>
 </file>
 
-<file path=ppt/slides/slide18.xml><?xml version="1.0" encoding="utf-8"?>
+<file path=ppt/slides/slide19.xml><?xml version="1.0" encoding="utf-8"?>
 <p:sld xmlns:a="http://schemas.openxmlformats.org/drawingml/2006/main" xmlns:r="http://schemas.openxmlformats.org/officeDocument/2006/relationships" xmlns:p="http://schemas.openxmlformats.org/presentationml/2006/main" xmlns:m="http://schemas.openxmlformats.org/officeDocument/2006/math" xmlns:a14="http://schemas.microsoft.com/office/drawing/2010/main" showMasterSp="1" showMasterPhAnim="1">
   <p:cSld>
     <p:spTree>
@@ -12551,7 +12794,7 @@
       </p:grpSpPr>
       <p:sp>
         <p:nvSpPr>
-          <p:cNvPr id="341" name="Summary"/>
+          <p:cNvPr id="347" name="Summary"/>
           <p:cNvSpPr txBox="1"/>
           <p:nvPr>
             <p:ph type="title"/>
@@ -12575,7 +12818,7 @@
       </p:sp>
       <p:sp>
         <p:nvSpPr>
-          <p:cNvPr id="342" name="Dijkstra’s algorithm…"/>
+          <p:cNvPr id="348" name="Dijkstra’s algorithm…"/>
           <p:cNvSpPr txBox="1"/>
           <p:nvPr>
             <p:ph type="body" idx="1"/>
@@ -12647,7 +12890,7 @@
       </p:sp>
       <p:sp>
         <p:nvSpPr>
-          <p:cNvPr id="343" name="Slide Number"/>
+          <p:cNvPr id="349" name="Slide Number"/>
           <p:cNvSpPr txBox="1"/>
           <p:nvPr>
             <p:ph type="sldNum" sz="quarter" idx="2"/>
@@ -12674,7 +12917,7 @@
       </p:sp>
       <p:sp>
         <p:nvSpPr>
-          <p:cNvPr id="344" name="DAA/Greedy Algorithms"/>
+          <p:cNvPr id="350" name="DAA/Greedy Algorithms"/>
           <p:cNvSpPr txBox="1"/>
           <p:nvPr/>
         </p:nvSpPr>
@@ -12714,7 +12957,7 @@
       </p:sp>
       <p:sp>
         <p:nvSpPr>
-          <p:cNvPr id="345" name="RPR/"/>
+          <p:cNvPr id="351" name="RPR/"/>
           <p:cNvSpPr txBox="1"/>
           <p:nvPr/>
         </p:nvSpPr>
@@ -21512,52 +21755,52 @@
       </p:par>
     </p:tnLst>
     <p:bldLst>
-      <p:bldP build="whole" bldLvl="1" animBg="1" rev="0" advAuto="0" spid="159" grpId="36"/>
+      <p:bldP build="whole" bldLvl="1" animBg="1" rev="0" advAuto="0" spid="115" grpId="29"/>
+      <p:bldP build="whole" bldLvl="1" animBg="1" rev="0" advAuto="0" spid="145" grpId="16"/>
+      <p:bldP build="whole" bldLvl="1" animBg="1" rev="0" advAuto="0" spid="155" grpId="26"/>
+      <p:bldP build="whole" bldLvl="1" animBg="1" rev="0" advAuto="0" spid="114" grpId="1"/>
+      <p:bldP build="whole" bldLvl="1" animBg="1" rev="0" advAuto="0" spid="119" grpId="20"/>
+      <p:bldP build="whole" bldLvl="1" animBg="1" rev="0" advAuto="0" spid="152" grpId="45"/>
       <p:bldP build="whole" bldLvl="1" animBg="1" rev="0" advAuto="0" spid="116" grpId="25"/>
-      <p:bldP build="whole" bldLvl="1" animBg="1" rev="0" advAuto="0" spid="119" grpId="20"/>
-      <p:bldP build="whole" bldLvl="1" animBg="1" rev="0" advAuto="0" spid="145" grpId="16"/>
       <p:bldP build="whole" bldLvl="1" animBg="1" rev="0" advAuto="0" spid="155" grpId="33"/>
-      <p:bldP build="whole" bldLvl="1" animBg="1" rev="0" advAuto="0" spid="161" grpId="46"/>
+      <p:bldP build="whole" bldLvl="1" animBg="1" rev="0" advAuto="0" spid="143" grpId="21"/>
+      <p:bldP build="whole" bldLvl="1" animBg="1" rev="0" advAuto="0" spid="149" grpId="27"/>
+      <p:bldP build="whole" bldLvl="1" animBg="1" rev="0" advAuto="0" spid="115" grpId="37"/>
+      <p:bldP build="whole" bldLvl="1" animBg="1" rev="0" advAuto="0" spid="141" grpId="4"/>
+      <p:bldP build="whole" bldLvl="1" animBg="1" rev="0" advAuto="0" spid="156" grpId="31"/>
       <p:bldP build="whole" bldLvl="1" animBg="1" rev="0" advAuto="0" spid="155" grpId="40"/>
+      <p:bldP build="whole" bldLvl="1" animBg="1" rev="0" advAuto="0" spid="150" grpId="35"/>
+      <p:bldP build="whole" bldLvl="1" animBg="1" rev="0" advAuto="0" spid="115" grpId="43"/>
+      <p:bldP build="whole" bldLvl="1" animBg="1" rev="0" advAuto="0" spid="141" grpId="10"/>
+      <p:bldP build="whole" bldLvl="1" animBg="1" rev="0" advAuto="0" spid="154" grpId="41"/>
+      <p:bldP build="whole" bldLvl="1" animBg="1" rev="0" advAuto="0" spid="156" grpId="38"/>
       <p:bldP build="whole" bldLvl="1" animBg="1" rev="0" advAuto="0" spid="116" grpId="39"/>
-      <p:bldP build="whole" bldLvl="1" animBg="1" rev="0" advAuto="0" spid="153" grpId="14"/>
-      <p:bldP build="whole" bldLvl="1" animBg="1" rev="0" advAuto="0" spid="148" grpId="11"/>
-      <p:bldP build="whole" bldLvl="1" animBg="1" rev="0" advAuto="0" spid="157" grpId="19"/>
-      <p:bldP build="whole" bldLvl="1" animBg="1" rev="0" advAuto="0" spid="140" grpId="2"/>
-      <p:bldP build="whole" bldLvl="1" animBg="1" rev="0" advAuto="0" spid="143" grpId="5"/>
-      <p:bldP build="whole" bldLvl="1" animBg="1" rev="0" advAuto="0" spid="153" grpId="24"/>
+      <p:bldP build="whole" bldLvl="1" animBg="1" rev="0" advAuto="0" spid="142" grpId="3"/>
+      <p:bldP build="whole" bldLvl="1" animBg="1" rev="0" advAuto="0" spid="156" grpId="44"/>
+      <p:bldP build="whole" bldLvl="1" animBg="1" rev="0" advAuto="0" spid="146" grpId="6"/>
       <p:bldP build="whole" bldLvl="1" animBg="1" rev="0" advAuto="0" spid="158" grpId="28"/>
       <p:bldP build="whole" bldLvl="1" animBg="1" rev="0" advAuto="0" spid="118" grpId="12"/>
-      <p:bldP build="whole" bldLvl="1" animBg="1" rev="0" advAuto="0" spid="141" grpId="4"/>
+      <p:bldP build="whole" bldLvl="1" animBg="1" rev="0" advAuto="0" spid="153" grpId="14"/>
+      <p:bldP build="whole" bldLvl="1" animBg="1" rev="0" advAuto="0" spid="159" grpId="36"/>
       <p:bldP build="whole" bldLvl="1" animBg="1" rev="0" advAuto="0" spid="144" grpId="8"/>
+      <p:bldP build="whole" bldLvl="1" animBg="1" rev="0" advAuto="0" spid="117" grpId="9"/>
+      <p:bldP build="whole" bldLvl="1" animBg="1" rev="0" advAuto="0" spid="153" grpId="24"/>
+      <p:bldP build="whole" bldLvl="1" animBg="1" rev="0" advAuto="0" spid="147" grpId="18"/>
+      <p:bldP build="whole" bldLvl="1" animBg="1" rev="0" advAuto="0" spid="144" grpId="13"/>
+      <p:bldP build="whole" bldLvl="1" animBg="1" rev="0" advAuto="0" spid="118" grpId="23"/>
+      <p:bldP build="whole" bldLvl="1" animBg="1" rev="0" advAuto="0" spid="140" grpId="2"/>
+      <p:bldP build="whole" bldLvl="1" animBg="1" rev="0" advAuto="0" spid="148" grpId="11"/>
       <p:bldP build="whole" bldLvl="1" animBg="1" rev="0" advAuto="0" spid="153" grpId="32"/>
-      <p:bldP build="whole" bldLvl="1" animBg="1" rev="0" advAuto="0" spid="149" grpId="27"/>
-      <p:bldP build="whole" bldLvl="1" animBg="1" rev="0" advAuto="0" spid="141" grpId="10"/>
-      <p:bldP build="whole" bldLvl="1" animBg="1" rev="0" advAuto="0" spid="144" grpId="13"/>
-      <p:bldP build="whole" bldLvl="1" animBg="1" rev="0" advAuto="0" spid="146" grpId="6"/>
-      <p:bldP build="whole" bldLvl="1" animBg="1" rev="0" advAuto="0" spid="143" grpId="21"/>
-      <p:bldP build="whole" bldLvl="1" animBg="1" rev="0" advAuto="0" spid="156" grpId="31"/>
-      <p:bldP build="whole" bldLvl="1" animBg="1" rev="0" advAuto="0" spid="118" grpId="23"/>
-      <p:bldP build="whole" bldLvl="1" animBg="1" rev="0" advAuto="0" spid="115" grpId="29"/>
-      <p:bldP build="whole" bldLvl="1" animBg="1" rev="0" advAuto="0" spid="150" grpId="35"/>
-      <p:bldP build="whole" bldLvl="1" animBg="1" rev="0" advAuto="0" spid="154" grpId="41"/>
-      <p:bldP build="whole" bldLvl="1" animBg="1" rev="0" advAuto="0" spid="114" grpId="1"/>
-      <p:bldP build="whole" bldLvl="1" animBg="1" rev="0" advAuto="0" spid="156" grpId="38"/>
+      <p:bldP build="whole" bldLvl="1" animBg="1" rev="0" advAuto="0" spid="146" grpId="30"/>
+      <p:bldP build="whole" bldLvl="1" animBg="1" rev="0" advAuto="0" spid="118" grpId="34"/>
+      <p:bldP build="whole" bldLvl="1" animBg="1" rev="0" advAuto="0" spid="143" grpId="5"/>
+      <p:bldP build="whole" bldLvl="1" animBg="1" rev="0" advAuto="0" spid="145" grpId="7"/>
+      <p:bldP build="whole" bldLvl="1" animBg="1" rev="0" advAuto="0" spid="155" grpId="17"/>
+      <p:bldP build="whole" bldLvl="1" animBg="1" rev="0" advAuto="0" spid="157" grpId="19"/>
+      <p:bldP build="whole" bldLvl="1" animBg="1" rev="0" advAuto="0" spid="161" grpId="46"/>
+      <p:bldP build="whole" bldLvl="1" animBg="1" rev="0" advAuto="0" spid="151" grpId="22"/>
+      <p:bldP build="whole" bldLvl="1" animBg="1" rev="0" advAuto="0" spid="116" grpId="15"/>
       <p:bldP build="whole" bldLvl="1" animBg="1" rev="0" advAuto="0" spid="160" grpId="42"/>
-      <p:bldP build="whole" bldLvl="1" animBg="1" rev="0" advAuto="0" spid="118" grpId="34"/>
-      <p:bldP build="whole" bldLvl="1" animBg="1" rev="0" advAuto="0" spid="155" grpId="17"/>
-      <p:bldP build="whole" bldLvl="1" animBg="1" rev="0" advAuto="0" spid="117" grpId="9"/>
-      <p:bldP build="whole" bldLvl="1" animBg="1" rev="0" advAuto="0" spid="115" grpId="37"/>
-      <p:bldP build="whole" bldLvl="1" animBg="1" rev="0" advAuto="0" spid="156" grpId="44"/>
-      <p:bldP build="whole" bldLvl="1" animBg="1" rev="0" advAuto="0" spid="147" grpId="18"/>
-      <p:bldP build="whole" bldLvl="1" animBg="1" rev="0" advAuto="0" spid="116" grpId="15"/>
-      <p:bldP build="whole" bldLvl="1" animBg="1" rev="0" advAuto="0" spid="142" grpId="3"/>
-      <p:bldP build="whole" bldLvl="1" animBg="1" rev="0" advAuto="0" spid="145" grpId="7"/>
-      <p:bldP build="whole" bldLvl="1" animBg="1" rev="0" advAuto="0" spid="115" grpId="43"/>
-      <p:bldP build="whole" bldLvl="1" animBg="1" rev="0" advAuto="0" spid="155" grpId="26"/>
-      <p:bldP build="whole" bldLvl="1" animBg="1" rev="0" advAuto="0" spid="152" grpId="45"/>
-      <p:bldP build="whole" bldLvl="1" animBg="1" rev="0" advAuto="0" spid="146" grpId="30"/>
-      <p:bldP build="whole" bldLvl="1" animBg="1" rev="0" advAuto="0" spid="151" grpId="22"/>
     </p:bldLst>
   </p:timing>
 </p:sld>
@@ -22839,8 +23082,8 @@
     </p:tnLst>
     <p:bldLst>
       <p:bldP build="p" bldLvl="5" animBg="1" rev="0" advAuto="0" spid="164" grpId="1"/>
+      <p:bldP build="whole" bldLvl="1" animBg="1" rev="0" advAuto="0" spid="180" grpId="2"/>
       <p:bldP build="whole" bldLvl="1" animBg="1" rev="0" advAuto="0" spid="181" grpId="3"/>
-      <p:bldP build="whole" bldLvl="1" animBg="1" rev="0" advAuto="0" spid="180" grpId="2"/>
       <p:bldP build="whole" bldLvl="1" animBg="1" rev="0" advAuto="0" spid="182" grpId="4"/>
     </p:bldLst>
   </p:timing>
